--- a/Assets/Class/Animator & Blend Tree/PPT Data/Animation Example.pptx
+++ b/Assets/Class/Animator & Blend Tree/PPT Data/Animation Example.pptx
@@ -2,36 +2,35 @@
 <file path=ppt/presentation.xml><?xml version="1.0" encoding="utf-8"?>
 <p:presentation xmlns:a="http://schemas.openxmlformats.org/drawingml/2006/main" xmlns:r="http://schemas.openxmlformats.org/officeDocument/2006/relationships" xmlns:p="http://schemas.openxmlformats.org/presentationml/2006/main" xmlns:p14="http://schemas.microsoft.com/office/powerpoint/2010/main" saveSubsetFonts="1" firstSlideNum="0">
   <p:sldMasterIdLst>
-    <p:sldMasterId id="2147486179" r:id="rId12"/>
+    <p:sldMasterId id="2147486180" r:id="rId12"/>
   </p:sldMasterIdLst>
   <p:notesMasterIdLst>
     <p:notesMasterId r:id="rId14"/>
   </p:notesMasterIdLst>
   <p:sldIdLst>
     <p:sldId id="294" r:id="rId16"/>
-    <p:sldId id="295" r:id="rId17"/>
-    <p:sldId id="296" r:id="rId18"/>
-    <p:sldId id="291" r:id="rId19"/>
-    <p:sldId id="297" r:id="rId20"/>
-    <p:sldId id="298" r:id="rId21"/>
-    <p:sldId id="299" r:id="rId22"/>
-    <p:sldId id="300" r:id="rId23"/>
-    <p:sldId id="301" r:id="rId24"/>
-    <p:sldId id="302" r:id="rId25"/>
-    <p:sldId id="292" r:id="rId26"/>
-    <p:sldId id="303" r:id="rId27"/>
-    <p:sldId id="304" r:id="rId28"/>
-    <p:sldId id="305" r:id="rId29"/>
-    <p:sldId id="306" r:id="rId30"/>
-    <p:sldId id="307" r:id="rId31"/>
-    <p:sldId id="308" r:id="rId32"/>
-    <p:sldId id="309" r:id="rId33"/>
-    <p:sldId id="310" r:id="rId34"/>
-    <p:sldId id="311" r:id="rId35"/>
-    <p:sldId id="312" r:id="rId36"/>
-    <p:sldId id="313" r:id="rId37"/>
-    <p:sldId id="314" r:id="rId38"/>
-    <p:sldId id="315" r:id="rId39"/>
+    <p:sldId id="295" r:id="rId18"/>
+    <p:sldId id="296" r:id="rId20"/>
+    <p:sldId id="291" r:id="rId22"/>
+    <p:sldId id="297" r:id="rId24"/>
+    <p:sldId id="298" r:id="rId26"/>
+    <p:sldId id="299" r:id="rId28"/>
+    <p:sldId id="300" r:id="rId30"/>
+    <p:sldId id="301" r:id="rId32"/>
+    <p:sldId id="302" r:id="rId34"/>
+    <p:sldId id="292" r:id="rId36"/>
+    <p:sldId id="303" r:id="rId38"/>
+    <p:sldId id="304" r:id="rId40"/>
+    <p:sldId id="306" r:id="rId42"/>
+    <p:sldId id="307" r:id="rId44"/>
+    <p:sldId id="308" r:id="rId46"/>
+    <p:sldId id="309" r:id="rId48"/>
+    <p:sldId id="310" r:id="rId50"/>
+    <p:sldId id="311" r:id="rId52"/>
+    <p:sldId id="312" r:id="rId54"/>
+    <p:sldId id="313" r:id="rId56"/>
+    <p:sldId id="314" r:id="rId58"/>
+    <p:sldId id="315" r:id="rId60"/>
   </p:sldIdLst>
   <p:sldSz cx="12192000" cy="6858000"/>
   <p:notesSz cx="6858000" cy="9144000"/>
@@ -1798,7 +1797,7 @@
         <p:spPr>
           <a:xfrm rot="0">
             <a:off x="685800" y="1143000"/>
-            <a:ext cx="5491480" cy="3091180"/>
+            <a:ext cx="5492115" cy="3091815"/>
           </a:xfrm>
           <a:prstGeom prst="rect"/>
           <a:noFill/>
@@ -1837,7 +1836,7 @@
         <p:spPr>
           <a:xfrm rot="0">
             <a:off x="685800" y="4400550"/>
-            <a:ext cx="5491480" cy="3605530"/>
+            <a:ext cx="5492115" cy="3606165"/>
           </a:xfrm>
           <a:prstGeom prst="rect"/>
         </p:spPr>
@@ -1867,7 +1866,7 @@
         <p:spPr>
           <a:xfrm rot="0">
             <a:off x="3884930" y="8685530"/>
-            <a:ext cx="2976880" cy="463550"/>
+            <a:ext cx="2977515" cy="464185"/>
           </a:xfrm>
           <a:prstGeom prst="rect"/>
         </p:spPr>
@@ -2366,7 +2365,7 @@
         <p:spPr>
           <a:xfrm rot="0">
             <a:off x="685800" y="1143000"/>
-            <a:ext cx="5492115" cy="3091815"/>
+            <a:ext cx="5492750" cy="3092450"/>
           </a:xfrm>
           <a:prstGeom prst="rect"/>
           <a:noFill/>
@@ -2405,7 +2404,7 @@
         <p:spPr>
           <a:xfrm rot="0">
             <a:off x="685800" y="4400550"/>
-            <a:ext cx="5492115" cy="3606165"/>
+            <a:ext cx="5492750" cy="3606800"/>
           </a:xfrm>
           <a:prstGeom prst="rect"/>
         </p:spPr>
@@ -2435,7 +2434,7 @@
         <p:spPr>
           <a:xfrm rot="0">
             <a:off x="3884930" y="8685530"/>
-            <a:ext cx="2977515" cy="464185"/>
+            <a:ext cx="2978150" cy="464820"/>
           </a:xfrm>
           <a:prstGeom prst="rect"/>
         </p:spPr>
@@ -2621,148 +2620,6 @@
 </file>
 
 <file path=ppt/notesSlides/notesSlide23.xml><?xml version="1.0" encoding="utf-8"?>
-<p:notes xmlns:a="http://schemas.openxmlformats.org/drawingml/2006/main" xmlns:r="http://schemas.openxmlformats.org/officeDocument/2006/relationships" xmlns:p="http://schemas.openxmlformats.org/presentationml/2006/main">
-  <p:cSld>
-    <p:spTree>
-      <p:nvGrpSpPr>
-        <p:cNvPr id="1" name=""/>
-        <p:cNvGrpSpPr/>
-        <p:nvPr/>
-      </p:nvGrpSpPr>
-      <p:grpSpPr>
-        <a:xfrm>
-          <a:off x="0" y="0"/>
-          <a:ext cx="0" cy="0"/>
-          <a:chOff x="0" y="0"/>
-          <a:chExt cx="0" cy="0"/>
-        </a:xfrm>
-      </p:grpSpPr>
-      <p:sp>
-        <p:nvSpPr>
-          <p:cNvPr id="2" name="슬라이드 이미지 개체 틀 3"/>
-          <p:cNvSpPr>
-            <a:spLocks noChangeAspect="1"/>
-          </p:cNvSpPr>
-          <p:nvPr>
-            <p:ph type="sldImg" idx="2"/>
-          </p:nvPr>
-        </p:nvSpPr>
-        <p:spPr>
-          <a:xfrm rot="0">
-            <a:off x="685800" y="1143000"/>
-            <a:ext cx="5492750" cy="3092450"/>
-          </a:xfrm>
-          <a:prstGeom prst="rect"/>
-          <a:noFill/>
-          <a:ln w="12700" cap="flat" cmpd="sng">
-            <a:solidFill>
-              <a:srgbClr val="000000">
-                <a:alpha val="100000"/>
-              </a:srgbClr>
-            </a:solidFill>
-            <a:prstDash val="solid"/>
-          </a:ln>
-        </p:spPr>
-        <p:txBody>
-          <a:bodyPr wrap="square" lIns="91440" tIns="45720" rIns="91440" bIns="45720" numCol="1" vert="horz" anchor="ctr">
-            <a:noAutofit/>
-          </a:bodyPr>
-          <a:lstStyle/>
-          <a:p>
-            <a:pPr marL="0" indent="0" latinLnBrk="0">
-              <a:buFontTx/>
-              <a:buNone/>
-            </a:pPr>
-          </a:p>
-        </p:txBody>
-      </p:sp>
-      <p:sp>
-        <p:nvSpPr>
-          <p:cNvPr id="3" name="슬라이드 노트 개체 틀 4"/>
-          <p:cNvSpPr txBox="1">
-            <a:spLocks/>
-          </p:cNvSpPr>
-          <p:nvPr>
-            <p:ph type="body" idx="3"/>
-          </p:nvPr>
-        </p:nvSpPr>
-        <p:spPr>
-          <a:xfrm rot="0">
-            <a:off x="685800" y="4400550"/>
-            <a:ext cx="5492750" cy="3606800"/>
-          </a:xfrm>
-          <a:prstGeom prst="rect"/>
-        </p:spPr>
-        <p:txBody>
-          <a:bodyPr wrap="square" lIns="91440" tIns="45720" rIns="91440" bIns="45720" numCol="1" vert="horz" anchor="t">
-            <a:noAutofit/>
-          </a:bodyPr>
-          <a:lstStyle/>
-          <a:p>
-            <a:pPr marL="0" indent="0" latinLnBrk="0">
-              <a:buFontTx/>
-              <a:buNone/>
-            </a:pPr>
-          </a:p>
-        </p:txBody>
-      </p:sp>
-      <p:sp>
-        <p:nvSpPr>
-          <p:cNvPr id="4" name="슬라이드 번호 개체 틀 6"/>
-          <p:cNvSpPr txBox="1">
-            <a:spLocks/>
-          </p:cNvSpPr>
-          <p:nvPr>
-            <p:ph type="sldNum" idx="5"/>
-          </p:nvPr>
-        </p:nvSpPr>
-        <p:spPr>
-          <a:xfrm rot="0">
-            <a:off x="3884930" y="8685530"/>
-            <a:ext cx="2978150" cy="464820"/>
-          </a:xfrm>
-          <a:prstGeom prst="rect"/>
-        </p:spPr>
-        <p:txBody>
-          <a:bodyPr wrap="square" lIns="91440" tIns="45720" rIns="91440" bIns="45720" numCol="1" vert="horz" anchor="b">
-            <a:noAutofit/>
-          </a:bodyPr>
-          <a:lstStyle>
-            <a:lvl1pPr marL="0" indent="0" algn="r" latinLnBrk="0">
-              <a:buFontTx/>
-              <a:buNone/>
-              <a:defRPr lang="en-GB" altLang="en-US" sz="1200"/>
-            </a:lvl1pPr>
-          </a:lstStyle>
-          <a:p>
-            <a:pPr marL="0" indent="0" latinLnBrk="0">
-              <a:buFontTx/>
-              <a:buNone/>
-            </a:pPr>
-            <a:fld id="{B9320F77-B9A0-41C5-862A-B4B631284C64}" type="slidenum">
-              <a:rPr lang="ko-KR" altLang="en-US"/>
-              <a:t>‹#›</a:t>
-            </a:fld>
-          </a:p>
-        </p:txBody>
-      </p:sp>
-    </p:spTree>
-  </p:cSld>
-  <p:clrMapOvr>
-    <a:masterClrMapping/>
-  </p:clrMapOvr>
-  <mc:AlternateContent xmlns:mc="http://schemas.openxmlformats.org/markup-compatibility/2006">
-    <mc:Choice xmlns:p14="http://schemas.microsoft.com/office/powerpoint/2010/main" Requires="p14">
-      <p:transition spd="slow" p14:dur="0"/>
-    </mc:Choice>
-    <mc:Fallback>
-      <p:transition spd="slow"/>
-    </mc:Fallback>
-  </mc:AlternateContent>
-</p:notes>
-</file>
-
-<file path=ppt/notesSlides/notesSlide24.xml><?xml version="1.0" encoding="utf-8"?>
 <p:notes xmlns:a="http://schemas.openxmlformats.org/drawingml/2006/main" xmlns:r="http://schemas.openxmlformats.org/officeDocument/2006/relationships" xmlns:p="http://schemas.openxmlformats.org/presentationml/2006/main">
   <p:cSld>
     <p:spTree>
@@ -10597,8 +10454,8 @@
         </p:nvSpPr>
         <p:spPr>
           <a:xfrm rot="0">
-            <a:off x="971550" y="4138930"/>
-            <a:ext cx="4319270" cy="1508760"/>
+            <a:off x="1371600" y="3938905"/>
+            <a:ext cx="3982720" cy="1508125"/>
           </a:xfrm>
           <a:prstGeom prst="rect"/>
           <a:noFill/>
@@ -10625,14 +10482,45 @@
                 <a:latin typeface="맑은 고딕" charset="0"/>
                 <a:ea typeface="맑은 고딕" charset="0"/>
               </a:rPr>
-              <a:t>28. </a:t>
+              <a:t>30</a:t>
+            </a:r>
+            <a:r>
+              <a:rPr lang="ko-KR" sz="2000" b="1">
+                <a:solidFill>
+                  <a:srgbClr val="0611F2"/>
+                </a:solidFill>
+                <a:latin typeface="맑은 고딕" charset="0"/>
+                <a:ea typeface="맑은 고딕" charset="0"/>
+              </a:rPr>
+              <a:t>. </a:t>
             </a:r>
             <a:r>
               <a:rPr lang="ko-KR" sz="1800">
                 <a:latin typeface="맑은 고딕" charset="0"/>
                 <a:ea typeface="맑은 고딕" charset="0"/>
               </a:rPr>
-              <a:t>그리고 각각의 버튼의 앵커를 설정하고 위치를 설정합니다.</a:t>
+              <a:t>그</a:t>
+            </a:r>
+            <a:r>
+              <a:rPr lang="ko-KR" sz="1800">
+                <a:latin typeface="맑은 고딕" charset="0"/>
+                <a:ea typeface="맑은 고딕" charset="0"/>
+              </a:rPr>
+              <a:t>런 다음</a:t>
+            </a:r>
+            <a:r>
+              <a:rPr lang="ko-KR" sz="1800">
+                <a:latin typeface="맑은 고딕" charset="0"/>
+                <a:ea typeface="맑은 고딕" charset="0"/>
+              </a:rPr>
+              <a:t> </a:t>
+            </a:r>
+            <a:r>
+              <a:rPr lang="ko-KR" sz="1800">
+                <a:latin typeface="맑은 고딕" charset="0"/>
+                <a:ea typeface="맑은 고딕" charset="0"/>
+              </a:rPr>
+              <a:t>BlendAnimation 스크립트를 생성합니다.</a:t>
             </a:r>
             <a:endParaRPr lang="ko-KR" altLang="en-US" sz="1800">
               <a:latin typeface="맑은 고딕" charset="0"/>
@@ -10659,7 +10547,14 @@
                 <a:latin typeface="맑은 고딕" charset="0"/>
                 <a:ea typeface="맑은 고딕" charset="0"/>
               </a:rPr>
-              <a:t>그다음 Selected Color의 색상을 다른 색상으로 설정합니다.</a:t>
+              <a:t>그</a:t>
+            </a:r>
+            <a:r>
+              <a:rPr lang="ko-KR" sz="1800">
+                <a:latin typeface="맑은 고딕" charset="0"/>
+                <a:ea typeface="맑은 고딕" charset="0"/>
+              </a:rPr>
+              <a:t>리고 Dreyar By M.Aure 오브젝트에 넣어줍니다.</a:t>
             </a:r>
             <a:endParaRPr lang="ko-KR" altLang="en-US" sz="1800">
               <a:latin typeface="맑은 고딕" charset="0"/>
@@ -10678,8 +10573,8 @@
         </p:nvSpPr>
         <p:spPr>
           <a:xfrm rot="0">
-            <a:off x="6934200" y="3855720"/>
-            <a:ext cx="4302125" cy="1785620"/>
+            <a:off x="6934200" y="3663950"/>
+            <a:ext cx="4302125" cy="1784985"/>
           </a:xfrm>
           <a:prstGeom prst="rect"/>
           <a:noFill/>
@@ -10706,14 +10601,24 @@
                 <a:latin typeface="맑은 고딕" charset="0"/>
                 <a:ea typeface="맑은 고딕" charset="0"/>
               </a:rPr>
-              <a:t>29. </a:t>
+              <a:t>31</a:t>
+            </a:r>
+            <a:r>
+              <a:rPr lang="ko-KR" sz="2000" b="1">
+                <a:solidFill>
+                  <a:srgbClr val="0611F2"/>
+                </a:solidFill>
+                <a:latin typeface="맑은 고딕" charset="0"/>
+                <a:ea typeface="맑은 고딕" charset="0"/>
+              </a:rPr>
+              <a:t>. </a:t>
             </a:r>
             <a:r>
               <a:rPr lang="ko-KR" sz="1800">
                 <a:latin typeface="맑은 고딕" charset="0"/>
                 <a:ea typeface="맑은 고딕" charset="0"/>
               </a:rPr>
-              <a:t>여기서 각각의 버튼 이벤트 함수에 AnimationAction 오브젝트를 넣어줍니다.</a:t>
+              <a:t>그다음 캐릭터 오브젝트에 애니메이터 컴포넌트를 가져옵니다.</a:t>
             </a:r>
             <a:endParaRPr lang="ko-KR" altLang="en-US" sz="1800">
               <a:latin typeface="맑은 고딕" charset="0"/>
@@ -10740,7 +10645,7 @@
                 <a:latin typeface="맑은 고딕" charset="0"/>
                 <a:ea typeface="맑은 고딕" charset="0"/>
               </a:rPr>
-              <a:t>그리고 각각의 버튼에 사용할 함수를 등록합니다.</a:t>
+              <a:t>마지막으로 방향키를 입력했을 때 변화되는 값을 애니메이터의 파라미터 값을 변경할 수 있는 함수에 저장합니다.</a:t>
             </a:r>
             <a:endParaRPr lang="ko-KR" altLang="en-US" sz="1800">
               <a:latin typeface="맑은 고딕" charset="0"/>
@@ -10760,7 +10665,7 @@
         <p:spPr>
           <a:xfrm rot="0">
             <a:off x="4705985" y="408940"/>
-            <a:ext cx="2781935" cy="555625"/>
+            <a:ext cx="2781935" cy="554990"/>
           </a:xfrm>
           <a:prstGeom prst="rect"/>
           <a:noFill/>
@@ -10787,7 +10692,27 @@
                 <a:latin typeface="맑은 고딕" charset="0"/>
                 <a:ea typeface="맑은 고딕" charset="0"/>
               </a:rPr>
-              <a:t>열세 번째 과정</a:t>
+              <a:t>열</a:t>
+            </a:r>
+            <a:r>
+              <a:rPr lang="ko-KR" altLang="en-US" sz="3000" b="1">
+                <a:solidFill>
+                  <a:schemeClr val="tx1"/>
+                </a:solidFill>
+                <a:latin typeface="맑은 고딕" charset="0"/>
+                <a:ea typeface="맑은 고딕" charset="0"/>
+              </a:rPr>
+              <a:t>네</a:t>
+            </a:r>
+            <a:r>
+              <a:rPr lang="ko-KR" altLang="en-US" sz="3000" b="1">
+                <a:solidFill>
+                  <a:schemeClr val="tx1"/>
+                </a:solidFill>
+                <a:latin typeface="맑은 고딕" charset="0"/>
+                <a:ea typeface="맑은 고딕" charset="0"/>
+              </a:rPr>
+              <a:t> 번째 과정</a:t>
             </a:r>
             <a:endParaRPr lang="ko-KR" altLang="en-US" sz="3000" b="1">
               <a:solidFill>
@@ -10801,17 +10726,17 @@
       </p:sp>
       <p:pic>
         <p:nvPicPr>
-          <p:cNvPr id="1136" name="Picture "/>
+          <p:cNvPr id="1141" name="그림 1"/>
           <p:cNvPicPr>
             <a:picLocks noChangeAspect="1"/>
           </p:cNvPicPr>
           <p:nvPr/>
         </p:nvPicPr>
         <p:blipFill rotWithShape="1">
-          <a:blip r:embed="rId2" cstate="hqprint">
+          <a:blip r:embed="rId2" cstate="print">
             <a:extLst>
               <a:ext uri="{28A0092B-C50C-407E-A947-70E740481C1C}">
-                <a14:useLocalDpi xmlns:a14="http://schemas.microsoft.com/office/drawing/2010/main"/>
+                <a14:useLocalDpi xmlns:a14="http://schemas.microsoft.com/office/drawing/2010/main" val="0"/>
               </a:ext>
             </a:extLst>
           </a:blip>
@@ -10821,26 +10746,28 @@
         </p:blipFill>
         <p:spPr>
           <a:xfrm rot="0">
-            <a:off x="3295650" y="1457325"/>
-            <a:ext cx="1991995" cy="2496820"/>
-          </a:xfrm>
-          <a:prstGeom prst="rect"/>
-          <a:noFill/>
+            <a:off x="4406265" y="2078355"/>
+            <a:ext cx="948055" cy="1072515"/>
+          </a:xfrm>
+          <a:prstGeom prst="roundRect"/>
+          <a:solidFill>
+            <a:srgbClr val="EDEDED"/>
+          </a:solidFill>
         </p:spPr>
       </p:pic>
       <p:pic>
         <p:nvPicPr>
-          <p:cNvPr id="1137" name="Picture "/>
+          <p:cNvPr id="1142" name="그림 4"/>
           <p:cNvPicPr>
             <a:picLocks noChangeAspect="1"/>
           </p:cNvPicPr>
           <p:nvPr/>
         </p:nvPicPr>
         <p:blipFill rotWithShape="1">
-          <a:blip r:embed="rId3" cstate="hqprint">
+          <a:blip r:embed="rId3" cstate="print">
             <a:extLst>
               <a:ext uri="{28A0092B-C50C-407E-A947-70E740481C1C}">
-                <a14:useLocalDpi xmlns:a14="http://schemas.microsoft.com/office/drawing/2010/main"/>
+                <a14:useLocalDpi xmlns:a14="http://schemas.microsoft.com/office/drawing/2010/main" val="0"/>
               </a:ext>
             </a:extLst>
           </a:blip>
@@ -10850,26 +10777,62 @@
         </p:blipFill>
         <p:spPr>
           <a:xfrm rot="0">
-            <a:off x="971550" y="1466850"/>
-            <a:ext cx="2001520" cy="2477770"/>
-          </a:xfrm>
-          <a:prstGeom prst="rect"/>
-          <a:noFill/>
+            <a:off x="1359535" y="1454785"/>
+            <a:ext cx="2115820" cy="2311400"/>
+          </a:xfrm>
+          <a:prstGeom prst="roundRect"/>
+          <a:solidFill>
+            <a:srgbClr val="EDEDED"/>
+          </a:solidFill>
         </p:spPr>
       </p:pic>
+      <p:cxnSp>
+        <p:nvCxnSpPr>
+          <p:cNvPr id="1143" name="도형 7"/>
+          <p:cNvCxnSpPr>
+            <a:stCxn id="1141" idx="1"/>
+          </p:cNvCxnSpPr>
+          <p:nvPr/>
+        </p:nvCxnSpPr>
+        <p:spPr>
+          <a:xfrm rot="0" flipH="1" flipV="1">
+            <a:off x="3474720" y="2369185"/>
+            <a:ext cx="932180" cy="245745"/>
+          </a:xfrm>
+          <a:prstGeom prst="straightConnector1"/>
+          <a:ln w="19050" cap="flat" cmpd="sng">
+            <a:prstDash/>
+            <a:tailEnd type="triangle" w="med" len="med"/>
+          </a:ln>
+        </p:spPr>
+        <p:style>
+          <a:lnRef idx="3">
+            <a:schemeClr val="accent2"/>
+          </a:lnRef>
+          <a:fillRef idx="0">
+            <a:schemeClr val="accent2"/>
+          </a:fillRef>
+          <a:effectRef idx="2">
+            <a:schemeClr val="accent2"/>
+          </a:effectRef>
+          <a:fontRef idx="minor">
+            <a:schemeClr val="tx1"/>
+          </a:fontRef>
+        </p:style>
+      </p:cxnSp>
       <p:pic>
         <p:nvPicPr>
-          <p:cNvPr id="1138" name="Picture "/>
+          <p:cNvPr id="1144" name="그림 8"/>
           <p:cNvPicPr>
             <a:picLocks noChangeAspect="1"/>
           </p:cNvPicPr>
           <p:nvPr/>
         </p:nvPicPr>
         <p:blipFill rotWithShape="1">
-          <a:blip r:embed="rId4" cstate="hqprint">
+          <a:blip r:embed="rId4" cstate="print">
             <a:extLst>
               <a:ext uri="{28A0092B-C50C-407E-A947-70E740481C1C}">
-                <a14:useLocalDpi xmlns:a14="http://schemas.microsoft.com/office/drawing/2010/main"/>
+                <a14:useLocalDpi xmlns:a14="http://schemas.microsoft.com/office/drawing/2010/main" val="0"/>
               </a:ext>
             </a:extLst>
           </a:blip>
@@ -10879,71 +10842,11 @@
         </p:blipFill>
         <p:spPr>
           <a:xfrm rot="0">
-            <a:off x="8448675" y="2614295"/>
-            <a:ext cx="2792095" cy="1058545"/>
+            <a:off x="6932930" y="1445895"/>
+            <a:ext cx="4307205" cy="1979930"/>
           </a:xfrm>
           <a:prstGeom prst="rect"/>
           <a:noFill/>
-        </p:spPr>
-      </p:pic>
-      <p:pic>
-        <p:nvPicPr>
-          <p:cNvPr id="1139" name="Picture "/>
-          <p:cNvPicPr>
-            <a:picLocks noChangeAspect="1"/>
-          </p:cNvPicPr>
-          <p:nvPr/>
-        </p:nvPicPr>
-        <p:blipFill rotWithShape="1">
-          <a:blip r:embed="rId5" cstate="hqprint">
-            <a:extLst>
-              <a:ext uri="{28A0092B-C50C-407E-A947-70E740481C1C}">
-                <a14:useLocalDpi xmlns:a14="http://schemas.microsoft.com/office/drawing/2010/main"/>
-              </a:ext>
-            </a:extLst>
-          </a:blip>
-          <a:stretch>
-            <a:fillRect/>
-          </a:stretch>
-        </p:blipFill>
-        <p:spPr>
-          <a:xfrm rot="0">
-            <a:off x="8458200" y="1452245"/>
-            <a:ext cx="2773045" cy="1001395"/>
-          </a:xfrm>
-          <a:prstGeom prst="rect"/>
-          <a:noFill/>
-        </p:spPr>
-      </p:pic>
-      <p:pic>
-        <p:nvPicPr>
-          <p:cNvPr id="1140" name="Picture "/>
-          <p:cNvPicPr>
-            <a:picLocks noChangeAspect="1"/>
-          </p:cNvPicPr>
-          <p:nvPr/>
-        </p:nvPicPr>
-        <p:blipFill rotWithShape="1">
-          <a:blip r:embed="rId6" cstate="hqprint">
-            <a:extLst>
-              <a:ext uri="{28A0092B-C50C-407E-A947-70E740481C1C}">
-                <a14:useLocalDpi xmlns:a14="http://schemas.microsoft.com/office/drawing/2010/main"/>
-              </a:ext>
-            </a:extLst>
-          </a:blip>
-          <a:stretch>
-            <a:fillRect/>
-          </a:stretch>
-        </p:blipFill>
-        <p:spPr>
-          <a:xfrm rot="0">
-            <a:off x="6934200" y="1876425"/>
-            <a:ext cx="1287145" cy="1306195"/>
-          </a:xfrm>
-          <a:prstGeom prst="roundRect"/>
-          <a:solidFill>
-            <a:srgbClr val="EDEDED"/>
-          </a:solidFill>
         </p:spPr>
       </p:pic>
     </p:spTree>
@@ -10996,8 +10899,8 @@
         </p:nvSpPr>
         <p:spPr>
           <a:xfrm rot="0">
-            <a:off x="1371600" y="3938905"/>
-            <a:ext cx="3982720" cy="1508125"/>
+            <a:off x="1371600" y="3764915"/>
+            <a:ext cx="3982720" cy="2061845"/>
           </a:xfrm>
           <a:prstGeom prst="rect"/>
           <a:noFill/>
@@ -11024,7 +10927,7 @@
                 <a:latin typeface="맑은 고딕" charset="0"/>
                 <a:ea typeface="맑은 고딕" charset="0"/>
               </a:rPr>
-              <a:t>30</a:t>
+              <a:t>32</a:t>
             </a:r>
             <a:r>
               <a:rPr lang="ko-KR" sz="2000" b="1">
@@ -11041,28 +10944,21 @@
                 <a:latin typeface="맑은 고딕" charset="0"/>
                 <a:ea typeface="맑은 고딕" charset="0"/>
               </a:rPr>
-              <a:t>그</a:t>
+              <a:t>여기서 캐릭터에 있는 </a:t>
             </a:r>
             <a:r>
               <a:rPr lang="ko-KR" sz="1800">
                 <a:latin typeface="맑은 고딕" charset="0"/>
                 <a:ea typeface="맑은 고딕" charset="0"/>
               </a:rPr>
-              <a:t>런 다음</a:t>
+              <a:t>Animator Controller</a:t>
             </a:r>
             <a:r>
               <a:rPr lang="ko-KR" sz="1800">
                 <a:latin typeface="맑은 고딕" charset="0"/>
                 <a:ea typeface="맑은 고딕" charset="0"/>
               </a:rPr>
-              <a:t> </a:t>
-            </a:r>
-            <a:r>
-              <a:rPr lang="ko-KR" sz="1800">
-                <a:latin typeface="맑은 고딕" charset="0"/>
-                <a:ea typeface="맑은 고딕" charset="0"/>
-              </a:rPr>
-              <a:t>BlendAnimation 스크립트를 생성합니다.</a:t>
+              <a:t>를 선택하고 Parameters를 선택합니다.</a:t>
             </a:r>
             <a:endParaRPr lang="ko-KR" altLang="en-US" sz="1800">
               <a:latin typeface="맑은 고딕" charset="0"/>
@@ -11089,14 +10985,7 @@
                 <a:latin typeface="맑은 고딕" charset="0"/>
                 <a:ea typeface="맑은 고딕" charset="0"/>
               </a:rPr>
-              <a:t>그</a:t>
-            </a:r>
-            <a:r>
-              <a:rPr lang="ko-KR" sz="1800">
-                <a:latin typeface="맑은 고딕" charset="0"/>
-                <a:ea typeface="맑은 고딕" charset="0"/>
-              </a:rPr>
-              <a:t>리고 Dreyar By M.Aure 오브젝트에 넣어줍니다.</a:t>
+              <a:t>그리고 Float 변수를 2개 추가하고 이름을 Horizontal과 Vertical로 변경합니다.</a:t>
             </a:r>
             <a:endParaRPr lang="ko-KR" altLang="en-US" sz="1800">
               <a:latin typeface="맑은 고딕" charset="0"/>
@@ -11115,8 +11004,8 @@
         </p:nvSpPr>
         <p:spPr>
           <a:xfrm rot="0">
-            <a:off x="6934200" y="3663950"/>
-            <a:ext cx="4302125" cy="1784985"/>
+            <a:off x="6934200" y="4869815"/>
+            <a:ext cx="4302125" cy="954405"/>
           </a:xfrm>
           <a:prstGeom prst="rect"/>
           <a:noFill/>
@@ -11143,7 +11032,7 @@
                 <a:latin typeface="맑은 고딕" charset="0"/>
                 <a:ea typeface="맑은 고딕" charset="0"/>
               </a:rPr>
-              <a:t>31</a:t>
+              <a:t>33</a:t>
             </a:r>
             <a:r>
               <a:rPr lang="ko-KR" sz="2000" b="1">
@@ -11160,40 +11049,13 @@
                 <a:latin typeface="맑은 고딕" charset="0"/>
                 <a:ea typeface="맑은 고딕" charset="0"/>
               </a:rPr>
-              <a:t>그다음 캐릭터 오브젝트에 애니메이터 컴포넌트를 가져옵니다.</a:t>
+              <a:t>그다음으로 애니메이터 컨트롤러의 Base Layer에서 Create State를 선택하고 From New Blend Tree를 생성합니다.</a:t>
             </a:r>
             <a:endParaRPr lang="ko-KR" altLang="en-US" sz="1800">
               <a:latin typeface="맑은 고딕" charset="0"/>
               <a:ea typeface="맑은 고딕" charset="0"/>
             </a:endParaRPr>
           </a:p>
-          <a:p>
-            <a:pPr marL="0" indent="0" algn="l" latinLnBrk="0" hangingPunct="1">
-              <a:buFontTx/>
-              <a:buNone/>
-            </a:pPr>
-            <a:endParaRPr lang="ko-KR" altLang="en-US" sz="1800">
-              <a:latin typeface="맑은 고딕" charset="0"/>
-              <a:ea typeface="맑은 고딕" charset="0"/>
-            </a:endParaRPr>
-          </a:p>
-          <a:p>
-            <a:pPr marL="0" indent="0" algn="l" latinLnBrk="0" hangingPunct="1">
-              <a:buFontTx/>
-              <a:buNone/>
-            </a:pPr>
-            <a:r>
-              <a:rPr lang="ko-KR" sz="1800">
-                <a:latin typeface="맑은 고딕" charset="0"/>
-                <a:ea typeface="맑은 고딕" charset="0"/>
-              </a:rPr>
-              <a:t>마지막으로 방향키를 입력했을 때 변화되는 값을 애니메이터의 파라미터 값을 변경할 수 있는 함수에 저장합니다.</a:t>
-            </a:r>
-            <a:endParaRPr lang="ko-KR" altLang="en-US" sz="1800">
-              <a:latin typeface="맑은 고딕" charset="0"/>
-              <a:ea typeface="맑은 고딕" charset="0"/>
-            </a:endParaRPr>
-          </a:p>
         </p:txBody>
       </p:sp>
       <p:sp>
@@ -11206,8 +11068,8 @@
         </p:nvSpPr>
         <p:spPr>
           <a:xfrm rot="0">
-            <a:off x="4705985" y="408940"/>
-            <a:ext cx="2781935" cy="554990"/>
+            <a:off x="4530725" y="408940"/>
+            <a:ext cx="3131820" cy="554990"/>
           </a:xfrm>
           <a:prstGeom prst="rect"/>
           <a:noFill/>
@@ -11244,7 +11106,7 @@
                 <a:latin typeface="맑은 고딕" charset="0"/>
                 <a:ea typeface="맑은 고딕" charset="0"/>
               </a:rPr>
-              <a:t>네</a:t>
+              <a:t>다섯</a:t>
             </a:r>
             <a:r>
               <a:rPr lang="ko-KR" altLang="en-US" sz="3000" b="1">
@@ -11268,7 +11130,7 @@
       </p:sp>
       <p:pic>
         <p:nvPicPr>
-          <p:cNvPr id="1141" name="그림 1"/>
+          <p:cNvPr id="1145" name="그림 11"/>
           <p:cNvPicPr>
             <a:picLocks noChangeAspect="1"/>
           </p:cNvPicPr>
@@ -11288,18 +11150,16 @@
         </p:blipFill>
         <p:spPr>
           <a:xfrm rot="0">
-            <a:off x="4406265" y="2078355"/>
-            <a:ext cx="948055" cy="1072515"/>
-          </a:xfrm>
-          <a:prstGeom prst="roundRect"/>
-          <a:solidFill>
-            <a:srgbClr val="EDEDED"/>
-          </a:solidFill>
+            <a:off x="1373505" y="1438275"/>
+            <a:ext cx="2442845" cy="2103755"/>
+          </a:xfrm>
+          <a:prstGeom prst="rect"/>
+          <a:noFill/>
         </p:spPr>
       </p:pic>
       <p:pic>
         <p:nvPicPr>
-          <p:cNvPr id="1142" name="그림 4"/>
+          <p:cNvPr id="1146" name="그림 12"/>
           <p:cNvPicPr>
             <a:picLocks noChangeAspect="1"/>
           </p:cNvPicPr>
@@ -11319,8 +11179,8 @@
         </p:blipFill>
         <p:spPr>
           <a:xfrm rot="0">
-            <a:off x="1359535" y="1454785"/>
-            <a:ext cx="2115820" cy="2311400"/>
+            <a:off x="4175125" y="1903730"/>
+            <a:ext cx="1181735" cy="1147445"/>
           </a:xfrm>
           <a:prstGeom prst="roundRect"/>
           <a:solidFill>
@@ -11328,43 +11188,9 @@
           </a:solidFill>
         </p:spPr>
       </p:pic>
-      <p:cxnSp>
-        <p:nvCxnSpPr>
-          <p:cNvPr id="1143" name="도형 7"/>
-          <p:cNvCxnSpPr>
-            <a:stCxn id="1141" idx="1"/>
-          </p:cNvCxnSpPr>
-          <p:nvPr/>
-        </p:nvCxnSpPr>
-        <p:spPr>
-          <a:xfrm rot="0" flipH="1" flipV="1">
-            <a:off x="3474720" y="2369185"/>
-            <a:ext cx="932180" cy="245745"/>
-          </a:xfrm>
-          <a:prstGeom prst="straightConnector1"/>
-          <a:ln w="19050" cap="flat" cmpd="sng">
-            <a:prstDash/>
-            <a:tailEnd type="triangle" w="med" len="med"/>
-          </a:ln>
-        </p:spPr>
-        <p:style>
-          <a:lnRef idx="3">
-            <a:schemeClr val="accent2"/>
-          </a:lnRef>
-          <a:fillRef idx="0">
-            <a:schemeClr val="accent2"/>
-          </a:fillRef>
-          <a:effectRef idx="2">
-            <a:schemeClr val="accent2"/>
-          </a:effectRef>
-          <a:fontRef idx="minor">
-            <a:schemeClr val="tx1"/>
-          </a:fontRef>
-        </p:style>
-      </p:cxnSp>
       <p:pic>
         <p:nvPicPr>
-          <p:cNvPr id="1144" name="그림 8"/>
+          <p:cNvPr id="1147" name="그림 16"/>
           <p:cNvPicPr>
             <a:picLocks noChangeAspect="1"/>
           </p:cNvPicPr>
@@ -11384,11 +11210,44 @@
         </p:blipFill>
         <p:spPr>
           <a:xfrm rot="0">
-            <a:off x="6932930" y="1445895"/>
-            <a:ext cx="4307205" cy="1979930"/>
-          </a:xfrm>
-          <a:prstGeom prst="rect"/>
-          <a:noFill/>
+            <a:off x="6920865" y="1438275"/>
+            <a:ext cx="4311015" cy="1047750"/>
+          </a:xfrm>
+          <a:prstGeom prst="roundRect"/>
+          <a:solidFill>
+            <a:srgbClr val="EDEDED"/>
+          </a:solidFill>
+        </p:spPr>
+      </p:pic>
+      <p:pic>
+        <p:nvPicPr>
+          <p:cNvPr id="1148" name="그림 19"/>
+          <p:cNvPicPr>
+            <a:picLocks noChangeAspect="1"/>
+          </p:cNvPicPr>
+          <p:nvPr/>
+        </p:nvPicPr>
+        <p:blipFill rotWithShape="1">
+          <a:blip r:embed="rId5" cstate="print">
+            <a:extLst>
+              <a:ext uri="{28A0092B-C50C-407E-A947-70E740481C1C}">
+                <a14:useLocalDpi xmlns:a14="http://schemas.microsoft.com/office/drawing/2010/main" val="0"/>
+              </a:ext>
+            </a:extLst>
+          </a:blip>
+          <a:stretch>
+            <a:fillRect/>
+          </a:stretch>
+        </p:blipFill>
+        <p:spPr>
+          <a:xfrm rot="0">
+            <a:off x="6934835" y="2701925"/>
+            <a:ext cx="4305300" cy="2028825"/>
+          </a:xfrm>
+          <a:prstGeom prst="roundRect"/>
+          <a:solidFill>
+            <a:srgbClr val="EDEDED"/>
+          </a:solidFill>
         </p:spPr>
       </p:pic>
     </p:spTree>
@@ -11441,8 +11300,8 @@
         </p:nvSpPr>
         <p:spPr>
           <a:xfrm rot="0">
-            <a:off x="1371600" y="3764915"/>
-            <a:ext cx="3982720" cy="2061845"/>
+            <a:off x="1421765" y="1437005"/>
+            <a:ext cx="3916045" cy="1200785"/>
           </a:xfrm>
           <a:prstGeom prst="rect"/>
           <a:noFill/>
@@ -11457,83 +11316,43 @@
           </a:bodyPr>
           <a:lstStyle/>
           <a:p>
-            <a:pPr marL="0" indent="0" algn="l" latinLnBrk="0" hangingPunct="1">
-              <a:buFontTx/>
-              <a:buNone/>
-            </a:pPr>
-            <a:r>
-              <a:rPr lang="ko-KR" sz="2000" b="1">
-                <a:solidFill>
-                  <a:srgbClr val="0611F2"/>
-                </a:solidFill>
-                <a:latin typeface="맑은 고딕" charset="0"/>
-                <a:ea typeface="맑은 고딕" charset="0"/>
-              </a:rPr>
-              <a:t>32</a:t>
-            </a:r>
-            <a:r>
-              <a:rPr lang="ko-KR" sz="2000" b="1">
-                <a:solidFill>
-                  <a:srgbClr val="0611F2"/>
-                </a:solidFill>
-                <a:latin typeface="맑은 고딕" charset="0"/>
-                <a:ea typeface="맑은 고딕" charset="0"/>
-              </a:rPr>
-              <a:t>. </a:t>
+            <a:pPr marL="0" indent="0" rtl="0" algn="l" defTabSz="914400" eaLnBrk="1" latinLnBrk="0" hangingPunct="1">
+              <a:buFontTx/>
+              <a:buNone/>
+            </a:pPr>
+            <a:r>
+              <a:rPr sz="1800">
+                <a:latin typeface="맑은 고딕" charset="0"/>
+                <a:ea typeface="맑은 고딕" charset="0"/>
+              </a:rPr>
+              <a:t>블렌드 트리는 여러 개의 애니메이션의 일부를 각각 다른 비중으로 합쳐서 매끄럽게 이어주는 </a:t>
+            </a:r>
+            <a:r>
+              <a:rPr sz="1800">
+                <a:latin typeface="맑은 고딕" charset="0"/>
+                <a:ea typeface="맑은 고딕" charset="0"/>
+              </a:rPr>
+              <a:t>기</a:t>
             </a:r>
             <a:r>
               <a:rPr lang="ko-KR" sz="1800">
                 <a:latin typeface="맑은 고딕" charset="0"/>
                 <a:ea typeface="맑은 고딕" charset="0"/>
               </a:rPr>
-              <a:t>여기서 캐릭터에 있는 </a:t>
-            </a:r>
-            <a:r>
-              <a:rPr lang="ko-KR" sz="1800">
-                <a:latin typeface="맑은 고딕" charset="0"/>
-                <a:ea typeface="맑은 고딕" charset="0"/>
-              </a:rPr>
-              <a:t>Animator Controller</a:t>
-            </a:r>
-            <a:r>
-              <a:rPr lang="ko-KR" sz="1800">
-                <a:latin typeface="맑은 고딕" charset="0"/>
-                <a:ea typeface="맑은 고딕" charset="0"/>
-              </a:rPr>
-              <a:t>를 선택하고 Parameters를 선택합니다.</a:t>
+              <a:t>능</a:t>
+            </a:r>
+            <a:r>
+              <a:rPr sz="1800">
+                <a:latin typeface="맑은 고딕" charset="0"/>
+                <a:ea typeface="맑은 고딕" charset="0"/>
+              </a:rPr>
+              <a:t>입니다.</a:t>
             </a:r>
             <a:endParaRPr lang="ko-KR" altLang="en-US" sz="1800">
               <a:latin typeface="맑은 고딕" charset="0"/>
               <a:ea typeface="맑은 고딕" charset="0"/>
             </a:endParaRPr>
           </a:p>
-          <a:p>
-            <a:pPr marL="0" indent="0" algn="l" latinLnBrk="0" hangingPunct="1">
-              <a:buFontTx/>
-              <a:buNone/>
-            </a:pPr>
-            <a:endParaRPr lang="ko-KR" altLang="en-US" sz="1800">
-              <a:latin typeface="맑은 고딕" charset="0"/>
-              <a:ea typeface="맑은 고딕" charset="0"/>
-            </a:endParaRPr>
-          </a:p>
-          <a:p>
-            <a:pPr marL="0" indent="0" algn="l" latinLnBrk="0" hangingPunct="1">
-              <a:buFontTx/>
-              <a:buNone/>
-            </a:pPr>
-            <a:r>
-              <a:rPr lang="ko-KR" sz="1800">
-                <a:latin typeface="맑은 고딕" charset="0"/>
-                <a:ea typeface="맑은 고딕" charset="0"/>
-              </a:rPr>
-              <a:t>그리고 Float 변수를 2개 추가하고 이름을 Horizontal과 Vertical로 변경합니다.</a:t>
-            </a:r>
-            <a:endParaRPr lang="ko-KR" altLang="en-US" sz="1800">
-              <a:latin typeface="맑은 고딕" charset="0"/>
-              <a:ea typeface="맑은 고딕" charset="0"/>
-            </a:endParaRPr>
-          </a:p>
         </p:txBody>
       </p:sp>
       <p:sp>
@@ -11546,8 +11365,8 @@
         </p:nvSpPr>
         <p:spPr>
           <a:xfrm rot="0">
-            <a:off x="6934200" y="4869815"/>
-            <a:ext cx="4302125" cy="954405"/>
+            <a:off x="6925945" y="3954780"/>
+            <a:ext cx="4264025" cy="1784985"/>
           </a:xfrm>
           <a:prstGeom prst="rect"/>
           <a:noFill/>
@@ -11574,7 +11393,7 @@
                 <a:latin typeface="맑은 고딕" charset="0"/>
                 <a:ea typeface="맑은 고딕" charset="0"/>
               </a:rPr>
-              <a:t>33</a:t>
+              <a:t>34</a:t>
             </a:r>
             <a:r>
               <a:rPr lang="ko-KR" sz="2000" b="1">
@@ -11591,7 +11410,34 @@
                 <a:latin typeface="맑은 고딕" charset="0"/>
                 <a:ea typeface="맑은 고딕" charset="0"/>
               </a:rPr>
-              <a:t>그다음으로 애니메이터 컨트롤러의 Base Layer에서 Create State를 선택하고 From New Blend Tree를 생성합니다.</a:t>
+              <a:t>그리고 Blend Tree를 선택하게 되면 Blend Tree를 설정할 수 있는 공간으로 이동합니다.</a:t>
+            </a:r>
+            <a:endParaRPr lang="ko-KR" altLang="en-US" sz="1800">
+              <a:latin typeface="맑은 고딕" charset="0"/>
+              <a:ea typeface="맑은 고딕" charset="0"/>
+            </a:endParaRPr>
+          </a:p>
+          <a:p>
+            <a:pPr marL="0" indent="0" algn="l" latinLnBrk="0" hangingPunct="1">
+              <a:buFontTx/>
+              <a:buNone/>
+            </a:pPr>
+            <a:endParaRPr lang="ko-KR" altLang="en-US" sz="1800">
+              <a:latin typeface="맑은 고딕" charset="0"/>
+              <a:ea typeface="맑은 고딕" charset="0"/>
+            </a:endParaRPr>
+          </a:p>
+          <a:p>
+            <a:pPr marL="0" indent="0" algn="l" latinLnBrk="0" hangingPunct="1">
+              <a:buFontTx/>
+              <a:buNone/>
+            </a:pPr>
+            <a:r>
+              <a:rPr lang="ko-KR" sz="1800">
+                <a:latin typeface="맑은 고딕" charset="0"/>
+                <a:ea typeface="맑은 고딕" charset="0"/>
+              </a:rPr>
+              <a:t>그런 다음 Blend Tree에 Blend Type을 2D Simple Directional로 선택합니다.</a:t>
             </a:r>
             <a:endParaRPr lang="ko-KR" altLang="en-US" sz="1800">
               <a:latin typeface="맑은 고딕" charset="0"/>
@@ -11648,7 +11494,7 @@
                 <a:latin typeface="맑은 고딕" charset="0"/>
                 <a:ea typeface="맑은 고딕" charset="0"/>
               </a:rPr>
-              <a:t>다섯</a:t>
+              <a:t>여섯</a:t>
             </a:r>
             <a:r>
               <a:rPr lang="ko-KR" altLang="en-US" sz="3000" b="1">
@@ -11672,17 +11518,17 @@
       </p:sp>
       <p:pic>
         <p:nvPicPr>
-          <p:cNvPr id="1145" name="그림 11"/>
+          <p:cNvPr id="1149" name="그림 23"/>
           <p:cNvPicPr>
             <a:picLocks noChangeAspect="1"/>
           </p:cNvPicPr>
           <p:nvPr/>
         </p:nvPicPr>
         <p:blipFill rotWithShape="1">
-          <a:blip r:embed="rId2" cstate="print">
+          <a:blip r:embed="rId2" cstate="hqprint">
             <a:extLst>
               <a:ext uri="{28A0092B-C50C-407E-A947-70E740481C1C}">
-                <a14:useLocalDpi xmlns:a14="http://schemas.microsoft.com/office/drawing/2010/main" val="0"/>
+                <a14:useLocalDpi xmlns:a14="http://schemas.microsoft.com/office/drawing/2010/main"/>
               </a:ext>
             </a:extLst>
           </a:blip>
@@ -11692,16 +11538,18 @@
         </p:blipFill>
         <p:spPr>
           <a:xfrm rot="0">
-            <a:off x="1373505" y="1438275"/>
-            <a:ext cx="2442845" cy="2103755"/>
-          </a:xfrm>
-          <a:prstGeom prst="rect"/>
-          <a:noFill/>
+            <a:off x="6925310" y="1438275"/>
+            <a:ext cx="4248150" cy="881380"/>
+          </a:xfrm>
+          <a:prstGeom prst="roundRect"/>
+          <a:solidFill>
+            <a:srgbClr val="EDEDED"/>
+          </a:solidFill>
         </p:spPr>
       </p:pic>
       <p:pic>
         <p:nvPicPr>
-          <p:cNvPr id="1146" name="그림 12"/>
+          <p:cNvPr id="1150" name="그림 24"/>
           <p:cNvPicPr>
             <a:picLocks noChangeAspect="1"/>
           </p:cNvPicPr>
@@ -11721,8 +11569,8 @@
         </p:blipFill>
         <p:spPr>
           <a:xfrm rot="0">
-            <a:off x="4175125" y="1903730"/>
-            <a:ext cx="1181735" cy="1147445"/>
+            <a:off x="1423670" y="2776220"/>
+            <a:ext cx="3922395" cy="2952115"/>
           </a:xfrm>
           <a:prstGeom prst="roundRect"/>
           <a:solidFill>
@@ -11732,7 +11580,7 @@
       </p:pic>
       <p:pic>
         <p:nvPicPr>
-          <p:cNvPr id="1147" name="그림 16"/>
+          <p:cNvPr id="1152" name="그림 29"/>
           <p:cNvPicPr>
             <a:picLocks noChangeAspect="1"/>
           </p:cNvPicPr>
@@ -11752,44 +11600,11 @@
         </p:blipFill>
         <p:spPr>
           <a:xfrm rot="0">
-            <a:off x="6920865" y="1438275"/>
-            <a:ext cx="4311015" cy="1047750"/>
-          </a:xfrm>
-          <a:prstGeom prst="roundRect"/>
-          <a:solidFill>
-            <a:srgbClr val="EDEDED"/>
-          </a:solidFill>
-        </p:spPr>
-      </p:pic>
-      <p:pic>
-        <p:nvPicPr>
-          <p:cNvPr id="1148" name="그림 19"/>
-          <p:cNvPicPr>
-            <a:picLocks noChangeAspect="1"/>
-          </p:cNvPicPr>
-          <p:nvPr/>
-        </p:nvPicPr>
-        <p:blipFill rotWithShape="1">
-          <a:blip r:embed="rId5" cstate="print">
-            <a:extLst>
-              <a:ext uri="{28A0092B-C50C-407E-A947-70E740481C1C}">
-                <a14:useLocalDpi xmlns:a14="http://schemas.microsoft.com/office/drawing/2010/main" val="0"/>
-              </a:ext>
-            </a:extLst>
-          </a:blip>
-          <a:stretch>
-            <a:fillRect/>
-          </a:stretch>
-        </p:blipFill>
-        <p:spPr>
-          <a:xfrm rot="0">
-            <a:off x="6934835" y="2701925"/>
-            <a:ext cx="4305300" cy="2028825"/>
-          </a:xfrm>
-          <a:prstGeom prst="roundRect"/>
-          <a:solidFill>
-            <a:srgbClr val="EDEDED"/>
-          </a:solidFill>
+            <a:off x="6925945" y="2483485"/>
+            <a:ext cx="4239260" cy="1316355"/>
+          </a:xfrm>
+          <a:prstGeom prst="rect"/>
+          <a:noFill/>
         </p:spPr>
       </p:pic>
     </p:spTree>
@@ -11834,7 +11649,7 @@
       </p:grpSpPr>
       <p:sp>
         <p:nvSpPr>
-          <p:cNvPr id="1115" name="Rect 0"/>
+          <p:cNvPr id="1127" name="Rect 0"/>
           <p:cNvSpPr txBox="1">
             <a:spLocks/>
           </p:cNvSpPr>
@@ -11842,8 +11657,8 @@
         </p:nvSpPr>
         <p:spPr>
           <a:xfrm rot="0">
-            <a:off x="1421765" y="1437005"/>
-            <a:ext cx="3916045" cy="1200785"/>
+            <a:off x="6842760" y="4727575"/>
+            <a:ext cx="4114800" cy="677545"/>
           </a:xfrm>
           <a:prstGeom prst="rect"/>
           <a:noFill/>
@@ -11858,37 +11673,26 @@
           </a:bodyPr>
           <a:lstStyle/>
           <a:p>
-            <a:pPr marL="0" indent="0" rtl="0" algn="l" defTabSz="914400" eaLnBrk="1" latinLnBrk="0" hangingPunct="1">
-              <a:buFontTx/>
-              <a:buNone/>
-            </a:pPr>
-            <a:r>
-              <a:rPr sz="1800">
-                <a:latin typeface="맑은 고딕" charset="0"/>
-                <a:ea typeface="맑은 고딕" charset="0"/>
-              </a:rPr>
-              <a:t>블렌드 트리는 여러 개의 애니메이션의 일부를 각각 다른 비중으로 합쳐서 매끄럽게 이어주는 </a:t>
-            </a:r>
-            <a:r>
-              <a:rPr sz="1800">
-                <a:latin typeface="맑은 고딕" charset="0"/>
-                <a:ea typeface="맑은 고딕" charset="0"/>
-              </a:rPr>
-              <a:t>기</a:t>
+            <a:pPr marL="0" indent="0" algn="l" latinLnBrk="0" hangingPunct="1">
+              <a:buFontTx/>
+              <a:buNone/>
+            </a:pPr>
+            <a:r>
+              <a:rPr lang="ko-KR" sz="2000" b="1">
+                <a:solidFill>
+                  <a:srgbClr val="0611F2"/>
+                </a:solidFill>
+                <a:latin typeface="맑은 고딕" charset="0"/>
+                <a:ea typeface="맑은 고딕" charset="0"/>
+              </a:rPr>
+              <a:t>36. </a:t>
             </a:r>
             <a:r>
               <a:rPr lang="ko-KR" sz="1800">
                 <a:latin typeface="맑은 고딕" charset="0"/>
                 <a:ea typeface="맑은 고딕" charset="0"/>
               </a:rPr>
-              <a:t>능</a:t>
-            </a:r>
-            <a:r>
-              <a:rPr sz="1800">
-                <a:latin typeface="맑은 고딕" charset="0"/>
-                <a:ea typeface="맑은 고딕" charset="0"/>
-              </a:rPr>
-              <a:t>입니다.</a:t>
+              <a:t>그리고 앞, 뒤, 좌, 우로 움직이는 애니메이션을 선택합니다. </a:t>
             </a:r>
             <a:endParaRPr lang="ko-KR" altLang="en-US" sz="1800">
               <a:latin typeface="맑은 고딕" charset="0"/>
@@ -11899,7 +11703,7 @@
       </p:sp>
       <p:sp>
         <p:nvSpPr>
-          <p:cNvPr id="1127" name="Rect 0"/>
+          <p:cNvPr id="1130" name="Rect 0"/>
           <p:cNvSpPr txBox="1">
             <a:spLocks/>
           </p:cNvSpPr>
@@ -11907,8 +11711,8 @@
         </p:nvSpPr>
         <p:spPr>
           <a:xfrm rot="0">
-            <a:off x="6925945" y="3954780"/>
-            <a:ext cx="4264025" cy="1784985"/>
+            <a:off x="4530725" y="408940"/>
+            <a:ext cx="3131820" cy="554990"/>
           </a:xfrm>
           <a:prstGeom prst="rect"/>
           <a:noFill/>
@@ -11923,97 +11727,6 @@
           </a:bodyPr>
           <a:lstStyle/>
           <a:p>
-            <a:pPr marL="0" indent="0" algn="l" latinLnBrk="0" hangingPunct="1">
-              <a:buFontTx/>
-              <a:buNone/>
-            </a:pPr>
-            <a:r>
-              <a:rPr lang="ko-KR" sz="2000" b="1">
-                <a:solidFill>
-                  <a:srgbClr val="0611F2"/>
-                </a:solidFill>
-                <a:latin typeface="맑은 고딕" charset="0"/>
-                <a:ea typeface="맑은 고딕" charset="0"/>
-              </a:rPr>
-              <a:t>34</a:t>
-            </a:r>
-            <a:r>
-              <a:rPr lang="ko-KR" sz="2000" b="1">
-                <a:solidFill>
-                  <a:srgbClr val="0611F2"/>
-                </a:solidFill>
-                <a:latin typeface="맑은 고딕" charset="0"/>
-                <a:ea typeface="맑은 고딕" charset="0"/>
-              </a:rPr>
-              <a:t>. </a:t>
-            </a:r>
-            <a:r>
-              <a:rPr lang="ko-KR" sz="1800">
-                <a:latin typeface="맑은 고딕" charset="0"/>
-                <a:ea typeface="맑은 고딕" charset="0"/>
-              </a:rPr>
-              <a:t>그리고 Blend Tree를 선택하게 되면 Blend Tree를 설정할 수 있는 공간으로 이동합니다.</a:t>
-            </a:r>
-            <a:endParaRPr lang="ko-KR" altLang="en-US" sz="1800">
-              <a:latin typeface="맑은 고딕" charset="0"/>
-              <a:ea typeface="맑은 고딕" charset="0"/>
-            </a:endParaRPr>
-          </a:p>
-          <a:p>
-            <a:pPr marL="0" indent="0" algn="l" latinLnBrk="0" hangingPunct="1">
-              <a:buFontTx/>
-              <a:buNone/>
-            </a:pPr>
-            <a:endParaRPr lang="ko-KR" altLang="en-US" sz="1800">
-              <a:latin typeface="맑은 고딕" charset="0"/>
-              <a:ea typeface="맑은 고딕" charset="0"/>
-            </a:endParaRPr>
-          </a:p>
-          <a:p>
-            <a:pPr marL="0" indent="0" algn="l" latinLnBrk="0" hangingPunct="1">
-              <a:buFontTx/>
-              <a:buNone/>
-            </a:pPr>
-            <a:r>
-              <a:rPr lang="ko-KR" sz="1800">
-                <a:latin typeface="맑은 고딕" charset="0"/>
-                <a:ea typeface="맑은 고딕" charset="0"/>
-              </a:rPr>
-              <a:t>그런 다음 Blend Tree에 Blend Type을 2D Simple Directional로 선택합니다.</a:t>
-            </a:r>
-            <a:endParaRPr lang="ko-KR" altLang="en-US" sz="1800">
-              <a:latin typeface="맑은 고딕" charset="0"/>
-              <a:ea typeface="맑은 고딕" charset="0"/>
-            </a:endParaRPr>
-          </a:p>
-        </p:txBody>
-      </p:sp>
-      <p:sp>
-        <p:nvSpPr>
-          <p:cNvPr id="1130" name="Rect 0"/>
-          <p:cNvSpPr txBox="1">
-            <a:spLocks/>
-          </p:cNvSpPr>
-          <p:nvPr/>
-        </p:nvSpPr>
-        <p:spPr>
-          <a:xfrm rot="0">
-            <a:off x="4530725" y="408940"/>
-            <a:ext cx="3131820" cy="554990"/>
-          </a:xfrm>
-          <a:prstGeom prst="rect"/>
-          <a:noFill/>
-          <a:ln w="0">
-            <a:noFill/>
-            <a:prstDash/>
-          </a:ln>
-        </p:spPr>
-        <p:txBody>
-          <a:bodyPr wrap="square" lIns="89535" tIns="46355" rIns="89535" bIns="46355" numCol="1" vert="horz" anchor="t">
-            <a:spAutoFit/>
-          </a:bodyPr>
-          <a:lstStyle/>
-          <a:p>
             <a:pPr marL="0" indent="0" algn="l" latinLnBrk="0">
               <a:buFontTx/>
               <a:buNone/>
@@ -12036,7 +11749,7 @@
                 <a:latin typeface="맑은 고딕" charset="0"/>
                 <a:ea typeface="맑은 고딕" charset="0"/>
               </a:rPr>
-              <a:t>여섯</a:t>
+              <a:t>일곱</a:t>
             </a:r>
             <a:r>
               <a:rPr lang="ko-KR" altLang="en-US" sz="3000" b="1">
@@ -12060,14 +11773,109 @@
       </p:sp>
       <p:pic>
         <p:nvPicPr>
-          <p:cNvPr id="1149" name="그림 23"/>
+          <p:cNvPr id="1153" name="그림 34"/>
           <p:cNvPicPr>
             <a:picLocks noChangeAspect="1"/>
           </p:cNvPicPr>
           <p:nvPr/>
         </p:nvPicPr>
         <p:blipFill rotWithShape="1">
-          <a:blip r:embed="rId2" cstate="hqprint">
+          <a:blip r:embed="rId2" cstate="print">
+            <a:extLst>
+              <a:ext uri="{28A0092B-C50C-407E-A947-70E740481C1C}">
+                <a14:useLocalDpi xmlns:a14="http://schemas.microsoft.com/office/drawing/2010/main" val="0"/>
+              </a:ext>
+            </a:extLst>
+          </a:blip>
+          <a:stretch>
+            <a:fillRect/>
+          </a:stretch>
+        </p:blipFill>
+        <p:spPr>
+          <a:xfrm rot="0">
+            <a:off x="1346835" y="1441450"/>
+            <a:ext cx="4015740" cy="986790"/>
+          </a:xfrm>
+          <a:prstGeom prst="roundRect"/>
+          <a:solidFill>
+            <a:srgbClr val="EDEDED"/>
+          </a:solidFill>
+        </p:spPr>
+      </p:pic>
+      <p:sp>
+        <p:nvSpPr>
+          <p:cNvPr id="1154" name="텍스트 상자 37"/>
+          <p:cNvSpPr txBox="1">
+            <a:spLocks/>
+          </p:cNvSpPr>
+          <p:nvPr/>
+        </p:nvSpPr>
+        <p:spPr>
+          <a:xfrm rot="0">
+            <a:off x="1353185" y="2488565"/>
+            <a:ext cx="4009390" cy="954405"/>
+          </a:xfrm>
+          <a:prstGeom prst="rect"/>
+          <a:noFill/>
+          <a:ln w="0">
+            <a:noFill/>
+            <a:prstDash/>
+          </a:ln>
+        </p:spPr>
+        <p:txBody>
+          <a:bodyPr wrap="square" lIns="89535" tIns="46355" rIns="89535" bIns="46355" numCol="1" vert="horz" anchor="t">
+            <a:spAutoFit/>
+          </a:bodyPr>
+          <a:lstStyle/>
+          <a:p>
+            <a:pPr marL="0" indent="0" algn="l" latinLnBrk="0" hangingPunct="1">
+              <a:buFontTx/>
+              <a:buNone/>
+            </a:pPr>
+            <a:r>
+              <a:rPr lang="ko-KR" sz="2000" b="1">
+                <a:solidFill>
+                  <a:srgbClr val="0611F2"/>
+                </a:solidFill>
+                <a:latin typeface="맑은 고딕" charset="0"/>
+                <a:ea typeface="맑은 고딕" charset="0"/>
+              </a:rPr>
+              <a:t>35</a:t>
+            </a:r>
+            <a:r>
+              <a:rPr lang="ko-KR" sz="2000" b="1">
+                <a:solidFill>
+                  <a:srgbClr val="0611F2"/>
+                </a:solidFill>
+                <a:latin typeface="맑은 고딕" charset="0"/>
+                <a:ea typeface="맑은 고딕" charset="0"/>
+              </a:rPr>
+              <a:t>. </a:t>
+            </a:r>
+            <a:r>
+              <a:rPr lang="ko-KR" sz="1800">
+                <a:latin typeface="맑은 고딕" charset="0"/>
+                <a:ea typeface="맑은 고딕" charset="0"/>
+              </a:rPr>
+              <a:t>여기서 블렌드 트리의 애니메이션을 혼합하기 위해 Motion을 추가합니다. </a:t>
+            </a:r>
+            <a:endParaRPr lang="ko-KR" altLang="en-US" sz="1800">
+              <a:latin typeface="맑은 고딕" charset="0"/>
+              <a:ea typeface="맑은 고딕" charset="0"/>
+            </a:endParaRPr>
+          </a:p>
+        </p:txBody>
+      </p:sp>
+      <p:pic>
+        <p:nvPicPr>
+          <p:cNvPr id="1155" name="그림 39"/>
+          <p:cNvPicPr>
+            <a:picLocks noChangeAspect="1"/>
+          </p:cNvPicPr>
+          <p:nvPr/>
+        </p:nvPicPr>
+        <p:blipFill rotWithShape="1">
+          <a:blip r:embed="rId3" cstate="hqprint">
             <a:extLst>
               <a:ext uri="{28A0092B-C50C-407E-A947-70E740481C1C}">
                 <a14:useLocalDpi xmlns:a14="http://schemas.microsoft.com/office/drawing/2010/main"/>
@@ -12080,8 +11888,8 @@
         </p:blipFill>
         <p:spPr>
           <a:xfrm rot="0">
-            <a:off x="6925310" y="1438275"/>
-            <a:ext cx="4248150" cy="881380"/>
+            <a:off x="1346835" y="3546475"/>
+            <a:ext cx="4016375" cy="1857375"/>
           </a:xfrm>
           <a:prstGeom prst="roundRect"/>
           <a:solidFill>
@@ -12091,17 +11899,17 @@
       </p:pic>
       <p:pic>
         <p:nvPicPr>
-          <p:cNvPr id="1150" name="그림 24"/>
+          <p:cNvPr id="1156" name="그림 46"/>
           <p:cNvPicPr>
             <a:picLocks noChangeAspect="1"/>
           </p:cNvPicPr>
           <p:nvPr/>
         </p:nvPicPr>
         <p:blipFill rotWithShape="1">
-          <a:blip r:embed="rId3" cstate="print">
+          <a:blip r:embed="rId4" cstate="hqprint">
             <a:extLst>
               <a:ext uri="{28A0092B-C50C-407E-A947-70E740481C1C}">
-                <a14:useLocalDpi xmlns:a14="http://schemas.microsoft.com/office/drawing/2010/main" val="0"/>
+                <a14:useLocalDpi xmlns:a14="http://schemas.microsoft.com/office/drawing/2010/main"/>
               </a:ext>
             </a:extLst>
           </a:blip>
@@ -12111,8 +11919,8 @@
         </p:blipFill>
         <p:spPr>
           <a:xfrm rot="0">
-            <a:off x="1423670" y="2776220"/>
-            <a:ext cx="3922395" cy="2952115"/>
+            <a:off x="6844030" y="1435100"/>
+            <a:ext cx="929640" cy="3112770"/>
           </a:xfrm>
           <a:prstGeom prst="roundRect"/>
           <a:solidFill>
@@ -12122,17 +11930,17 @@
       </p:pic>
       <p:pic>
         <p:nvPicPr>
-          <p:cNvPr id="1152" name="그림 29"/>
+          <p:cNvPr id="1157" name="그림 47"/>
           <p:cNvPicPr>
             <a:picLocks noChangeAspect="1"/>
           </p:cNvPicPr>
           <p:nvPr/>
         </p:nvPicPr>
         <p:blipFill rotWithShape="1">
-          <a:blip r:embed="rId4" cstate="print">
+          <a:blip r:embed="rId5" cstate="hqprint">
             <a:extLst>
               <a:ext uri="{28A0092B-C50C-407E-A947-70E740481C1C}">
-                <a14:useLocalDpi xmlns:a14="http://schemas.microsoft.com/office/drawing/2010/main" val="0"/>
+                <a14:useLocalDpi xmlns:a14="http://schemas.microsoft.com/office/drawing/2010/main"/>
               </a:ext>
             </a:extLst>
           </a:blip>
@@ -12142,11 +11950,75 @@
         </p:blipFill>
         <p:spPr>
           <a:xfrm rot="0">
-            <a:off x="6925945" y="2483485"/>
-            <a:ext cx="4239260" cy="1316355"/>
-          </a:xfrm>
-          <a:prstGeom prst="rect"/>
-          <a:noFill/>
+            <a:off x="7901940" y="1437640"/>
+            <a:ext cx="927100" cy="3110230"/>
+          </a:xfrm>
+          <a:prstGeom prst="roundRect"/>
+          <a:solidFill>
+            <a:srgbClr val="EDEDED"/>
+          </a:solidFill>
+        </p:spPr>
+      </p:pic>
+      <p:pic>
+        <p:nvPicPr>
+          <p:cNvPr id="1158" name="그림 48"/>
+          <p:cNvPicPr>
+            <a:picLocks noChangeAspect="1"/>
+          </p:cNvPicPr>
+          <p:nvPr/>
+        </p:nvPicPr>
+        <p:blipFill rotWithShape="1">
+          <a:blip r:embed="rId6" cstate="hqprint">
+            <a:extLst>
+              <a:ext uri="{28A0092B-C50C-407E-A947-70E740481C1C}">
+                <a14:useLocalDpi xmlns:a14="http://schemas.microsoft.com/office/drawing/2010/main"/>
+              </a:ext>
+            </a:extLst>
+          </a:blip>
+          <a:stretch>
+            <a:fillRect/>
+          </a:stretch>
+        </p:blipFill>
+        <p:spPr>
+          <a:xfrm rot="0">
+            <a:off x="8973820" y="1439545"/>
+            <a:ext cx="911225" cy="3100070"/>
+          </a:xfrm>
+          <a:prstGeom prst="roundRect"/>
+          <a:solidFill>
+            <a:srgbClr val="EDEDED"/>
+          </a:solidFill>
+        </p:spPr>
+      </p:pic>
+      <p:pic>
+        <p:nvPicPr>
+          <p:cNvPr id="1159" name="그림 49"/>
+          <p:cNvPicPr>
+            <a:picLocks noChangeAspect="1"/>
+          </p:cNvPicPr>
+          <p:nvPr/>
+        </p:nvPicPr>
+        <p:blipFill rotWithShape="1">
+          <a:blip r:embed="rId7" cstate="hqprint">
+            <a:extLst>
+              <a:ext uri="{28A0092B-C50C-407E-A947-70E740481C1C}">
+                <a14:useLocalDpi xmlns:a14="http://schemas.microsoft.com/office/drawing/2010/main"/>
+              </a:ext>
+            </a:extLst>
+          </a:blip>
+          <a:stretch>
+            <a:fillRect/>
+          </a:stretch>
+        </p:blipFill>
+        <p:spPr>
+          <a:xfrm rot="0">
+            <a:off x="10032365" y="1438275"/>
+            <a:ext cx="924560" cy="3109595"/>
+          </a:xfrm>
+          <a:prstGeom prst="roundRect"/>
+          <a:solidFill>
+            <a:srgbClr val="EDEDED"/>
+          </a:solidFill>
         </p:spPr>
       </p:pic>
     </p:spTree>
@@ -12199,8 +12071,8 @@
         </p:nvSpPr>
         <p:spPr>
           <a:xfrm rot="0">
-            <a:off x="6842760" y="4727575"/>
-            <a:ext cx="4114800" cy="677545"/>
+            <a:off x="6842760" y="4893945"/>
+            <a:ext cx="4172585" cy="677545"/>
           </a:xfrm>
           <a:prstGeom prst="rect"/>
           <a:noFill/>
@@ -12234,7 +12106,14 @@
                 <a:latin typeface="맑은 고딕" charset="0"/>
                 <a:ea typeface="맑은 고딕" charset="0"/>
               </a:rPr>
-              <a:t>그리고 앞, 뒤, 좌, 우로 움직이는 애니메이션을 선택합니다. </a:t>
+              <a:t>그</a:t>
+            </a:r>
+            <a:r>
+              <a:rPr lang="ko-KR" sz="1800">
+                <a:latin typeface="맑은 고딕" charset="0"/>
+                <a:ea typeface="맑은 고딕" charset="0"/>
+              </a:rPr>
+              <a:t>런 다음 유니티 프로젝트에 애니메이션 파일을 추가합니다.</a:t>
             </a:r>
             <a:endParaRPr lang="ko-KR" altLang="en-US" sz="1800">
               <a:latin typeface="맑은 고딕" charset="0"/>
@@ -12254,7 +12133,7 @@
         <p:spPr>
           <a:xfrm rot="0">
             <a:off x="4530725" y="408940"/>
-            <a:ext cx="3131820" cy="554990"/>
+            <a:ext cx="3132455" cy="554990"/>
           </a:xfrm>
           <a:prstGeom prst="rect"/>
           <a:noFill/>
@@ -12291,7 +12170,7 @@
                 <a:latin typeface="맑은 고딕" charset="0"/>
                 <a:ea typeface="맑은 고딕" charset="0"/>
               </a:rPr>
-              <a:t>일곱</a:t>
+              <a:t>여덟</a:t>
             </a:r>
             <a:r>
               <a:rPr lang="ko-KR" altLang="en-US" sz="3000" b="1">
@@ -12315,7 +12194,7 @@
       </p:sp>
       <p:pic>
         <p:nvPicPr>
-          <p:cNvPr id="1153" name="그림 34"/>
+          <p:cNvPr id="1160" name="그림 5"/>
           <p:cNvPicPr>
             <a:picLocks noChangeAspect="1"/>
           </p:cNvPicPr>
@@ -12335,92 +12214,26 @@
         </p:blipFill>
         <p:spPr>
           <a:xfrm rot="0">
-            <a:off x="1346835" y="1441450"/>
-            <a:ext cx="4015740" cy="986790"/>
-          </a:xfrm>
-          <a:prstGeom prst="roundRect"/>
-          <a:solidFill>
-            <a:srgbClr val="EDEDED"/>
-          </a:solidFill>
+            <a:off x="1126490" y="1359535"/>
+            <a:ext cx="1958340" cy="1575435"/>
+          </a:xfrm>
+          <a:prstGeom prst="rect"/>
+          <a:noFill/>
         </p:spPr>
       </p:pic>
-      <p:sp>
-        <p:nvSpPr>
-          <p:cNvPr id="1154" name="텍스트 상자 37"/>
-          <p:cNvSpPr txBox="1">
-            <a:spLocks/>
-          </p:cNvSpPr>
-          <p:nvPr/>
-        </p:nvSpPr>
-        <p:spPr>
-          <a:xfrm rot="0">
-            <a:off x="1353185" y="2488565"/>
-            <a:ext cx="4009390" cy="954405"/>
-          </a:xfrm>
-          <a:prstGeom prst="rect"/>
-          <a:noFill/>
-          <a:ln w="0">
-            <a:noFill/>
-            <a:prstDash/>
-          </a:ln>
-        </p:spPr>
-        <p:txBody>
-          <a:bodyPr wrap="square" lIns="89535" tIns="46355" rIns="89535" bIns="46355" numCol="1" vert="horz" anchor="t">
-            <a:spAutoFit/>
-          </a:bodyPr>
-          <a:lstStyle/>
-          <a:p>
-            <a:pPr marL="0" indent="0" algn="l" latinLnBrk="0" hangingPunct="1">
-              <a:buFontTx/>
-              <a:buNone/>
-            </a:pPr>
-            <a:r>
-              <a:rPr lang="ko-KR" sz="2000" b="1">
-                <a:solidFill>
-                  <a:srgbClr val="0611F2"/>
-                </a:solidFill>
-                <a:latin typeface="맑은 고딕" charset="0"/>
-                <a:ea typeface="맑은 고딕" charset="0"/>
-              </a:rPr>
-              <a:t>35</a:t>
-            </a:r>
-            <a:r>
-              <a:rPr lang="ko-KR" sz="2000" b="1">
-                <a:solidFill>
-                  <a:srgbClr val="0611F2"/>
-                </a:solidFill>
-                <a:latin typeface="맑은 고딕" charset="0"/>
-                <a:ea typeface="맑은 고딕" charset="0"/>
-              </a:rPr>
-              <a:t>. </a:t>
-            </a:r>
-            <a:r>
-              <a:rPr lang="ko-KR" sz="1800">
-                <a:latin typeface="맑은 고딕" charset="0"/>
-                <a:ea typeface="맑은 고딕" charset="0"/>
-              </a:rPr>
-              <a:t>여기서 블렌드 트리의 애니메이션을 혼합하기 위해 Motion을 추가합니다. </a:t>
-            </a:r>
-            <a:endParaRPr lang="ko-KR" altLang="en-US" sz="1800">
-              <a:latin typeface="맑은 고딕" charset="0"/>
-              <a:ea typeface="맑은 고딕" charset="0"/>
-            </a:endParaRPr>
-          </a:p>
-        </p:txBody>
-      </p:sp>
       <p:pic>
         <p:nvPicPr>
-          <p:cNvPr id="1155" name="그림 39"/>
+          <p:cNvPr id="1161" name="그림 6"/>
           <p:cNvPicPr>
             <a:picLocks noChangeAspect="1"/>
           </p:cNvPicPr>
           <p:nvPr/>
         </p:nvPicPr>
         <p:blipFill rotWithShape="1">
-          <a:blip r:embed="rId3" cstate="hqprint">
+          <a:blip r:embed="rId3" cstate="print">
             <a:extLst>
               <a:ext uri="{28A0092B-C50C-407E-A947-70E740481C1C}">
-                <a14:useLocalDpi xmlns:a14="http://schemas.microsoft.com/office/drawing/2010/main"/>
+                <a14:useLocalDpi xmlns:a14="http://schemas.microsoft.com/office/drawing/2010/main" val="0"/>
               </a:ext>
             </a:extLst>
           </a:blip>
@@ -12430,28 +12243,26 @@
         </p:blipFill>
         <p:spPr>
           <a:xfrm rot="0">
-            <a:off x="1346835" y="3546475"/>
-            <a:ext cx="4016375" cy="1857375"/>
-          </a:xfrm>
-          <a:prstGeom prst="roundRect"/>
-          <a:solidFill>
-            <a:srgbClr val="EDEDED"/>
-          </a:solidFill>
+            <a:off x="3376930" y="1359535"/>
+            <a:ext cx="1960880" cy="1567180"/>
+          </a:xfrm>
+          <a:prstGeom prst="rect"/>
+          <a:noFill/>
         </p:spPr>
       </p:pic>
       <p:pic>
         <p:nvPicPr>
-          <p:cNvPr id="1156" name="그림 46"/>
+          <p:cNvPr id="1162" name="그림 7"/>
           <p:cNvPicPr>
             <a:picLocks noChangeAspect="1"/>
           </p:cNvPicPr>
           <p:nvPr/>
         </p:nvPicPr>
         <p:blipFill rotWithShape="1">
-          <a:blip r:embed="rId4" cstate="hqprint">
+          <a:blip r:embed="rId4" cstate="print">
             <a:extLst>
               <a:ext uri="{28A0092B-C50C-407E-A947-70E740481C1C}">
-                <a14:useLocalDpi xmlns:a14="http://schemas.microsoft.com/office/drawing/2010/main"/>
+                <a14:useLocalDpi xmlns:a14="http://schemas.microsoft.com/office/drawing/2010/main" val="0"/>
               </a:ext>
             </a:extLst>
           </a:blip>
@@ -12461,28 +12272,26 @@
         </p:blipFill>
         <p:spPr>
           <a:xfrm rot="0">
-            <a:off x="6844030" y="1435100"/>
-            <a:ext cx="929640" cy="3112770"/>
-          </a:xfrm>
-          <a:prstGeom prst="roundRect"/>
-          <a:solidFill>
-            <a:srgbClr val="EDEDED"/>
-          </a:solidFill>
+            <a:off x="1134745" y="3056255"/>
+            <a:ext cx="1950085" cy="1566545"/>
+          </a:xfrm>
+          <a:prstGeom prst="rect"/>
+          <a:noFill/>
         </p:spPr>
       </p:pic>
       <p:pic>
         <p:nvPicPr>
-          <p:cNvPr id="1157" name="그림 47"/>
+          <p:cNvPr id="1163" name="그림 9"/>
           <p:cNvPicPr>
             <a:picLocks noChangeAspect="1"/>
           </p:cNvPicPr>
           <p:nvPr/>
         </p:nvPicPr>
         <p:blipFill rotWithShape="1">
-          <a:blip r:embed="rId5" cstate="hqprint">
+          <a:blip r:embed="rId5" cstate="print">
             <a:extLst>
               <a:ext uri="{28A0092B-C50C-407E-A947-70E740481C1C}">
-                <a14:useLocalDpi xmlns:a14="http://schemas.microsoft.com/office/drawing/2010/main"/>
+                <a14:useLocalDpi xmlns:a14="http://schemas.microsoft.com/office/drawing/2010/main" val="0"/>
               </a:ext>
             </a:extLst>
           </a:blip>
@@ -12492,28 +12301,107 @@
         </p:blipFill>
         <p:spPr>
           <a:xfrm rot="0">
-            <a:off x="7901940" y="1437640"/>
-            <a:ext cx="927100" cy="3110230"/>
-          </a:xfrm>
-          <a:prstGeom prst="roundRect"/>
-          <a:solidFill>
-            <a:srgbClr val="EDEDED"/>
-          </a:solidFill>
+            <a:off x="3373755" y="3051175"/>
+            <a:ext cx="1964055" cy="1571625"/>
+          </a:xfrm>
+          <a:prstGeom prst="rect"/>
+          <a:noFill/>
         </p:spPr>
       </p:pic>
+      <p:sp>
+        <p:nvSpPr>
+          <p:cNvPr id="1164" name="텍스트 상자 10"/>
+          <p:cNvSpPr txBox="1">
+            <a:spLocks/>
+          </p:cNvSpPr>
+          <p:nvPr/>
+        </p:nvSpPr>
+        <p:spPr>
+          <a:xfrm rot="0">
+            <a:off x="1137285" y="4899025"/>
+            <a:ext cx="4172585" cy="677545"/>
+          </a:xfrm>
+          <a:prstGeom prst="rect"/>
+          <a:noFill/>
+          <a:ln w="0">
+            <a:noFill/>
+            <a:prstDash/>
+          </a:ln>
+        </p:spPr>
+        <p:txBody>
+          <a:bodyPr wrap="square" lIns="89535" tIns="46355" rIns="89535" bIns="46355" numCol="1" vert="horz" anchor="t">
+            <a:spAutoFit/>
+          </a:bodyPr>
+          <a:lstStyle/>
+          <a:p>
+            <a:pPr marL="0" indent="0" algn="l" latinLnBrk="0" hangingPunct="1">
+              <a:buFontTx/>
+              <a:buNone/>
+            </a:pPr>
+            <a:r>
+              <a:rPr lang="ko-KR" sz="2000" b="1">
+                <a:solidFill>
+                  <a:srgbClr val="0611F2"/>
+                </a:solidFill>
+                <a:latin typeface="맑은 고딕" charset="0"/>
+                <a:ea typeface="맑은 고딕" charset="0"/>
+              </a:rPr>
+              <a:t>3</a:t>
+            </a:r>
+            <a:r>
+              <a:rPr lang="ko-KR" sz="2000" b="1">
+                <a:solidFill>
+                  <a:srgbClr val="0611F2"/>
+                </a:solidFill>
+                <a:latin typeface="맑은 고딕" charset="0"/>
+                <a:ea typeface="맑은 고딕" charset="0"/>
+              </a:rPr>
+              <a:t>7</a:t>
+            </a:r>
+            <a:r>
+              <a:rPr lang="ko-KR" sz="2000" b="1">
+                <a:solidFill>
+                  <a:srgbClr val="0611F2"/>
+                </a:solidFill>
+                <a:latin typeface="맑은 고딕" charset="0"/>
+                <a:ea typeface="맑은 고딕" charset="0"/>
+              </a:rPr>
+              <a:t>. </a:t>
+            </a:r>
+            <a:r>
+              <a:rPr lang="ko-KR" sz="1800">
+                <a:latin typeface="맑은 고딕" charset="0"/>
+                <a:ea typeface="맑은 고딕" charset="0"/>
+              </a:rPr>
+              <a:t>그</a:t>
+            </a:r>
+            <a:r>
+              <a:rPr lang="ko-KR" sz="1800">
+                <a:latin typeface="맑은 고딕" charset="0"/>
+                <a:ea typeface="맑은 고딕" charset="0"/>
+              </a:rPr>
+              <a:t>다음 동작하는 애니메이션에는 In Place를 선택하고 Download 합니다.</a:t>
+            </a:r>
+            <a:endParaRPr lang="ko-KR" altLang="en-US" sz="1800">
+              <a:latin typeface="맑은 고딕" charset="0"/>
+              <a:ea typeface="맑은 고딕" charset="0"/>
+            </a:endParaRPr>
+          </a:p>
+        </p:txBody>
+      </p:sp>
       <p:pic>
         <p:nvPicPr>
-          <p:cNvPr id="1158" name="그림 48"/>
+          <p:cNvPr id="1165" name="그림 19"/>
           <p:cNvPicPr>
             <a:picLocks noChangeAspect="1"/>
           </p:cNvPicPr>
           <p:nvPr/>
         </p:nvPicPr>
         <p:blipFill rotWithShape="1">
-          <a:blip r:embed="rId6" cstate="hqprint">
+          <a:blip r:embed="rId6" cstate="print">
             <a:extLst>
               <a:ext uri="{28A0092B-C50C-407E-A947-70E740481C1C}">
-                <a14:useLocalDpi xmlns:a14="http://schemas.microsoft.com/office/drawing/2010/main"/>
+                <a14:useLocalDpi xmlns:a14="http://schemas.microsoft.com/office/drawing/2010/main" val="0"/>
               </a:ext>
             </a:extLst>
           </a:blip>
@@ -12523,8 +12411,8 @@
         </p:blipFill>
         <p:spPr>
           <a:xfrm rot="0">
-            <a:off x="8973820" y="1439545"/>
-            <a:ext cx="911225" cy="3100070"/>
+            <a:off x="6841490" y="1365885"/>
+            <a:ext cx="4165600" cy="2342515"/>
           </a:xfrm>
           <a:prstGeom prst="roundRect"/>
           <a:solidFill>
@@ -12534,17 +12422,17 @@
       </p:pic>
       <p:pic>
         <p:nvPicPr>
-          <p:cNvPr id="1159" name="그림 49"/>
+          <p:cNvPr id="1166" name="그림 22"/>
           <p:cNvPicPr>
             <a:picLocks noChangeAspect="1"/>
           </p:cNvPicPr>
           <p:nvPr/>
         </p:nvPicPr>
         <p:blipFill rotWithShape="1">
-          <a:blip r:embed="rId7" cstate="hqprint">
+          <a:blip r:embed="rId7" cstate="print">
             <a:extLst>
               <a:ext uri="{28A0092B-C50C-407E-A947-70E740481C1C}">
-                <a14:useLocalDpi xmlns:a14="http://schemas.microsoft.com/office/drawing/2010/main"/>
+                <a14:useLocalDpi xmlns:a14="http://schemas.microsoft.com/office/drawing/2010/main" val="0"/>
               </a:ext>
             </a:extLst>
           </a:blip>
@@ -12554,8 +12442,101 @@
         </p:blipFill>
         <p:spPr>
           <a:xfrm rot="0">
-            <a:off x="10032365" y="1438275"/>
-            <a:ext cx="924560" cy="3109595"/>
+            <a:off x="6838950" y="3911600"/>
+            <a:ext cx="791210" cy="829310"/>
+          </a:xfrm>
+          <a:prstGeom prst="roundRect"/>
+          <a:solidFill>
+            <a:srgbClr val="EDEDED"/>
+          </a:solidFill>
+        </p:spPr>
+      </p:pic>
+      <p:pic>
+        <p:nvPicPr>
+          <p:cNvPr id="1167" name="그림 23"/>
+          <p:cNvPicPr>
+            <a:picLocks noChangeAspect="1"/>
+          </p:cNvPicPr>
+          <p:nvPr/>
+        </p:nvPicPr>
+        <p:blipFill rotWithShape="1">
+          <a:blip r:embed="rId8" cstate="print">
+            <a:extLst>
+              <a:ext uri="{28A0092B-C50C-407E-A947-70E740481C1C}">
+                <a14:useLocalDpi xmlns:a14="http://schemas.microsoft.com/office/drawing/2010/main" val="0"/>
+              </a:ext>
+            </a:extLst>
+          </a:blip>
+          <a:stretch>
+            <a:fillRect/>
+          </a:stretch>
+        </p:blipFill>
+        <p:spPr>
+          <a:xfrm rot="0">
+            <a:off x="7942580" y="3915410"/>
+            <a:ext cx="762635" cy="857885"/>
+          </a:xfrm>
+          <a:prstGeom prst="roundRect"/>
+          <a:solidFill>
+            <a:srgbClr val="EDEDED"/>
+          </a:solidFill>
+        </p:spPr>
+      </p:pic>
+      <p:pic>
+        <p:nvPicPr>
+          <p:cNvPr id="1168" name="그림 24"/>
+          <p:cNvPicPr>
+            <a:picLocks noChangeAspect="1"/>
+          </p:cNvPicPr>
+          <p:nvPr/>
+        </p:nvPicPr>
+        <p:blipFill rotWithShape="1">
+          <a:blip r:embed="rId9" cstate="print">
+            <a:extLst>
+              <a:ext uri="{28A0092B-C50C-407E-A947-70E740481C1C}">
+                <a14:useLocalDpi xmlns:a14="http://schemas.microsoft.com/office/drawing/2010/main" val="0"/>
+              </a:ext>
+            </a:extLst>
+          </a:blip>
+          <a:stretch>
+            <a:fillRect/>
+          </a:stretch>
+        </p:blipFill>
+        <p:spPr>
+          <a:xfrm rot="0">
+            <a:off x="9063355" y="3915410"/>
+            <a:ext cx="791210" cy="848360"/>
+          </a:xfrm>
+          <a:prstGeom prst="roundRect"/>
+          <a:solidFill>
+            <a:srgbClr val="EDEDED"/>
+          </a:solidFill>
+        </p:spPr>
+      </p:pic>
+      <p:pic>
+        <p:nvPicPr>
+          <p:cNvPr id="1169" name="그림 25"/>
+          <p:cNvPicPr>
+            <a:picLocks noChangeAspect="1"/>
+          </p:cNvPicPr>
+          <p:nvPr/>
+        </p:nvPicPr>
+        <p:blipFill rotWithShape="1">
+          <a:blip r:embed="rId10" cstate="print">
+            <a:extLst>
+              <a:ext uri="{28A0092B-C50C-407E-A947-70E740481C1C}">
+                <a14:useLocalDpi xmlns:a14="http://schemas.microsoft.com/office/drawing/2010/main" val="0"/>
+              </a:ext>
+            </a:extLst>
+          </a:blip>
+          <a:stretch>
+            <a:fillRect/>
+          </a:stretch>
+        </p:blipFill>
+        <p:spPr>
+          <a:xfrm rot="0">
+            <a:off x="10222865" y="3924300"/>
+            <a:ext cx="791210" cy="838835"/>
           </a:xfrm>
           <a:prstGeom prst="roundRect"/>
           <a:solidFill>
@@ -12613,8 +12594,8 @@
         </p:nvSpPr>
         <p:spPr>
           <a:xfrm rot="0">
-            <a:off x="6842760" y="4893945"/>
-            <a:ext cx="4172585" cy="677545"/>
+            <a:off x="6824980" y="3945890"/>
+            <a:ext cx="4132580" cy="2061845"/>
           </a:xfrm>
           <a:prstGeom prst="rect"/>
           <a:noFill/>
@@ -12641,7 +12622,27 @@
                 <a:latin typeface="맑은 고딕" charset="0"/>
                 <a:ea typeface="맑은 고딕" charset="0"/>
               </a:rPr>
-              <a:t>36. </a:t>
+              <a:t>3</a:t>
+            </a:r>
+            <a:r>
+              <a:rPr lang="ko-KR" sz="2000" b="1">
+                <a:solidFill>
+                  <a:srgbClr val="0611F2"/>
+                </a:solidFill>
+                <a:latin typeface="맑은 고딕" charset="0"/>
+                <a:ea typeface="맑은 고딕" charset="0"/>
+              </a:rPr>
+              <a:t>8</a:t>
+            </a:r>
+            <a:r>
+              <a:rPr lang="ko-KR" sz="2000" b="1">
+                <a:solidFill>
+                  <a:srgbClr val="0611F2"/>
+                </a:solidFill>
+                <a:latin typeface="맑은 고딕" charset="0"/>
+                <a:ea typeface="맑은 고딕" charset="0"/>
+              </a:rPr>
+              <a:t>. </a:t>
             </a:r>
             <a:r>
               <a:rPr lang="ko-KR" sz="1800">
@@ -12655,7 +12656,34 @@
                 <a:latin typeface="맑은 고딕" charset="0"/>
                 <a:ea typeface="맑은 고딕" charset="0"/>
               </a:rPr>
-              <a:t>런 다음 유니티 프로젝트에 애니메이션 파일을 추가합니다.</a:t>
+              <a:t>다음 블렌드 트리를 선택하고 Motion을 추가합니다. </a:t>
+            </a:r>
+            <a:endParaRPr lang="ko-KR" altLang="en-US" sz="1800">
+              <a:latin typeface="맑은 고딕" charset="0"/>
+              <a:ea typeface="맑은 고딕" charset="0"/>
+            </a:endParaRPr>
+          </a:p>
+          <a:p>
+            <a:pPr marL="0" indent="0" algn="l" latinLnBrk="0" hangingPunct="1">
+              <a:buFontTx/>
+              <a:buNone/>
+            </a:pPr>
+            <a:endParaRPr lang="ko-KR" altLang="en-US" sz="1800">
+              <a:latin typeface="맑은 고딕" charset="0"/>
+              <a:ea typeface="맑은 고딕" charset="0"/>
+            </a:endParaRPr>
+          </a:p>
+          <a:p>
+            <a:pPr marL="0" indent="0" algn="l" latinLnBrk="0" hangingPunct="1">
+              <a:buFontTx/>
+              <a:buNone/>
+            </a:pPr>
+            <a:r>
+              <a:rPr lang="ko-KR" sz="1800">
+                <a:latin typeface="맑은 고딕" charset="0"/>
+                <a:ea typeface="맑은 고딕" charset="0"/>
+              </a:rPr>
+              <a:t>그런 다음 Pos X와 Pos Y 좌표값을 설정하고 Motion에 좌표에 알맞은 애니메이션이 동작할 애니메이션을 추가합니다.</a:t>
             </a:r>
             <a:endParaRPr lang="ko-KR" altLang="en-US" sz="1800">
               <a:latin typeface="맑은 고딕" charset="0"/>
@@ -12712,7 +12740,7 @@
                 <a:latin typeface="맑은 고딕" charset="0"/>
                 <a:ea typeface="맑은 고딕" charset="0"/>
               </a:rPr>
-              <a:t>여덟</a:t>
+              <a:t>아홉</a:t>
             </a:r>
             <a:r>
               <a:rPr lang="ko-KR" altLang="en-US" sz="3000" b="1">
@@ -12734,9 +12762,90 @@
           </a:p>
         </p:txBody>
       </p:sp>
+      <p:sp>
+        <p:nvSpPr>
+          <p:cNvPr id="1164" name="Rect 0"/>
+          <p:cNvSpPr txBox="1">
+            <a:spLocks/>
+          </p:cNvSpPr>
+          <p:nvPr/>
+        </p:nvSpPr>
+        <p:spPr>
+          <a:xfrm rot="0">
+            <a:off x="1220470" y="5056505"/>
+            <a:ext cx="4142105" cy="954405"/>
+          </a:xfrm>
+          <a:prstGeom prst="rect"/>
+          <a:noFill/>
+          <a:ln w="0">
+            <a:noFill/>
+            <a:prstDash/>
+          </a:ln>
+        </p:spPr>
+        <p:txBody>
+          <a:bodyPr wrap="square" lIns="89535" tIns="46355" rIns="89535" bIns="46355" numCol="1" vert="horz" anchor="t">
+            <a:spAutoFit/>
+          </a:bodyPr>
+          <a:lstStyle/>
+          <a:p>
+            <a:pPr marL="0" indent="0" algn="l" latinLnBrk="0" hangingPunct="1">
+              <a:buFontTx/>
+              <a:buNone/>
+            </a:pPr>
+            <a:r>
+              <a:rPr lang="ko-KR" sz="2000" b="1">
+                <a:solidFill>
+                  <a:srgbClr val="0611F2"/>
+                </a:solidFill>
+                <a:latin typeface="맑은 고딕" charset="0"/>
+                <a:ea typeface="맑은 고딕" charset="0"/>
+              </a:rPr>
+              <a:t>3</a:t>
+            </a:r>
+            <a:r>
+              <a:rPr lang="ko-KR" sz="2000" b="1">
+                <a:solidFill>
+                  <a:srgbClr val="0611F2"/>
+                </a:solidFill>
+                <a:latin typeface="맑은 고딕" charset="0"/>
+                <a:ea typeface="맑은 고딕" charset="0"/>
+              </a:rPr>
+              <a:t>7</a:t>
+            </a:r>
+            <a:r>
+              <a:rPr lang="ko-KR" sz="2000" b="1">
+                <a:solidFill>
+                  <a:srgbClr val="0611F2"/>
+                </a:solidFill>
+                <a:latin typeface="맑은 고딕" charset="0"/>
+                <a:ea typeface="맑은 고딕" charset="0"/>
+              </a:rPr>
+              <a:t>. </a:t>
+            </a:r>
+            <a:r>
+              <a:rPr lang="ko-KR" sz="1800">
+                <a:latin typeface="맑은 고딕" charset="0"/>
+                <a:ea typeface="맑은 고딕" charset="0"/>
+              </a:rPr>
+              <a:t>그리고 </a:t>
+            </a:r>
+            <a:r>
+              <a:rPr lang="ko-KR" sz="1800">
+                <a:latin typeface="맑은 고딕" charset="0"/>
+                <a:ea typeface="맑은 고딕" charset="0"/>
+              </a:rPr>
+              <a:t>애니메이션 클립 이름을 각각의 애니메이션 이름으로 변경합니다. </a:t>
+            </a:r>
+            <a:endParaRPr lang="ko-KR" altLang="en-US" sz="1800">
+              <a:latin typeface="맑은 고딕" charset="0"/>
+              <a:ea typeface="맑은 고딕" charset="0"/>
+            </a:endParaRPr>
+          </a:p>
+        </p:txBody>
+      </p:sp>
       <p:pic>
         <p:nvPicPr>
-          <p:cNvPr id="1160" name="그림 5"/>
+          <p:cNvPr id="1170" name="그림 34"/>
           <p:cNvPicPr>
             <a:picLocks noChangeAspect="1"/>
           </p:cNvPicPr>
@@ -12756,8 +12865,8 @@
         </p:blipFill>
         <p:spPr>
           <a:xfrm rot="0">
-            <a:off x="1126490" y="1359535"/>
-            <a:ext cx="1958340" cy="1575435"/>
+            <a:off x="1224915" y="1358265"/>
+            <a:ext cx="1976120" cy="1718310"/>
           </a:xfrm>
           <a:prstGeom prst="rect"/>
           <a:noFill/>
@@ -12765,7 +12874,7 @@
       </p:pic>
       <p:pic>
         <p:nvPicPr>
-          <p:cNvPr id="1161" name="그림 6"/>
+          <p:cNvPr id="1171" name="그림 35"/>
           <p:cNvPicPr>
             <a:picLocks noChangeAspect="1"/>
           </p:cNvPicPr>
@@ -12785,8 +12894,8 @@
         </p:blipFill>
         <p:spPr>
           <a:xfrm rot="0">
-            <a:off x="3376930" y="1359535"/>
-            <a:ext cx="1960880" cy="1567180"/>
+            <a:off x="1219200" y="3170555"/>
+            <a:ext cx="1973580" cy="1726565"/>
           </a:xfrm>
           <a:prstGeom prst="rect"/>
           <a:noFill/>
@@ -12794,7 +12903,7 @@
       </p:pic>
       <p:pic>
         <p:nvPicPr>
-          <p:cNvPr id="1162" name="그림 7"/>
+          <p:cNvPr id="1172" name="그림 36"/>
           <p:cNvPicPr>
             <a:picLocks noChangeAspect="1"/>
           </p:cNvPicPr>
@@ -12814,8 +12923,8 @@
         </p:blipFill>
         <p:spPr>
           <a:xfrm rot="0">
-            <a:off x="1134745" y="3056255"/>
-            <a:ext cx="1950085" cy="1566545"/>
+            <a:off x="3388995" y="1355090"/>
+            <a:ext cx="1990090" cy="1721485"/>
           </a:xfrm>
           <a:prstGeom prst="rect"/>
           <a:noFill/>
@@ -12823,7 +12932,7 @@
       </p:pic>
       <p:pic>
         <p:nvPicPr>
-          <p:cNvPr id="1163" name="그림 9"/>
+          <p:cNvPr id="1173" name="그림 37"/>
           <p:cNvPicPr>
             <a:picLocks noChangeAspect="1"/>
           </p:cNvPicPr>
@@ -12843,97 +12952,16 @@
         </p:blipFill>
         <p:spPr>
           <a:xfrm rot="0">
-            <a:off x="3373755" y="3051175"/>
-            <a:ext cx="1964055" cy="1571625"/>
+            <a:off x="3385185" y="3166745"/>
+            <a:ext cx="1985645" cy="1722120"/>
           </a:xfrm>
           <a:prstGeom prst="rect"/>
           <a:noFill/>
         </p:spPr>
       </p:pic>
-      <p:sp>
-        <p:nvSpPr>
-          <p:cNvPr id="1164" name="텍스트 상자 10"/>
-          <p:cNvSpPr txBox="1">
-            <a:spLocks/>
-          </p:cNvSpPr>
-          <p:nvPr/>
-        </p:nvSpPr>
-        <p:spPr>
-          <a:xfrm rot="0">
-            <a:off x="1137285" y="4899025"/>
-            <a:ext cx="4172585" cy="677545"/>
-          </a:xfrm>
-          <a:prstGeom prst="rect"/>
-          <a:noFill/>
-          <a:ln w="0">
-            <a:noFill/>
-            <a:prstDash/>
-          </a:ln>
-        </p:spPr>
-        <p:txBody>
-          <a:bodyPr wrap="square" lIns="89535" tIns="46355" rIns="89535" bIns="46355" numCol="1" vert="horz" anchor="t">
-            <a:spAutoFit/>
-          </a:bodyPr>
-          <a:lstStyle/>
-          <a:p>
-            <a:pPr marL="0" indent="0" algn="l" latinLnBrk="0" hangingPunct="1">
-              <a:buFontTx/>
-              <a:buNone/>
-            </a:pPr>
-            <a:r>
-              <a:rPr lang="ko-KR" sz="2000" b="1">
-                <a:solidFill>
-                  <a:srgbClr val="0611F2"/>
-                </a:solidFill>
-                <a:latin typeface="맑은 고딕" charset="0"/>
-                <a:ea typeface="맑은 고딕" charset="0"/>
-              </a:rPr>
-              <a:t>3</a:t>
-            </a:r>
-            <a:r>
-              <a:rPr lang="ko-KR" sz="2000" b="1">
-                <a:solidFill>
-                  <a:srgbClr val="0611F2"/>
-                </a:solidFill>
-                <a:latin typeface="맑은 고딕" charset="0"/>
-                <a:ea typeface="맑은 고딕" charset="0"/>
-              </a:rPr>
-              <a:t>7</a:t>
-            </a:r>
-            <a:r>
-              <a:rPr lang="ko-KR" sz="2000" b="1">
-                <a:solidFill>
-                  <a:srgbClr val="0611F2"/>
-                </a:solidFill>
-                <a:latin typeface="맑은 고딕" charset="0"/>
-                <a:ea typeface="맑은 고딕" charset="0"/>
-              </a:rPr>
-              <a:t>. </a:t>
-            </a:r>
-            <a:r>
-              <a:rPr lang="ko-KR" sz="1800">
-                <a:latin typeface="맑은 고딕" charset="0"/>
-                <a:ea typeface="맑은 고딕" charset="0"/>
-              </a:rPr>
-              <a:t>그</a:t>
-            </a:r>
-            <a:r>
-              <a:rPr lang="ko-KR" sz="1800">
-                <a:latin typeface="맑은 고딕" charset="0"/>
-                <a:ea typeface="맑은 고딕" charset="0"/>
-              </a:rPr>
-              <a:t>다음 동작하는 애니메이션에는 In Place를 선택하고 Download 합니다.</a:t>
-            </a:r>
-            <a:endParaRPr lang="ko-KR" altLang="en-US" sz="1800">
-              <a:latin typeface="맑은 고딕" charset="0"/>
-              <a:ea typeface="맑은 고딕" charset="0"/>
-            </a:endParaRPr>
-          </a:p>
-        </p:txBody>
-      </p:sp>
       <p:pic>
         <p:nvPicPr>
-          <p:cNvPr id="1165" name="그림 19"/>
+          <p:cNvPr id="1174" name="그림 38"/>
           <p:cNvPicPr>
             <a:picLocks noChangeAspect="1"/>
           </p:cNvPicPr>
@@ -12953,18 +12981,16 @@
         </p:blipFill>
         <p:spPr>
           <a:xfrm rot="0">
-            <a:off x="6841490" y="1365885"/>
-            <a:ext cx="4165600" cy="2342515"/>
-          </a:xfrm>
-          <a:prstGeom prst="roundRect"/>
-          <a:solidFill>
-            <a:srgbClr val="EDEDED"/>
-          </a:solidFill>
+            <a:off x="8836660" y="1355090"/>
+            <a:ext cx="2129155" cy="2327910"/>
+          </a:xfrm>
+          <a:prstGeom prst="rect"/>
+          <a:noFill/>
         </p:spPr>
       </p:pic>
       <p:pic>
         <p:nvPicPr>
-          <p:cNvPr id="1166" name="그림 22"/>
+          <p:cNvPr id="1175" name="그림 40"/>
           <p:cNvPicPr>
             <a:picLocks noChangeAspect="1"/>
           </p:cNvPicPr>
@@ -12984,8 +13010,8 @@
         </p:blipFill>
         <p:spPr>
           <a:xfrm rot="0">
-            <a:off x="6838950" y="3911600"/>
-            <a:ext cx="791210" cy="829310"/>
+            <a:off x="6822440" y="1376045"/>
+            <a:ext cx="759460" cy="777875"/>
           </a:xfrm>
           <a:prstGeom prst="roundRect"/>
           <a:solidFill>
@@ -12995,7 +13021,7 @@
       </p:pic>
       <p:pic>
         <p:nvPicPr>
-          <p:cNvPr id="1167" name="그림 23"/>
+          <p:cNvPr id="1176" name="그림 41"/>
           <p:cNvPicPr>
             <a:picLocks noChangeAspect="1"/>
           </p:cNvPicPr>
@@ -13015,8 +13041,8 @@
         </p:blipFill>
         <p:spPr>
           <a:xfrm rot="0">
-            <a:off x="7942580" y="3915410"/>
-            <a:ext cx="762635" cy="857885"/>
+            <a:off x="7718425" y="1355090"/>
+            <a:ext cx="753110" cy="790575"/>
           </a:xfrm>
           <a:prstGeom prst="roundRect"/>
           <a:solidFill>
@@ -13026,7 +13052,7 @@
       </p:pic>
       <p:pic>
         <p:nvPicPr>
-          <p:cNvPr id="1168" name="그림 24"/>
+          <p:cNvPr id="1177" name="그림 42"/>
           <p:cNvPicPr>
             <a:picLocks noChangeAspect="1"/>
           </p:cNvPicPr>
@@ -13046,8 +13072,8 @@
         </p:blipFill>
         <p:spPr>
           <a:xfrm rot="0">
-            <a:off x="9063355" y="3915410"/>
-            <a:ext cx="791210" cy="848360"/>
+            <a:off x="6826885" y="2776220"/>
+            <a:ext cx="755015" cy="765810"/>
           </a:xfrm>
           <a:prstGeom prst="roundRect"/>
           <a:solidFill>
@@ -13057,7 +13083,7 @@
       </p:pic>
       <p:pic>
         <p:nvPicPr>
-          <p:cNvPr id="1169" name="그림 25"/>
+          <p:cNvPr id="1178" name="그림 43"/>
           <p:cNvPicPr>
             <a:picLocks noChangeAspect="1"/>
           </p:cNvPicPr>
@@ -13077,8 +13103,8 @@
         </p:blipFill>
         <p:spPr>
           <a:xfrm rot="0">
-            <a:off x="10222865" y="3924300"/>
-            <a:ext cx="791210" cy="838835"/>
+            <a:off x="7714615" y="2784475"/>
+            <a:ext cx="756920" cy="765810"/>
           </a:xfrm>
           <a:prstGeom prst="roundRect"/>
           <a:solidFill>
@@ -13573,8 +13599,8 @@
         </p:nvSpPr>
         <p:spPr>
           <a:xfrm rot="0">
-            <a:off x="6824980" y="3945890"/>
-            <a:ext cx="4132580" cy="2061845"/>
+            <a:off x="6829425" y="4145915"/>
+            <a:ext cx="4194810" cy="1784985"/>
           </a:xfrm>
           <a:prstGeom prst="rect"/>
           <a:noFill/>
@@ -13601,7 +13627,7 @@
                 <a:latin typeface="맑은 고딕" charset="0"/>
                 <a:ea typeface="맑은 고딕" charset="0"/>
               </a:rPr>
-              <a:t>3</a:t>
+              <a:t>41</a:t>
             </a:r>
             <a:r>
               <a:rPr lang="ko-KR" sz="2000" b="1">
@@ -13611,16 +13637,6 @@
                 <a:latin typeface="맑은 고딕" charset="0"/>
                 <a:ea typeface="맑은 고딕" charset="0"/>
               </a:rPr>
-              <a:t>8</a:t>
-            </a:r>
-            <a:r>
-              <a:rPr lang="ko-KR" sz="2000" b="1">
-                <a:solidFill>
-                  <a:srgbClr val="0611F2"/>
-                </a:solidFill>
-                <a:latin typeface="맑은 고딕" charset="0"/>
-                <a:ea typeface="맑은 고딕" charset="0"/>
-              </a:rPr>
               <a:t>. </a:t>
             </a:r>
             <a:r>
@@ -13628,14 +13644,7 @@
                 <a:latin typeface="맑은 고딕" charset="0"/>
                 <a:ea typeface="맑은 고딕" charset="0"/>
               </a:rPr>
-              <a:t>그</a:t>
-            </a:r>
-            <a:r>
-              <a:rPr lang="ko-KR" sz="1800">
-                <a:latin typeface="맑은 고딕" charset="0"/>
-                <a:ea typeface="맑은 고딕" charset="0"/>
-              </a:rPr>
-              <a:t>다음 블렌드 트리를 선택하고 Motion을 추가합니다. </a:t>
+              <a:t>그다음으로 Transition을 선택하고 Has Exit Time을 해제합니다.</a:t>
             </a:r>
             <a:endParaRPr lang="ko-KR" altLang="en-US" sz="1800">
               <a:latin typeface="맑은 고딕" charset="0"/>
@@ -13662,7 +13671,7 @@
                 <a:latin typeface="맑은 고딕" charset="0"/>
                 <a:ea typeface="맑은 고딕" charset="0"/>
               </a:rPr>
-              <a:t>그런 다음 Pos X와 Pos Y 좌표값을 설정하고 Motion에 좌표에 알맞은 애니메이션이 동작할 애니메이션을 추가합니다.</a:t>
+              <a:t>마지막으로 Condition을 추가하고 Vertical에 Greater를 선택하고 0.1로 설정합니다.</a:t>
             </a:r>
             <a:endParaRPr lang="ko-KR" altLang="en-US" sz="1800">
               <a:latin typeface="맑은 고딕" charset="0"/>
@@ -13709,17 +13718,7 @@
                 <a:latin typeface="맑은 고딕" charset="0"/>
                 <a:ea typeface="맑은 고딕" charset="0"/>
               </a:rPr>
-              <a:t>열</a:t>
-            </a:r>
-            <a:r>
-              <a:rPr lang="ko-KR" altLang="en-US" sz="3000" b="1">
-                <a:solidFill>
-                  <a:schemeClr val="tx1"/>
-                </a:solidFill>
-                <a:latin typeface="맑은 고딕" charset="0"/>
-                <a:ea typeface="맑은 고딕" charset="0"/>
-              </a:rPr>
-              <a:t>아홉</a:t>
+              <a:t>스물</a:t>
             </a:r>
             <a:r>
               <a:rPr lang="ko-KR" altLang="en-US" sz="3000" b="1">
@@ -13751,7 +13750,7 @@
         </p:nvSpPr>
         <p:spPr>
           <a:xfrm rot="0">
-            <a:off x="1220470" y="5056505"/>
+            <a:off x="1220470" y="2687320"/>
             <a:ext cx="4142105" cy="954405"/>
           </a:xfrm>
           <a:prstGeom prst="rect"/>
@@ -13789,7 +13788,7 @@
                 <a:latin typeface="맑은 고딕" charset="0"/>
                 <a:ea typeface="맑은 고딕" charset="0"/>
               </a:rPr>
-              <a:t>7</a:t>
+              <a:t>9</a:t>
             </a:r>
             <a:r>
               <a:rPr lang="ko-KR" sz="2000" b="1">
@@ -13806,14 +13805,7 @@
                 <a:latin typeface="맑은 고딕" charset="0"/>
                 <a:ea typeface="맑은 고딕" charset="0"/>
               </a:rPr>
-              <a:t>그리고 </a:t>
-            </a:r>
-            <a:r>
-              <a:rPr lang="ko-KR" sz="1800">
-                <a:latin typeface="맑은 고딕" charset="0"/>
-                <a:ea typeface="맑은 고딕" charset="0"/>
-              </a:rPr>
-              <a:t>애니메이션 클립 이름을 각각의 애니메이션 이름으로 변경합니다. </a:t>
+              <a:t>그러면 현재 블렌드 트리에서 파라미터의 값에 따라 각각의 애니메이션이 혼합되도록 설정됩니다.</a:t>
             </a:r>
             <a:endParaRPr lang="ko-KR" altLang="en-US" sz="1800">
               <a:latin typeface="맑은 고딕" charset="0"/>
@@ -13824,7 +13816,7 @@
       </p:sp>
       <p:pic>
         <p:nvPicPr>
-          <p:cNvPr id="1170" name="그림 34"/>
+          <p:cNvPr id="1179" name="그림 44"/>
           <p:cNvPicPr>
             <a:picLocks noChangeAspect="1"/>
           </p:cNvPicPr>
@@ -13844,16 +13836,18 @@
         </p:blipFill>
         <p:spPr>
           <a:xfrm rot="0">
-            <a:off x="1224915" y="1358265"/>
-            <a:ext cx="1976120" cy="1718310"/>
-          </a:xfrm>
-          <a:prstGeom prst="rect"/>
-          <a:noFill/>
+            <a:off x="1218565" y="1361440"/>
+            <a:ext cx="4152265" cy="1241425"/>
+          </a:xfrm>
+          <a:prstGeom prst="roundRect"/>
+          <a:solidFill>
+            <a:srgbClr val="EDEDED"/>
+          </a:solidFill>
         </p:spPr>
       </p:pic>
       <p:pic>
         <p:nvPicPr>
-          <p:cNvPr id="1171" name="그림 35"/>
+          <p:cNvPr id="1180" name="그림 47"/>
           <p:cNvPicPr>
             <a:picLocks noChangeAspect="1"/>
           </p:cNvPicPr>
@@ -13873,16 +13867,82 @@
         </p:blipFill>
         <p:spPr>
           <a:xfrm rot="0">
-            <a:off x="1219200" y="3170555"/>
-            <a:ext cx="1973580" cy="1726565"/>
+            <a:off x="1221740" y="3782695"/>
+            <a:ext cx="4140835" cy="1238885"/>
+          </a:xfrm>
+          <a:prstGeom prst="roundRect"/>
+          <a:solidFill>
+            <a:srgbClr val="EDEDED"/>
+          </a:solidFill>
+        </p:spPr>
+      </p:pic>
+      <p:sp>
+        <p:nvSpPr>
+          <p:cNvPr id="1181" name="텍스트 상자 50"/>
+          <p:cNvSpPr txBox="1">
+            <a:spLocks/>
+          </p:cNvSpPr>
+          <p:nvPr/>
+        </p:nvSpPr>
+        <p:spPr>
+          <a:xfrm rot="0">
+            <a:off x="1217295" y="5178425"/>
+            <a:ext cx="4142105" cy="954405"/>
           </a:xfrm>
           <a:prstGeom prst="rect"/>
           <a:noFill/>
-        </p:spPr>
-      </p:pic>
+          <a:ln w="0">
+            <a:noFill/>
+            <a:prstDash/>
+          </a:ln>
+        </p:spPr>
+        <p:txBody>
+          <a:bodyPr wrap="square" lIns="89535" tIns="46355" rIns="89535" bIns="46355" numCol="1" vert="horz" anchor="t">
+            <a:spAutoFit/>
+          </a:bodyPr>
+          <a:lstStyle/>
+          <a:p>
+            <a:pPr marL="0" indent="0" algn="l" latinLnBrk="0" hangingPunct="1">
+              <a:buFontTx/>
+              <a:buNone/>
+            </a:pPr>
+            <a:r>
+              <a:rPr lang="ko-KR" sz="2000" b="1">
+                <a:solidFill>
+                  <a:srgbClr val="0611F2"/>
+                </a:solidFill>
+                <a:latin typeface="맑은 고딕" charset="0"/>
+                <a:ea typeface="맑은 고딕" charset="0"/>
+              </a:rPr>
+              <a:t>40</a:t>
+            </a:r>
+            <a:r>
+              <a:rPr lang="ko-KR" sz="2000" b="1">
+                <a:solidFill>
+                  <a:srgbClr val="0611F2"/>
+                </a:solidFill>
+                <a:latin typeface="맑은 고딕" charset="0"/>
+                <a:ea typeface="맑은 고딕" charset="0"/>
+              </a:rPr>
+              <a:t>. </a:t>
+            </a:r>
+            <a:r>
+              <a:rPr lang="ko-KR" sz="1800">
+                <a:latin typeface="맑은 고딕" charset="0"/>
+                <a:ea typeface="맑은 고딕" charset="0"/>
+              </a:rPr>
+              <a:t>그리고 Base Layer에서 Idle 애니메이션을 선택하고 Make Transition을 Blend Tree에 연결합니다.</a:t>
+            </a:r>
+            <a:endParaRPr lang="ko-KR" altLang="en-US" sz="1800">
+              <a:latin typeface="맑은 고딕" charset="0"/>
+              <a:ea typeface="맑은 고딕" charset="0"/>
+            </a:endParaRPr>
+          </a:p>
+        </p:txBody>
+      </p:sp>
       <p:pic>
         <p:nvPicPr>
-          <p:cNvPr id="1172" name="그림 36"/>
+          <p:cNvPr id="1182" name="그림 52"/>
           <p:cNvPicPr>
             <a:picLocks noChangeAspect="1"/>
           </p:cNvPicPr>
@@ -13902,193 +13962,11 @@
         </p:blipFill>
         <p:spPr>
           <a:xfrm rot="0">
-            <a:off x="3388995" y="1355090"/>
-            <a:ext cx="1990090" cy="1721485"/>
+            <a:off x="6829425" y="1362075"/>
+            <a:ext cx="4201160" cy="2686685"/>
           </a:xfrm>
           <a:prstGeom prst="rect"/>
           <a:noFill/>
-        </p:spPr>
-      </p:pic>
-      <p:pic>
-        <p:nvPicPr>
-          <p:cNvPr id="1173" name="그림 37"/>
-          <p:cNvPicPr>
-            <a:picLocks noChangeAspect="1"/>
-          </p:cNvPicPr>
-          <p:nvPr/>
-        </p:nvPicPr>
-        <p:blipFill rotWithShape="1">
-          <a:blip r:embed="rId5" cstate="print">
-            <a:extLst>
-              <a:ext uri="{28A0092B-C50C-407E-A947-70E740481C1C}">
-                <a14:useLocalDpi xmlns:a14="http://schemas.microsoft.com/office/drawing/2010/main" val="0"/>
-              </a:ext>
-            </a:extLst>
-          </a:blip>
-          <a:stretch>
-            <a:fillRect/>
-          </a:stretch>
-        </p:blipFill>
-        <p:spPr>
-          <a:xfrm rot="0">
-            <a:off x="3385185" y="3166745"/>
-            <a:ext cx="1985645" cy="1722120"/>
-          </a:xfrm>
-          <a:prstGeom prst="rect"/>
-          <a:noFill/>
-        </p:spPr>
-      </p:pic>
-      <p:pic>
-        <p:nvPicPr>
-          <p:cNvPr id="1174" name="그림 38"/>
-          <p:cNvPicPr>
-            <a:picLocks noChangeAspect="1"/>
-          </p:cNvPicPr>
-          <p:nvPr/>
-        </p:nvPicPr>
-        <p:blipFill rotWithShape="1">
-          <a:blip r:embed="rId6" cstate="print">
-            <a:extLst>
-              <a:ext uri="{28A0092B-C50C-407E-A947-70E740481C1C}">
-                <a14:useLocalDpi xmlns:a14="http://schemas.microsoft.com/office/drawing/2010/main" val="0"/>
-              </a:ext>
-            </a:extLst>
-          </a:blip>
-          <a:stretch>
-            <a:fillRect/>
-          </a:stretch>
-        </p:blipFill>
-        <p:spPr>
-          <a:xfrm rot="0">
-            <a:off x="8836660" y="1355090"/>
-            <a:ext cx="2129155" cy="2327910"/>
-          </a:xfrm>
-          <a:prstGeom prst="rect"/>
-          <a:noFill/>
-        </p:spPr>
-      </p:pic>
-      <p:pic>
-        <p:nvPicPr>
-          <p:cNvPr id="1175" name="그림 40"/>
-          <p:cNvPicPr>
-            <a:picLocks noChangeAspect="1"/>
-          </p:cNvPicPr>
-          <p:nvPr/>
-        </p:nvPicPr>
-        <p:blipFill rotWithShape="1">
-          <a:blip r:embed="rId7" cstate="print">
-            <a:extLst>
-              <a:ext uri="{28A0092B-C50C-407E-A947-70E740481C1C}">
-                <a14:useLocalDpi xmlns:a14="http://schemas.microsoft.com/office/drawing/2010/main" val="0"/>
-              </a:ext>
-            </a:extLst>
-          </a:blip>
-          <a:stretch>
-            <a:fillRect/>
-          </a:stretch>
-        </p:blipFill>
-        <p:spPr>
-          <a:xfrm rot="0">
-            <a:off x="6822440" y="1376045"/>
-            <a:ext cx="759460" cy="777875"/>
-          </a:xfrm>
-          <a:prstGeom prst="roundRect"/>
-          <a:solidFill>
-            <a:srgbClr val="EDEDED"/>
-          </a:solidFill>
-        </p:spPr>
-      </p:pic>
-      <p:pic>
-        <p:nvPicPr>
-          <p:cNvPr id="1176" name="그림 41"/>
-          <p:cNvPicPr>
-            <a:picLocks noChangeAspect="1"/>
-          </p:cNvPicPr>
-          <p:nvPr/>
-        </p:nvPicPr>
-        <p:blipFill rotWithShape="1">
-          <a:blip r:embed="rId8" cstate="print">
-            <a:extLst>
-              <a:ext uri="{28A0092B-C50C-407E-A947-70E740481C1C}">
-                <a14:useLocalDpi xmlns:a14="http://schemas.microsoft.com/office/drawing/2010/main" val="0"/>
-              </a:ext>
-            </a:extLst>
-          </a:blip>
-          <a:stretch>
-            <a:fillRect/>
-          </a:stretch>
-        </p:blipFill>
-        <p:spPr>
-          <a:xfrm rot="0">
-            <a:off x="7718425" y="1355090"/>
-            <a:ext cx="753110" cy="790575"/>
-          </a:xfrm>
-          <a:prstGeom prst="roundRect"/>
-          <a:solidFill>
-            <a:srgbClr val="EDEDED"/>
-          </a:solidFill>
-        </p:spPr>
-      </p:pic>
-      <p:pic>
-        <p:nvPicPr>
-          <p:cNvPr id="1177" name="그림 42"/>
-          <p:cNvPicPr>
-            <a:picLocks noChangeAspect="1"/>
-          </p:cNvPicPr>
-          <p:nvPr/>
-        </p:nvPicPr>
-        <p:blipFill rotWithShape="1">
-          <a:blip r:embed="rId9" cstate="print">
-            <a:extLst>
-              <a:ext uri="{28A0092B-C50C-407E-A947-70E740481C1C}">
-                <a14:useLocalDpi xmlns:a14="http://schemas.microsoft.com/office/drawing/2010/main" val="0"/>
-              </a:ext>
-            </a:extLst>
-          </a:blip>
-          <a:stretch>
-            <a:fillRect/>
-          </a:stretch>
-        </p:blipFill>
-        <p:spPr>
-          <a:xfrm rot="0">
-            <a:off x="6826885" y="2776220"/>
-            <a:ext cx="755015" cy="765810"/>
-          </a:xfrm>
-          <a:prstGeom prst="roundRect"/>
-          <a:solidFill>
-            <a:srgbClr val="EDEDED"/>
-          </a:solidFill>
-        </p:spPr>
-      </p:pic>
-      <p:pic>
-        <p:nvPicPr>
-          <p:cNvPr id="1178" name="그림 43"/>
-          <p:cNvPicPr>
-            <a:picLocks noChangeAspect="1"/>
-          </p:cNvPicPr>
-          <p:nvPr/>
-        </p:nvPicPr>
-        <p:blipFill rotWithShape="1">
-          <a:blip r:embed="rId10" cstate="print">
-            <a:extLst>
-              <a:ext uri="{28A0092B-C50C-407E-A947-70E740481C1C}">
-                <a14:useLocalDpi xmlns:a14="http://schemas.microsoft.com/office/drawing/2010/main" val="0"/>
-              </a:ext>
-            </a:extLst>
-          </a:blip>
-          <a:stretch>
-            <a:fillRect/>
-          </a:stretch>
-        </p:blipFill>
-        <p:spPr>
-          <a:xfrm rot="0">
-            <a:off x="7714615" y="2784475"/>
-            <a:ext cx="756920" cy="765810"/>
-          </a:xfrm>
-          <a:prstGeom prst="roundRect"/>
-          <a:solidFill>
-            <a:srgbClr val="EDEDED"/>
-          </a:solidFill>
         </p:spPr>
       </p:pic>
     </p:spTree>
@@ -14115,7 +13993,7 @@
 </file>
 
 <file path=ppt/slides/slide21.xml><?xml version="1.0" encoding="utf-8"?>
-<p:sld xmlns:a="http://schemas.openxmlformats.org/drawingml/2006/main" xmlns:r="http://schemas.openxmlformats.org/officeDocument/2006/relationships" xmlns:p="http://schemas.openxmlformats.org/presentationml/2006/main" xmlns:p14="http://schemas.microsoft.com/office/powerpoint/2010/main">
+<p:sld xmlns:a="http://schemas.openxmlformats.org/drawingml/2006/main" xmlns:r="http://schemas.openxmlformats.org/officeDocument/2006/relationships" xmlns:p="http://schemas.openxmlformats.org/presentationml/2006/main">
   <p:cSld>
     <p:spTree>
       <p:nvGrpSpPr>
@@ -14141,8 +14019,8 @@
         </p:nvSpPr>
         <p:spPr>
           <a:xfrm rot="0">
-            <a:off x="6829425" y="4145915"/>
-            <a:ext cx="4194810" cy="1784985"/>
+            <a:off x="6829425" y="5259705"/>
+            <a:ext cx="4195445" cy="677545"/>
           </a:xfrm>
           <a:prstGeom prst="rect"/>
           <a:noFill/>
@@ -14169,7 +14047,7 @@
                 <a:latin typeface="맑은 고딕" charset="0"/>
                 <a:ea typeface="맑은 고딕" charset="0"/>
               </a:rPr>
-              <a:t>41</a:t>
+              <a:t>4</a:t>
             </a:r>
             <a:r>
               <a:rPr lang="ko-KR" sz="2000" b="1">
@@ -14179,6 +14057,16 @@
                 <a:latin typeface="맑은 고딕" charset="0"/>
                 <a:ea typeface="맑은 고딕" charset="0"/>
               </a:rPr>
+              <a:t>3</a:t>
+            </a:r>
+            <a:r>
+              <a:rPr lang="ko-KR" sz="2000" b="1">
+                <a:solidFill>
+                  <a:srgbClr val="0611F2"/>
+                </a:solidFill>
+                <a:latin typeface="맑은 고딕" charset="0"/>
+                <a:ea typeface="맑은 고딕" charset="0"/>
+              </a:rPr>
               <a:t>. </a:t>
             </a:r>
             <a:r>
@@ -14186,40 +14074,20 @@
                 <a:latin typeface="맑은 고딕" charset="0"/>
                 <a:ea typeface="맑은 고딕" charset="0"/>
               </a:rPr>
-              <a:t>그다음으로 Transition을 선택하고 Has Exit Time을 해제합니다.</a:t>
+              <a:t>그다음으로 </a:t>
+            </a:r>
+            <a:r>
+              <a:rPr lang="ko-KR" sz="1800">
+                <a:latin typeface="맑은 고딕" charset="0"/>
+                <a:ea typeface="맑은 고딕" charset="0"/>
+              </a:rPr>
+              <a:t>Transition을 선택하고 Conditions에 조건을 추가합니다.</a:t>
             </a:r>
             <a:endParaRPr lang="ko-KR" altLang="en-US" sz="1800">
               <a:latin typeface="맑은 고딕" charset="0"/>
               <a:ea typeface="맑은 고딕" charset="0"/>
             </a:endParaRPr>
           </a:p>
-          <a:p>
-            <a:pPr marL="0" indent="0" algn="l" latinLnBrk="0" hangingPunct="1">
-              <a:buFontTx/>
-              <a:buNone/>
-            </a:pPr>
-            <a:endParaRPr lang="ko-KR" altLang="en-US" sz="1800">
-              <a:latin typeface="맑은 고딕" charset="0"/>
-              <a:ea typeface="맑은 고딕" charset="0"/>
-            </a:endParaRPr>
-          </a:p>
-          <a:p>
-            <a:pPr marL="0" indent="0" algn="l" latinLnBrk="0" hangingPunct="1">
-              <a:buFontTx/>
-              <a:buNone/>
-            </a:pPr>
-            <a:r>
-              <a:rPr lang="ko-KR" sz="1800">
-                <a:latin typeface="맑은 고딕" charset="0"/>
-                <a:ea typeface="맑은 고딕" charset="0"/>
-              </a:rPr>
-              <a:t>마지막으로 Condition을 추가하고 Vertical에 Greater를 선택하고 0.1로 설정합니다.</a:t>
-            </a:r>
-            <a:endParaRPr lang="ko-KR" altLang="en-US" sz="1800">
-              <a:latin typeface="맑은 고딕" charset="0"/>
-              <a:ea typeface="맑은 고딕" charset="0"/>
-            </a:endParaRPr>
-          </a:p>
         </p:txBody>
       </p:sp>
       <p:sp>
@@ -14233,7 +14101,7 @@
         <p:spPr>
           <a:xfrm rot="0">
             <a:off x="4530725" y="408940"/>
-            <a:ext cx="3132455" cy="554990"/>
+            <a:ext cx="3133090" cy="554990"/>
           </a:xfrm>
           <a:prstGeom prst="rect"/>
           <a:noFill/>
@@ -14270,7 +14138,17 @@
                 <a:latin typeface="맑은 고딕" charset="0"/>
                 <a:ea typeface="맑은 고딕" charset="0"/>
               </a:rPr>
-              <a:t> 번째 과정</a:t>
+              <a:t>한 번</a:t>
+            </a:r>
+            <a:r>
+              <a:rPr lang="ko-KR" altLang="en-US" sz="3000" b="1">
+                <a:solidFill>
+                  <a:schemeClr val="tx1"/>
+                </a:solidFill>
+                <a:latin typeface="맑은 고딕" charset="0"/>
+                <a:ea typeface="맑은 고딕" charset="0"/>
+              </a:rPr>
+              <a:t>째 과정</a:t>
             </a:r>
             <a:endParaRPr lang="ko-KR" altLang="en-US" sz="3000" b="1">
               <a:solidFill>
@@ -14292,8 +14170,8 @@
         </p:nvSpPr>
         <p:spPr>
           <a:xfrm rot="0">
-            <a:off x="1220470" y="2687320"/>
-            <a:ext cx="4142105" cy="954405"/>
+            <a:off x="1311910" y="3194685"/>
+            <a:ext cx="4042410" cy="954405"/>
           </a:xfrm>
           <a:prstGeom prst="rect"/>
           <a:noFill/>
@@ -14320,7 +14198,7 @@
                 <a:latin typeface="맑은 고딕" charset="0"/>
                 <a:ea typeface="맑은 고딕" charset="0"/>
               </a:rPr>
-              <a:t>3</a:t>
+              <a:t>42</a:t>
             </a:r>
             <a:r>
               <a:rPr lang="ko-KR" sz="2000" b="1">
@@ -14330,16 +14208,6 @@
                 <a:latin typeface="맑은 고딕" charset="0"/>
                 <a:ea typeface="맑은 고딕" charset="0"/>
               </a:rPr>
-              <a:t>9</a:t>
-            </a:r>
-            <a:r>
-              <a:rPr lang="ko-KR" sz="2000" b="1">
-                <a:solidFill>
-                  <a:srgbClr val="0611F2"/>
-                </a:solidFill>
-                <a:latin typeface="맑은 고딕" charset="0"/>
-                <a:ea typeface="맑은 고딕" charset="0"/>
-              </a:rPr>
               <a:t>. </a:t>
             </a:r>
             <a:r>
@@ -14347,7 +14215,14 @@
                 <a:latin typeface="맑은 고딕" charset="0"/>
                 <a:ea typeface="맑은 고딕" charset="0"/>
               </a:rPr>
-              <a:t>그러면 현재 블렌드 트리에서 파라미터의 값에 따라 각각의 애니메이션이 혼합되도록 설정됩니다.</a:t>
+              <a:t>그</a:t>
+            </a:r>
+            <a:r>
+              <a:rPr lang="ko-KR" sz="1800">
+                <a:latin typeface="맑은 고딕" charset="0"/>
+                <a:ea typeface="맑은 고딕" charset="0"/>
+              </a:rPr>
+              <a:t>런 다음 Idle 애니메이션을 선택하고 Make Transition 생성하여 Blend Tree에 연결해 줍니다. </a:t>
             </a:r>
             <a:endParaRPr lang="ko-KR" altLang="en-US" sz="1800">
               <a:latin typeface="맑은 고딕" charset="0"/>
@@ -14358,7 +14233,7 @@
       </p:sp>
       <p:pic>
         <p:nvPicPr>
-          <p:cNvPr id="1179" name="그림 44"/>
+          <p:cNvPr id="1183" name="그림 1" descr="C:/Users/Admin1/AppData/Roaming/PolarisOffice/ETemp/8552_20879608/fImage1895841841.png"/>
           <p:cNvPicPr>
             <a:picLocks noChangeAspect="1"/>
           </p:cNvPicPr>
@@ -14378,8 +14253,8 @@
         </p:blipFill>
         <p:spPr>
           <a:xfrm rot="0">
-            <a:off x="1218565" y="1361440"/>
-            <a:ext cx="4152265" cy="1241425"/>
+            <a:off x="1301115" y="1366520"/>
+            <a:ext cx="4053205" cy="1659890"/>
           </a:xfrm>
           <a:prstGeom prst="roundRect"/>
           <a:solidFill>
@@ -14389,7 +14264,7 @@
       </p:pic>
       <p:pic>
         <p:nvPicPr>
-          <p:cNvPr id="1180" name="그림 47"/>
+          <p:cNvPr id="1184" name="그림 4" descr="C:/Users/Admin1/AppData/Roaming/PolarisOffice/ETemp/8552_20879608/fImage136554198467.png"/>
           <p:cNvPicPr>
             <a:picLocks noChangeAspect="1"/>
           </p:cNvPicPr>
@@ -14409,8 +14284,8 @@
         </p:blipFill>
         <p:spPr>
           <a:xfrm rot="0">
-            <a:off x="1221740" y="3782695"/>
-            <a:ext cx="4140835" cy="1238885"/>
+            <a:off x="1316990" y="4274820"/>
+            <a:ext cx="4037330" cy="1661160"/>
           </a:xfrm>
           <a:prstGeom prst="roundRect"/>
           <a:solidFill>
@@ -14418,73 +14293,9 @@
           </a:solidFill>
         </p:spPr>
       </p:pic>
-      <p:sp>
-        <p:nvSpPr>
-          <p:cNvPr id="1181" name="텍스트 상자 50"/>
-          <p:cNvSpPr txBox="1">
-            <a:spLocks/>
-          </p:cNvSpPr>
-          <p:nvPr/>
-        </p:nvSpPr>
-        <p:spPr>
-          <a:xfrm rot="0">
-            <a:off x="1217295" y="5178425"/>
-            <a:ext cx="4142105" cy="954405"/>
-          </a:xfrm>
-          <a:prstGeom prst="rect"/>
-          <a:noFill/>
-          <a:ln w="0">
-            <a:noFill/>
-            <a:prstDash/>
-          </a:ln>
-        </p:spPr>
-        <p:txBody>
-          <a:bodyPr wrap="square" lIns="89535" tIns="46355" rIns="89535" bIns="46355" numCol="1" vert="horz" anchor="t">
-            <a:spAutoFit/>
-          </a:bodyPr>
-          <a:lstStyle/>
-          <a:p>
-            <a:pPr marL="0" indent="0" algn="l" latinLnBrk="0" hangingPunct="1">
-              <a:buFontTx/>
-              <a:buNone/>
-            </a:pPr>
-            <a:r>
-              <a:rPr lang="ko-KR" sz="2000" b="1">
-                <a:solidFill>
-                  <a:srgbClr val="0611F2"/>
-                </a:solidFill>
-                <a:latin typeface="맑은 고딕" charset="0"/>
-                <a:ea typeface="맑은 고딕" charset="0"/>
-              </a:rPr>
-              <a:t>40</a:t>
-            </a:r>
-            <a:r>
-              <a:rPr lang="ko-KR" sz="2000" b="1">
-                <a:solidFill>
-                  <a:srgbClr val="0611F2"/>
-                </a:solidFill>
-                <a:latin typeface="맑은 고딕" charset="0"/>
-                <a:ea typeface="맑은 고딕" charset="0"/>
-              </a:rPr>
-              <a:t>. </a:t>
-            </a:r>
-            <a:r>
-              <a:rPr lang="ko-KR" sz="1800">
-                <a:latin typeface="맑은 고딕" charset="0"/>
-                <a:ea typeface="맑은 고딕" charset="0"/>
-              </a:rPr>
-              <a:t>그리고 Base Layer에서 Idle 애니메이션을 선택하고 Make Transition을 Blend Tree에 연결합니다.</a:t>
-            </a:r>
-            <a:endParaRPr lang="ko-KR" altLang="en-US" sz="1800">
-              <a:latin typeface="맑은 고딕" charset="0"/>
-              <a:ea typeface="맑은 고딕" charset="0"/>
-            </a:endParaRPr>
-          </a:p>
-        </p:txBody>
-      </p:sp>
       <p:pic>
         <p:nvPicPr>
-          <p:cNvPr id="1182" name="그림 52"/>
+          <p:cNvPr id="1185" name="그림 9" descr="C:/Users/Admin1/AppData/Roaming/PolarisOffice/ETemp/8552_20879608/fImage244794216334.png"/>
           <p:cNvPicPr>
             <a:picLocks noChangeAspect="1"/>
           </p:cNvPicPr>
@@ -14504,8 +14315,8 @@
         </p:blipFill>
         <p:spPr>
           <a:xfrm rot="0">
-            <a:off x="6829425" y="1362075"/>
-            <a:ext cx="4201160" cy="2686685"/>
+            <a:off x="6841490" y="1364615"/>
+            <a:ext cx="4190365" cy="3790315"/>
           </a:xfrm>
           <a:prstGeom prst="rect"/>
           <a:noFill/>
@@ -14561,8 +14372,8 @@
         </p:nvSpPr>
         <p:spPr>
           <a:xfrm rot="0">
-            <a:off x="6829425" y="5259705"/>
-            <a:ext cx="4195445" cy="677545"/>
+            <a:off x="6845935" y="4744720"/>
+            <a:ext cx="4177665" cy="1231265"/>
           </a:xfrm>
           <a:prstGeom prst="rect"/>
           <a:noFill/>
@@ -14599,7 +14410,7 @@
                 <a:latin typeface="맑은 고딕" charset="0"/>
                 <a:ea typeface="맑은 고딕" charset="0"/>
               </a:rPr>
-              <a:t>3</a:t>
+              <a:t>5</a:t>
             </a:r>
             <a:r>
               <a:rPr lang="ko-KR" sz="2000" b="1">
@@ -14623,7 +14434,7 @@
                 <a:latin typeface="맑은 고딕" charset="0"/>
                 <a:ea typeface="맑은 고딕" charset="0"/>
               </a:rPr>
-              <a:t>Transition을 선택하고 Conditions에 조건을 추가합니다.</a:t>
+              <a:t>다시 한번 더 Idle 애니메이션을 선택하고 Make Transition 생성하여 Blend Tree에 연결해 줍니다.</a:t>
             </a:r>
             <a:endParaRPr lang="ko-KR" altLang="en-US" sz="1800">
               <a:latin typeface="맑은 고딕" charset="0"/>
@@ -14680,7 +14491,7 @@
                 <a:latin typeface="맑은 고딕" charset="0"/>
                 <a:ea typeface="맑은 고딕" charset="0"/>
               </a:rPr>
-              <a:t>한 번</a:t>
+              <a:t>두 번</a:t>
             </a:r>
             <a:r>
               <a:rPr lang="ko-KR" altLang="en-US" sz="3000" b="1">
@@ -14712,8 +14523,8 @@
         </p:nvSpPr>
         <p:spPr>
           <a:xfrm rot="0">
-            <a:off x="1311910" y="3194685"/>
-            <a:ext cx="4042410" cy="954405"/>
+            <a:off x="1362075" y="3918585"/>
+            <a:ext cx="4008755" cy="2061845"/>
           </a:xfrm>
           <a:prstGeom prst="rect"/>
           <a:noFill/>
@@ -14740,7 +14551,7 @@
                 <a:latin typeface="맑은 고딕" charset="0"/>
                 <a:ea typeface="맑은 고딕" charset="0"/>
               </a:rPr>
-              <a:t>42</a:t>
+              <a:t>44</a:t>
             </a:r>
             <a:r>
               <a:rPr lang="ko-KR" sz="2000" b="1">
@@ -14764,18 +14575,45 @@
                 <a:latin typeface="맑은 고딕" charset="0"/>
                 <a:ea typeface="맑은 고딕" charset="0"/>
               </a:rPr>
-              <a:t>런 다음 Idle 애니메이션을 선택하고 Make Transition 생성하여 Blend Tree에 연결해 줍니다. </a:t>
+              <a:t>리고 Conditions에 Vertical을 설정하고 Greater를 선택합니다.</a:t>
             </a:r>
             <a:endParaRPr lang="ko-KR" altLang="en-US" sz="1800">
               <a:latin typeface="맑은 고딕" charset="0"/>
               <a:ea typeface="맑은 고딕" charset="0"/>
             </a:endParaRPr>
           </a:p>
+          <a:p>
+            <a:pPr marL="0" indent="0" algn="l" latinLnBrk="0" hangingPunct="1">
+              <a:buFontTx/>
+              <a:buNone/>
+            </a:pPr>
+            <a:endParaRPr lang="ko-KR" altLang="en-US" sz="1800">
+              <a:latin typeface="맑은 고딕" charset="0"/>
+              <a:ea typeface="맑은 고딕" charset="0"/>
+            </a:endParaRPr>
+          </a:p>
+          <a:p>
+            <a:pPr marL="0" indent="0" algn="l" latinLnBrk="0" hangingPunct="1">
+              <a:buFontTx/>
+              <a:buNone/>
+            </a:pPr>
+            <a:r>
+              <a:rPr lang="ko-KR" sz="1800">
+                <a:latin typeface="맑은 고딕" charset="0"/>
+                <a:ea typeface="맑은 고딕" charset="0"/>
+              </a:rPr>
+              <a:t>그런 다음 Vertical의 값이 0.1을 초과했을 때 조건이 실행되도록 설정하고 마지막으로 Has Exit Time을 비활성화합니다.</a:t>
+            </a:r>
+            <a:endParaRPr lang="ko-KR" altLang="en-US" sz="1800">
+              <a:latin typeface="맑은 고딕" charset="0"/>
+              <a:ea typeface="맑은 고딕" charset="0"/>
+            </a:endParaRPr>
+          </a:p>
         </p:txBody>
       </p:sp>
       <p:pic>
         <p:nvPicPr>
-          <p:cNvPr id="1183" name="그림 1" descr="C:/Users/Admin1/AppData/Roaming/PolarisOffice/ETemp/8552_20879608/fImage1895841841.png"/>
+          <p:cNvPr id="1187" name="그림 11" descr="C:/Users/Admin1/AppData/Roaming/PolarisOffice/ETemp/8552_20879608/fImage194304326500.png"/>
           <p:cNvPicPr>
             <a:picLocks noChangeAspect="1"/>
           </p:cNvPicPr>
@@ -14795,8 +14633,8 @@
         </p:blipFill>
         <p:spPr>
           <a:xfrm rot="0">
-            <a:off x="1301115" y="1366520"/>
-            <a:ext cx="4053205" cy="1659890"/>
+            <a:off x="7440295" y="1303020"/>
+            <a:ext cx="3580130" cy="1690370"/>
           </a:xfrm>
           <a:prstGeom prst="roundRect"/>
           <a:solidFill>
@@ -14806,7 +14644,7 @@
       </p:pic>
       <p:pic>
         <p:nvPicPr>
-          <p:cNvPr id="1184" name="그림 4" descr="C:/Users/Admin1/AppData/Roaming/PolarisOffice/ETemp/8552_20879608/fImage136554198467.png"/>
+          <p:cNvPr id="1188" name="그림 14" descr="C:/Users/Admin1/AppData/Roaming/PolarisOffice/ETemp/8552_20879608/fImage160984339169.png"/>
           <p:cNvPicPr>
             <a:picLocks noChangeAspect="1"/>
           </p:cNvPicPr>
@@ -14826,8 +14664,8 @@
         </p:blipFill>
         <p:spPr>
           <a:xfrm rot="0">
-            <a:off x="1316990" y="4274820"/>
-            <a:ext cx="4037330" cy="1661160"/>
+            <a:off x="7432040" y="3208655"/>
+            <a:ext cx="3575050" cy="1430655"/>
           </a:xfrm>
           <a:prstGeom prst="roundRect"/>
           <a:solidFill>
@@ -14835,9 +14673,57 @@
           </a:solidFill>
         </p:spPr>
       </p:pic>
+      <p:sp>
+        <p:nvSpPr>
+          <p:cNvPr id="1189" name="도형 22"/>
+          <p:cNvSpPr>
+            <a:spLocks/>
+          </p:cNvSpPr>
+          <p:nvPr/>
+        </p:nvSpPr>
+        <p:spPr>
+          <a:xfrm rot="16200000" flipH="1">
+            <a:off x="6146165" y="2924175"/>
+            <a:ext cx="2137410" cy="728980"/>
+          </a:xfrm>
+          <a:prstGeom prst="curvedDownArrow"/>
+        </p:spPr>
+        <p:style>
+          <a:lnRef idx="2">
+            <a:schemeClr val="accent1">
+              <a:shade val="50000"/>
+            </a:schemeClr>
+          </a:lnRef>
+          <a:fillRef idx="1">
+            <a:schemeClr val="accent1"/>
+          </a:fillRef>
+          <a:effectRef idx="0">
+            <a:schemeClr val="accent1"/>
+          </a:effectRef>
+          <a:fontRef idx="minor">
+            <a:schemeClr val="lt1"/>
+          </a:fontRef>
+        </p:style>
+        <p:txBody>
+          <a:bodyPr wrap="square" lIns="91440" tIns="45720" rIns="91440" bIns="45720" numCol="1" vert="horz" anchor="ctr">
+            <a:noAutofit/>
+          </a:bodyPr>
+          <a:lstStyle/>
+          <a:p>
+            <a:pPr marL="0" indent="0" algn="ctr" latinLnBrk="0" hangingPunct="1">
+              <a:buFontTx/>
+              <a:buNone/>
+            </a:pPr>
+            <a:endParaRPr lang="ko-KR" altLang="en-US" sz="1800">
+              <a:latin typeface="맑은 고딕" charset="0"/>
+              <a:ea typeface="맑은 고딕" charset="0"/>
+            </a:endParaRPr>
+          </a:p>
+        </p:txBody>
+      </p:sp>
       <p:pic>
         <p:nvPicPr>
-          <p:cNvPr id="1185" name="그림 9" descr="C:/Users/Admin1/AppData/Roaming/PolarisOffice/ETemp/8552_20879608/fImage244794216334.png"/>
+          <p:cNvPr id="1190" name="그림 24" descr="C:/Users/Admin1/AppData/Roaming/PolarisOffice/ETemp/8552_20879608/fImage255544515724.png"/>
           <p:cNvPicPr>
             <a:picLocks noChangeAspect="1"/>
           </p:cNvPicPr>
@@ -14857,8 +14743,8 @@
         </p:blipFill>
         <p:spPr>
           <a:xfrm rot="0">
-            <a:off x="6841490" y="1364615"/>
-            <a:ext cx="4190365" cy="3790315"/>
+            <a:off x="1352550" y="1304925"/>
+            <a:ext cx="4001770" cy="2494915"/>
           </a:xfrm>
           <a:prstGeom prst="rect"/>
           <a:noFill/>
@@ -14888,434 +14774,6 @@
 </file>
 
 <file path=ppt/slides/slide23.xml><?xml version="1.0" encoding="utf-8"?>
-<p:sld xmlns:a="http://schemas.openxmlformats.org/drawingml/2006/main" xmlns:r="http://schemas.openxmlformats.org/officeDocument/2006/relationships" xmlns:p="http://schemas.openxmlformats.org/presentationml/2006/main">
-  <p:cSld>
-    <p:spTree>
-      <p:nvGrpSpPr>
-        <p:cNvPr id="1" name=""/>
-        <p:cNvGrpSpPr/>
-        <p:nvPr/>
-      </p:nvGrpSpPr>
-      <p:grpSpPr>
-        <a:xfrm>
-          <a:off x="0" y="0"/>
-          <a:ext cx="0" cy="0"/>
-          <a:chOff x="0" y="0"/>
-          <a:chExt cx="0" cy="0"/>
-        </a:xfrm>
-      </p:grpSpPr>
-      <p:sp>
-        <p:nvSpPr>
-          <p:cNvPr id="1127" name="Rect 0"/>
-          <p:cNvSpPr txBox="1">
-            <a:spLocks/>
-          </p:cNvSpPr>
-          <p:nvPr/>
-        </p:nvSpPr>
-        <p:spPr>
-          <a:xfrm rot="0">
-            <a:off x="6845935" y="4744720"/>
-            <a:ext cx="4177665" cy="1231265"/>
-          </a:xfrm>
-          <a:prstGeom prst="rect"/>
-          <a:noFill/>
-          <a:ln w="0">
-            <a:noFill/>
-            <a:prstDash/>
-          </a:ln>
-        </p:spPr>
-        <p:txBody>
-          <a:bodyPr wrap="square" lIns="89535" tIns="46355" rIns="89535" bIns="46355" numCol="1" vert="horz" anchor="t">
-            <a:spAutoFit/>
-          </a:bodyPr>
-          <a:lstStyle/>
-          <a:p>
-            <a:pPr marL="0" indent="0" algn="l" latinLnBrk="0" hangingPunct="1">
-              <a:buFontTx/>
-              <a:buNone/>
-            </a:pPr>
-            <a:r>
-              <a:rPr lang="ko-KR" sz="2000" b="1">
-                <a:solidFill>
-                  <a:srgbClr val="0611F2"/>
-                </a:solidFill>
-                <a:latin typeface="맑은 고딕" charset="0"/>
-                <a:ea typeface="맑은 고딕" charset="0"/>
-              </a:rPr>
-              <a:t>4</a:t>
-            </a:r>
-            <a:r>
-              <a:rPr lang="ko-KR" sz="2000" b="1">
-                <a:solidFill>
-                  <a:srgbClr val="0611F2"/>
-                </a:solidFill>
-                <a:latin typeface="맑은 고딕" charset="0"/>
-                <a:ea typeface="맑은 고딕" charset="0"/>
-              </a:rPr>
-              <a:t>5</a:t>
-            </a:r>
-            <a:r>
-              <a:rPr lang="ko-KR" sz="2000" b="1">
-                <a:solidFill>
-                  <a:srgbClr val="0611F2"/>
-                </a:solidFill>
-                <a:latin typeface="맑은 고딕" charset="0"/>
-                <a:ea typeface="맑은 고딕" charset="0"/>
-              </a:rPr>
-              <a:t>. </a:t>
-            </a:r>
-            <a:r>
-              <a:rPr lang="ko-KR" sz="1800">
-                <a:latin typeface="맑은 고딕" charset="0"/>
-                <a:ea typeface="맑은 고딕" charset="0"/>
-              </a:rPr>
-              <a:t>그다음으로 </a:t>
-            </a:r>
-            <a:r>
-              <a:rPr lang="ko-KR" sz="1800">
-                <a:latin typeface="맑은 고딕" charset="0"/>
-                <a:ea typeface="맑은 고딕" charset="0"/>
-              </a:rPr>
-              <a:t>다시 한번 더 Idle 애니메이션을 선택하고 Make Transition 생성하여 Blend Tree에 연결해 줍니다.</a:t>
-            </a:r>
-            <a:endParaRPr lang="ko-KR" altLang="en-US" sz="1800">
-              <a:latin typeface="맑은 고딕" charset="0"/>
-              <a:ea typeface="맑은 고딕" charset="0"/>
-            </a:endParaRPr>
-          </a:p>
-        </p:txBody>
-      </p:sp>
-      <p:sp>
-        <p:nvSpPr>
-          <p:cNvPr id="1130" name="Rect 0"/>
-          <p:cNvSpPr txBox="1">
-            <a:spLocks/>
-          </p:cNvSpPr>
-          <p:nvPr/>
-        </p:nvSpPr>
-        <p:spPr>
-          <a:xfrm rot="0">
-            <a:off x="4530725" y="408940"/>
-            <a:ext cx="3133090" cy="554990"/>
-          </a:xfrm>
-          <a:prstGeom prst="rect"/>
-          <a:noFill/>
-          <a:ln w="0">
-            <a:noFill/>
-            <a:prstDash/>
-          </a:ln>
-        </p:spPr>
-        <p:txBody>
-          <a:bodyPr wrap="square" lIns="89535" tIns="46355" rIns="89535" bIns="46355" numCol="1" vert="horz" anchor="t">
-            <a:spAutoFit/>
-          </a:bodyPr>
-          <a:lstStyle/>
-          <a:p>
-            <a:pPr marL="0" indent="0" algn="l" latinLnBrk="0">
-              <a:buFontTx/>
-              <a:buNone/>
-            </a:pPr>
-            <a:r>
-              <a:rPr lang="ko-KR" altLang="en-US" sz="3000" b="1">
-                <a:solidFill>
-                  <a:schemeClr val="tx1"/>
-                </a:solidFill>
-                <a:latin typeface="맑은 고딕" charset="0"/>
-                <a:ea typeface="맑은 고딕" charset="0"/>
-              </a:rPr>
-              <a:t>스물</a:t>
-            </a:r>
-            <a:r>
-              <a:rPr lang="ko-KR" altLang="en-US" sz="3000" b="1">
-                <a:solidFill>
-                  <a:schemeClr val="tx1"/>
-                </a:solidFill>
-                <a:latin typeface="맑은 고딕" charset="0"/>
-                <a:ea typeface="맑은 고딕" charset="0"/>
-              </a:rPr>
-              <a:t>두 번</a:t>
-            </a:r>
-            <a:r>
-              <a:rPr lang="ko-KR" altLang="en-US" sz="3000" b="1">
-                <a:solidFill>
-                  <a:schemeClr val="tx1"/>
-                </a:solidFill>
-                <a:latin typeface="맑은 고딕" charset="0"/>
-                <a:ea typeface="맑은 고딕" charset="0"/>
-              </a:rPr>
-              <a:t>째 과정</a:t>
-            </a:r>
-            <a:endParaRPr lang="ko-KR" altLang="en-US" sz="3000" b="1">
-              <a:solidFill>
-                <a:schemeClr val="tx1"/>
-              </a:solidFill>
-              <a:latin typeface="맑은 고딕" charset="0"/>
-              <a:ea typeface="맑은 고딕" charset="0"/>
-            </a:endParaRPr>
-          </a:p>
-        </p:txBody>
-      </p:sp>
-      <p:sp>
-        <p:nvSpPr>
-          <p:cNvPr id="1164" name="Rect 0"/>
-          <p:cNvSpPr txBox="1">
-            <a:spLocks/>
-          </p:cNvSpPr>
-          <p:nvPr/>
-        </p:nvSpPr>
-        <p:spPr>
-          <a:xfrm rot="0">
-            <a:off x="1362075" y="3918585"/>
-            <a:ext cx="4008755" cy="2061845"/>
-          </a:xfrm>
-          <a:prstGeom prst="rect"/>
-          <a:noFill/>
-          <a:ln w="0">
-            <a:noFill/>
-            <a:prstDash/>
-          </a:ln>
-        </p:spPr>
-        <p:txBody>
-          <a:bodyPr wrap="square" lIns="89535" tIns="46355" rIns="89535" bIns="46355" numCol="1" vert="horz" anchor="t">
-            <a:spAutoFit/>
-          </a:bodyPr>
-          <a:lstStyle/>
-          <a:p>
-            <a:pPr marL="0" indent="0" algn="l" latinLnBrk="0" hangingPunct="1">
-              <a:buFontTx/>
-              <a:buNone/>
-            </a:pPr>
-            <a:r>
-              <a:rPr lang="ko-KR" sz="2000" b="1">
-                <a:solidFill>
-                  <a:srgbClr val="0611F2"/>
-                </a:solidFill>
-                <a:latin typeface="맑은 고딕" charset="0"/>
-                <a:ea typeface="맑은 고딕" charset="0"/>
-              </a:rPr>
-              <a:t>44</a:t>
-            </a:r>
-            <a:r>
-              <a:rPr lang="ko-KR" sz="2000" b="1">
-                <a:solidFill>
-                  <a:srgbClr val="0611F2"/>
-                </a:solidFill>
-                <a:latin typeface="맑은 고딕" charset="0"/>
-                <a:ea typeface="맑은 고딕" charset="0"/>
-              </a:rPr>
-              <a:t>. </a:t>
-            </a:r>
-            <a:r>
-              <a:rPr lang="ko-KR" sz="1800">
-                <a:latin typeface="맑은 고딕" charset="0"/>
-                <a:ea typeface="맑은 고딕" charset="0"/>
-              </a:rPr>
-              <a:t>그</a:t>
-            </a:r>
-            <a:r>
-              <a:rPr lang="ko-KR" sz="1800">
-                <a:latin typeface="맑은 고딕" charset="0"/>
-                <a:ea typeface="맑은 고딕" charset="0"/>
-              </a:rPr>
-              <a:t>리고 Conditions에 Vertical을 설정하고 Greater를 선택합니다.</a:t>
-            </a:r>
-            <a:endParaRPr lang="ko-KR" altLang="en-US" sz="1800">
-              <a:latin typeface="맑은 고딕" charset="0"/>
-              <a:ea typeface="맑은 고딕" charset="0"/>
-            </a:endParaRPr>
-          </a:p>
-          <a:p>
-            <a:pPr marL="0" indent="0" algn="l" latinLnBrk="0" hangingPunct="1">
-              <a:buFontTx/>
-              <a:buNone/>
-            </a:pPr>
-            <a:endParaRPr lang="ko-KR" altLang="en-US" sz="1800">
-              <a:latin typeface="맑은 고딕" charset="0"/>
-              <a:ea typeface="맑은 고딕" charset="0"/>
-            </a:endParaRPr>
-          </a:p>
-          <a:p>
-            <a:pPr marL="0" indent="0" algn="l" latinLnBrk="0" hangingPunct="1">
-              <a:buFontTx/>
-              <a:buNone/>
-            </a:pPr>
-            <a:r>
-              <a:rPr lang="ko-KR" sz="1800">
-                <a:latin typeface="맑은 고딕" charset="0"/>
-                <a:ea typeface="맑은 고딕" charset="0"/>
-              </a:rPr>
-              <a:t>그런 다음 Vertical의 값이 0.1을 초과했을 때 조건이 실행되도록 설정하고 마지막으로 Has Exit Time을 비활성화합니다.</a:t>
-            </a:r>
-            <a:endParaRPr lang="ko-KR" altLang="en-US" sz="1800">
-              <a:latin typeface="맑은 고딕" charset="0"/>
-              <a:ea typeface="맑은 고딕" charset="0"/>
-            </a:endParaRPr>
-          </a:p>
-        </p:txBody>
-      </p:sp>
-      <p:pic>
-        <p:nvPicPr>
-          <p:cNvPr id="1187" name="그림 11" descr="C:/Users/Admin1/AppData/Roaming/PolarisOffice/ETemp/8552_20879608/fImage194304326500.png"/>
-          <p:cNvPicPr>
-            <a:picLocks noChangeAspect="1"/>
-          </p:cNvPicPr>
-          <p:nvPr/>
-        </p:nvPicPr>
-        <p:blipFill rotWithShape="1">
-          <a:blip r:embed="rId2" cstate="print">
-            <a:extLst>
-              <a:ext uri="{28A0092B-C50C-407E-A947-70E740481C1C}">
-                <a14:useLocalDpi xmlns:a14="http://schemas.microsoft.com/office/drawing/2010/main" val="0"/>
-              </a:ext>
-            </a:extLst>
-          </a:blip>
-          <a:stretch>
-            <a:fillRect/>
-          </a:stretch>
-        </p:blipFill>
-        <p:spPr>
-          <a:xfrm rot="0">
-            <a:off x="7440295" y="1303020"/>
-            <a:ext cx="3580130" cy="1690370"/>
-          </a:xfrm>
-          <a:prstGeom prst="roundRect"/>
-          <a:solidFill>
-            <a:srgbClr val="EDEDED"/>
-          </a:solidFill>
-        </p:spPr>
-      </p:pic>
-      <p:pic>
-        <p:nvPicPr>
-          <p:cNvPr id="1188" name="그림 14" descr="C:/Users/Admin1/AppData/Roaming/PolarisOffice/ETemp/8552_20879608/fImage160984339169.png"/>
-          <p:cNvPicPr>
-            <a:picLocks noChangeAspect="1"/>
-          </p:cNvPicPr>
-          <p:nvPr/>
-        </p:nvPicPr>
-        <p:blipFill rotWithShape="1">
-          <a:blip r:embed="rId3" cstate="print">
-            <a:extLst>
-              <a:ext uri="{28A0092B-C50C-407E-A947-70E740481C1C}">
-                <a14:useLocalDpi xmlns:a14="http://schemas.microsoft.com/office/drawing/2010/main" val="0"/>
-              </a:ext>
-            </a:extLst>
-          </a:blip>
-          <a:stretch>
-            <a:fillRect/>
-          </a:stretch>
-        </p:blipFill>
-        <p:spPr>
-          <a:xfrm rot="0">
-            <a:off x="7432040" y="3208655"/>
-            <a:ext cx="3575050" cy="1430655"/>
-          </a:xfrm>
-          <a:prstGeom prst="roundRect"/>
-          <a:solidFill>
-            <a:srgbClr val="EDEDED"/>
-          </a:solidFill>
-        </p:spPr>
-      </p:pic>
-      <p:sp>
-        <p:nvSpPr>
-          <p:cNvPr id="1189" name="도형 22"/>
-          <p:cNvSpPr>
-            <a:spLocks/>
-          </p:cNvSpPr>
-          <p:nvPr/>
-        </p:nvSpPr>
-        <p:spPr>
-          <a:xfrm rot="16200000" flipH="1">
-            <a:off x="6146165" y="2924175"/>
-            <a:ext cx="2137410" cy="728980"/>
-          </a:xfrm>
-          <a:prstGeom prst="curvedDownArrow"/>
-        </p:spPr>
-        <p:style>
-          <a:lnRef idx="2">
-            <a:schemeClr val="accent1">
-              <a:shade val="50000"/>
-            </a:schemeClr>
-          </a:lnRef>
-          <a:fillRef idx="1">
-            <a:schemeClr val="accent1"/>
-          </a:fillRef>
-          <a:effectRef idx="0">
-            <a:schemeClr val="accent1"/>
-          </a:effectRef>
-          <a:fontRef idx="minor">
-            <a:schemeClr val="lt1"/>
-          </a:fontRef>
-        </p:style>
-        <p:txBody>
-          <a:bodyPr wrap="square" lIns="91440" tIns="45720" rIns="91440" bIns="45720" numCol="1" vert="horz" anchor="ctr">
-            <a:noAutofit/>
-          </a:bodyPr>
-          <a:lstStyle/>
-          <a:p>
-            <a:pPr marL="0" indent="0" algn="ctr" latinLnBrk="0" hangingPunct="1">
-              <a:buFontTx/>
-              <a:buNone/>
-            </a:pPr>
-            <a:endParaRPr lang="ko-KR" altLang="en-US" sz="1800">
-              <a:latin typeface="맑은 고딕" charset="0"/>
-              <a:ea typeface="맑은 고딕" charset="0"/>
-            </a:endParaRPr>
-          </a:p>
-        </p:txBody>
-      </p:sp>
-      <p:pic>
-        <p:nvPicPr>
-          <p:cNvPr id="1190" name="그림 24" descr="C:/Users/Admin1/AppData/Roaming/PolarisOffice/ETemp/8552_20879608/fImage255544515724.png"/>
-          <p:cNvPicPr>
-            <a:picLocks noChangeAspect="1"/>
-          </p:cNvPicPr>
-          <p:nvPr/>
-        </p:nvPicPr>
-        <p:blipFill rotWithShape="1">
-          <a:blip r:embed="rId4" cstate="print">
-            <a:extLst>
-              <a:ext uri="{28A0092B-C50C-407E-A947-70E740481C1C}">
-                <a14:useLocalDpi xmlns:a14="http://schemas.microsoft.com/office/drawing/2010/main" val="0"/>
-              </a:ext>
-            </a:extLst>
-          </a:blip>
-          <a:stretch>
-            <a:fillRect/>
-          </a:stretch>
-        </p:blipFill>
-        <p:spPr>
-          <a:xfrm rot="0">
-            <a:off x="1352550" y="1304925"/>
-            <a:ext cx="4001770" cy="2494915"/>
-          </a:xfrm>
-          <a:prstGeom prst="rect"/>
-          <a:noFill/>
-        </p:spPr>
-      </p:pic>
-    </p:spTree>
-  </p:cSld>
-  <p:clrMapOvr>
-    <a:masterClrMapping/>
-  </p:clrMapOvr>
-  <mc:AlternateContent xmlns:mc="http://schemas.openxmlformats.org/markup-compatibility/2006">
-    <mc:Choice xmlns:p14="http://schemas.microsoft.com/office/powerpoint/2010/main" Requires="p14">
-      <p:transition spd="slow" p14:dur="2000"/>
-    </mc:Choice>
-    <mc:Fallback>
-      <p:transition spd="slow"/>
-    </mc:Fallback>
-  </mc:AlternateContent>
-  <p:timing>
-    <p:tnLst>
-      <p:par>
-        <p:cTn id="1" dur="indefinite" restart="never" nodeType="tmRoot"/>
-      </p:par>
-    </p:tnLst>
-  </p:timing>
-</p:sld>
-</file>
-
-<file path=ppt/slides/slide24.xml><?xml version="1.0" encoding="utf-8"?>
 <p:sld xmlns:a="http://schemas.openxmlformats.org/drawingml/2006/main" xmlns:r="http://schemas.openxmlformats.org/officeDocument/2006/relationships" xmlns:p="http://schemas.openxmlformats.org/presentationml/2006/main">
   <p:cSld>
     <p:spTree>

--- a/Assets/Class/Animator & Blend Tree/PPT Data/Animation Example.pptx
+++ b/Assets/Class/Animator & Blend Tree/PPT Data/Animation Example.pptx
@@ -2,7 +2,7 @@
 <file path=ppt/presentation.xml><?xml version="1.0" encoding="utf-8"?>
 <p:presentation xmlns:a="http://schemas.openxmlformats.org/drawingml/2006/main" xmlns:r="http://schemas.openxmlformats.org/officeDocument/2006/relationships" xmlns:p="http://schemas.openxmlformats.org/presentationml/2006/main" xmlns:p14="http://schemas.microsoft.com/office/powerpoint/2010/main" saveSubsetFonts="1" firstSlideNum="0">
   <p:sldMasterIdLst>
-    <p:sldMasterId id="2147486190" r:id="rId12"/>
+    <p:sldMasterId id="2147486209" r:id="rId12"/>
   </p:sldMasterIdLst>
   <p:notesMasterIdLst>
     <p:notesMasterId r:id="rId14"/>
@@ -9101,8 +9101,8 @@
         </p:nvSpPr>
         <p:spPr>
           <a:xfrm rot="0">
-            <a:off x="6825615" y="5490845"/>
-            <a:ext cx="4257675" cy="678180"/>
+            <a:off x="6825615" y="5482590"/>
+            <a:ext cx="4258310" cy="678815"/>
           </a:xfrm>
           <a:prstGeom prst="rect"/>
           <a:noFill/>
@@ -9147,7 +9147,7 @@
       </p:sp>
       <p:pic>
         <p:nvPicPr>
-          <p:cNvPr id="1154" name="그림 51" descr="C:/Users/Admin1/AppData/Roaming/PolarisOffice/ETemp/17132_10076648/fImage40558127141.png"/>
+          <p:cNvPr id="1154" name="그림 51"/>
           <p:cNvPicPr>
             <a:picLocks noChangeAspect="1"/>
           </p:cNvPicPr>
@@ -9176,7 +9176,7 @@
       </p:pic>
       <p:pic>
         <p:nvPicPr>
-          <p:cNvPr id="1155" name="그림 52" descr="C:/Users/Admin1/AppData/Roaming/PolarisOffice/ETemp/17132_10076648/fImage211862728467.png"/>
+          <p:cNvPr id="1155" name="그림 52" descr="C:/Users/Admin1/AppData/Roaming/PolarisOffice/ETemp/21372_12698968/fImage211862728467.png"/>
           <p:cNvPicPr>
             <a:picLocks noChangeAspect="1"/>
           </p:cNvPicPr>
@@ -9197,12 +9197,10 @@
         <p:spPr>
           <a:xfrm rot="0">
             <a:off x="6824980" y="1359535"/>
-            <a:ext cx="4249420" cy="4001135"/>
-          </a:xfrm>
-          <a:prstGeom prst="roundRect"/>
-          <a:solidFill>
-            <a:srgbClr val="EDEDED"/>
-          </a:solidFill>
+            <a:ext cx="4250055" cy="4001770"/>
+          </a:xfrm>
+          <a:prstGeom prst="rect"/>
+          <a:noFill/>
         </p:spPr>
       </p:pic>
     </p:spTree>
@@ -10042,8 +10040,8 @@
         </p:nvSpPr>
         <p:spPr>
           <a:xfrm rot="0">
-            <a:off x="6835775" y="3833495"/>
-            <a:ext cx="4166235" cy="2061845"/>
+            <a:off x="6835775" y="4281170"/>
+            <a:ext cx="4347210" cy="1784985"/>
           </a:xfrm>
           <a:prstGeom prst="rect"/>
           <a:noFill/>
@@ -10115,17 +10113,17 @@
       </p:sp>
       <p:pic>
         <p:nvPicPr>
-          <p:cNvPr id="1165" name="Picture "/>
+          <p:cNvPr id="1165" name="Picture " descr="C:/Users/Admin1/AppData/Roaming/PolarisOffice/ETemp/21372_12698968/fImage45714593811.png"/>
           <p:cNvPicPr>
             <a:picLocks noChangeAspect="1"/>
           </p:cNvPicPr>
           <p:nvPr/>
         </p:nvPicPr>
         <p:blipFill rotWithShape="1">
-          <a:blip r:embed="rId2" cstate="print">
+          <a:blip r:embed="rId2" cstate="hqprint">
             <a:extLst>
               <a:ext uri="{28A0092B-C50C-407E-A947-70E740481C1C}">
-                <a14:useLocalDpi xmlns:a14="http://schemas.microsoft.com/office/drawing/2010/main" val="0"/>
+                <a14:useLocalDpi xmlns:a14="http://schemas.microsoft.com/office/drawing/2010/main"/>
               </a:ext>
             </a:extLst>
           </a:blip>
@@ -10135,8 +10133,8 @@
         </p:blipFill>
         <p:spPr>
           <a:xfrm rot="0">
-            <a:off x="8135620" y="1541145"/>
-            <a:ext cx="2866390" cy="2143125"/>
+            <a:off x="6838950" y="1485900"/>
+            <a:ext cx="4344035" cy="2610485"/>
           </a:xfrm>
           <a:prstGeom prst="roundRect"/>
           <a:solidFill>
@@ -10146,17 +10144,17 @@
       </p:pic>
       <p:pic>
         <p:nvPicPr>
-          <p:cNvPr id="1166" name="Picture "/>
+          <p:cNvPr id="1168" name="그림 205" descr="C:/Users/Admin1/AppData/Roaming/PolarisOffice/ETemp/21372_12698968/fImage16105485333.png"/>
           <p:cNvPicPr>
             <a:picLocks noChangeAspect="1"/>
           </p:cNvPicPr>
           <p:nvPr/>
         </p:nvPicPr>
         <p:blipFill rotWithShape="1">
-          <a:blip r:embed="rId3" cstate="print">
+          <a:blip r:embed="rId4" cstate="hqprint">
             <a:extLst>
               <a:ext uri="{28A0092B-C50C-407E-A947-70E740481C1C}">
-                <a14:useLocalDpi xmlns:a14="http://schemas.microsoft.com/office/drawing/2010/main" val="0"/>
+                <a14:useLocalDpi xmlns:a14="http://schemas.microsoft.com/office/drawing/2010/main"/>
               </a:ext>
             </a:extLst>
           </a:blip>
@@ -10166,8 +10164,8 @@
         </p:blipFill>
         <p:spPr>
           <a:xfrm rot="0">
-            <a:off x="6833870" y="2232025"/>
-            <a:ext cx="680720" cy="742950"/>
+            <a:off x="1123950" y="1476375"/>
+            <a:ext cx="4249420" cy="2458085"/>
           </a:xfrm>
           <a:prstGeom prst="roundRect"/>
           <a:solidFill>
@@ -10177,95 +10175,6 @@
       </p:pic>
       <p:sp>
         <p:nvSpPr>
-          <p:cNvPr id="1167" name="Rect 0"/>
-          <p:cNvSpPr>
-            <a:spLocks/>
-          </p:cNvSpPr>
-          <p:nvPr/>
-        </p:nvSpPr>
-        <p:spPr>
-          <a:xfrm rot="0">
-            <a:off x="7685405" y="2507615"/>
-            <a:ext cx="266065" cy="217805"/>
-          </a:xfrm>
-          <a:prstGeom prst="notchedRightArrow"/>
-          <a:scene3d>
-            <a:camera prst="orthographicFront"/>
-            <a:lightRig rig="threePt" dir="t"/>
-          </a:scene3d>
-          <a:sp3d prstMaterial="warmMatte">
-            <a:bevelT w="76200" h="76200" prst="circle"/>
-            <a:contourClr>
-              <a:srgbClr val="000000"/>
-            </a:contourClr>
-          </a:sp3d>
-        </p:spPr>
-        <p:style>
-          <a:lnRef idx="2">
-            <a:schemeClr val="accent1">
-              <a:shade val="50000"/>
-            </a:schemeClr>
-          </a:lnRef>
-          <a:fillRef idx="1">
-            <a:schemeClr val="accent1"/>
-          </a:fillRef>
-          <a:effectRef idx="0">
-            <a:schemeClr val="accent1"/>
-          </a:effectRef>
-          <a:fontRef idx="minor">
-            <a:schemeClr val="lt1"/>
-          </a:fontRef>
-        </p:style>
-        <p:txBody>
-          <a:bodyPr wrap="square" lIns="91440" tIns="45720" rIns="91440" bIns="45720" numCol="1" vert="horz" anchor="ctr">
-            <a:noAutofit/>
-          </a:bodyPr>
-          <a:lstStyle/>
-          <a:p>
-            <a:pPr marL="0" indent="0" algn="ctr" latinLnBrk="0" hangingPunct="1">
-              <a:buFontTx/>
-              <a:buNone/>
-            </a:pPr>
-            <a:endParaRPr lang="ko-KR" altLang="en-US" sz="1800">
-              <a:latin typeface="맑은 고딕" charset="0"/>
-              <a:ea typeface="맑은 고딕" charset="0"/>
-            </a:endParaRPr>
-          </a:p>
-        </p:txBody>
-      </p:sp>
-      <p:pic>
-        <p:nvPicPr>
-          <p:cNvPr id="1168" name="그림 205"/>
-          <p:cNvPicPr>
-            <a:picLocks noChangeAspect="1"/>
-          </p:cNvPicPr>
-          <p:nvPr/>
-        </p:nvPicPr>
-        <p:blipFill rotWithShape="1">
-          <a:blip r:embed="rId4" cstate="print">
-            <a:extLst>
-              <a:ext uri="{28A0092B-C50C-407E-A947-70E740481C1C}">
-                <a14:useLocalDpi xmlns:a14="http://schemas.microsoft.com/office/drawing/2010/main" val="0"/>
-              </a:ext>
-            </a:extLst>
-          </a:blip>
-          <a:stretch>
-            <a:fillRect/>
-          </a:stretch>
-        </p:blipFill>
-        <p:spPr>
-          <a:xfrm rot="0">
-            <a:off x="1123950" y="1547495"/>
-            <a:ext cx="4248785" cy="2196465"/>
-          </a:xfrm>
-          <a:prstGeom prst="roundRect"/>
-          <a:solidFill>
-            <a:srgbClr val="EDEDED"/>
-          </a:solidFill>
-        </p:spPr>
-      </p:pic>
-      <p:sp>
-        <p:nvSpPr>
           <p:cNvPr id="1169" name="텍스트 상자 208"/>
           <p:cNvSpPr txBox="1">
             <a:spLocks/>
@@ -10274,8 +10183,8 @@
         </p:nvSpPr>
         <p:spPr>
           <a:xfrm rot="0">
-            <a:off x="1125855" y="3829050"/>
-            <a:ext cx="4246880" cy="2061845"/>
+            <a:off x="1125855" y="4000500"/>
+            <a:ext cx="4247515" cy="2062480"/>
           </a:xfrm>
           <a:prstGeom prst="rect"/>
           <a:noFill/>
@@ -10387,7 +10296,7 @@
       </p:grpSpPr>
       <p:sp>
         <p:nvSpPr>
-          <p:cNvPr id="1101" name="Rect 0"/>
+          <p:cNvPr id="1115" name="Rect 0"/>
           <p:cNvSpPr txBox="1">
             <a:spLocks/>
           </p:cNvSpPr>
@@ -10395,8 +10304,8 @@
         </p:nvSpPr>
         <p:spPr>
           <a:xfrm rot="0">
-            <a:off x="984250" y="1197610"/>
-            <a:ext cx="4372610" cy="923925"/>
+            <a:off x="1247775" y="5072380"/>
+            <a:ext cx="4128770" cy="923925"/>
           </a:xfrm>
           <a:prstGeom prst="rect"/>
           <a:noFill/>
@@ -10420,7 +10329,42 @@
                 <a:latin typeface="맑은 고딕" charset="0"/>
                 <a:ea typeface="맑은 고딕" charset="0"/>
               </a:rPr>
-              <a:t>Transition : 애니메이션의 상태가 어느 방향으로 연결될 지 결정하여 스테이트를 이어주는 것입니다.</a:t>
+              <a:t>트랜지션은</a:t>
+            </a:r>
+            <a:r>
+              <a:rPr lang="ko-KR" sz="1800">
+                <a:latin typeface="맑은 고딕" charset="0"/>
+                <a:ea typeface="맑은 고딕" charset="0"/>
+              </a:rPr>
+              <a:t> 애니메이션의 상태</a:t>
+            </a:r>
+            <a:r>
+              <a:rPr lang="ko-KR" sz="1800">
+                <a:latin typeface="맑은 고딕" charset="0"/>
+                <a:ea typeface="맑은 고딕" charset="0"/>
+              </a:rPr>
+              <a:t>를 특정한 방향으로</a:t>
+            </a:r>
+            <a:r>
+              <a:rPr lang="ko-KR" sz="1800">
+                <a:latin typeface="맑은 고딕" charset="0"/>
+                <a:ea typeface="맑은 고딕" charset="0"/>
+              </a:rPr>
+              <a:t> 결정하여 </a:t>
+            </a:r>
+            <a:r>
+              <a:rPr lang="ko-KR" sz="1800">
+                <a:latin typeface="맑은 고딕" charset="0"/>
+                <a:ea typeface="맑은 고딕" charset="0"/>
+              </a:rPr>
+              <a:t>상태</a:t>
+            </a:r>
+            <a:r>
+              <a:rPr lang="ko-KR" sz="1800">
+                <a:latin typeface="맑은 고딕" charset="0"/>
+                <a:ea typeface="맑은 고딕" charset="0"/>
+              </a:rPr>
+              <a:t>를 이어주는 것입니다.</a:t>
             </a:r>
             <a:endParaRPr lang="ko-KR" altLang="en-US" sz="1800">
               <a:latin typeface="맑은 고딕" charset="0"/>
@@ -10431,7 +10375,7 @@
       </p:sp>
       <p:sp>
         <p:nvSpPr>
-          <p:cNvPr id="1115" name="Rect 0"/>
+          <p:cNvPr id="1130" name="텍스트 상자 209"/>
           <p:cNvSpPr txBox="1">
             <a:spLocks/>
           </p:cNvSpPr>
@@ -10439,8 +10383,8 @@
         </p:nvSpPr>
         <p:spPr>
           <a:xfrm rot="0">
-            <a:off x="970915" y="4615180"/>
-            <a:ext cx="4385945" cy="924560"/>
+            <a:off x="4705985" y="408940"/>
+            <a:ext cx="2781300" cy="554990"/>
           </a:xfrm>
           <a:prstGeom prst="rect"/>
           <a:noFill/>
@@ -10455,34 +10399,152 @@
           </a:bodyPr>
           <a:lstStyle/>
           <a:p>
+            <a:pPr marL="0" indent="0" algn="l" latinLnBrk="0">
+              <a:buFontTx/>
+              <a:buNone/>
+            </a:pPr>
+            <a:r>
+              <a:rPr lang="ko-KR" altLang="en-US" sz="3000" b="1">
+                <a:solidFill>
+                  <a:schemeClr val="tx1"/>
+                </a:solidFill>
+                <a:latin typeface="맑은 고딕" charset="0"/>
+                <a:ea typeface="맑은 고딕" charset="0"/>
+              </a:rPr>
+              <a:t>열한 번째 과정</a:t>
+            </a:r>
+            <a:endParaRPr lang="ko-KR" altLang="en-US" sz="3000" b="1">
+              <a:solidFill>
+                <a:schemeClr val="tx1"/>
+              </a:solidFill>
+              <a:latin typeface="맑은 고딕" charset="0"/>
+              <a:ea typeface="맑은 고딕" charset="0"/>
+            </a:endParaRPr>
+          </a:p>
+        </p:txBody>
+      </p:sp>
+      <p:pic>
+        <p:nvPicPr>
+          <p:cNvPr id="1131" name="그림 30" descr="C:/Users/Admin1/AppData/Roaming/PolarisOffice/ETemp/21372_12698968/fImage295483705724.jpeg"/>
+          <p:cNvPicPr>
+            <a:picLocks noChangeAspect="1"/>
+          </p:cNvPicPr>
+          <p:nvPr/>
+        </p:nvPicPr>
+        <p:blipFill rotWithShape="1">
+          <a:blip r:embed="rId22" cstate="print">
+            <a:extLst>
+              <a:ext uri="{28A0092B-C50C-407E-A947-70E740481C1C}">
+                <a14:useLocalDpi xmlns:a14="http://schemas.microsoft.com/office/drawing/2010/main" val="0"/>
+              </a:ext>
+            </a:extLst>
+          </a:blip>
+          <a:stretch>
+            <a:fillRect/>
+          </a:stretch>
+        </p:blipFill>
+        <p:spPr>
+          <a:xfrm rot="0">
+            <a:off x="1247775" y="1476375"/>
+            <a:ext cx="4124960" cy="3458210"/>
+          </a:xfrm>
+          <a:prstGeom prst="roundRect"/>
+          <a:solidFill>
+            <a:srgbClr val="EDEDED"/>
+          </a:solidFill>
+        </p:spPr>
+      </p:pic>
+      <p:sp>
+        <p:nvSpPr>
+          <p:cNvPr id="1132" name="텍스트 상자 41"/>
+          <p:cNvSpPr txBox="1">
+            <a:spLocks/>
+          </p:cNvSpPr>
+          <p:nvPr/>
+        </p:nvSpPr>
+        <p:spPr>
+          <a:xfrm rot="0">
+            <a:off x="6686550" y="4510405"/>
+            <a:ext cx="4319270" cy="1508760"/>
+          </a:xfrm>
+          <a:prstGeom prst="rect"/>
+          <a:noFill/>
+          <a:ln w="0">
+            <a:noFill/>
+            <a:prstDash/>
+          </a:ln>
+        </p:spPr>
+        <p:txBody>
+          <a:bodyPr wrap="square" lIns="89535" tIns="46355" rIns="89535" bIns="46355" numCol="1" vert="horz" anchor="t">
+            <a:spAutoFit/>
+          </a:bodyPr>
+          <a:lstStyle/>
+          <a:p>
             <a:pPr marL="0" indent="0" algn="l" latinLnBrk="0" hangingPunct="1">
               <a:buFontTx/>
               <a:buNone/>
             </a:pPr>
             <a:r>
+              <a:rPr lang="ko-KR" sz="2000" b="1">
+                <a:solidFill>
+                  <a:srgbClr val="0611F2"/>
+                </a:solidFill>
+                <a:latin typeface="맑은 고딕" charset="0"/>
+                <a:ea typeface="맑은 고딕" charset="0"/>
+              </a:rPr>
+              <a:t>26. </a:t>
+            </a:r>
+            <a:r>
               <a:rPr lang="ko-KR" sz="1800">
                 <a:latin typeface="맑은 고딕" charset="0"/>
                 <a:ea typeface="맑은 고딕" charset="0"/>
               </a:rPr>
-              <a:t>원하는 조건이 생겼을 때 원하는 애니메이션이 재생할 수 있도록 트랜지션을 연결합니다.</a:t>
+              <a:t>그다음 Animation Action 게임 오브젝트를 선택합니다.</a:t>
             </a:r>
             <a:endParaRPr lang="ko-KR" altLang="en-US" sz="1800">
               <a:latin typeface="맑은 고딕" charset="0"/>
               <a:ea typeface="맑은 고딕" charset="0"/>
             </a:endParaRPr>
           </a:p>
+          <a:p>
+            <a:pPr marL="0" indent="0" algn="l" latinLnBrk="0" hangingPunct="1">
+              <a:buFontTx/>
+              <a:buNone/>
+            </a:pPr>
+            <a:endParaRPr lang="ko-KR" altLang="en-US" sz="1800">
+              <a:latin typeface="맑은 고딕" charset="0"/>
+              <a:ea typeface="맑은 고딕" charset="0"/>
+            </a:endParaRPr>
+          </a:p>
+          <a:p>
+            <a:pPr marL="0" indent="0" algn="l" latinLnBrk="0" hangingPunct="1">
+              <a:buFontTx/>
+              <a:buNone/>
+            </a:pPr>
+            <a:r>
+              <a:rPr lang="ko-KR" sz="1800">
+                <a:latin typeface="맑은 고딕" charset="0"/>
+                <a:ea typeface="맑은 고딕" charset="0"/>
+              </a:rPr>
+              <a:t>그리고 Animator 컴포넌트에 Dreyar By M.Aure 캐릭터 오브젝트를 넣어줍니다.</a:t>
+            </a:r>
+            <a:endParaRPr lang="ko-KR" altLang="en-US" sz="1800">
+              <a:latin typeface="맑은 고딕" charset="0"/>
+              <a:ea typeface="맑은 고딕" charset="0"/>
+            </a:endParaRPr>
+          </a:p>
         </p:txBody>
       </p:sp>
       <p:pic>
         <p:nvPicPr>
-          <p:cNvPr id="1126" name="그림 74"/>
+          <p:cNvPr id="1133" name="그림 42" descr="C:/Users/Admin1/AppData/Roaming/PolarisOffice/ETemp/21372_12698968/fImage169704987673.png"/>
           <p:cNvPicPr>
             <a:picLocks noChangeAspect="1"/>
           </p:cNvPicPr>
           <p:nvPr/>
         </p:nvPicPr>
         <p:blipFill rotWithShape="1">
-          <a:blip r:embed="rId19" cstate="hqprint">
+          <a:blip r:embed="rId23" cstate="hqprint">
             <a:extLst>
               <a:ext uri="{28A0092B-C50C-407E-A947-70E740481C1C}">
                 <a14:useLocalDpi xmlns:a14="http://schemas.microsoft.com/office/drawing/2010/main"/>
@@ -10495,8 +10557,8 @@
         </p:blipFill>
         <p:spPr>
           <a:xfrm rot="0">
-            <a:off x="977900" y="2205990"/>
-            <a:ext cx="4376420" cy="2258695"/>
+            <a:off x="8201025" y="1476375"/>
+            <a:ext cx="2801620" cy="2839720"/>
           </a:xfrm>
           <a:prstGeom prst="roundRect"/>
           <a:solidFill>
@@ -10504,93 +10566,19 @@
           </a:solidFill>
         </p:spPr>
       </p:pic>
-      <p:sp>
-        <p:nvSpPr>
-          <p:cNvPr id="1127" name="텍스트 상자 1"/>
-          <p:cNvSpPr txBox="1">
-            <a:spLocks/>
-          </p:cNvSpPr>
-          <p:nvPr/>
-        </p:nvSpPr>
-        <p:spPr>
-          <a:xfrm rot="0">
-            <a:off x="6931025" y="3503295"/>
-            <a:ext cx="4285615" cy="2032000"/>
-          </a:xfrm>
-          <a:prstGeom prst="rect"/>
-          <a:noFill/>
-          <a:ln w="0">
-            <a:noFill/>
-            <a:prstDash/>
-          </a:ln>
-        </p:spPr>
-        <p:txBody>
-          <a:bodyPr wrap="square" lIns="89535" tIns="46355" rIns="89535" bIns="46355" numCol="1" vert="horz" anchor="t">
-            <a:spAutoFit/>
-          </a:bodyPr>
-          <a:lstStyle/>
-          <a:p>
-            <a:pPr marL="0" indent="0" algn="l" latinLnBrk="0" hangingPunct="1">
-              <a:buFontTx/>
-              <a:buNone/>
-            </a:pPr>
-            <a:r>
-              <a:rPr lang="ko-KR" sz="1800">
-                <a:latin typeface="맑은 고딕" charset="0"/>
-                <a:ea typeface="맑은 고딕" charset="0"/>
-              </a:rPr>
-              <a:t>Has Exit Time을 활성화하게 되면 해당 동작이 다 끝나고 다음 동작으로 이동하도록 설정합니다.</a:t>
-            </a:r>
-            <a:r>
-              <a:rPr lang="ko-KR" sz="1800">
-                <a:latin typeface="맑은 고딕" charset="0"/>
-                <a:ea typeface="맑은 고딕" charset="0"/>
-              </a:rPr>
-              <a:t/>
-            </a:r>
-            <a:br>
-              <a:rPr lang="ko-KR" sz="1800">
-                <a:latin typeface="맑은 고딕" charset="0"/>
-                <a:ea typeface="맑은 고딕" charset="0"/>
-              </a:rPr>
-            </a:br>
-            <a:endParaRPr lang="ko-KR" altLang="en-US" sz="1800">
-              <a:latin typeface="맑은 고딕" charset="0"/>
-              <a:ea typeface="맑은 고딕" charset="0"/>
-            </a:endParaRPr>
-          </a:p>
-          <a:p>
-            <a:pPr marL="0" indent="0" algn="l" latinLnBrk="0" hangingPunct="1">
-              <a:buFontTx/>
-              <a:buNone/>
-            </a:pPr>
-            <a:r>
-              <a:rPr lang="ko-KR" sz="1800">
-                <a:latin typeface="맑은 고딕" charset="0"/>
-                <a:ea typeface="맑은 고딕" charset="0"/>
-              </a:rPr>
-              <a:t>비활성화하게 되면 condition의 조건이 충족될 때 바로 동작이 전환되도록 설정할 수 있습니다.</a:t>
-            </a:r>
-            <a:endParaRPr lang="ko-KR" altLang="en-US" sz="1800">
-              <a:latin typeface="맑은 고딕" charset="0"/>
-              <a:ea typeface="맑은 고딕" charset="0"/>
-            </a:endParaRPr>
-          </a:p>
-        </p:txBody>
-      </p:sp>
       <p:pic>
         <p:nvPicPr>
-          <p:cNvPr id="1128" name="그림 2"/>
+          <p:cNvPr id="1134" name="그림 43" descr="C:/Users/Admin1/AppData/Roaming/PolarisOffice/ETemp/21372_12698968/fImage49614994664.png"/>
           <p:cNvPicPr>
             <a:picLocks noChangeAspect="1"/>
           </p:cNvPicPr>
           <p:nvPr/>
         </p:nvPicPr>
         <p:blipFill rotWithShape="1">
-          <a:blip r:embed="rId20" cstate="print">
+          <a:blip r:embed="rId24" cstate="hqprint">
             <a:extLst>
               <a:ext uri="{28A0092B-C50C-407E-A947-70E740481C1C}">
-                <a14:useLocalDpi xmlns:a14="http://schemas.microsoft.com/office/drawing/2010/main" val="0"/>
+                <a14:useLocalDpi xmlns:a14="http://schemas.microsoft.com/office/drawing/2010/main"/>
               </a:ext>
             </a:extLst>
           </a:blip>
@@ -10600,92 +10588,47 @@
         </p:blipFill>
         <p:spPr>
           <a:xfrm rot="0">
-            <a:off x="6928485" y="1195705"/>
-            <a:ext cx="4277995" cy="1090930"/>
-          </a:xfrm>
-          <a:prstGeom prst="rect"/>
-          <a:noFill/>
+            <a:off x="6686550" y="2438400"/>
+            <a:ext cx="1219835" cy="1287145"/>
+          </a:xfrm>
+          <a:prstGeom prst="roundRect"/>
+          <a:solidFill>
+            <a:srgbClr val="EDEDED"/>
+          </a:solidFill>
         </p:spPr>
       </p:pic>
-      <p:pic>
-        <p:nvPicPr>
-          <p:cNvPr id="1129" name="그림 3"/>
-          <p:cNvPicPr>
-            <a:picLocks noChangeAspect="1"/>
-          </p:cNvPicPr>
-          <p:nvPr/>
-        </p:nvPicPr>
-        <p:blipFill rotWithShape="1">
-          <a:blip r:embed="rId21" cstate="print">
-            <a:extLst>
-              <a:ext uri="{28A0092B-C50C-407E-A947-70E740481C1C}">
-                <a14:useLocalDpi xmlns:a14="http://schemas.microsoft.com/office/drawing/2010/main" val="0"/>
-              </a:ext>
-            </a:extLst>
-          </a:blip>
-          <a:stretch>
-            <a:fillRect/>
-          </a:stretch>
-        </p:blipFill>
-        <p:spPr>
-          <a:xfrm rot="0">
-            <a:off x="6913880" y="2397760"/>
-            <a:ext cx="4284345" cy="1027430"/>
-          </a:xfrm>
-          <a:prstGeom prst="rect"/>
-          <a:noFill/>
-        </p:spPr>
-      </p:pic>
-      <p:sp>
-        <p:nvSpPr>
-          <p:cNvPr id="1130" name="텍스트 상자 209"/>
-          <p:cNvSpPr txBox="1">
-            <a:spLocks/>
-          </p:cNvSpPr>
-          <p:nvPr/>
-        </p:nvSpPr>
-        <p:spPr>
-          <a:xfrm rot="0">
-            <a:off x="4705985" y="408940"/>
-            <a:ext cx="2781300" cy="554990"/>
-          </a:xfrm>
-          <a:prstGeom prst="rect"/>
-          <a:noFill/>
-          <a:ln w="0">
-            <a:noFill/>
+      <p:cxnSp>
+        <p:nvCxnSpPr>
+          <p:cNvPr id="1135" name="도형 44"/>
+          <p:cNvCxnSpPr/>
+          <p:nvPr/>
+        </p:nvCxnSpPr>
+        <p:spPr>
+          <a:xfrm rot="0">
+            <a:off x="7877175" y="3219450"/>
+            <a:ext cx="2991485" cy="829310"/>
+          </a:xfrm>
+          <a:prstGeom prst="straightConnector1"/>
+          <a:ln w="19050" cap="flat" cmpd="sng">
             <a:prstDash/>
+            <a:tailEnd type="triangle" w="med" len="med"/>
           </a:ln>
         </p:spPr>
-        <p:txBody>
-          <a:bodyPr wrap="square" lIns="89535" tIns="46355" rIns="89535" bIns="46355" numCol="1" vert="horz" anchor="t">
-            <a:spAutoFit/>
-          </a:bodyPr>
-          <a:lstStyle/>
-          <a:p>
-            <a:pPr marL="0" indent="0" algn="l" latinLnBrk="0">
-              <a:buFontTx/>
-              <a:buNone/>
-            </a:pPr>
-            <a:r>
-              <a:rPr lang="ko-KR" altLang="en-US" sz="3000" b="1">
-                <a:solidFill>
-                  <a:schemeClr val="tx1"/>
-                </a:solidFill>
-                <a:latin typeface="맑은 고딕" charset="0"/>
-                <a:ea typeface="맑은 고딕" charset="0"/>
-              </a:rPr>
-              <a:t>열한 번째 과정</a:t>
-            </a:r>
-            <a:endParaRPr lang="ko-KR" altLang="en-US" sz="3000" b="1">
-              <a:solidFill>
-                <a:schemeClr val="tx1"/>
-              </a:solidFill>
-              <a:latin typeface="맑은 고딕" charset="0"/>
-              <a:ea typeface="맑은 고딕" charset="0"/>
-            </a:endParaRPr>
-          </a:p>
-        </p:txBody>
-      </p:sp>
+        <p:style>
+          <a:lnRef idx="3">
+            <a:schemeClr val="accent2"/>
+          </a:lnRef>
+          <a:fillRef idx="0">
+            <a:schemeClr val="accent2"/>
+          </a:fillRef>
+          <a:effectRef idx="2">
+            <a:schemeClr val="accent2"/>
+          </a:effectRef>
+          <a:fontRef idx="minor">
+            <a:schemeClr val="tx1"/>
+          </a:fontRef>
+        </p:style>
+      </p:cxnSp>
     </p:spTree>
   </p:cSld>
   <p:clrMapOvr>
@@ -10728,87 +10671,6 @@
       </p:grpSpPr>
       <p:sp>
         <p:nvSpPr>
-          <p:cNvPr id="1115" name="Rect 0"/>
-          <p:cNvSpPr txBox="1">
-            <a:spLocks/>
-          </p:cNvSpPr>
-          <p:nvPr/>
-        </p:nvSpPr>
-        <p:spPr>
-          <a:xfrm rot="0">
-            <a:off x="971550" y="4138930"/>
-            <a:ext cx="4318635" cy="1508125"/>
-          </a:xfrm>
-          <a:prstGeom prst="rect"/>
-          <a:noFill/>
-          <a:ln w="0">
-            <a:noFill/>
-            <a:prstDash/>
-          </a:ln>
-        </p:spPr>
-        <p:txBody>
-          <a:bodyPr wrap="square" lIns="89535" tIns="46355" rIns="89535" bIns="46355" numCol="1" vert="horz" anchor="t">
-            <a:spAutoFit/>
-          </a:bodyPr>
-          <a:lstStyle/>
-          <a:p>
-            <a:pPr marL="0" indent="0" algn="l" latinLnBrk="0" hangingPunct="1">
-              <a:buFontTx/>
-              <a:buNone/>
-            </a:pPr>
-            <a:r>
-              <a:rPr lang="ko-KR" sz="2000" b="1">
-                <a:solidFill>
-                  <a:srgbClr val="0611F2"/>
-                </a:solidFill>
-                <a:latin typeface="맑은 고딕" charset="0"/>
-                <a:ea typeface="맑은 고딕" charset="0"/>
-              </a:rPr>
-              <a:t>26. </a:t>
-            </a:r>
-            <a:r>
-              <a:rPr lang="ko-KR" sz="1800">
-                <a:latin typeface="맑은 고딕" charset="0"/>
-                <a:ea typeface="맑은 고딕" charset="0"/>
-              </a:rPr>
-              <a:t>그다음 Animation Action 게임 오브젝트를 선택합니다.</a:t>
-            </a:r>
-            <a:endParaRPr lang="ko-KR" altLang="en-US" sz="1800">
-              <a:latin typeface="맑은 고딕" charset="0"/>
-              <a:ea typeface="맑은 고딕" charset="0"/>
-            </a:endParaRPr>
-          </a:p>
-          <a:p>
-            <a:pPr marL="0" indent="0" algn="l" latinLnBrk="0" hangingPunct="1">
-              <a:buFontTx/>
-              <a:buNone/>
-            </a:pPr>
-            <a:endParaRPr lang="ko-KR" altLang="en-US" sz="1800">
-              <a:latin typeface="맑은 고딕" charset="0"/>
-              <a:ea typeface="맑은 고딕" charset="0"/>
-            </a:endParaRPr>
-          </a:p>
-          <a:p>
-            <a:pPr marL="0" indent="0" algn="l" latinLnBrk="0" hangingPunct="1">
-              <a:buFontTx/>
-              <a:buNone/>
-            </a:pPr>
-            <a:r>
-              <a:rPr lang="ko-KR" sz="1800">
-                <a:latin typeface="맑은 고딕" charset="0"/>
-                <a:ea typeface="맑은 고딕" charset="0"/>
-              </a:rPr>
-              <a:t>그리고 Animator 컴포넌트에 Dreyar By M.Aure 캐릭터 오브젝트를 넣어줍니다.</a:t>
-            </a:r>
-            <a:endParaRPr lang="ko-KR" altLang="en-US" sz="1800">
-              <a:latin typeface="맑은 고딕" charset="0"/>
-              <a:ea typeface="맑은 고딕" charset="0"/>
-            </a:endParaRPr>
-          </a:p>
-        </p:txBody>
-      </p:sp>
-      <p:sp>
-        <p:nvSpPr>
           <p:cNvPr id="1127" name="Rect 0"/>
           <p:cNvSpPr txBox="1">
             <a:spLocks/>
@@ -10817,8 +10679,8 @@
         </p:nvSpPr>
         <p:spPr>
           <a:xfrm rot="0">
-            <a:off x="6931025" y="4693920"/>
-            <a:ext cx="4285615" cy="954405"/>
+            <a:off x="1216025" y="4970145"/>
+            <a:ext cx="4166235" cy="954405"/>
           </a:xfrm>
           <a:prstGeom prst="rect"/>
           <a:noFill/>
@@ -10913,14 +10775,76 @@
       </p:sp>
       <p:pic>
         <p:nvPicPr>
-          <p:cNvPr id="1131" name="그림 210"/>
+          <p:cNvPr id="1134" name="그림 217" descr="C:/Users/Admin1/AppData/Roaming/PolarisOffice/ETemp/21372_12698968/fImage191385015141.png"/>
           <p:cNvPicPr>
             <a:picLocks noChangeAspect="1"/>
           </p:cNvPicPr>
           <p:nvPr/>
         </p:nvPicPr>
         <p:blipFill rotWithShape="1">
-          <a:blip r:embed="rId2" cstate="print">
+          <a:blip r:embed="rId4" cstate="hqprint">
+            <a:extLst>
+              <a:ext uri="{28A0092B-C50C-407E-A947-70E740481C1C}">
+                <a14:useLocalDpi xmlns:a14="http://schemas.microsoft.com/office/drawing/2010/main"/>
+              </a:ext>
+            </a:extLst>
+          </a:blip>
+          <a:stretch>
+            <a:fillRect/>
+          </a:stretch>
+        </p:blipFill>
+        <p:spPr>
+          <a:xfrm rot="0">
+            <a:off x="1219200" y="1438275"/>
+            <a:ext cx="2724785" cy="3391535"/>
+          </a:xfrm>
+          <a:prstGeom prst="roundRect"/>
+          <a:solidFill>
+            <a:srgbClr val="EDEDED"/>
+          </a:solidFill>
+        </p:spPr>
+      </p:pic>
+      <p:pic>
+        <p:nvPicPr>
+          <p:cNvPr id="1135" name="그림 218" descr="C:/Users/Admin1/AppData/Roaming/PolarisOffice/ETemp/21372_12698968/fImage77175027711.png"/>
+          <p:cNvPicPr>
+            <a:picLocks noChangeAspect="1"/>
+          </p:cNvPicPr>
+          <p:nvPr/>
+        </p:nvPicPr>
+        <p:blipFill rotWithShape="1">
+          <a:blip r:embed="rId5" cstate="hqprint">
+            <a:extLst>
+              <a:ext uri="{28A0092B-C50C-407E-A947-70E740481C1C}">
+                <a14:useLocalDpi xmlns:a14="http://schemas.microsoft.com/office/drawing/2010/main"/>
+              </a:ext>
+            </a:extLst>
+          </a:blip>
+          <a:stretch>
+            <a:fillRect/>
+          </a:stretch>
+        </p:blipFill>
+        <p:spPr>
+          <a:xfrm rot="0">
+            <a:off x="4157345" y="2171700"/>
+            <a:ext cx="1224915" cy="2038985"/>
+          </a:xfrm>
+          <a:prstGeom prst="roundRect"/>
+          <a:solidFill>
+            <a:srgbClr val="EDEDED"/>
+          </a:solidFill>
+        </p:spPr>
+      </p:pic>
+      <p:pic>
+        <p:nvPicPr>
+          <p:cNvPr id="1136" name="그림 49" descr="C:/Users/Admin1/AppData/Roaming/PolarisOffice/ETemp/21372_12698968/fImage123044601478.png"/>
+          <p:cNvPicPr>
+            <a:picLocks noChangeAspect="1"/>
+          </p:cNvPicPr>
+          <p:nvPr/>
+        </p:nvPicPr>
+        <p:blipFill rotWithShape="1">
+          <a:blip r:embed="rId7" cstate="print">
             <a:extLst>
               <a:ext uri="{28A0092B-C50C-407E-A947-70E740481C1C}">
                 <a14:useLocalDpi xmlns:a14="http://schemas.microsoft.com/office/drawing/2010/main" val="0"/>
@@ -10933,8 +10857,8 @@
         </p:blipFill>
         <p:spPr>
           <a:xfrm rot="0">
-            <a:off x="2600325" y="1476375"/>
-            <a:ext cx="2686685" cy="2467610"/>
+            <a:off x="6810375" y="1438275"/>
+            <a:ext cx="4086860" cy="1753235"/>
           </a:xfrm>
           <a:prstGeom prst="roundRect"/>
           <a:solidFill>
@@ -10944,14 +10868,14 @@
       </p:pic>
       <p:pic>
         <p:nvPicPr>
-          <p:cNvPr id="1132" name="그림 211"/>
+          <p:cNvPr id="1137" name="그림 52" descr="C:/Users/Admin1/AppData/Roaming/PolarisOffice/ETemp/21372_12698968/fImage125814619358.png"/>
           <p:cNvPicPr>
             <a:picLocks noChangeAspect="1"/>
           </p:cNvPicPr>
           <p:nvPr/>
         </p:nvPicPr>
         <p:blipFill rotWithShape="1">
-          <a:blip r:embed="rId3" cstate="print">
+          <a:blip r:embed="rId8" cstate="print">
             <a:extLst>
               <a:ext uri="{28A0092B-C50C-407E-A947-70E740481C1C}">
                 <a14:useLocalDpi xmlns:a14="http://schemas.microsoft.com/office/drawing/2010/main" val="0"/>
@@ -10964,8 +10888,8 @@
         </p:blipFill>
         <p:spPr>
           <a:xfrm rot="0">
-            <a:off x="971550" y="2066925"/>
-            <a:ext cx="1381760" cy="1286510"/>
+            <a:off x="6819900" y="3409950"/>
+            <a:ext cx="4086860" cy="1753235"/>
           </a:xfrm>
           <a:prstGeom prst="roundRect"/>
           <a:solidFill>
@@ -10973,100 +10897,88 @@
           </a:solidFill>
         </p:spPr>
       </p:pic>
-      <p:cxnSp>
-        <p:nvCxnSpPr>
-          <p:cNvPr id="1133" name="도형 216"/>
-          <p:cNvCxnSpPr>
-            <a:stCxn id="1132" idx="3"/>
-          </p:cNvCxnSpPr>
-          <p:nvPr/>
-        </p:nvCxnSpPr>
-        <p:spPr>
-          <a:xfrm rot="0">
-            <a:off x="2352675" y="2709545"/>
-            <a:ext cx="353060" cy="929640"/>
-          </a:xfrm>
-          <a:prstGeom prst="straightConnector1"/>
-          <a:ln w="19050" cap="flat" cmpd="sng">
+      <p:sp>
+        <p:nvSpPr>
+          <p:cNvPr id="1138" name="텍스트 상자 56"/>
+          <p:cNvSpPr txBox="1">
+            <a:spLocks/>
+          </p:cNvSpPr>
+          <p:nvPr/>
+        </p:nvSpPr>
+        <p:spPr>
+          <a:xfrm rot="0">
+            <a:off x="6810375" y="5243830"/>
+            <a:ext cx="4105910" cy="677545"/>
+          </a:xfrm>
+          <a:prstGeom prst="rect"/>
+          <a:noFill/>
+          <a:ln w="0">
+            <a:noFill/>
             <a:prstDash/>
-            <a:tailEnd type="triangle" w="med" len="med"/>
           </a:ln>
         </p:spPr>
-        <p:style>
-          <a:lnRef idx="3">
-            <a:schemeClr val="accent2"/>
-          </a:lnRef>
-          <a:fillRef idx="0">
-            <a:schemeClr val="accent2"/>
-          </a:fillRef>
-          <a:effectRef idx="2">
-            <a:schemeClr val="accent2"/>
-          </a:effectRef>
-          <a:fontRef idx="minor">
-            <a:schemeClr val="tx1"/>
-          </a:fontRef>
-        </p:style>
-      </p:cxnSp>
-      <p:pic>
-        <p:nvPicPr>
-          <p:cNvPr id="1134" name="그림 217"/>
-          <p:cNvPicPr>
-            <a:picLocks noChangeAspect="1"/>
-          </p:cNvPicPr>
-          <p:nvPr/>
-        </p:nvPicPr>
-        <p:blipFill rotWithShape="1">
-          <a:blip r:embed="rId4" cstate="print">
-            <a:extLst>
-              <a:ext uri="{28A0092B-C50C-407E-A947-70E740481C1C}">
-                <a14:useLocalDpi xmlns:a14="http://schemas.microsoft.com/office/drawing/2010/main" val="0"/>
-              </a:ext>
-            </a:extLst>
-          </a:blip>
-          <a:stretch>
-            <a:fillRect/>
-          </a:stretch>
-        </p:blipFill>
-        <p:spPr>
-          <a:xfrm rot="0">
-            <a:off x="6934200" y="1480820"/>
-            <a:ext cx="2467610" cy="3025140"/>
-          </a:xfrm>
-          <a:prstGeom prst="rect"/>
-          <a:noFill/>
-        </p:spPr>
-      </p:pic>
-      <p:pic>
-        <p:nvPicPr>
-          <p:cNvPr id="1135" name="그림 218"/>
-          <p:cNvPicPr>
-            <a:picLocks noChangeAspect="1"/>
-          </p:cNvPicPr>
-          <p:nvPr/>
-        </p:nvPicPr>
-        <p:blipFill rotWithShape="1">
-          <a:blip r:embed="rId5" cstate="print">
-            <a:extLst>
-              <a:ext uri="{28A0092B-C50C-407E-A947-70E740481C1C}">
-                <a14:useLocalDpi xmlns:a14="http://schemas.microsoft.com/office/drawing/2010/main" val="0"/>
-              </a:ext>
-            </a:extLst>
-          </a:blip>
-          <a:stretch>
-            <a:fillRect/>
-          </a:stretch>
-        </p:blipFill>
-        <p:spPr>
-          <a:xfrm rot="0">
-            <a:off x="9881870" y="1800225"/>
-            <a:ext cx="1343660" cy="2400935"/>
-          </a:xfrm>
-          <a:prstGeom prst="roundRect"/>
-          <a:solidFill>
-            <a:srgbClr val="EDEDED"/>
-          </a:solidFill>
-        </p:spPr>
-      </p:pic>
+        <p:txBody>
+          <a:bodyPr wrap="square" lIns="89535" tIns="46355" rIns="89535" bIns="46355" numCol="1" vert="horz" anchor="t">
+            <a:spAutoFit/>
+          </a:bodyPr>
+          <a:lstStyle/>
+          <a:p>
+            <a:pPr marL="0" indent="0" algn="l" latinLnBrk="0" hangingPunct="1">
+              <a:buFontTx/>
+              <a:buNone/>
+            </a:pPr>
+            <a:r>
+              <a:rPr lang="ko-KR" sz="2000" b="1">
+                <a:solidFill>
+                  <a:srgbClr val="0611F2"/>
+                </a:solidFill>
+                <a:latin typeface="맑은 고딕" charset="0"/>
+                <a:ea typeface="맑은 고딕" charset="0"/>
+              </a:rPr>
+              <a:t>28. </a:t>
+            </a:r>
+            <a:r>
+              <a:rPr lang="ko-KR" sz="1800">
+                <a:latin typeface="맑은 고딕" charset="0"/>
+                <a:ea typeface="맑은 고딕" charset="0"/>
+              </a:rPr>
+              <a:t>그리고 </a:t>
+            </a:r>
+            <a:r>
+              <a:rPr lang="ko-KR" sz="1800">
+                <a:latin typeface="맑은 고딕" charset="0"/>
+                <a:ea typeface="맑은 고딕" charset="0"/>
+              </a:rPr>
+              <a:t>Kick Button과 Running Button의</a:t>
+            </a:r>
+            <a:r>
+              <a:rPr lang="ko-KR" sz="1800">
+                <a:latin typeface="맑은 고딕" charset="0"/>
+                <a:ea typeface="맑은 고딕" charset="0"/>
+              </a:rPr>
+              <a:t> 앵커</a:t>
+            </a:r>
+            <a:r>
+              <a:rPr lang="ko-KR" sz="1800">
+                <a:latin typeface="맑은 고딕" charset="0"/>
+                <a:ea typeface="맑은 고딕" charset="0"/>
+              </a:rPr>
+              <a:t>와</a:t>
+            </a:r>
+            <a:r>
+              <a:rPr lang="ko-KR" sz="1800">
+                <a:latin typeface="맑은 고딕" charset="0"/>
+                <a:ea typeface="맑은 고딕" charset="0"/>
+              </a:rPr>
+              <a:t> 위치를 설정합니다.</a:t>
+            </a:r>
+            <a:endParaRPr lang="ko-KR" altLang="en-US" sz="1800">
+              <a:latin typeface="맑은 고딕" charset="0"/>
+              <a:ea typeface="맑은 고딕" charset="0"/>
+            </a:endParaRPr>
+          </a:p>
+        </p:txBody>
+      </p:sp>
     </p:spTree>
   </p:cSld>
   <p:clrMapOvr>
@@ -11109,87 +11021,6 @@
       </p:grpSpPr>
       <p:sp>
         <p:nvSpPr>
-          <p:cNvPr id="1115" name="Rect 0"/>
-          <p:cNvSpPr txBox="1">
-            <a:spLocks/>
-          </p:cNvSpPr>
-          <p:nvPr/>
-        </p:nvSpPr>
-        <p:spPr>
-          <a:xfrm rot="0">
-            <a:off x="971550" y="4138930"/>
-            <a:ext cx="4318635" cy="1508125"/>
-          </a:xfrm>
-          <a:prstGeom prst="rect"/>
-          <a:noFill/>
-          <a:ln w="0">
-            <a:noFill/>
-            <a:prstDash/>
-          </a:ln>
-        </p:spPr>
-        <p:txBody>
-          <a:bodyPr wrap="square" lIns="89535" tIns="46355" rIns="89535" bIns="46355" numCol="1" vert="horz" anchor="t">
-            <a:spAutoFit/>
-          </a:bodyPr>
-          <a:lstStyle/>
-          <a:p>
-            <a:pPr marL="0" indent="0" algn="l" latinLnBrk="0" hangingPunct="1">
-              <a:buFontTx/>
-              <a:buNone/>
-            </a:pPr>
-            <a:r>
-              <a:rPr lang="ko-KR" sz="2000" b="1">
-                <a:solidFill>
-                  <a:srgbClr val="0611F2"/>
-                </a:solidFill>
-                <a:latin typeface="맑은 고딕" charset="0"/>
-                <a:ea typeface="맑은 고딕" charset="0"/>
-              </a:rPr>
-              <a:t>28. </a:t>
-            </a:r>
-            <a:r>
-              <a:rPr lang="ko-KR" sz="1800">
-                <a:latin typeface="맑은 고딕" charset="0"/>
-                <a:ea typeface="맑은 고딕" charset="0"/>
-              </a:rPr>
-              <a:t>그리고 각각의 버튼의 앵커를 설정하고 위치를 설정합니다.</a:t>
-            </a:r>
-            <a:endParaRPr lang="ko-KR" altLang="en-US" sz="1800">
-              <a:latin typeface="맑은 고딕" charset="0"/>
-              <a:ea typeface="맑은 고딕" charset="0"/>
-            </a:endParaRPr>
-          </a:p>
-          <a:p>
-            <a:pPr marL="0" indent="0" algn="l" latinLnBrk="0" hangingPunct="1">
-              <a:buFontTx/>
-              <a:buNone/>
-            </a:pPr>
-            <a:endParaRPr lang="ko-KR" altLang="en-US" sz="1800">
-              <a:latin typeface="맑은 고딕" charset="0"/>
-              <a:ea typeface="맑은 고딕" charset="0"/>
-            </a:endParaRPr>
-          </a:p>
-          <a:p>
-            <a:pPr marL="0" indent="0" algn="l" latinLnBrk="0" hangingPunct="1">
-              <a:buFontTx/>
-              <a:buNone/>
-            </a:pPr>
-            <a:r>
-              <a:rPr lang="ko-KR" sz="1800">
-                <a:latin typeface="맑은 고딕" charset="0"/>
-                <a:ea typeface="맑은 고딕" charset="0"/>
-              </a:rPr>
-              <a:t>그다음 Selected Color의 색상을 다른 색상으로 설정합니다.</a:t>
-            </a:r>
-            <a:endParaRPr lang="ko-KR" altLang="en-US" sz="1800">
-              <a:latin typeface="맑은 고딕" charset="0"/>
-              <a:ea typeface="맑은 고딕" charset="0"/>
-            </a:endParaRPr>
-          </a:p>
-        </p:txBody>
-      </p:sp>
-      <p:sp>
-        <p:nvSpPr>
           <p:cNvPr id="1127" name="Rect 0"/>
           <p:cNvSpPr txBox="1">
             <a:spLocks/>
@@ -11319,64 +11150,6 @@
           </a:p>
         </p:txBody>
       </p:sp>
-      <p:pic>
-        <p:nvPicPr>
-          <p:cNvPr id="1136" name="그림 221"/>
-          <p:cNvPicPr>
-            <a:picLocks noChangeAspect="1"/>
-          </p:cNvPicPr>
-          <p:nvPr/>
-        </p:nvPicPr>
-        <p:blipFill rotWithShape="1">
-          <a:blip r:embed="rId2" cstate="print">
-            <a:extLst>
-              <a:ext uri="{28A0092B-C50C-407E-A947-70E740481C1C}">
-                <a14:useLocalDpi xmlns:a14="http://schemas.microsoft.com/office/drawing/2010/main" val="0"/>
-              </a:ext>
-            </a:extLst>
-          </a:blip>
-          <a:stretch>
-            <a:fillRect/>
-          </a:stretch>
-        </p:blipFill>
-        <p:spPr>
-          <a:xfrm rot="0">
-            <a:off x="3295650" y="1457325"/>
-            <a:ext cx="1991360" cy="2496185"/>
-          </a:xfrm>
-          <a:prstGeom prst="rect"/>
-          <a:noFill/>
-        </p:spPr>
-      </p:pic>
-      <p:pic>
-        <p:nvPicPr>
-          <p:cNvPr id="1137" name="그림 222"/>
-          <p:cNvPicPr>
-            <a:picLocks noChangeAspect="1"/>
-          </p:cNvPicPr>
-          <p:nvPr/>
-        </p:nvPicPr>
-        <p:blipFill rotWithShape="1">
-          <a:blip r:embed="rId3" cstate="print">
-            <a:extLst>
-              <a:ext uri="{28A0092B-C50C-407E-A947-70E740481C1C}">
-                <a14:useLocalDpi xmlns:a14="http://schemas.microsoft.com/office/drawing/2010/main" val="0"/>
-              </a:ext>
-            </a:extLst>
-          </a:blip>
-          <a:stretch>
-            <a:fillRect/>
-          </a:stretch>
-        </p:blipFill>
-        <p:spPr>
-          <a:xfrm rot="0">
-            <a:off x="971550" y="1466850"/>
-            <a:ext cx="2000885" cy="2477135"/>
-          </a:xfrm>
-          <a:prstGeom prst="rect"/>
-          <a:noFill/>
-        </p:spPr>
-      </p:pic>
       <p:pic>
         <p:nvPicPr>
           <p:cNvPr id="1138" name="그림 223"/>
@@ -12192,17 +11965,17 @@
       </p:sp>
       <p:pic>
         <p:nvPicPr>
-          <p:cNvPr id="1145" name="그림 11"/>
+          <p:cNvPr id="1145" name="그림 11" descr="C:/Users/Admin1/AppData/Roaming/PolarisOffice/ETemp/21372_12698968/fImage67343366500.png"/>
           <p:cNvPicPr>
             <a:picLocks noChangeAspect="1"/>
           </p:cNvPicPr>
           <p:nvPr/>
         </p:nvPicPr>
         <p:blipFill rotWithShape="1">
-          <a:blip r:embed="rId2" cstate="print">
+          <a:blip r:embed="rId2" cstate="hqprint">
             <a:extLst>
               <a:ext uri="{28A0092B-C50C-407E-A947-70E740481C1C}">
-                <a14:useLocalDpi xmlns:a14="http://schemas.microsoft.com/office/drawing/2010/main" val="0"/>
+                <a14:useLocalDpi xmlns:a14="http://schemas.microsoft.com/office/drawing/2010/main"/>
               </a:ext>
             </a:extLst>
           </a:blip>
@@ -12213,25 +11986,27 @@
         <p:spPr>
           <a:xfrm rot="0">
             <a:off x="1373505" y="1438275"/>
-            <a:ext cx="2442845" cy="2103755"/>
-          </a:xfrm>
-          <a:prstGeom prst="rect"/>
-          <a:noFill/>
+            <a:ext cx="2443480" cy="2104390"/>
+          </a:xfrm>
+          <a:prstGeom prst="roundRect"/>
+          <a:solidFill>
+            <a:srgbClr val="EDEDED"/>
+          </a:solidFill>
         </p:spPr>
       </p:pic>
       <p:pic>
         <p:nvPicPr>
-          <p:cNvPr id="1146" name="그림 12"/>
+          <p:cNvPr id="1146" name="그림 12" descr="C:/Users/Admin1/AppData/Roaming/PolarisOffice/ETemp/21372_12698968/fImage11983379169.png"/>
           <p:cNvPicPr>
             <a:picLocks noChangeAspect="1"/>
           </p:cNvPicPr>
           <p:nvPr/>
         </p:nvPicPr>
         <p:blipFill rotWithShape="1">
-          <a:blip r:embed="rId3" cstate="print">
+          <a:blip r:embed="rId3" cstate="hqprint">
             <a:extLst>
               <a:ext uri="{28A0092B-C50C-407E-A947-70E740481C1C}">
-                <a14:useLocalDpi xmlns:a14="http://schemas.microsoft.com/office/drawing/2010/main" val="0"/>
+                <a14:useLocalDpi xmlns:a14="http://schemas.microsoft.com/office/drawing/2010/main"/>
               </a:ext>
             </a:extLst>
           </a:blip>
@@ -12242,7 +12017,7 @@
         <p:spPr>
           <a:xfrm rot="0">
             <a:off x="4175125" y="1903730"/>
-            <a:ext cx="1181735" cy="1147445"/>
+            <a:ext cx="1182370" cy="1148080"/>
           </a:xfrm>
           <a:prstGeom prst="roundRect"/>
           <a:solidFill>
@@ -13716,8 +13491,8 @@
         </p:nvSpPr>
         <p:spPr>
           <a:xfrm rot="0">
-            <a:off x="1222375" y="5290185"/>
-            <a:ext cx="4140835" cy="678180"/>
+            <a:off x="1222375" y="5448300"/>
+            <a:ext cx="4141470" cy="678815"/>
           </a:xfrm>
           <a:prstGeom prst="rect"/>
           <a:noFill/>
@@ -13823,7 +13598,7 @@
       </p:sp>
       <p:pic>
         <p:nvPicPr>
-          <p:cNvPr id="1156" name="그림 54" descr="C:/Users/Admin1/AppData/Roaming/PolarisOffice/ETemp/17132_10076648/fImage4065842826334.png"/>
+          <p:cNvPr id="1156" name="그림 54" descr="C:/Users/Admin1/AppData/Roaming/PolarisOffice/ETemp/21372_12698968/fImage4065842826334.png"/>
           <p:cNvPicPr>
             <a:picLocks noChangeAspect="1"/>
           </p:cNvPicPr>
@@ -13844,17 +13619,15 @@
         <p:spPr>
           <a:xfrm rot="0">
             <a:off x="1222375" y="1363345"/>
-            <a:ext cx="4140835" cy="3763645"/>
-          </a:xfrm>
-          <a:prstGeom prst="roundRect"/>
-          <a:solidFill>
-            <a:srgbClr val="EDEDED"/>
-          </a:solidFill>
+            <a:ext cx="4141470" cy="3949065"/>
+          </a:xfrm>
+          <a:prstGeom prst="rect"/>
+          <a:noFill/>
         </p:spPr>
       </p:pic>
       <p:pic>
         <p:nvPicPr>
-          <p:cNvPr id="1157" name="그림 55" descr="C:/Users/Admin1/AppData/Roaming/PolarisOffice/ETemp/17132_10076648/fImage69912836500.png"/>
+          <p:cNvPr id="1157" name="그림 55"/>
           <p:cNvPicPr>
             <a:picLocks noChangeAspect="1"/>
           </p:cNvPicPr>
@@ -13885,7 +13658,7 @@
       </p:pic>
       <p:pic>
         <p:nvPicPr>
-          <p:cNvPr id="1158" name="그림 56" descr="C:/Users/Admin1/AppData/Roaming/PolarisOffice/ETemp/17132_10076648/fImage106292849169.png"/>
+          <p:cNvPr id="1158" name="그림 56"/>
           <p:cNvPicPr>
             <a:picLocks noChangeAspect="1"/>
           </p:cNvPicPr>
@@ -13924,8 +13697,8 @@
         </p:nvSpPr>
         <p:spPr>
           <a:xfrm rot="0">
-            <a:off x="6831330" y="5288280"/>
-            <a:ext cx="4257675" cy="678180"/>
+            <a:off x="6831330" y="5446395"/>
+            <a:ext cx="4250690" cy="677545"/>
           </a:xfrm>
           <a:prstGeom prst="rect"/>
           <a:noFill/>
@@ -14028,7 +13801,7 @@
       </p:sp>
       <p:pic>
         <p:nvPicPr>
-          <p:cNvPr id="1162" name="그림 66" descr="C:/Users/Admin1/AppData/Roaming/PolarisOffice/ETemp/17132_10076648/fImage75242895724.png"/>
+          <p:cNvPr id="1162" name="그림 66"/>
           <p:cNvPicPr>
             <a:picLocks noChangeAspect="1"/>
           </p:cNvPicPr>
@@ -16462,7 +16235,7 @@
       </p:sp>
       <p:pic>
         <p:nvPicPr>
-          <p:cNvPr id="1163" name="그림 69" descr="C:/Users/Admin1/AppData/Roaming/PolarisOffice/ETemp/17132_10076648/fImage347523021478.png"/>
+          <p:cNvPr id="1163" name="그림 69"/>
           <p:cNvPicPr>
             <a:picLocks noChangeAspect="1"/>
           </p:cNvPicPr>
@@ -16493,7 +16266,7 @@
       </p:pic>
       <p:pic>
         <p:nvPicPr>
-          <p:cNvPr id="1164" name="그림 72" descr="C:/Users/Admin1/AppData/Roaming/PolarisOffice/ETemp/17132_10076648/fImage42973039358.png"/>
+          <p:cNvPr id="1164" name="그림 72"/>
           <p:cNvPicPr>
             <a:picLocks noChangeAspect="1"/>
           </p:cNvPicPr>
@@ -16524,7 +16297,7 @@
       </p:pic>
       <p:pic>
         <p:nvPicPr>
-          <p:cNvPr id="1165" name="그림 75" descr="C:/Users/Admin1/AppData/Roaming/PolarisOffice/ETemp/17132_10076648/fImage275203046962.png"/>
+          <p:cNvPr id="1165" name="그림 75"/>
           <p:cNvPicPr>
             <a:picLocks noChangeAspect="1"/>
           </p:cNvPicPr>
@@ -16667,7 +16440,7 @@
       </p:sp>
       <p:pic>
         <p:nvPicPr>
-          <p:cNvPr id="1168" name="그림 78" descr="C:/Users/Admin1/AppData/Roaming/PolarisOffice/ETemp/17132_10076648/fImage44283074464.png"/>
+          <p:cNvPr id="1168" name="그림 78"/>
           <p:cNvPicPr>
             <a:picLocks noChangeAspect="1"/>
           </p:cNvPicPr>
@@ -16787,7 +16560,7 @@
       </p:sp>
       <p:pic>
         <p:nvPicPr>
-          <p:cNvPr id="1171" name="그림 14" descr="C:/Users/Admin1/AppData/Roaming/PolarisOffice/ETemp/17132_10076648/fImage2446744741.png"/>
+          <p:cNvPr id="1171" name="그림 14"/>
           <p:cNvPicPr>
             <a:picLocks noChangeAspect="1"/>
           </p:cNvPicPr>
@@ -16840,7 +16613,7 @@
 </file>
 
 <file path=ppt/slides/slide4.xml><?xml version="1.0" encoding="utf-8"?>
-<p:sld xmlns:a="http://schemas.openxmlformats.org/drawingml/2006/main" xmlns:r="http://schemas.openxmlformats.org/officeDocument/2006/relationships" xmlns:p="http://schemas.openxmlformats.org/presentationml/2006/main">
+<p:sld xmlns:a="http://schemas.openxmlformats.org/drawingml/2006/main" xmlns:r="http://schemas.openxmlformats.org/officeDocument/2006/relationships" xmlns:p="http://schemas.openxmlformats.org/presentationml/2006/main" xmlns:p14="http://schemas.microsoft.com/office/powerpoint/2010/main">
   <p:cSld>
     <p:spTree>
       <p:nvGrpSpPr>
@@ -16982,7 +16755,7 @@
       </p:sp>
       <p:pic>
         <p:nvPicPr>
-          <p:cNvPr id="1171" name="Picture " descr="C:/Users/Admin1/AppData/Roaming/PolarisOffice/ETemp/17132_10076648/fImage415713108145.png"/>
+          <p:cNvPr id="1171" name="Picture " descr="C:/Users/Admin1/AppData/Roaming/PolarisOffice/ETemp/21372_12698968/fImage415713108145.png"/>
           <p:cNvPicPr>
             <a:picLocks noChangeAspect="1"/>
           </p:cNvPicPr>
@@ -17003,7 +16776,7 @@
         <p:spPr>
           <a:xfrm rot="0">
             <a:off x="1329055" y="1361440"/>
-            <a:ext cx="4053205" cy="3658870"/>
+            <a:ext cx="4053840" cy="3818255"/>
           </a:xfrm>
           <a:prstGeom prst="roundRect"/>
           <a:solidFill>
@@ -17011,16 +16784,115 @@
           </a:solidFill>
         </p:spPr>
       </p:pic>
+      <p:sp>
+        <p:nvSpPr>
+          <p:cNvPr id="1176" name="텍스트 상자 22"/>
+          <p:cNvSpPr txBox="1">
+            <a:spLocks/>
+          </p:cNvSpPr>
+          <p:nvPr/>
+        </p:nvSpPr>
+        <p:spPr>
+          <a:xfrm rot="0">
+            <a:off x="6821170" y="2397760"/>
+            <a:ext cx="4152900" cy="954405"/>
+          </a:xfrm>
+          <a:prstGeom prst="rect"/>
+          <a:noFill/>
+          <a:ln w="0">
+            <a:noFill/>
+            <a:prstDash/>
+          </a:ln>
+        </p:spPr>
+        <p:txBody>
+          <a:bodyPr wrap="square" lIns="89535" tIns="46355" rIns="89535" bIns="46355" numCol="1" vert="horz" anchor="t">
+            <a:spAutoFit/>
+          </a:bodyPr>
+          <a:lstStyle/>
+          <a:p>
+            <a:pPr marL="0" indent="0" algn="l" latinLnBrk="0" hangingPunct="1">
+              <a:buFontTx/>
+              <a:buNone/>
+            </a:pPr>
+            <a:r>
+              <a:rPr lang="ko-KR" sz="2000" b="1">
+                <a:solidFill>
+                  <a:srgbClr val="0611F2"/>
+                </a:solidFill>
+                <a:latin typeface="맑은 고딕" charset="0"/>
+                <a:ea typeface="맑은 고딕" charset="0"/>
+              </a:rPr>
+              <a:t>10. </a:t>
+            </a:r>
+            <a:r>
+              <a:rPr lang="ko-KR" sz="1800">
+                <a:latin typeface="맑은 고딕" charset="0"/>
+                <a:ea typeface="맑은 고딕" charset="0"/>
+              </a:rPr>
+              <a:t>그리고 </a:t>
+            </a:r>
+            <a:r>
+              <a:rPr lang="ko-KR" sz="1800">
+                <a:latin typeface="맑은 고딕" charset="0"/>
+                <a:ea typeface="맑은 고딕" charset="0"/>
+              </a:rPr>
+              <a:t>Dreyar By M.Aure 오브젝트</a:t>
+            </a:r>
+            <a:r>
+              <a:rPr lang="ko-KR" sz="1800">
+                <a:latin typeface="맑은 고딕" charset="0"/>
+                <a:ea typeface="맑은 고딕" charset="0"/>
+              </a:rPr>
+              <a:t>에 방금 생성한 Animator Controller를 넣어줍니다.</a:t>
+            </a:r>
+            <a:endParaRPr lang="ko-KR" altLang="en-US" sz="1800">
+              <a:latin typeface="맑은 고딕" charset="0"/>
+              <a:ea typeface="맑은 고딕" charset="0"/>
+            </a:endParaRPr>
+          </a:p>
+        </p:txBody>
+      </p:sp>
       <p:pic>
         <p:nvPicPr>
-          <p:cNvPr id="1173" name="그림 17" descr="C:/Users/Admin1/AppData/Roaming/PolarisOffice/ETemp/17132_10076648/fImage171861156334.png"/>
+          <p:cNvPr id="1177" name="그림 5" descr="C:/Users/Admin1/AppData/Roaming/PolarisOffice/ETemp/21372_12698968/fImage455135641.png"/>
           <p:cNvPicPr>
             <a:picLocks noChangeAspect="1"/>
           </p:cNvPicPr>
           <p:nvPr/>
         </p:nvPicPr>
         <p:blipFill rotWithShape="1">
-          <a:blip r:embed="rId3" cstate="hqprint">
+          <a:blip r:embed="rId5" cstate="print">
+            <a:extLst>
+              <a:ext uri="{28A0092B-C50C-407E-A947-70E740481C1C}">
+                <a14:useLocalDpi xmlns:a14="http://schemas.microsoft.com/office/drawing/2010/main" val="0"/>
+              </a:ext>
+            </a:extLst>
+          </a:blip>
+          <a:stretch>
+            <a:fillRect/>
+          </a:stretch>
+        </p:blipFill>
+        <p:spPr>
+          <a:xfrm rot="0">
+            <a:off x="8221345" y="1364615"/>
+            <a:ext cx="2751455" cy="922020"/>
+          </a:xfrm>
+          <a:prstGeom prst="roundRect"/>
+          <a:solidFill>
+            <a:srgbClr val="EDEDED"/>
+          </a:solidFill>
+        </p:spPr>
+      </p:pic>
+      <p:pic>
+        <p:nvPicPr>
+          <p:cNvPr id="1178" name="그림 8" descr="C:/Users/Admin1/AppData/Roaming/PolarisOffice/ETemp/21372_12698968/fImage42973039358.png"/>
+          <p:cNvPicPr>
+            <a:picLocks noChangeAspect="1"/>
+          </p:cNvPicPr>
+          <p:nvPr/>
+        </p:nvPicPr>
+        <p:blipFill rotWithShape="1">
+          <a:blip r:embed="rId6" cstate="hqprint">
             <a:extLst>
               <a:ext uri="{28A0092B-C50C-407E-A947-70E740481C1C}">
                 <a14:useLocalDpi xmlns:a14="http://schemas.microsoft.com/office/drawing/2010/main"/>
@@ -17033,16 +16905,82 @@
         </p:blipFill>
         <p:spPr>
           <a:xfrm rot="0">
-            <a:off x="6829425" y="1352550"/>
-            <a:ext cx="4134485" cy="1972310"/>
-          </a:xfrm>
-          <a:prstGeom prst="rect"/>
-          <a:noFill/>
+            <a:off x="6822440" y="1371600"/>
+            <a:ext cx="1183640" cy="915035"/>
+          </a:xfrm>
+          <a:prstGeom prst="roundRect"/>
+          <a:solidFill>
+            <a:srgbClr val="EDEDED"/>
+          </a:solidFill>
         </p:spPr>
       </p:pic>
-      <p:sp>
-        <p:nvSpPr>
-          <p:cNvPr id="1176" name="텍스트 상자 22"/>
+      <p:cxnSp>
+        <p:nvCxnSpPr>
+          <p:cNvPr id="1179" name="도형 9"/>
+          <p:cNvCxnSpPr/>
+          <p:nvPr/>
+        </p:nvCxnSpPr>
+        <p:spPr>
+          <a:xfrm rot="0" flipH="1">
+            <a:off x="7947025" y="2103120"/>
+            <a:ext cx="349885" cy="635"/>
+          </a:xfrm>
+          <a:prstGeom prst="straightConnector1"/>
+          <a:ln w="6350" cap="flat" cmpd="sng">
+            <a:prstDash/>
+            <a:headEnd type="none" w="med" len="med"/>
+            <a:tailEnd type="triangle" w="med" len="med"/>
+          </a:ln>
+        </p:spPr>
+        <p:style>
+          <a:lnRef idx="1">
+            <a:schemeClr val="accent1"/>
+          </a:lnRef>
+          <a:fillRef idx="0">
+            <a:schemeClr val="accent1"/>
+          </a:fillRef>
+          <a:effectRef idx="0">
+            <a:schemeClr val="accent1"/>
+          </a:effectRef>
+          <a:fontRef idx="minor">
+            <a:schemeClr val="tx1"/>
+          </a:fontRef>
+        </p:style>
+      </p:cxnSp>
+      <p:pic>
+        <p:nvPicPr>
+          <p:cNvPr id="1180" name="그림 10" descr="C:/Users/Admin1/AppData/Roaming/PolarisOffice/ETemp/21372_12698968/fImage127933598467.png"/>
+          <p:cNvPicPr>
+            <a:picLocks noChangeAspect="1"/>
+          </p:cNvPicPr>
+          <p:nvPr/>
+        </p:nvPicPr>
+        <p:blipFill rotWithShape="1">
+          <a:blip r:embed="rId7" cstate="print">
+            <a:extLst>
+              <a:ext uri="{28A0092B-C50C-407E-A947-70E740481C1C}">
+                <a14:useLocalDpi xmlns:a14="http://schemas.microsoft.com/office/drawing/2010/main" val="0"/>
+              </a:ext>
+            </a:extLst>
+          </a:blip>
+          <a:stretch>
+            <a:fillRect/>
+          </a:stretch>
+        </p:blipFill>
+        <p:spPr>
+          <a:xfrm rot="0">
+            <a:off x="6824980" y="3481070"/>
+            <a:ext cx="4146550" cy="1636395"/>
+          </a:xfrm>
+          <a:prstGeom prst="roundRect"/>
+          <a:solidFill>
+            <a:srgbClr val="EDEDED"/>
+          </a:solidFill>
+        </p:spPr>
+      </p:pic>
+      <p:sp>
+        <p:nvSpPr>
+          <p:cNvPr id="1181" name="텍스트 상자 13"/>
           <p:cNvSpPr txBox="1">
             <a:spLocks/>
           </p:cNvSpPr>
@@ -17050,8 +16988,8 @@
         </p:nvSpPr>
         <p:spPr>
           <a:xfrm rot="0">
-            <a:off x="6821170" y="5016500"/>
-            <a:ext cx="4152265" cy="954405"/>
+            <a:off x="6825615" y="5248275"/>
+            <a:ext cx="4152900" cy="677545"/>
           </a:xfrm>
           <a:prstGeom prst="rect"/>
           <a:noFill/>
@@ -17078,14 +17016,34 @@
                 <a:latin typeface="맑은 고딕" charset="0"/>
                 <a:ea typeface="맑은 고딕" charset="0"/>
               </a:rPr>
-              <a:t>10. </a:t>
+              <a:t>1</a:t>
+            </a:r>
+            <a:r>
+              <a:rPr lang="ko-KR" sz="2000" b="1">
+                <a:solidFill>
+                  <a:srgbClr val="0611F2"/>
+                </a:solidFill>
+                <a:latin typeface="맑은 고딕" charset="0"/>
+                <a:ea typeface="맑은 고딕" charset="0"/>
+              </a:rPr>
+              <a:t>1</a:t>
+            </a:r>
+            <a:r>
+              <a:rPr lang="ko-KR" sz="2000" b="1">
+                <a:solidFill>
+                  <a:srgbClr val="0611F2"/>
+                </a:solidFill>
+                <a:latin typeface="맑은 고딕" charset="0"/>
+                <a:ea typeface="맑은 고딕" charset="0"/>
+              </a:rPr>
+              <a:t>. </a:t>
             </a:r>
             <a:r>
               <a:rPr lang="ko-KR" sz="1800">
                 <a:latin typeface="맑은 고딕" charset="0"/>
                 <a:ea typeface="맑은 고딕" charset="0"/>
               </a:rPr>
-              <a:t>그리고 캐릭터의 애니메이터에 방금 생성한 Animator Controller를 넣어줍니다.</a:t>
+              <a:t>이제 Main Camera 오브젝트를 선택하고 위치를 변경합니다.</a:t>
             </a:r>
             <a:endParaRPr lang="ko-KR" altLang="en-US" sz="1800">
               <a:latin typeface="맑은 고딕" charset="0"/>
@@ -17206,17 +17164,17 @@
       </p:sp>
       <p:pic>
         <p:nvPicPr>
-          <p:cNvPr id="1160" name="그림 99"/>
+          <p:cNvPr id="1160" name="그림 99" descr="C:/Users/Admin1/AppData/Roaming/PolarisOffice/ETemp/21372_12698968/fImage29523219961.png"/>
           <p:cNvPicPr>
             <a:picLocks noChangeAspect="1"/>
           </p:cNvPicPr>
           <p:nvPr/>
         </p:nvPicPr>
         <p:blipFill rotWithShape="1">
-          <a:blip r:embed="rId25" cstate="print">
+          <a:blip r:embed="rId25" cstate="hqprint">
             <a:extLst>
               <a:ext uri="{28A0092B-C50C-407E-A947-70E740481C1C}">
-                <a14:useLocalDpi xmlns:a14="http://schemas.microsoft.com/office/drawing/2010/main" val="0"/>
+                <a14:useLocalDpi xmlns:a14="http://schemas.microsoft.com/office/drawing/2010/main"/>
               </a:ext>
             </a:extLst>
           </a:blip>
@@ -17226,93 +17184,8 @@
         </p:blipFill>
         <p:spPr>
           <a:xfrm rot="0">
-            <a:off x="6821805" y="3898900"/>
-            <a:ext cx="676910" cy="742950"/>
-          </a:xfrm>
-          <a:prstGeom prst="roundRect"/>
-          <a:solidFill>
-            <a:srgbClr val="EDEDED"/>
-          </a:solidFill>
-        </p:spPr>
-      </p:pic>
-      <p:sp>
-        <p:nvSpPr>
-          <p:cNvPr id="1161" name="텍스트 상자 102"/>
-          <p:cNvSpPr txBox="1">
-            <a:spLocks/>
-          </p:cNvSpPr>
-          <p:nvPr/>
-        </p:nvSpPr>
-        <p:spPr>
-          <a:xfrm rot="0">
-            <a:off x="6826885" y="4761865"/>
-            <a:ext cx="3969385" cy="954405"/>
-          </a:xfrm>
-          <a:prstGeom prst="rect"/>
-          <a:noFill/>
-          <a:ln w="0">
-            <a:noFill/>
-            <a:prstDash/>
-          </a:ln>
-        </p:spPr>
-        <p:txBody>
-          <a:bodyPr wrap="square" lIns="89535" tIns="46355" rIns="89535" bIns="46355" numCol="1" vert="horz" anchor="t">
-            <a:spAutoFit/>
-          </a:bodyPr>
-          <a:lstStyle/>
-          <a:p>
-            <a:pPr marL="0" indent="0" algn="l" latinLnBrk="0" hangingPunct="1">
-              <a:buFontTx/>
-              <a:buNone/>
-            </a:pPr>
-            <a:r>
-              <a:rPr lang="ko-KR" sz="2000" b="1">
-                <a:solidFill>
-                  <a:srgbClr val="0611F2"/>
-                </a:solidFill>
-                <a:latin typeface="맑은 고딕" charset="0"/>
-                <a:ea typeface="맑은 고딕" charset="0"/>
-              </a:rPr>
-              <a:t>12. </a:t>
-            </a:r>
-            <a:r>
-              <a:rPr lang="ko-KR" sz="1800">
-                <a:latin typeface="맑은 고딕" charset="0"/>
-                <a:ea typeface="맑은 고딕" charset="0"/>
-              </a:rPr>
-              <a:t>그다음으로 AnimationAction 스크립트 생성하고 AnimationAction 게임 오브젝트에 넣어줍니다.</a:t>
-            </a:r>
-            <a:endParaRPr lang="ko-KR" altLang="en-US" sz="1800">
-              <a:latin typeface="맑은 고딕" charset="0"/>
-              <a:ea typeface="맑은 고딕" charset="0"/>
-            </a:endParaRPr>
-          </a:p>
-        </p:txBody>
-      </p:sp>
-      <p:pic>
-        <p:nvPicPr>
-          <p:cNvPr id="1163" name="그림 105"/>
-          <p:cNvPicPr>
-            <a:picLocks noChangeAspect="1"/>
-          </p:cNvPicPr>
-          <p:nvPr/>
-        </p:nvPicPr>
-        <p:blipFill rotWithShape="1">
-          <a:blip r:embed="rId26" cstate="print">
-            <a:extLst>
-              <a:ext uri="{28A0092B-C50C-407E-A947-70E740481C1C}">
-                <a14:useLocalDpi xmlns:a14="http://schemas.microsoft.com/office/drawing/2010/main" val="0"/>
-              </a:ext>
-            </a:extLst>
-          </a:blip>
-          <a:stretch>
-            <a:fillRect/>
-          </a:stretch>
-        </p:blipFill>
-        <p:spPr>
-          <a:xfrm rot="0">
-            <a:off x="8391525" y="3874135"/>
-            <a:ext cx="2396490" cy="781685"/>
+            <a:off x="4415155" y="3273425"/>
+            <a:ext cx="677545" cy="710565"/>
           </a:xfrm>
           <a:prstGeom prst="roundRect"/>
           <a:solidFill>
@@ -17324,14 +17197,15 @@
         <p:nvCxnSpPr>
           <p:cNvPr id="1164" name="도형 106"/>
           <p:cNvCxnSpPr>
-            <a:stCxn id="1160" idx="3"/>
+            <a:stCxn id="1160" idx="0"/>
+            <a:endCxn id="1167" idx="2"/>
           </p:cNvCxnSpPr>
           <p:nvPr/>
         </p:nvCxnSpPr>
         <p:spPr>
-          <a:xfrm rot="0">
-            <a:off x="7498080" y="4269740"/>
-            <a:ext cx="1141730" cy="302895"/>
+          <a:xfrm rot="0" flipV="1">
+            <a:off x="4753610" y="2632710"/>
+            <a:ext cx="1270" cy="641350"/>
           </a:xfrm>
           <a:prstGeom prst="straightConnector1"/>
           <a:ln w="19050" cap="flat" cmpd="sng">
@@ -17356,7 +17230,7 @@
       </p:cxnSp>
       <p:pic>
         <p:nvPicPr>
-          <p:cNvPr id="1167" name="그림 28" descr="C:/Users/Admin1/AppData/Roaming/PolarisOffice/ETemp/17132_10076648/fImage50043163281.png"/>
+          <p:cNvPr id="1167" name="그림 28" descr="C:/Users/Admin1/AppData/Roaming/PolarisOffice/ETemp/21372_12698968/fImage50043163281.png"/>
           <p:cNvPicPr>
             <a:picLocks noChangeAspect="1"/>
           </p:cNvPicPr>
@@ -17376,8 +17250,8 @@
         </p:blipFill>
         <p:spPr>
           <a:xfrm rot="0">
-            <a:off x="4162425" y="2276475"/>
-            <a:ext cx="1200785" cy="1572260"/>
+            <a:off x="4139565" y="1462405"/>
+            <a:ext cx="1229995" cy="1170940"/>
           </a:xfrm>
           <a:prstGeom prst="roundRect"/>
           <a:solidFill>
@@ -17387,7 +17261,7 @@
       </p:pic>
       <p:pic>
         <p:nvPicPr>
-          <p:cNvPr id="1168" name="그림 29" descr="C:/Users/Admin1/AppData/Roaming/PolarisOffice/ETemp/17132_10076648/fImage85063176827.png"/>
+          <p:cNvPr id="1168" name="그림 29" descr="C:/Users/Admin1/AppData/Roaming/PolarisOffice/ETemp/21372_12698968/fImage85063176827.png"/>
           <p:cNvPicPr>
             <a:picLocks noChangeAspect="1"/>
           </p:cNvPicPr>
@@ -17408,7 +17282,7 @@
         <p:spPr>
           <a:xfrm rot="0">
             <a:off x="1496060" y="1473835"/>
-            <a:ext cx="2505075" cy="3165475"/>
+            <a:ext cx="2505710" cy="2516505"/>
           </a:xfrm>
           <a:prstGeom prst="roundRect"/>
           <a:solidFill>
@@ -17426,8 +17300,8 @@
         </p:nvSpPr>
         <p:spPr>
           <a:xfrm rot="0">
-            <a:off x="1494155" y="4834890"/>
-            <a:ext cx="3869055" cy="954405"/>
+            <a:off x="1503045" y="4107815"/>
+            <a:ext cx="3857625" cy="2061845"/>
           </a:xfrm>
           <a:prstGeom prst="rect"/>
           <a:noFill/>
@@ -17454,7 +17328,27 @@
                 <a:latin typeface="맑은 고딕" charset="0"/>
                 <a:ea typeface="맑은 고딕" charset="0"/>
               </a:rPr>
-              <a:t>11. </a:t>
+              <a:t>1</a:t>
+            </a:r>
+            <a:r>
+              <a:rPr lang="ko-KR" sz="2000" b="1">
+                <a:solidFill>
+                  <a:srgbClr val="0611F2"/>
+                </a:solidFill>
+                <a:latin typeface="맑은 고딕" charset="0"/>
+                <a:ea typeface="맑은 고딕" charset="0"/>
+              </a:rPr>
+              <a:t>2</a:t>
+            </a:r>
+            <a:r>
+              <a:rPr lang="ko-KR" sz="2000" b="1">
+                <a:solidFill>
+                  <a:srgbClr val="0611F2"/>
+                </a:solidFill>
+                <a:latin typeface="맑은 고딕" charset="0"/>
+                <a:ea typeface="맑은 고딕" charset="0"/>
+              </a:rPr>
+              <a:t>. </a:t>
             </a:r>
             <a:r>
               <a:rPr lang="ko-KR" sz="1800">
@@ -17468,8 +17362,139 @@
               <a:ea typeface="맑은 고딕" charset="0"/>
             </a:endParaRPr>
           </a:p>
-        </p:txBody>
-      </p:sp>
+          <a:p>
+            <a:pPr marL="0" indent="0" algn="l" latinLnBrk="0" hangingPunct="1">
+              <a:buFontTx/>
+              <a:buNone/>
+            </a:pPr>
+            <a:endParaRPr lang="ko-KR" altLang="en-US" sz="1800">
+              <a:latin typeface="맑은 고딕" charset="0"/>
+              <a:ea typeface="맑은 고딕" charset="0"/>
+            </a:endParaRPr>
+          </a:p>
+          <a:p>
+            <a:pPr marL="0" indent="0" algn="l" latinLnBrk="0" hangingPunct="1">
+              <a:buFontTx/>
+              <a:buNone/>
+            </a:pPr>
+            <a:r>
+              <a:rPr lang="ko-KR" sz="1800">
+                <a:latin typeface="맑은 고딕" charset="0"/>
+                <a:ea typeface="맑은 고딕" charset="0"/>
+              </a:rPr>
+              <a:t>그리고</a:t>
+            </a:r>
+            <a:r>
+              <a:rPr lang="ko-KR" sz="1800">
+                <a:latin typeface="맑은 고딕" charset="0"/>
+                <a:ea typeface="맑은 고딕" charset="0"/>
+              </a:rPr>
+              <a:t> AnimationAction 스크립트 생성하고 Animation</a:t>
+            </a:r>
+            <a:r>
+              <a:rPr lang="ko-KR" sz="1800">
+                <a:latin typeface="맑은 고딕" charset="0"/>
+                <a:ea typeface="맑은 고딕" charset="0"/>
+              </a:rPr>
+              <a:t> </a:t>
+            </a:r>
+            <a:r>
+              <a:rPr lang="ko-KR" sz="1800">
+                <a:latin typeface="맑은 고딕" charset="0"/>
+                <a:ea typeface="맑은 고딕" charset="0"/>
+              </a:rPr>
+              <a:t>Action 오브젝트에 넣어줍니다.</a:t>
+            </a:r>
+            <a:endParaRPr lang="ko-KR" altLang="en-US" sz="1800">
+              <a:latin typeface="맑은 고딕" charset="0"/>
+              <a:ea typeface="맑은 고딕" charset="0"/>
+            </a:endParaRPr>
+          </a:p>
+        </p:txBody>
+      </p:sp>
+      <p:sp>
+        <p:nvSpPr>
+          <p:cNvPr id="1170" name="텍스트 상자 14"/>
+          <p:cNvSpPr txBox="1">
+            <a:spLocks/>
+          </p:cNvSpPr>
+          <p:nvPr/>
+        </p:nvSpPr>
+        <p:spPr>
+          <a:xfrm rot="0">
+            <a:off x="6814820" y="5156200"/>
+            <a:ext cx="4174490" cy="954405"/>
+          </a:xfrm>
+          <a:prstGeom prst="rect"/>
+          <a:noFill/>
+          <a:ln w="0">
+            <a:noFill/>
+            <a:prstDash/>
+          </a:ln>
+        </p:spPr>
+        <p:txBody>
+          <a:bodyPr wrap="square" lIns="89535" tIns="46355" rIns="89535" bIns="46355" numCol="1" vert="horz" anchor="t">
+            <a:spAutoFit/>
+          </a:bodyPr>
+          <a:lstStyle/>
+          <a:p>
+            <a:pPr marL="0" indent="0" algn="l" latinLnBrk="0" hangingPunct="1">
+              <a:buFontTx/>
+              <a:buNone/>
+            </a:pPr>
+            <a:r>
+              <a:rPr lang="ko-KR" sz="2000" b="1">
+                <a:solidFill>
+                  <a:srgbClr val="0611F2"/>
+                </a:solidFill>
+                <a:latin typeface="맑은 고딕" charset="0"/>
+                <a:ea typeface="맑은 고딕" charset="0"/>
+              </a:rPr>
+              <a:t>13. </a:t>
+            </a:r>
+            <a:r>
+              <a:rPr lang="ko-KR" sz="1800">
+                <a:latin typeface="맑은 고딕" charset="0"/>
+                <a:ea typeface="맑은 고딕" charset="0"/>
+              </a:rPr>
+              <a:t>그리고 mixamo에서 Animation을 선택하고 Idle 애니메이션을 Download합니다.</a:t>
+            </a:r>
+            <a:endParaRPr lang="ko-KR" altLang="en-US" sz="1800">
+              <a:latin typeface="맑은 고딕" charset="0"/>
+              <a:ea typeface="맑은 고딕" charset="0"/>
+            </a:endParaRPr>
+          </a:p>
+        </p:txBody>
+      </p:sp>
+      <p:pic>
+        <p:nvPicPr>
+          <p:cNvPr id="1171" name="그림 15" descr="C:/Users/Admin1/AppData/Roaming/PolarisOffice/ETemp/21372_12698968/fImage3349343452995.png"/>
+          <p:cNvPicPr>
+            <a:picLocks noChangeAspect="1"/>
+          </p:cNvPicPr>
+          <p:nvPr/>
+        </p:nvPicPr>
+        <p:blipFill rotWithShape="1">
+          <a:blip r:embed="rId27" cstate="hqprint">
+            <a:extLst>
+              <a:ext uri="{28A0092B-C50C-407E-A947-70E740481C1C}">
+                <a14:useLocalDpi xmlns:a14="http://schemas.microsoft.com/office/drawing/2010/main"/>
+              </a:ext>
+            </a:extLst>
+          </a:blip>
+          <a:stretch>
+            <a:fillRect/>
+          </a:stretch>
+        </p:blipFill>
+        <p:spPr>
+          <a:xfrm rot="0">
+            <a:off x="6823710" y="1471930"/>
+            <a:ext cx="4168140" cy="3547110"/>
+          </a:xfrm>
+          <a:prstGeom prst="rect"/>
+          <a:noFill/>
+        </p:spPr>
+      </p:pic>
     </p:spTree>
   </p:cSld>
   <p:clrMapOvr>
@@ -17562,7 +17587,7 @@
       </p:sp>
       <p:sp>
         <p:nvSpPr>
-          <p:cNvPr id="1155" name="Rect 0"/>
+          <p:cNvPr id="1159" name="Rect 0"/>
           <p:cNvSpPr txBox="1">
             <a:spLocks/>
           </p:cNvSpPr>
@@ -17570,8 +17595,8 @@
         </p:nvSpPr>
         <p:spPr>
           <a:xfrm rot="0">
-            <a:off x="1271905" y="5008880"/>
-            <a:ext cx="4090670" cy="954405"/>
+            <a:off x="1323975" y="4460240"/>
+            <a:ext cx="4010660" cy="1508125"/>
           </a:xfrm>
           <a:prstGeom prst="rect"/>
           <a:noFill/>
@@ -17598,25 +17623,114 @@
                 <a:latin typeface="맑은 고딕" charset="0"/>
                 <a:ea typeface="맑은 고딕" charset="0"/>
               </a:rPr>
-              <a:t>13. </a:t>
+              <a:t>14. </a:t>
             </a:r>
             <a:r>
               <a:rPr lang="ko-KR" sz="1800">
                 <a:latin typeface="맑은 고딕" charset="0"/>
                 <a:ea typeface="맑은 고딕" charset="0"/>
               </a:rPr>
-              <a:t>그리고 mixamo에서 Animation을 선택하고 Idle 애니메이션을 Download합니다.</a:t>
+              <a:t>그런 다음 Format은 FBX for Unity(.fbx)로 설정합니다.</a:t>
             </a:r>
             <a:endParaRPr lang="ko-KR" altLang="en-US" sz="1800">
               <a:latin typeface="맑은 고딕" charset="0"/>
               <a:ea typeface="맑은 고딕" charset="0"/>
             </a:endParaRPr>
           </a:p>
-        </p:txBody>
-      </p:sp>
-      <p:sp>
-        <p:nvSpPr>
-          <p:cNvPr id="1159" name="Rect 0"/>
+          <a:p>
+            <a:pPr marL="0" indent="0" algn="l" latinLnBrk="0" hangingPunct="1">
+              <a:buFontTx/>
+              <a:buNone/>
+            </a:pPr>
+            <a:endParaRPr lang="ko-KR" altLang="en-US" sz="1800">
+              <a:latin typeface="맑은 고딕" charset="0"/>
+              <a:ea typeface="맑은 고딕" charset="0"/>
+            </a:endParaRPr>
+          </a:p>
+          <a:p>
+            <a:pPr marL="0" indent="0" algn="l" latinLnBrk="0" hangingPunct="1">
+              <a:buFontTx/>
+              <a:buNone/>
+            </a:pPr>
+            <a:r>
+              <a:rPr lang="ko-KR" sz="1800">
+                <a:latin typeface="맑은 고딕" charset="0"/>
+                <a:ea typeface="맑은 고딕" charset="0"/>
+              </a:rPr>
+              <a:t>그리고 Skin은 Whitout Skin으로 설정한 다음 Download합니다.</a:t>
+            </a:r>
+            <a:endParaRPr lang="ko-KR" altLang="en-US" sz="1800">
+              <a:latin typeface="맑은 고딕" charset="0"/>
+              <a:ea typeface="맑은 고딕" charset="0"/>
+            </a:endParaRPr>
+          </a:p>
+        </p:txBody>
+      </p:sp>
+      <p:pic>
+        <p:nvPicPr>
+          <p:cNvPr id="1166" name="그림 108" descr="C:/Users/Admin1/AppData/Roaming/PolarisOffice/ETemp/21372_12698968/fImage113473461942.png"/>
+          <p:cNvPicPr>
+            <a:picLocks noChangeAspect="1"/>
+          </p:cNvPicPr>
+          <p:nvPr/>
+        </p:nvPicPr>
+        <p:blipFill rotWithShape="1">
+          <a:blip r:embed="rId3" cstate="hqprint">
+            <a:extLst>
+              <a:ext uri="{28A0092B-C50C-407E-A947-70E740481C1C}">
+                <a14:useLocalDpi xmlns:a14="http://schemas.microsoft.com/office/drawing/2010/main"/>
+              </a:ext>
+            </a:extLst>
+          </a:blip>
+          <a:stretch>
+            <a:fillRect/>
+          </a:stretch>
+        </p:blipFill>
+        <p:spPr>
+          <a:xfrm rot="0">
+            <a:off x="1336040" y="1409065"/>
+            <a:ext cx="3999865" cy="2990215"/>
+          </a:xfrm>
+          <a:prstGeom prst="roundRect"/>
+          <a:solidFill>
+            <a:srgbClr val="EDEDED"/>
+          </a:solidFill>
+        </p:spPr>
+      </p:pic>
+      <p:pic>
+        <p:nvPicPr>
+          <p:cNvPr id="1167" name="그림 109" descr="C:/Users/Admin1/AppData/Roaming/PolarisOffice/ETemp/21372_12698968/fImage115223474827.png"/>
+          <p:cNvPicPr>
+            <a:picLocks noChangeAspect="1"/>
+          </p:cNvPicPr>
+          <p:nvPr/>
+        </p:nvPicPr>
+        <p:blipFill rotWithShape="1">
+          <a:blip r:embed="rId4" cstate="hqprint">
+            <a:extLst>
+              <a:ext uri="{28A0092B-C50C-407E-A947-70E740481C1C}">
+                <a14:useLocalDpi xmlns:a14="http://schemas.microsoft.com/office/drawing/2010/main"/>
+              </a:ext>
+            </a:extLst>
+          </a:blip>
+          <a:stretch>
+            <a:fillRect/>
+          </a:stretch>
+        </p:blipFill>
+        <p:spPr>
+          <a:xfrm rot="0">
+            <a:off x="6806565" y="1465580"/>
+            <a:ext cx="831850" cy="908050"/>
+          </a:xfrm>
+          <a:prstGeom prst="roundRect"/>
+          <a:solidFill>
+            <a:srgbClr val="EDEDED"/>
+          </a:solidFill>
+        </p:spPr>
+      </p:pic>
+      <p:sp>
+        <p:nvSpPr>
+          <p:cNvPr id="1173" name="텍스트 상자 120"/>
           <p:cNvSpPr txBox="1">
             <a:spLocks/>
           </p:cNvSpPr>
@@ -17624,8 +17738,8 @@
         </p:nvSpPr>
         <p:spPr>
           <a:xfrm rot="0">
-            <a:off x="6805295" y="2529205"/>
-            <a:ext cx="4002405" cy="1508125"/>
+            <a:off x="6797675" y="2473960"/>
+            <a:ext cx="4191635" cy="677545"/>
           </a:xfrm>
           <a:prstGeom prst="rect"/>
           <a:noFill/>
@@ -17652,59 +17766,32 @@
                 <a:latin typeface="맑은 고딕" charset="0"/>
                 <a:ea typeface="맑은 고딕" charset="0"/>
               </a:rPr>
-              <a:t>14. </a:t>
+              <a:t>15. </a:t>
             </a:r>
             <a:r>
               <a:rPr lang="ko-KR" sz="1800">
                 <a:latin typeface="맑은 고딕" charset="0"/>
                 <a:ea typeface="맑은 고딕" charset="0"/>
               </a:rPr>
-              <a:t>그런 다음 Format은 FBX for Unity(.fbx)로 설정합니다.</a:t>
+              <a:t>그다음 애니메이션 파일을 유니티 프로젝트에 추가합니다. </a:t>
             </a:r>
             <a:endParaRPr lang="ko-KR" altLang="en-US" sz="1800">
               <a:latin typeface="맑은 고딕" charset="0"/>
               <a:ea typeface="맑은 고딕" charset="0"/>
             </a:endParaRPr>
           </a:p>
-          <a:p>
-            <a:pPr marL="0" indent="0" algn="l" latinLnBrk="0" hangingPunct="1">
-              <a:buFontTx/>
-              <a:buNone/>
-            </a:pPr>
-            <a:endParaRPr lang="ko-KR" altLang="en-US" sz="1800">
-              <a:latin typeface="맑은 고딕" charset="0"/>
-              <a:ea typeface="맑은 고딕" charset="0"/>
-            </a:endParaRPr>
-          </a:p>
-          <a:p>
-            <a:pPr marL="0" indent="0" algn="l" latinLnBrk="0" hangingPunct="1">
-              <a:buFontTx/>
-              <a:buNone/>
-            </a:pPr>
-            <a:r>
-              <a:rPr lang="ko-KR" sz="1800">
-                <a:latin typeface="맑은 고딕" charset="0"/>
-                <a:ea typeface="맑은 고딕" charset="0"/>
-              </a:rPr>
-              <a:t>그리고 Skin은 Whitout Skin으로 설정한 다음 Download합니다.</a:t>
-            </a:r>
-            <a:endParaRPr lang="ko-KR" altLang="en-US" sz="1800">
-              <a:latin typeface="맑은 고딕" charset="0"/>
-              <a:ea typeface="맑은 고딕" charset="0"/>
-            </a:endParaRPr>
-          </a:p>
         </p:txBody>
       </p:sp>
       <p:pic>
         <p:nvPicPr>
-          <p:cNvPr id="1165" name="그림 107"/>
+          <p:cNvPr id="1174" name="그림 18" descr="C:/Users/Admin1/AppData/Roaming/PolarisOffice/ETemp/21372_12698968/fImage61383636334.png"/>
           <p:cNvPicPr>
             <a:picLocks noChangeAspect="1"/>
           </p:cNvPicPr>
           <p:nvPr/>
         </p:nvPicPr>
         <p:blipFill rotWithShape="1">
-          <a:blip r:embed="rId2" cstate="print">
+          <a:blip r:embed="rId7" cstate="print">
             <a:extLst>
               <a:ext uri="{28A0092B-C50C-407E-A947-70E740481C1C}">
                 <a14:useLocalDpi xmlns:a14="http://schemas.microsoft.com/office/drawing/2010/main" val="0"/>
@@ -17717,23 +17804,25 @@
         </p:blipFill>
         <p:spPr>
           <a:xfrm rot="0">
-            <a:off x="1271905" y="1313180"/>
-            <a:ext cx="4090670" cy="3557905"/>
-          </a:xfrm>
-          <a:prstGeom prst="rect"/>
-          <a:noFill/>
+            <a:off x="7879715" y="1461135"/>
+            <a:ext cx="3118485" cy="903605"/>
+          </a:xfrm>
+          <a:prstGeom prst="roundRect"/>
+          <a:solidFill>
+            <a:srgbClr val="EDEDED"/>
+          </a:solidFill>
         </p:spPr>
       </p:pic>
       <p:pic>
         <p:nvPicPr>
-          <p:cNvPr id="1166" name="그림 108"/>
+          <p:cNvPr id="1175" name="그림 22" descr="C:/Users/Admin1/AppData/Roaming/PolarisOffice/ETemp/21372_12698968/fImage1989133656500.png"/>
           <p:cNvPicPr>
             <a:picLocks noChangeAspect="1"/>
           </p:cNvPicPr>
           <p:nvPr/>
         </p:nvPicPr>
         <p:blipFill rotWithShape="1">
-          <a:blip r:embed="rId3" cstate="print">
+          <a:blip r:embed="rId8" cstate="print">
             <a:extLst>
               <a:ext uri="{28A0092B-C50C-407E-A947-70E740481C1C}">
                 <a14:useLocalDpi xmlns:a14="http://schemas.microsoft.com/office/drawing/2010/main" val="0"/>
@@ -17745,9 +17834,9 @@
           </a:stretch>
         </p:blipFill>
         <p:spPr>
-          <a:xfrm rot="0">
-            <a:off x="6808470" y="1304925"/>
-            <a:ext cx="3999230" cy="1148080"/>
+          <a:xfrm rot="16200000">
+            <a:off x="7585710" y="1671320"/>
+            <a:ext cx="346710" cy="658495"/>
           </a:xfrm>
           <a:prstGeom prst="rect"/>
           <a:noFill/>
@@ -17755,17 +17844,17 @@
       </p:pic>
       <p:pic>
         <p:nvPicPr>
-          <p:cNvPr id="1167" name="그림 109"/>
+          <p:cNvPr id="1176" name="그림 23" descr="C:/Users/Admin1/AppData/Roaming/PolarisOffice/ETemp/21372_12698968/fImage10263376153.png"/>
           <p:cNvPicPr>
             <a:picLocks noChangeAspect="1"/>
           </p:cNvPicPr>
           <p:nvPr/>
         </p:nvPicPr>
         <p:blipFill rotWithShape="1">
-          <a:blip r:embed="rId4" cstate="print">
+          <a:blip r:embed="rId9" cstate="hqprint">
             <a:extLst>
               <a:ext uri="{28A0092B-C50C-407E-A947-70E740481C1C}">
-                <a14:useLocalDpi xmlns:a14="http://schemas.microsoft.com/office/drawing/2010/main" val="0"/>
+                <a14:useLocalDpi xmlns:a14="http://schemas.microsoft.com/office/drawing/2010/main"/>
               </a:ext>
             </a:extLst>
           </a:blip>
@@ -17775,8 +17864,8 @@
         </p:blipFill>
         <p:spPr>
           <a:xfrm rot="0">
-            <a:off x="6808470" y="4279900"/>
-            <a:ext cx="753110" cy="775970"/>
+            <a:off x="6805295" y="3273425"/>
+            <a:ext cx="4192905" cy="1913890"/>
           </a:xfrm>
           <a:prstGeom prst="roundRect"/>
           <a:solidFill>
@@ -17784,272 +17873,9 @@
           </a:solidFill>
         </p:spPr>
       </p:pic>
-      <p:pic>
-        <p:nvPicPr>
-          <p:cNvPr id="1168" name="그림 113"/>
-          <p:cNvPicPr>
-            <a:picLocks noChangeAspect="1"/>
-          </p:cNvPicPr>
-          <p:nvPr/>
-        </p:nvPicPr>
-        <p:blipFill rotWithShape="1">
-          <a:blip r:embed="rId5" cstate="print">
-            <a:extLst>
-              <a:ext uri="{28A0092B-C50C-407E-A947-70E740481C1C}">
-                <a14:useLocalDpi xmlns:a14="http://schemas.microsoft.com/office/drawing/2010/main" val="0"/>
-              </a:ext>
-            </a:extLst>
-          </a:blip>
-          <a:stretch>
-            <a:fillRect/>
-          </a:stretch>
-        </p:blipFill>
-        <p:spPr>
-          <a:xfrm rot="0">
-            <a:off x="9610090" y="4224655"/>
-            <a:ext cx="1196975" cy="905510"/>
-          </a:xfrm>
-          <a:prstGeom prst="roundRect"/>
-          <a:solidFill>
-            <a:srgbClr val="EDEDED"/>
-          </a:solidFill>
-        </p:spPr>
-      </p:pic>
-      <p:sp>
-        <p:nvSpPr>
-          <p:cNvPr id="1169" name="도형 116"/>
-          <p:cNvSpPr>
-            <a:spLocks/>
-          </p:cNvSpPr>
-          <p:nvPr/>
-        </p:nvSpPr>
-        <p:spPr>
-          <a:xfrm rot="0">
-            <a:off x="7764780" y="4555490"/>
-            <a:ext cx="266065" cy="217805"/>
-          </a:xfrm>
-          <a:prstGeom prst="notchedRightArrow"/>
-          <a:scene3d>
-            <a:camera prst="orthographicFront"/>
-            <a:lightRig rig="threePt" dir="t"/>
-          </a:scene3d>
-          <a:sp3d prstMaterial="warmMatte">
-            <a:bevelT w="76200" h="76200" prst="circle"/>
-            <a:contourClr>
-              <a:srgbClr val="000000"/>
-            </a:contourClr>
-          </a:sp3d>
-        </p:spPr>
-        <p:style>
-          <a:lnRef idx="2">
-            <a:schemeClr val="accent1">
-              <a:shade val="50000"/>
-            </a:schemeClr>
-          </a:lnRef>
-          <a:fillRef idx="1">
-            <a:schemeClr val="accent1"/>
-          </a:fillRef>
-          <a:effectRef idx="0">
-            <a:schemeClr val="accent1"/>
-          </a:effectRef>
-          <a:fontRef idx="minor">
-            <a:schemeClr val="lt1"/>
-          </a:fontRef>
-        </p:style>
-        <p:txBody>
-          <a:bodyPr wrap="square" lIns="91440" tIns="45720" rIns="91440" bIns="45720" numCol="1" vert="horz" anchor="ctr">
-            <a:noAutofit/>
-          </a:bodyPr>
-          <a:lstStyle/>
-          <a:p>
-            <a:pPr marL="0" indent="0" algn="ctr" latinLnBrk="0" hangingPunct="1">
-              <a:buFontTx/>
-              <a:buNone/>
-            </a:pPr>
-            <a:endParaRPr lang="ko-KR" altLang="en-US" sz="1800">
-              <a:latin typeface="맑은 고딕" charset="0"/>
-              <a:ea typeface="맑은 고딕" charset="0"/>
-            </a:endParaRPr>
-          </a:p>
-        </p:txBody>
-      </p:sp>
-      <p:sp>
-        <p:nvSpPr>
-          <p:cNvPr id="1170" name="도형 117"/>
-          <p:cNvSpPr>
-            <a:spLocks/>
-          </p:cNvSpPr>
-          <p:nvPr/>
-        </p:nvSpPr>
-        <p:spPr>
-          <a:xfrm rot="0">
-            <a:off x="8185785" y="4560570"/>
-            <a:ext cx="266065" cy="217805"/>
-          </a:xfrm>
-          <a:prstGeom prst="notchedRightArrow"/>
-          <a:scene3d>
-            <a:camera prst="orthographicFront"/>
-            <a:lightRig rig="threePt" dir="t"/>
-          </a:scene3d>
-          <a:sp3d prstMaterial="warmMatte">
-            <a:bevelT w="76200" h="76200" prst="circle"/>
-            <a:contourClr>
-              <a:srgbClr val="000000"/>
-            </a:contourClr>
-          </a:sp3d>
-        </p:spPr>
-        <p:style>
-          <a:lnRef idx="2">
-            <a:schemeClr val="accent1">
-              <a:shade val="50000"/>
-            </a:schemeClr>
-          </a:lnRef>
-          <a:fillRef idx="1">
-            <a:schemeClr val="accent1"/>
-          </a:fillRef>
-          <a:effectRef idx="0">
-            <a:schemeClr val="accent1"/>
-          </a:effectRef>
-          <a:fontRef idx="minor">
-            <a:schemeClr val="lt1"/>
-          </a:fontRef>
-        </p:style>
-        <p:txBody>
-          <a:bodyPr wrap="square" lIns="91440" tIns="45720" rIns="91440" bIns="45720" numCol="1" vert="horz" anchor="ctr">
-            <a:noAutofit/>
-          </a:bodyPr>
-          <a:lstStyle/>
-          <a:p>
-            <a:pPr marL="0" indent="0" algn="ctr" latinLnBrk="0" hangingPunct="1">
-              <a:buFontTx/>
-              <a:buNone/>
-            </a:pPr>
-            <a:endParaRPr lang="ko-KR" altLang="en-US" sz="1800">
-              <a:latin typeface="맑은 고딕" charset="0"/>
-              <a:ea typeface="맑은 고딕" charset="0"/>
-            </a:endParaRPr>
-          </a:p>
-        </p:txBody>
-      </p:sp>
-      <p:sp>
-        <p:nvSpPr>
-          <p:cNvPr id="1171" name="도형 118"/>
-          <p:cNvSpPr>
-            <a:spLocks/>
-          </p:cNvSpPr>
-          <p:nvPr/>
-        </p:nvSpPr>
-        <p:spPr>
-          <a:xfrm rot="0">
-            <a:off x="8623300" y="4557395"/>
-            <a:ext cx="266065" cy="217805"/>
-          </a:xfrm>
-          <a:prstGeom prst="notchedRightArrow"/>
-          <a:scene3d>
-            <a:camera prst="orthographicFront"/>
-            <a:lightRig rig="threePt" dir="t"/>
-          </a:scene3d>
-          <a:sp3d prstMaterial="warmMatte">
-            <a:bevelT w="76200" h="76200" prst="circle"/>
-            <a:contourClr>
-              <a:srgbClr val="000000"/>
-            </a:contourClr>
-          </a:sp3d>
-        </p:spPr>
-        <p:style>
-          <a:lnRef idx="2">
-            <a:schemeClr val="accent1">
-              <a:shade val="50000"/>
-            </a:schemeClr>
-          </a:lnRef>
-          <a:fillRef idx="1">
-            <a:schemeClr val="accent1"/>
-          </a:fillRef>
-          <a:effectRef idx="0">
-            <a:schemeClr val="accent1"/>
-          </a:effectRef>
-          <a:fontRef idx="minor">
-            <a:schemeClr val="lt1"/>
-          </a:fontRef>
-        </p:style>
-        <p:txBody>
-          <a:bodyPr wrap="square" lIns="91440" tIns="45720" rIns="91440" bIns="45720" numCol="1" vert="horz" anchor="ctr">
-            <a:noAutofit/>
-          </a:bodyPr>
-          <a:lstStyle/>
-          <a:p>
-            <a:pPr marL="0" indent="0" algn="ctr" latinLnBrk="0" hangingPunct="1">
-              <a:buFontTx/>
-              <a:buNone/>
-            </a:pPr>
-            <a:endParaRPr lang="ko-KR" altLang="en-US" sz="1800">
-              <a:latin typeface="맑은 고딕" charset="0"/>
-              <a:ea typeface="맑은 고딕" charset="0"/>
-            </a:endParaRPr>
-          </a:p>
-        </p:txBody>
-      </p:sp>
-      <p:sp>
-        <p:nvSpPr>
-          <p:cNvPr id="1172" name="도형 119"/>
-          <p:cNvSpPr>
-            <a:spLocks/>
-          </p:cNvSpPr>
-          <p:nvPr/>
-        </p:nvSpPr>
-        <p:spPr>
-          <a:xfrm rot="0">
-            <a:off x="9072245" y="4557395"/>
-            <a:ext cx="266065" cy="217805"/>
-          </a:xfrm>
-          <a:prstGeom prst="notchedRightArrow"/>
-          <a:scene3d>
-            <a:camera prst="orthographicFront"/>
-            <a:lightRig rig="threePt" dir="t"/>
-          </a:scene3d>
-          <a:sp3d prstMaterial="warmMatte">
-            <a:bevelT w="76200" h="76200" prst="circle"/>
-            <a:contourClr>
-              <a:srgbClr val="000000"/>
-            </a:contourClr>
-          </a:sp3d>
-        </p:spPr>
-        <p:style>
-          <a:lnRef idx="2">
-            <a:schemeClr val="accent1">
-              <a:shade val="50000"/>
-            </a:schemeClr>
-          </a:lnRef>
-          <a:fillRef idx="1">
-            <a:schemeClr val="accent1"/>
-          </a:fillRef>
-          <a:effectRef idx="0">
-            <a:schemeClr val="accent1"/>
-          </a:effectRef>
-          <a:fontRef idx="minor">
-            <a:schemeClr val="lt1"/>
-          </a:fontRef>
-        </p:style>
-        <p:txBody>
-          <a:bodyPr wrap="square" lIns="91440" tIns="45720" rIns="91440" bIns="45720" numCol="1" vert="horz" anchor="ctr">
-            <a:noAutofit/>
-          </a:bodyPr>
-          <a:lstStyle/>
-          <a:p>
-            <a:pPr marL="0" indent="0" algn="ctr" latinLnBrk="0" hangingPunct="1">
-              <a:buFontTx/>
-              <a:buNone/>
-            </a:pPr>
-            <a:endParaRPr lang="ko-KR" altLang="en-US" sz="1800">
-              <a:latin typeface="맑은 고딕" charset="0"/>
-              <a:ea typeface="맑은 고딕" charset="0"/>
-            </a:endParaRPr>
-          </a:p>
-        </p:txBody>
-      </p:sp>
-      <p:sp>
-        <p:nvSpPr>
-          <p:cNvPr id="1173" name="텍스트 상자 120"/>
+      <p:sp>
+        <p:nvSpPr>
+          <p:cNvPr id="1177" name="텍스트 상자 24"/>
           <p:cNvSpPr txBox="1">
             <a:spLocks/>
           </p:cNvSpPr>
@@ -18057,8 +17883,8 @@
         </p:nvSpPr>
         <p:spPr>
           <a:xfrm rot="0">
-            <a:off x="6805295" y="5288280"/>
-            <a:ext cx="4002405" cy="677545"/>
+            <a:off x="6806565" y="5292090"/>
+            <a:ext cx="4199890" cy="677545"/>
           </a:xfrm>
           <a:prstGeom prst="rect"/>
           <a:noFill/>
@@ -18085,14 +17911,21 @@
                 <a:latin typeface="맑은 고딕" charset="0"/>
                 <a:ea typeface="맑은 고딕" charset="0"/>
               </a:rPr>
-              <a:t>15. </a:t>
+              <a:t>16. </a:t>
             </a:r>
             <a:r>
               <a:rPr lang="ko-KR" sz="1800">
                 <a:latin typeface="맑은 고딕" charset="0"/>
                 <a:ea typeface="맑은 고딕" charset="0"/>
               </a:rPr>
-              <a:t>그다음 애니메이션 파일을 유니티 프로젝트에 추가합니다. </a:t>
+              <a:t>이제</a:t>
+            </a:r>
+            <a:r>
+              <a:rPr lang="ko-KR" sz="1800">
+                <a:latin typeface="맑은 고딕" charset="0"/>
+                <a:ea typeface="맑은 고딕" charset="0"/>
+              </a:rPr>
+              <a:t> 애니메이터 컨트롤러를 선택하여 Base Layer에 들어옵니다. </a:t>
             </a:r>
             <a:endParaRPr lang="ko-KR" altLang="en-US" sz="1800">
               <a:latin typeface="맑은 고딕" charset="0"/>
@@ -18193,60 +18026,6 @@
       </p:sp>
       <p:sp>
         <p:nvSpPr>
-          <p:cNvPr id="1155" name="Rect 0"/>
-          <p:cNvSpPr txBox="1">
-            <a:spLocks/>
-          </p:cNvSpPr>
-          <p:nvPr/>
-        </p:nvSpPr>
-        <p:spPr>
-          <a:xfrm rot="0">
-            <a:off x="1388110" y="2789555"/>
-            <a:ext cx="3990975" cy="677545"/>
-          </a:xfrm>
-          <a:prstGeom prst="rect"/>
-          <a:noFill/>
-          <a:ln w="0">
-            <a:noFill/>
-            <a:prstDash/>
-          </a:ln>
-        </p:spPr>
-        <p:txBody>
-          <a:bodyPr wrap="square" lIns="89535" tIns="46355" rIns="89535" bIns="46355" numCol="1" vert="horz" anchor="t">
-            <a:spAutoFit/>
-          </a:bodyPr>
-          <a:lstStyle/>
-          <a:p>
-            <a:pPr marL="0" indent="0" algn="l" latinLnBrk="0" hangingPunct="1">
-              <a:buFontTx/>
-              <a:buNone/>
-            </a:pPr>
-            <a:r>
-              <a:rPr lang="ko-KR" sz="2000" b="1">
-                <a:solidFill>
-                  <a:srgbClr val="0611F2"/>
-                </a:solidFill>
-                <a:latin typeface="맑은 고딕" charset="0"/>
-                <a:ea typeface="맑은 고딕" charset="0"/>
-              </a:rPr>
-              <a:t>16. </a:t>
-            </a:r>
-            <a:r>
-              <a:rPr lang="ko-KR" sz="1800">
-                <a:latin typeface="맑은 고딕" charset="0"/>
-                <a:ea typeface="맑은 고딕" charset="0"/>
-              </a:rPr>
-              <a:t>그리고 애니메이터 컨트롤러를 선택하여 Base Layer에 들어옵니다. </a:t>
-            </a:r>
-            <a:endParaRPr lang="ko-KR" altLang="en-US" sz="1800">
-              <a:latin typeface="맑은 고딕" charset="0"/>
-              <a:ea typeface="맑은 고딕" charset="0"/>
-            </a:endParaRPr>
-          </a:p>
-        </p:txBody>
-      </p:sp>
-      <p:sp>
-        <p:nvSpPr>
           <p:cNvPr id="1159" name="Rect 0"/>
           <p:cNvSpPr txBox="1">
             <a:spLocks/>
@@ -18491,47 +18270,84 @@
           </a:p>
         </p:txBody>
       </p:sp>
+      <p:sp>
+        <p:nvSpPr>
+          <p:cNvPr id="1180" name="텍스트 상자 136"/>
+          <p:cNvSpPr txBox="1">
+            <a:spLocks/>
+          </p:cNvSpPr>
+          <p:nvPr/>
+        </p:nvSpPr>
+        <p:spPr>
+          <a:xfrm>
+            <a:off x="1406525" y="5175250"/>
+            <a:ext cx="3974465" cy="954405"/>
+          </a:xfrm>
+          <a:prstGeom prst="rect"/>
+          <a:noFill/>
+          <a:ln w="0">
+            <a:noFill/>
+            <a:prstDash/>
+          </a:ln>
+        </p:spPr>
+        <p:txBody>
+          <a:bodyPr wrap="square" lIns="89535" tIns="46355" rIns="89535" bIns="46355" numCol="1" vert="horz" anchor="t">
+            <a:spAutoFit/>
+          </a:bodyPr>
+          <a:lstStyle/>
+          <a:p>
+            <a:pPr marL="0" indent="0" algn="l" latinLnBrk="0" hangingPunct="1">
+              <a:buFontTx/>
+              <a:buNone/>
+            </a:pPr>
+            <a:r>
+              <a:rPr lang="ko-KR" sz="2000" b="1">
+                <a:solidFill>
+                  <a:srgbClr val="0611F2"/>
+                </a:solidFill>
+                <a:latin typeface="맑은 고딕" charset="0"/>
+                <a:ea typeface="맑은 고딕" charset="0"/>
+              </a:rPr>
+              <a:t>17. </a:t>
+            </a:r>
+            <a:r>
+              <a:rPr lang="ko-KR" sz="1800">
+                <a:latin typeface="맑은 고딕" charset="0"/>
+                <a:ea typeface="맑은 고딕" charset="0"/>
+              </a:rPr>
+              <a:t>그런 다음 Idle 애니메이션을 선택하고 애니메이션 클립</a:t>
+            </a:r>
+            <a:r>
+              <a:rPr lang="ko-KR" sz="1800">
+                <a:latin typeface="맑은 고딕" charset="0"/>
+                <a:ea typeface="맑은 고딕" charset="0"/>
+              </a:rPr>
+              <a:t>의</a:t>
+            </a:r>
+            <a:r>
+              <a:rPr lang="ko-KR" sz="1800">
+                <a:latin typeface="맑은 고딕" charset="0"/>
+                <a:ea typeface="맑은 고딕" charset="0"/>
+              </a:rPr>
+              <a:t> 이름을 Idle로 변경합니다.</a:t>
+            </a:r>
+            <a:endParaRPr lang="ko-KR" altLang="en-US" sz="1800">
+              <a:latin typeface="맑은 고딕" charset="0"/>
+              <a:ea typeface="맑은 고딕" charset="0"/>
+            </a:endParaRPr>
+          </a:p>
+        </p:txBody>
+      </p:sp>
       <p:pic>
         <p:nvPicPr>
-          <p:cNvPr id="1177" name="그림 129"/>
+          <p:cNvPr id="1181" name="그림 27" descr="C:/Users/Admin1/AppData/Roaming/PolarisOffice/ETemp/21372_12698968/fImage259543689169.png"/>
           <p:cNvPicPr>
             <a:picLocks noChangeAspect="1"/>
           </p:cNvPicPr>
           <p:nvPr/>
         </p:nvPicPr>
         <p:blipFill rotWithShape="1">
-          <a:blip r:embed="rId5" cstate="hqprint">
-            <a:extLst>
-              <a:ext uri="{28A0092B-C50C-407E-A947-70E740481C1C}">
-                <a14:useLocalDpi xmlns:a14="http://schemas.microsoft.com/office/drawing/2010/main"/>
-              </a:ext>
-            </a:extLst>
-          </a:blip>
-          <a:stretch>
-            <a:fillRect/>
-          </a:stretch>
-        </p:blipFill>
-        <p:spPr>
-          <a:xfrm rot="0">
-            <a:off x="1397000" y="1654175"/>
-            <a:ext cx="831850" cy="823595"/>
-          </a:xfrm>
-          <a:prstGeom prst="roundRect"/>
-          <a:solidFill>
-            <a:srgbClr val="EDEDED"/>
-          </a:solidFill>
-        </p:spPr>
-      </p:pic>
-      <p:pic>
-        <p:nvPicPr>
-          <p:cNvPr id="1178" name="그림 132"/>
-          <p:cNvPicPr>
-            <a:picLocks noChangeAspect="1"/>
-          </p:cNvPicPr>
-          <p:nvPr/>
-        </p:nvPicPr>
-        <p:blipFill rotWithShape="1">
-          <a:blip r:embed="rId6" cstate="print">
+          <a:blip r:embed="rId10" cstate="print">
             <a:extLst>
               <a:ext uri="{28A0092B-C50C-407E-A947-70E740481C1C}">
                 <a14:useLocalDpi xmlns:a14="http://schemas.microsoft.com/office/drawing/2010/main" val="0"/>
@@ -18544,183 +18360,11 @@
         </p:blipFill>
         <p:spPr>
           <a:xfrm rot="0">
-            <a:off x="2969260" y="1446530"/>
-            <a:ext cx="2418080" cy="1205865"/>
+            <a:off x="1406525" y="1437640"/>
+            <a:ext cx="3980180" cy="3543935"/>
           </a:xfrm>
           <a:prstGeom prst="rect"/>
           <a:noFill/>
-        </p:spPr>
-      </p:pic>
-      <p:sp>
-        <p:nvSpPr>
-          <p:cNvPr id="1179" name="도형 134"/>
-          <p:cNvSpPr>
-            <a:spLocks/>
-          </p:cNvSpPr>
-          <p:nvPr/>
-        </p:nvSpPr>
-        <p:spPr>
-          <a:xfrm rot="0">
-            <a:off x="2468880" y="1942465"/>
-            <a:ext cx="338455" cy="217805"/>
-          </a:xfrm>
-          <a:prstGeom prst="notchedRightArrow"/>
-          <a:scene3d>
-            <a:camera prst="orthographicFront"/>
-            <a:lightRig rig="threePt" dir="t"/>
-          </a:scene3d>
-          <a:sp3d prstMaterial="warmMatte">
-            <a:bevelT w="76200" h="76200" prst="circle"/>
-            <a:contourClr>
-              <a:srgbClr val="000000"/>
-            </a:contourClr>
-          </a:sp3d>
-        </p:spPr>
-        <p:style>
-          <a:lnRef idx="2">
-            <a:schemeClr val="accent1">
-              <a:shade val="50000"/>
-            </a:schemeClr>
-          </a:lnRef>
-          <a:fillRef idx="1">
-            <a:schemeClr val="accent1"/>
-          </a:fillRef>
-          <a:effectRef idx="0">
-            <a:schemeClr val="accent1"/>
-          </a:effectRef>
-          <a:fontRef idx="minor">
-            <a:schemeClr val="lt1"/>
-          </a:fontRef>
-        </p:style>
-        <p:txBody>
-          <a:bodyPr wrap="square" lIns="91440" tIns="45720" rIns="91440" bIns="45720" numCol="1" vert="horz" anchor="ctr">
-            <a:noAutofit/>
-          </a:bodyPr>
-          <a:lstStyle/>
-          <a:p>
-            <a:pPr marL="0" indent="0" algn="ctr" latinLnBrk="0" hangingPunct="1">
-              <a:buFontTx/>
-              <a:buNone/>
-            </a:pPr>
-            <a:endParaRPr lang="ko-KR" altLang="en-US" sz="1800">
-              <a:latin typeface="맑은 고딕" charset="0"/>
-              <a:ea typeface="맑은 고딕" charset="0"/>
-            </a:endParaRPr>
-          </a:p>
-        </p:txBody>
-      </p:sp>
-      <p:sp>
-        <p:nvSpPr>
-          <p:cNvPr id="1180" name="텍스트 상자 136"/>
-          <p:cNvSpPr txBox="1">
-            <a:spLocks/>
-          </p:cNvSpPr>
-          <p:nvPr/>
-        </p:nvSpPr>
-        <p:spPr>
-          <a:xfrm rot="0">
-            <a:off x="1406525" y="5175250"/>
-            <a:ext cx="3973830" cy="954405"/>
-          </a:xfrm>
-          <a:prstGeom prst="rect"/>
-          <a:noFill/>
-          <a:ln w="0">
-            <a:noFill/>
-            <a:prstDash/>
-          </a:ln>
-        </p:spPr>
-        <p:txBody>
-          <a:bodyPr wrap="square" lIns="89535" tIns="46355" rIns="89535" bIns="46355" numCol="1" vert="horz" anchor="t">
-            <a:spAutoFit/>
-          </a:bodyPr>
-          <a:lstStyle/>
-          <a:p>
-            <a:pPr marL="0" indent="0" algn="l" latinLnBrk="0" hangingPunct="1">
-              <a:buFontTx/>
-              <a:buNone/>
-            </a:pPr>
-            <a:r>
-              <a:rPr lang="ko-KR" sz="2000" b="1">
-                <a:solidFill>
-                  <a:srgbClr val="0611F2"/>
-                </a:solidFill>
-                <a:latin typeface="맑은 고딕" charset="0"/>
-                <a:ea typeface="맑은 고딕" charset="0"/>
-              </a:rPr>
-              <a:t>17. </a:t>
-            </a:r>
-            <a:r>
-              <a:rPr lang="ko-KR" sz="1800">
-                <a:latin typeface="맑은 고딕" charset="0"/>
-                <a:ea typeface="맑은 고딕" charset="0"/>
-              </a:rPr>
-              <a:t>그런 다음 Idle 애니메이션을 선택하고 애니메이션 클립 이름을 Idle로 변경합니다.</a:t>
-            </a:r>
-            <a:endParaRPr lang="ko-KR" altLang="en-US" sz="1800">
-              <a:latin typeface="맑은 고딕" charset="0"/>
-              <a:ea typeface="맑은 고딕" charset="0"/>
-            </a:endParaRPr>
-          </a:p>
-        </p:txBody>
-      </p:sp>
-      <p:pic>
-        <p:nvPicPr>
-          <p:cNvPr id="1181" name="그림 138"/>
-          <p:cNvPicPr>
-            <a:picLocks noChangeAspect="1"/>
-          </p:cNvPicPr>
-          <p:nvPr/>
-        </p:nvPicPr>
-        <p:blipFill rotWithShape="1">
-          <a:blip r:embed="rId7" cstate="print">
-            <a:extLst>
-              <a:ext uri="{28A0092B-C50C-407E-A947-70E740481C1C}">
-                <a14:useLocalDpi xmlns:a14="http://schemas.microsoft.com/office/drawing/2010/main" val="0"/>
-              </a:ext>
-            </a:extLst>
-          </a:blip>
-          <a:stretch>
-            <a:fillRect/>
-          </a:stretch>
-        </p:blipFill>
-        <p:spPr>
-          <a:xfrm rot="0">
-            <a:off x="2710180" y="3657600"/>
-            <a:ext cx="2685415" cy="1353185"/>
-          </a:xfrm>
-          <a:prstGeom prst="rect"/>
-          <a:noFill/>
-        </p:spPr>
-      </p:pic>
-      <p:pic>
-        <p:nvPicPr>
-          <p:cNvPr id="1182" name="그림 139"/>
-          <p:cNvPicPr>
-            <a:picLocks noChangeAspect="1"/>
-          </p:cNvPicPr>
-          <p:nvPr/>
-        </p:nvPicPr>
-        <p:blipFill rotWithShape="1">
-          <a:blip r:embed="rId8" cstate="print">
-            <a:extLst>
-              <a:ext uri="{28A0092B-C50C-407E-A947-70E740481C1C}">
-                <a14:useLocalDpi xmlns:a14="http://schemas.microsoft.com/office/drawing/2010/main" val="0"/>
-              </a:ext>
-            </a:extLst>
-          </a:blip>
-          <a:stretch>
-            <a:fillRect/>
-          </a:stretch>
-        </p:blipFill>
-        <p:spPr>
-          <a:xfrm rot="0">
-            <a:off x="1395095" y="3981450"/>
-            <a:ext cx="920115" cy="686435"/>
-          </a:xfrm>
-          <a:prstGeom prst="roundRect"/>
-          <a:solidFill>
-            <a:srgbClr val="EDEDED"/>
-          </a:solidFill>
         </p:spPr>
       </p:pic>
     </p:spTree>
@@ -19293,8 +18937,8 @@
         </p:nvSpPr>
         <p:spPr>
           <a:xfrm rot="0">
-            <a:off x="6819900" y="4103370"/>
-            <a:ext cx="4150360" cy="1784985"/>
+            <a:off x="6837045" y="4319905"/>
+            <a:ext cx="4150995" cy="1785620"/>
           </a:xfrm>
           <a:prstGeom prst="rect"/>
           <a:noFill/>
@@ -19366,17 +19010,17 @@
       </p:sp>
       <p:pic>
         <p:nvPicPr>
-          <p:cNvPr id="1168" name="그림 162"/>
+          <p:cNvPr id="1168" name="그림 162" descr="C:/Users/Admin1/AppData/Roaming/PolarisOffice/ETemp/21372_12698968/fImage2468734327421.png"/>
           <p:cNvPicPr>
             <a:picLocks noChangeAspect="1"/>
           </p:cNvPicPr>
           <p:nvPr/>
         </p:nvPicPr>
         <p:blipFill rotWithShape="1">
-          <a:blip r:embed="rId2" cstate="print">
+          <a:blip r:embed="rId2" cstate="hqprint">
             <a:extLst>
               <a:ext uri="{28A0092B-C50C-407E-A947-70E740481C1C}">
-                <a14:useLocalDpi xmlns:a14="http://schemas.microsoft.com/office/drawing/2010/main" val="0"/>
+                <a14:useLocalDpi xmlns:a14="http://schemas.microsoft.com/office/drawing/2010/main"/>
               </a:ext>
             </a:extLst>
           </a:blip>
@@ -19386,8 +19030,8 @@
         </p:blipFill>
         <p:spPr>
           <a:xfrm rot="0">
-            <a:off x="1193800" y="1643380"/>
-            <a:ext cx="4196080" cy="1374140"/>
+            <a:off x="1203325" y="1405255"/>
+            <a:ext cx="4196715" cy="1624330"/>
           </a:xfrm>
           <a:prstGeom prst="roundRect"/>
           <a:solidFill>
@@ -19397,17 +19041,17 @@
       </p:pic>
       <p:pic>
         <p:nvPicPr>
-          <p:cNvPr id="1169" name="그림 163"/>
+          <p:cNvPr id="1169" name="그림 163" descr="C:/Users/Admin1/AppData/Roaming/PolarisOffice/ETemp/21372_12698968/fImage2366184338716.png"/>
           <p:cNvPicPr>
             <a:picLocks noChangeAspect="1"/>
           </p:cNvPicPr>
           <p:nvPr/>
         </p:nvPicPr>
         <p:blipFill rotWithShape="1">
-          <a:blip r:embed="rId3" cstate="print">
+          <a:blip r:embed="rId3" cstate="hqprint">
             <a:extLst>
               <a:ext uri="{28A0092B-C50C-407E-A947-70E740481C1C}">
-                <a14:useLocalDpi xmlns:a14="http://schemas.microsoft.com/office/drawing/2010/main" val="0"/>
+                <a14:useLocalDpi xmlns:a14="http://schemas.microsoft.com/office/drawing/2010/main"/>
               </a:ext>
             </a:extLst>
           </a:blip>
@@ -19418,7 +19062,7 @@
         <p:spPr>
           <a:xfrm rot="0">
             <a:off x="1193800" y="3350260"/>
-            <a:ext cx="4204335" cy="1389380"/>
+            <a:ext cx="4204970" cy="1612900"/>
           </a:xfrm>
           <a:prstGeom prst="roundRect"/>
           <a:solidFill>
@@ -19436,8 +19080,8 @@
         </p:nvSpPr>
         <p:spPr>
           <a:xfrm rot="0">
-            <a:off x="1192530" y="4937125"/>
-            <a:ext cx="4166235" cy="954405"/>
+            <a:off x="1181100" y="5153660"/>
+            <a:ext cx="4220210" cy="954405"/>
           </a:xfrm>
           <a:prstGeom prst="rect"/>
           <a:noFill/>
@@ -19482,17 +19126,17 @@
       </p:sp>
       <p:pic>
         <p:nvPicPr>
-          <p:cNvPr id="1172" name="그림 170"/>
+          <p:cNvPr id="1172" name="그림 170" descr="C:/Users/Admin1/AppData/Roaming/PolarisOffice/ETemp/21372_12698968/fImage1290804479718.png"/>
           <p:cNvPicPr>
             <a:picLocks noChangeAspect="1"/>
           </p:cNvPicPr>
           <p:nvPr/>
         </p:nvPicPr>
         <p:blipFill rotWithShape="1">
-          <a:blip r:embed="rId4" cstate="print">
+          <a:blip r:embed="rId4" cstate="hqprint">
             <a:extLst>
               <a:ext uri="{28A0092B-C50C-407E-A947-70E740481C1C}">
-                <a14:useLocalDpi xmlns:a14="http://schemas.microsoft.com/office/drawing/2010/main" val="0"/>
+                <a14:useLocalDpi xmlns:a14="http://schemas.microsoft.com/office/drawing/2010/main"/>
               </a:ext>
             </a:extLst>
           </a:blip>
@@ -19502,8 +19146,8 @@
         </p:blipFill>
         <p:spPr>
           <a:xfrm rot="0">
-            <a:off x="6817995" y="1635125"/>
-            <a:ext cx="1961515" cy="2334260"/>
+            <a:off x="6817995" y="1409065"/>
+            <a:ext cx="1962150" cy="2773045"/>
           </a:xfrm>
           <a:prstGeom prst="rect"/>
           <a:noFill/>
@@ -19511,17 +19155,17 @@
       </p:pic>
       <p:pic>
         <p:nvPicPr>
-          <p:cNvPr id="1173" name="그림 172"/>
+          <p:cNvPr id="1173" name="그림 172" descr="C:/Users/Admin1/AppData/Roaming/PolarisOffice/ETemp/21372_12698968/fImage1268824489895.png"/>
           <p:cNvPicPr>
             <a:picLocks noChangeAspect="1"/>
           </p:cNvPicPr>
           <p:nvPr/>
         </p:nvPicPr>
         <p:blipFill rotWithShape="1">
-          <a:blip r:embed="rId5" cstate="print">
+          <a:blip r:embed="rId5" cstate="hqprint">
             <a:extLst>
               <a:ext uri="{28A0092B-C50C-407E-A947-70E740481C1C}">
-                <a14:useLocalDpi xmlns:a14="http://schemas.microsoft.com/office/drawing/2010/main" val="0"/>
+                <a14:useLocalDpi xmlns:a14="http://schemas.microsoft.com/office/drawing/2010/main"/>
               </a:ext>
             </a:extLst>
           </a:blip>
@@ -19531,8 +19175,8 @@
         </p:blipFill>
         <p:spPr>
           <a:xfrm rot="0">
-            <a:off x="9072245" y="1643380"/>
-            <a:ext cx="1896745" cy="2334260"/>
+            <a:off x="9072245" y="1409700"/>
+            <a:ext cx="1897380" cy="2762885"/>
           </a:xfrm>
           <a:prstGeom prst="rect"/>
           <a:noFill/>

--- a/Assets/Class/Animator & Blend Tree/PPT Data/Animation Example.pptx
+++ b/Assets/Class/Animator & Blend Tree/PPT Data/Animation Example.pptx
@@ -2,36 +2,36 @@
 <file path=ppt/presentation.xml><?xml version="1.0" encoding="utf-8"?>
 <p:presentation xmlns:a="http://schemas.openxmlformats.org/drawingml/2006/main" xmlns:r="http://schemas.openxmlformats.org/officeDocument/2006/relationships" xmlns:p="http://schemas.openxmlformats.org/presentationml/2006/main" xmlns:p14="http://schemas.microsoft.com/office/powerpoint/2010/main" saveSubsetFonts="1" firstSlideNum="0">
   <p:sldMasterIdLst>
-    <p:sldMasterId id="2147486209" r:id="rId12"/>
+    <p:sldMasterId id="2147486214" r:id="rId12"/>
   </p:sldMasterIdLst>
   <p:notesMasterIdLst>
     <p:notesMasterId r:id="rId14"/>
   </p:notesMasterIdLst>
   <p:sldIdLst>
     <p:sldId id="294" r:id="rId16"/>
-    <p:sldId id="295" r:id="rId17"/>
-    <p:sldId id="296" r:id="rId18"/>
-    <p:sldId id="316" r:id="rId19"/>
-    <p:sldId id="291" r:id="rId20"/>
-    <p:sldId id="297" r:id="rId21"/>
-    <p:sldId id="298" r:id="rId22"/>
-    <p:sldId id="299" r:id="rId23"/>
-    <p:sldId id="300" r:id="rId24"/>
-    <p:sldId id="301" r:id="rId25"/>
-    <p:sldId id="302" r:id="rId26"/>
-    <p:sldId id="292" r:id="rId27"/>
-    <p:sldId id="303" r:id="rId28"/>
-    <p:sldId id="304" r:id="rId29"/>
-    <p:sldId id="306" r:id="rId30"/>
-    <p:sldId id="307" r:id="rId31"/>
-    <p:sldId id="308" r:id="rId32"/>
-    <p:sldId id="309" r:id="rId33"/>
-    <p:sldId id="310" r:id="rId34"/>
-    <p:sldId id="311" r:id="rId35"/>
-    <p:sldId id="312" r:id="rId36"/>
-    <p:sldId id="313" r:id="rId37"/>
-    <p:sldId id="314" r:id="rId38"/>
-    <p:sldId id="315" r:id="rId39"/>
+    <p:sldId id="295" r:id="rId18"/>
+    <p:sldId id="296" r:id="rId20"/>
+    <p:sldId id="316" r:id="rId22"/>
+    <p:sldId id="291" r:id="rId24"/>
+    <p:sldId id="297" r:id="rId25"/>
+    <p:sldId id="298" r:id="rId26"/>
+    <p:sldId id="299" r:id="rId28"/>
+    <p:sldId id="300" r:id="rId30"/>
+    <p:sldId id="301" r:id="rId31"/>
+    <p:sldId id="302" r:id="rId32"/>
+    <p:sldId id="292" r:id="rId33"/>
+    <p:sldId id="303" r:id="rId35"/>
+    <p:sldId id="304" r:id="rId36"/>
+    <p:sldId id="306" r:id="rId37"/>
+    <p:sldId id="307" r:id="rId39"/>
+    <p:sldId id="308" r:id="rId41"/>
+    <p:sldId id="309" r:id="rId43"/>
+    <p:sldId id="310" r:id="rId45"/>
+    <p:sldId id="311" r:id="rId47"/>
+    <p:sldId id="312" r:id="rId49"/>
+    <p:sldId id="313" r:id="rId51"/>
+    <p:sldId id="314" r:id="rId53"/>
+    <p:sldId id="315" r:id="rId55"/>
   </p:sldIdLst>
   <p:sldSz cx="12192000" cy="6858000"/>
   <p:notesSz cx="6858000" cy="9144000"/>
@@ -9303,8 +9303,8 @@
         </p:nvSpPr>
         <p:spPr>
           <a:xfrm rot="0">
-            <a:off x="6835775" y="3246120"/>
-            <a:ext cx="4166235" cy="677545"/>
+            <a:off x="6835775" y="5537835"/>
+            <a:ext cx="4166870" cy="678180"/>
           </a:xfrm>
           <a:prstGeom prst="rect"/>
           <a:noFill/>
@@ -9357,8 +9357,8 @@
         </p:nvSpPr>
         <p:spPr>
           <a:xfrm rot="0">
-            <a:off x="1184275" y="2667000"/>
-            <a:ext cx="4166235" cy="677545"/>
+            <a:off x="1184275" y="2752725"/>
+            <a:ext cx="4166870" cy="678180"/>
           </a:xfrm>
           <a:prstGeom prst="rect"/>
           <a:noFill/>
@@ -9403,14 +9403,138 @@
       </p:sp>
       <p:pic>
         <p:nvPicPr>
-          <p:cNvPr id="1171" name="그림 173"/>
+          <p:cNvPr id="1171" name="그림 173" descr="C:/Users/Admin1/AppData/Roaming/PolarisOffice/ETemp/9880_20815312/fImage226374495447.png"/>
           <p:cNvPicPr>
             <a:picLocks noChangeAspect="1"/>
           </p:cNvPicPr>
           <p:nvPr/>
         </p:nvPicPr>
         <p:blipFill rotWithShape="1">
-          <a:blip r:embed="rId2" cstate="print">
+          <a:blip r:embed="rId2" cstate="hqprint">
+            <a:extLst>
+              <a:ext uri="{28A0092B-C50C-407E-A947-70E740481C1C}">
+                <a14:useLocalDpi xmlns:a14="http://schemas.microsoft.com/office/drawing/2010/main"/>
+              </a:ext>
+            </a:extLst>
+          </a:blip>
+          <a:stretch>
+            <a:fillRect/>
+          </a:stretch>
+        </p:blipFill>
+        <p:spPr>
+          <a:xfrm rot="0">
+            <a:off x="1179195" y="1542415"/>
+            <a:ext cx="2012315" cy="1048385"/>
+          </a:xfrm>
+          <a:prstGeom prst="roundRect"/>
+          <a:solidFill>
+            <a:srgbClr val="EDEDED"/>
+          </a:solidFill>
+        </p:spPr>
+      </p:pic>
+      <p:pic>
+        <p:nvPicPr>
+          <p:cNvPr id="1176" name="그림 180" descr="C:/Users/Admin1/AppData/Roaming/PolarisOffice/ETemp/9880_20815312/fImage40644541726.png"/>
+          <p:cNvPicPr>
+            <a:picLocks noChangeAspect="1"/>
+          </p:cNvPicPr>
+          <p:nvPr/>
+        </p:nvPicPr>
+        <p:blipFill rotWithShape="1">
+          <a:blip r:embed="rId3" cstate="hqprint">
+            <a:extLst>
+              <a:ext uri="{28A0092B-C50C-407E-A947-70E740481C1C}">
+                <a14:useLocalDpi xmlns:a14="http://schemas.microsoft.com/office/drawing/2010/main"/>
+              </a:ext>
+            </a:extLst>
+          </a:blip>
+          <a:stretch>
+            <a:fillRect/>
+          </a:stretch>
+        </p:blipFill>
+        <p:spPr>
+          <a:xfrm rot="0">
+            <a:off x="4484370" y="1543050"/>
+            <a:ext cx="868045" cy="1048385"/>
+          </a:xfrm>
+          <a:prstGeom prst="roundRect"/>
+          <a:solidFill>
+            <a:srgbClr val="EDEDED"/>
+          </a:solidFill>
+        </p:spPr>
+      </p:pic>
+      <p:pic>
+        <p:nvPicPr>
+          <p:cNvPr id="1177" name="그림 181" descr="C:/Users/Admin1/AppData/Roaming/PolarisOffice/ETemp/9880_20815312/fImage41594554771.png"/>
+          <p:cNvPicPr>
+            <a:picLocks noChangeAspect="1"/>
+          </p:cNvPicPr>
+          <p:nvPr/>
+        </p:nvPicPr>
+        <p:blipFill rotWithShape="1">
+          <a:blip r:embed="rId4" cstate="hqprint">
+            <a:extLst>
+              <a:ext uri="{28A0092B-C50C-407E-A947-70E740481C1C}">
+                <a14:useLocalDpi xmlns:a14="http://schemas.microsoft.com/office/drawing/2010/main"/>
+              </a:ext>
+            </a:extLst>
+          </a:blip>
+          <a:stretch>
+            <a:fillRect/>
+          </a:stretch>
+        </p:blipFill>
+        <p:spPr>
+          <a:xfrm rot="0">
+            <a:off x="3480435" y="1543050"/>
+            <a:ext cx="842010" cy="1056640"/>
+          </a:xfrm>
+          <a:prstGeom prst="roundRect"/>
+          <a:solidFill>
+            <a:srgbClr val="EDEDED"/>
+          </a:solidFill>
+        </p:spPr>
+      </p:pic>
+      <p:pic>
+        <p:nvPicPr>
+          <p:cNvPr id="1178" name="그림 186" descr="C:/Users/Admin1/AppData/Roaming/PolarisOffice/ETemp/9880_20815312/fImage61714561538.png"/>
+          <p:cNvPicPr>
+            <a:picLocks noChangeAspect="1"/>
+          </p:cNvPicPr>
+          <p:nvPr/>
+        </p:nvPicPr>
+        <p:blipFill rotWithShape="1">
+          <a:blip r:embed="rId5" cstate="hqprint">
+            <a:extLst>
+              <a:ext uri="{28A0092B-C50C-407E-A947-70E740481C1C}">
+                <a14:useLocalDpi xmlns:a14="http://schemas.microsoft.com/office/drawing/2010/main"/>
+              </a:ext>
+            </a:extLst>
+          </a:blip>
+          <a:stretch>
+            <a:fillRect/>
+          </a:stretch>
+        </p:blipFill>
+        <p:spPr>
+          <a:xfrm rot="0">
+            <a:off x="6843395" y="3380105"/>
+            <a:ext cx="4167505" cy="2034540"/>
+          </a:xfrm>
+          <a:prstGeom prst="roundRect"/>
+          <a:solidFill>
+            <a:srgbClr val="EDEDED"/>
+          </a:solidFill>
+        </p:spPr>
+      </p:pic>
+      <p:pic>
+        <p:nvPicPr>
+          <p:cNvPr id="1179" name="그림 189"/>
+          <p:cNvPicPr>
+            <a:picLocks noChangeAspect="1"/>
+          </p:cNvPicPr>
+          <p:nvPr/>
+        </p:nvPicPr>
+        <p:blipFill rotWithShape="1">
+          <a:blip r:embed="rId6" cstate="print">
             <a:extLst>
               <a:ext uri="{28A0092B-C50C-407E-A947-70E740481C1C}">
                 <a14:useLocalDpi xmlns:a14="http://schemas.microsoft.com/office/drawing/2010/main" val="0"/>
@@ -9423,8 +9547,8 @@
         </p:blipFill>
         <p:spPr>
           <a:xfrm rot="0">
-            <a:off x="1179195" y="1542415"/>
-            <a:ext cx="1515110" cy="962660"/>
+            <a:off x="8183245" y="1801495"/>
+            <a:ext cx="2818765" cy="1350645"/>
           </a:xfrm>
           <a:prstGeom prst="roundRect"/>
           <a:solidFill>
@@ -9432,9 +9556,71 @@
           </a:solidFill>
         </p:spPr>
       </p:pic>
-      <p:sp>
-        <p:nvSpPr>
-          <p:cNvPr id="1172" name="도형 176"/>
+      <p:pic>
+        <p:nvPicPr>
+          <p:cNvPr id="1180" name="그림 190"/>
+          <p:cNvPicPr>
+            <a:picLocks noChangeAspect="1"/>
+          </p:cNvPicPr>
+          <p:nvPr/>
+        </p:nvPicPr>
+        <p:blipFill rotWithShape="1">
+          <a:blip r:embed="rId7" cstate="print">
+            <a:extLst>
+              <a:ext uri="{28A0092B-C50C-407E-A947-70E740481C1C}">
+                <a14:useLocalDpi xmlns:a14="http://schemas.microsoft.com/office/drawing/2010/main" val="0"/>
+              </a:ext>
+            </a:extLst>
+          </a:blip>
+          <a:stretch>
+            <a:fillRect/>
+          </a:stretch>
+        </p:blipFill>
+        <p:spPr>
+          <a:xfrm rot="0">
+            <a:off x="6832600" y="2627630"/>
+            <a:ext cx="867410" cy="516255"/>
+          </a:xfrm>
+          <a:prstGeom prst="roundRect"/>
+          <a:solidFill>
+            <a:srgbClr val="EDEDED"/>
+          </a:solidFill>
+        </p:spPr>
+      </p:pic>
+      <p:pic>
+        <p:nvPicPr>
+          <p:cNvPr id="1181" name="그림 191"/>
+          <p:cNvPicPr>
+            <a:picLocks noChangeAspect="1"/>
+          </p:cNvPicPr>
+          <p:nvPr/>
+        </p:nvPicPr>
+        <p:blipFill rotWithShape="1">
+          <a:blip r:embed="rId8" cstate="print">
+            <a:extLst>
+              <a:ext uri="{28A0092B-C50C-407E-A947-70E740481C1C}">
+                <a14:useLocalDpi xmlns:a14="http://schemas.microsoft.com/office/drawing/2010/main" val="0"/>
+              </a:ext>
+            </a:extLst>
+          </a:blip>
+          <a:stretch>
+            <a:fillRect/>
+          </a:stretch>
+        </p:blipFill>
+        <p:spPr>
+          <a:xfrm rot="0">
+            <a:off x="6835140" y="1811020"/>
+            <a:ext cx="841375" cy="586740"/>
+          </a:xfrm>
+          <a:prstGeom prst="roundRect"/>
+          <a:solidFill>
+            <a:srgbClr val="EDEDED"/>
+          </a:solidFill>
+        </p:spPr>
+      </p:pic>
+      <p:sp>
+        <p:nvSpPr>
+          <p:cNvPr id="1182" name="도형 192"/>
           <p:cNvSpPr>
             <a:spLocks/>
           </p:cNvSpPr>
@@ -9442,20 +9628,10 @@
         </p:nvSpPr>
         <p:spPr>
           <a:xfrm rot="0">
-            <a:off x="2843530" y="1897380"/>
-            <a:ext cx="363855" cy="264160"/>
-          </a:xfrm>
-          <a:prstGeom prst="notchedRightArrow"/>
-          <a:scene3d>
-            <a:camera prst="orthographicFront"/>
-            <a:lightRig rig="threePt" dir="t"/>
-          </a:scene3d>
-          <a:sp3d prstMaterial="warmMatte">
-            <a:bevelT w="76200" h="76200" prst="circle"/>
-            <a:contourClr>
-              <a:srgbClr val="000000"/>
-            </a:contourClr>
-          </a:sp3d>
+            <a:off x="7174865" y="1549400"/>
+            <a:ext cx="3018155" cy="515620"/>
+          </a:xfrm>
+          <a:prstGeom prst="curvedDownArrow"/>
         </p:spPr>
         <p:style>
           <a:lnRef idx="2">
@@ -9474,15 +9650,12 @@
           </a:fontRef>
         </p:style>
         <p:txBody>
-          <a:bodyPr wrap="square" lIns="91440" tIns="45720" rIns="91440" bIns="45720" numCol="1" vert="horz" anchor="ctr">
+          <a:bodyPr wrap="square" lIns="91440" tIns="45720" rIns="91440" bIns="45720" vert="horz" anchor="ctr">
             <a:noAutofit/>
           </a:bodyPr>
           <a:lstStyle/>
           <a:p>
-            <a:pPr marL="0" indent="0" algn="ctr" latinLnBrk="0" hangingPunct="1">
-              <a:buFontTx/>
-              <a:buNone/>
-            </a:pPr>
+            <a:pPr marL="0" indent="0" algn="ctr" hangingPunct="1"/>
             <a:endParaRPr lang="ko-KR" altLang="en-US" sz="1800">
               <a:latin typeface="맑은 고딕" charset="0"/>
               <a:ea typeface="맑은 고딕" charset="0"/>
@@ -9490,195 +9663,9 @@
           </a:p>
         </p:txBody>
       </p:sp>
-      <p:pic>
-        <p:nvPicPr>
-          <p:cNvPr id="1176" name="그림 180"/>
-          <p:cNvPicPr>
-            <a:picLocks noChangeAspect="1"/>
-          </p:cNvPicPr>
-          <p:nvPr/>
-        </p:nvPicPr>
-        <p:blipFill rotWithShape="1">
-          <a:blip r:embed="rId3" cstate="print">
-            <a:extLst>
-              <a:ext uri="{28A0092B-C50C-407E-A947-70E740481C1C}">
-                <a14:useLocalDpi xmlns:a14="http://schemas.microsoft.com/office/drawing/2010/main" val="0"/>
-              </a:ext>
-            </a:extLst>
-          </a:blip>
-          <a:stretch>
-            <a:fillRect/>
-          </a:stretch>
-        </p:blipFill>
-        <p:spPr>
-          <a:xfrm rot="0">
-            <a:off x="4474845" y="1627505"/>
-            <a:ext cx="867410" cy="794385"/>
-          </a:xfrm>
-          <a:prstGeom prst="roundRect"/>
-          <a:solidFill>
-            <a:srgbClr val="EDEDED"/>
-          </a:solidFill>
-        </p:spPr>
-      </p:pic>
-      <p:pic>
-        <p:nvPicPr>
-          <p:cNvPr id="1177" name="그림 181"/>
-          <p:cNvPicPr>
-            <a:picLocks noChangeAspect="1"/>
-          </p:cNvPicPr>
-          <p:nvPr/>
-        </p:nvPicPr>
-        <p:blipFill rotWithShape="1">
-          <a:blip r:embed="rId4" cstate="print">
-            <a:extLst>
-              <a:ext uri="{28A0092B-C50C-407E-A947-70E740481C1C}">
-                <a14:useLocalDpi xmlns:a14="http://schemas.microsoft.com/office/drawing/2010/main" val="0"/>
-              </a:ext>
-            </a:extLst>
-          </a:blip>
-          <a:stretch>
-            <a:fillRect/>
-          </a:stretch>
-        </p:blipFill>
-        <p:spPr>
-          <a:xfrm rot="0">
-            <a:off x="3413760" y="1628140"/>
-            <a:ext cx="841375" cy="791210"/>
-          </a:xfrm>
-          <a:prstGeom prst="roundRect"/>
-          <a:solidFill>
-            <a:srgbClr val="EDEDED"/>
-          </a:solidFill>
-        </p:spPr>
-      </p:pic>
-      <p:pic>
-        <p:nvPicPr>
-          <p:cNvPr id="1178" name="그림 186"/>
-          <p:cNvPicPr>
-            <a:picLocks noChangeAspect="1"/>
-          </p:cNvPicPr>
-          <p:nvPr/>
-        </p:nvPicPr>
-        <p:blipFill rotWithShape="1">
-          <a:blip r:embed="rId5" cstate="print">
-            <a:extLst>
-              <a:ext uri="{28A0092B-C50C-407E-A947-70E740481C1C}">
-                <a14:useLocalDpi xmlns:a14="http://schemas.microsoft.com/office/drawing/2010/main" val="0"/>
-              </a:ext>
-            </a:extLst>
-          </a:blip>
-          <a:stretch>
-            <a:fillRect/>
-          </a:stretch>
-        </p:blipFill>
-        <p:spPr>
-          <a:xfrm rot="0">
-            <a:off x="6843395" y="4080510"/>
-            <a:ext cx="4158615" cy="1654175"/>
-          </a:xfrm>
-          <a:prstGeom prst="roundRect"/>
-          <a:solidFill>
-            <a:srgbClr val="EDEDED"/>
-          </a:solidFill>
-        </p:spPr>
-      </p:pic>
-      <p:pic>
-        <p:nvPicPr>
-          <p:cNvPr id="1179" name="그림 189"/>
-          <p:cNvPicPr>
-            <a:picLocks noChangeAspect="1"/>
-          </p:cNvPicPr>
-          <p:nvPr/>
-        </p:nvPicPr>
-        <p:blipFill rotWithShape="1">
-          <a:blip r:embed="rId6" cstate="print">
-            <a:extLst>
-              <a:ext uri="{28A0092B-C50C-407E-A947-70E740481C1C}">
-                <a14:useLocalDpi xmlns:a14="http://schemas.microsoft.com/office/drawing/2010/main" val="0"/>
-              </a:ext>
-            </a:extLst>
-          </a:blip>
-          <a:stretch>
-            <a:fillRect/>
-          </a:stretch>
-        </p:blipFill>
-        <p:spPr>
-          <a:xfrm rot="0">
-            <a:off x="8183245" y="1801495"/>
-            <a:ext cx="2818765" cy="1350645"/>
-          </a:xfrm>
-          <a:prstGeom prst="roundRect"/>
-          <a:solidFill>
-            <a:srgbClr val="EDEDED"/>
-          </a:solidFill>
-        </p:spPr>
-      </p:pic>
-      <p:pic>
-        <p:nvPicPr>
-          <p:cNvPr id="1180" name="그림 190"/>
-          <p:cNvPicPr>
-            <a:picLocks noChangeAspect="1"/>
-          </p:cNvPicPr>
-          <p:nvPr/>
-        </p:nvPicPr>
-        <p:blipFill rotWithShape="1">
-          <a:blip r:embed="rId7" cstate="print">
-            <a:extLst>
-              <a:ext uri="{28A0092B-C50C-407E-A947-70E740481C1C}">
-                <a14:useLocalDpi xmlns:a14="http://schemas.microsoft.com/office/drawing/2010/main" val="0"/>
-              </a:ext>
-            </a:extLst>
-          </a:blip>
-          <a:stretch>
-            <a:fillRect/>
-          </a:stretch>
-        </p:blipFill>
-        <p:spPr>
-          <a:xfrm rot="0">
-            <a:off x="6832600" y="2627630"/>
-            <a:ext cx="867410" cy="516255"/>
-          </a:xfrm>
-          <a:prstGeom prst="roundRect"/>
-          <a:solidFill>
-            <a:srgbClr val="EDEDED"/>
-          </a:solidFill>
-        </p:spPr>
-      </p:pic>
-      <p:pic>
-        <p:nvPicPr>
-          <p:cNvPr id="1181" name="그림 191"/>
-          <p:cNvPicPr>
-            <a:picLocks noChangeAspect="1"/>
-          </p:cNvPicPr>
-          <p:nvPr/>
-        </p:nvPicPr>
-        <p:blipFill rotWithShape="1">
-          <a:blip r:embed="rId8" cstate="print">
-            <a:extLst>
-              <a:ext uri="{28A0092B-C50C-407E-A947-70E740481C1C}">
-                <a14:useLocalDpi xmlns:a14="http://schemas.microsoft.com/office/drawing/2010/main" val="0"/>
-              </a:ext>
-            </a:extLst>
-          </a:blip>
-          <a:stretch>
-            <a:fillRect/>
-          </a:stretch>
-        </p:blipFill>
-        <p:spPr>
-          <a:xfrm rot="0">
-            <a:off x="6835140" y="1811020"/>
-            <a:ext cx="841375" cy="586740"/>
-          </a:xfrm>
-          <a:prstGeom prst="roundRect"/>
-          <a:solidFill>
-            <a:srgbClr val="EDEDED"/>
-          </a:solidFill>
-        </p:spPr>
-      </p:pic>
-      <p:sp>
-        <p:nvSpPr>
-          <p:cNvPr id="1182" name="도형 192"/>
+      <p:sp>
+        <p:nvSpPr>
+          <p:cNvPr id="1183" name="도형 193"/>
           <p:cNvSpPr>
             <a:spLocks/>
           </p:cNvSpPr>
@@ -9686,7 +9673,7 @@
         </p:nvSpPr>
         <p:spPr>
           <a:xfrm rot="0">
-            <a:off x="7174865" y="1549400"/>
+            <a:off x="7174865" y="2319655"/>
             <a:ext cx="3018155" cy="515620"/>
           </a:xfrm>
           <a:prstGeom prst="curvedDownArrow"/>
@@ -9723,42 +9710,51 @@
       </p:sp>
       <p:sp>
         <p:nvSpPr>
-          <p:cNvPr id="1183" name="도형 193"/>
-          <p:cNvSpPr>
+          <p:cNvPr id="1188" name="텍스트 상자 204"/>
+          <p:cNvSpPr txBox="1">
             <a:spLocks/>
           </p:cNvSpPr>
           <p:nvPr/>
         </p:nvSpPr>
         <p:spPr>
           <a:xfrm rot="0">
-            <a:off x="7174865" y="2319655"/>
-            <a:ext cx="3018155" cy="515620"/>
-          </a:xfrm>
-          <a:prstGeom prst="curvedDownArrow"/>
-        </p:spPr>
-        <p:style>
-          <a:lnRef idx="2">
-            <a:schemeClr val="accent1">
-              <a:shade val="50000"/>
-            </a:schemeClr>
-          </a:lnRef>
-          <a:fillRef idx="1">
-            <a:schemeClr val="accent1"/>
-          </a:fillRef>
-          <a:effectRef idx="0">
-            <a:schemeClr val="accent1"/>
-          </a:effectRef>
-          <a:fontRef idx="minor">
-            <a:schemeClr val="lt1"/>
-          </a:fontRef>
-        </p:style>
-        <p:txBody>
-          <a:bodyPr wrap="square" lIns="91440" tIns="45720" rIns="91440" bIns="45720" vert="horz" anchor="ctr">
-            <a:noAutofit/>
+            <a:off x="1184275" y="5262880"/>
+            <a:ext cx="4159885" cy="954405"/>
+          </a:xfrm>
+          <a:prstGeom prst="rect"/>
+          <a:noFill/>
+          <a:ln w="0">
+            <a:noFill/>
+            <a:prstDash/>
+          </a:ln>
+        </p:spPr>
+        <p:txBody>
+          <a:bodyPr wrap="square" lIns="89535" tIns="46355" rIns="89535" bIns="46355" numCol="1" vert="horz" anchor="t">
+            <a:spAutoFit/>
           </a:bodyPr>
           <a:lstStyle/>
           <a:p>
-            <a:pPr marL="0" indent="0" algn="ctr" hangingPunct="1"/>
+            <a:pPr marL="0" indent="0" algn="l" latinLnBrk="0" hangingPunct="1">
+              <a:buFontTx/>
+              <a:buNone/>
+            </a:pPr>
+            <a:r>
+              <a:rPr lang="ko-KR" sz="2000" b="1">
+                <a:solidFill>
+                  <a:srgbClr val="0611F2"/>
+                </a:solidFill>
+                <a:latin typeface="맑은 고딕" charset="0"/>
+                <a:ea typeface="맑은 고딕" charset="0"/>
+              </a:rPr>
+              <a:t>22. </a:t>
+            </a:r>
+            <a:r>
+              <a:rPr lang="ko-KR" sz="1800">
+                <a:latin typeface="맑은 고딕" charset="0"/>
+                <a:ea typeface="맑은 고딕" charset="0"/>
+              </a:rPr>
+              <a:t>그리고 애니메이션을 선택한 다음 애니메이션 클립 이름을 각각의 애니메이션 이름으로 변경합니다. </a:t>
+            </a:r>
             <a:endParaRPr lang="ko-KR" altLang="en-US" sz="1800">
               <a:latin typeface="맑은 고딕" charset="0"/>
               <a:ea typeface="맑은 고딕" charset="0"/>
@@ -9768,14 +9764,14 @@
       </p:sp>
       <p:pic>
         <p:nvPicPr>
-          <p:cNvPr id="1184" name="그림 200"/>
+          <p:cNvPr id="1190" name="그림 20" descr="C:/Users/Admin1/AppData/Roaming/PolarisOffice/ETemp/9880_20815312/fImage185935541.png"/>
           <p:cNvPicPr>
             <a:picLocks noChangeAspect="1"/>
           </p:cNvPicPr>
           <p:nvPr/>
         </p:nvPicPr>
         <p:blipFill rotWithShape="1">
-          <a:blip r:embed="rId9" cstate="print">
+          <a:blip r:embed="rId14" cstate="print">
             <a:extLst>
               <a:ext uri="{28A0092B-C50C-407E-A947-70E740481C1C}">
                 <a14:useLocalDpi xmlns:a14="http://schemas.microsoft.com/office/drawing/2010/main" val="0"/>
@@ -9788,8 +9784,8 @@
         </p:blipFill>
         <p:spPr>
           <a:xfrm rot="0">
-            <a:off x="1181100" y="4406900"/>
-            <a:ext cx="843280" cy="626745"/>
+            <a:off x="1162050" y="4476750"/>
+            <a:ext cx="4182110" cy="648335"/>
           </a:xfrm>
           <a:prstGeom prst="roundRect"/>
           <a:solidFill>
@@ -9799,14 +9795,14 @@
       </p:pic>
       <p:pic>
         <p:nvPicPr>
-          <p:cNvPr id="1185" name="그림 201"/>
+          <p:cNvPr id="1191" name="그림 23" descr="C:/Users/Admin1/AppData/Roaming/PolarisOffice/ETemp/9880_20815312/fImage18583568467.png"/>
           <p:cNvPicPr>
             <a:picLocks noChangeAspect="1"/>
           </p:cNvPicPr>
           <p:nvPr/>
         </p:nvPicPr>
         <p:blipFill rotWithShape="1">
-          <a:blip r:embed="rId10" cstate="print">
+          <a:blip r:embed="rId15" cstate="print">
             <a:extLst>
               <a:ext uri="{28A0092B-C50C-407E-A947-70E740481C1C}">
                 <a14:useLocalDpi xmlns:a14="http://schemas.microsoft.com/office/drawing/2010/main" val="0"/>
@@ -9819,8 +9815,8 @@
         </p:blipFill>
         <p:spPr>
           <a:xfrm rot="0">
-            <a:off x="1183640" y="3486150"/>
-            <a:ext cx="841375" cy="673735"/>
+            <a:off x="1181100" y="3590925"/>
+            <a:ext cx="4163060" cy="657860"/>
           </a:xfrm>
           <a:prstGeom prst="roundRect"/>
           <a:solidFill>
@@ -9828,118 +9824,6 @@
           </a:solidFill>
         </p:spPr>
       </p:pic>
-      <p:pic>
-        <p:nvPicPr>
-          <p:cNvPr id="1186" name="그림 202"/>
-          <p:cNvPicPr>
-            <a:picLocks noChangeAspect="1"/>
-          </p:cNvPicPr>
-          <p:nvPr/>
-        </p:nvPicPr>
-        <p:blipFill rotWithShape="1">
-          <a:blip r:embed="rId11" cstate="print">
-            <a:extLst>
-              <a:ext uri="{28A0092B-C50C-407E-A947-70E740481C1C}">
-                <a14:useLocalDpi xmlns:a14="http://schemas.microsoft.com/office/drawing/2010/main" val="0"/>
-              </a:ext>
-            </a:extLst>
-          </a:blip>
-          <a:stretch>
-            <a:fillRect/>
-          </a:stretch>
-        </p:blipFill>
-        <p:spPr>
-          <a:xfrm rot="0">
-            <a:off x="3769995" y="3469005"/>
-            <a:ext cx="1572260" cy="1572260"/>
-          </a:xfrm>
-          <a:prstGeom prst="rect"/>
-          <a:noFill/>
-        </p:spPr>
-      </p:pic>
-      <p:pic>
-        <p:nvPicPr>
-          <p:cNvPr id="1187" name="그림 203"/>
-          <p:cNvPicPr>
-            <a:picLocks noChangeAspect="1"/>
-          </p:cNvPicPr>
-          <p:nvPr/>
-        </p:nvPicPr>
-        <p:blipFill rotWithShape="1">
-          <a:blip r:embed="rId12" cstate="print">
-            <a:extLst>
-              <a:ext uri="{28A0092B-C50C-407E-A947-70E740481C1C}">
-                <a14:useLocalDpi xmlns:a14="http://schemas.microsoft.com/office/drawing/2010/main" val="0"/>
-              </a:ext>
-            </a:extLst>
-          </a:blip>
-          <a:stretch>
-            <a:fillRect/>
-          </a:stretch>
-        </p:blipFill>
-        <p:spPr>
-          <a:xfrm rot="0">
-            <a:off x="2134870" y="3476625"/>
-            <a:ext cx="1517015" cy="1564640"/>
-          </a:xfrm>
-          <a:prstGeom prst="rect"/>
-          <a:noFill/>
-        </p:spPr>
-      </p:pic>
-      <p:sp>
-        <p:nvSpPr>
-          <p:cNvPr id="1188" name="텍스트 상자 204"/>
-          <p:cNvSpPr txBox="1">
-            <a:spLocks/>
-          </p:cNvSpPr>
-          <p:nvPr/>
-        </p:nvSpPr>
-        <p:spPr>
-          <a:xfrm rot="0">
-            <a:off x="1184275" y="5262880"/>
-            <a:ext cx="4159885" cy="954405"/>
-          </a:xfrm>
-          <a:prstGeom prst="rect"/>
-          <a:noFill/>
-          <a:ln w="0">
-            <a:noFill/>
-            <a:prstDash/>
-          </a:ln>
-        </p:spPr>
-        <p:txBody>
-          <a:bodyPr wrap="square" lIns="89535" tIns="46355" rIns="89535" bIns="46355" numCol="1" vert="horz" anchor="t">
-            <a:spAutoFit/>
-          </a:bodyPr>
-          <a:lstStyle/>
-          <a:p>
-            <a:pPr marL="0" indent="0" algn="l" latinLnBrk="0" hangingPunct="1">
-              <a:buFontTx/>
-              <a:buNone/>
-            </a:pPr>
-            <a:r>
-              <a:rPr lang="ko-KR" sz="2000" b="1">
-                <a:solidFill>
-                  <a:srgbClr val="0611F2"/>
-                </a:solidFill>
-                <a:latin typeface="맑은 고딕" charset="0"/>
-                <a:ea typeface="맑은 고딕" charset="0"/>
-              </a:rPr>
-              <a:t>22. </a:t>
-            </a:r>
-            <a:r>
-              <a:rPr lang="ko-KR" sz="1800">
-                <a:latin typeface="맑은 고딕" charset="0"/>
-                <a:ea typeface="맑은 고딕" charset="0"/>
-              </a:rPr>
-              <a:t>그리고 애니메이션을 선택한 다음 애니메이션 클립 이름을 각각의 애니메이션 이름으로 변경합니다. </a:t>
-            </a:r>
-            <a:endParaRPr lang="ko-KR" altLang="en-US" sz="1800">
-              <a:latin typeface="맑은 고딕" charset="0"/>
-              <a:ea typeface="맑은 고딕" charset="0"/>
-            </a:endParaRPr>
-          </a:p>
-        </p:txBody>
-      </p:sp>
     </p:spTree>
   </p:cSld>
   <p:clrMapOvr>
@@ -10040,8 +9924,8 @@
         </p:nvSpPr>
         <p:spPr>
           <a:xfrm rot="0">
-            <a:off x="6835775" y="4281170"/>
-            <a:ext cx="4347210" cy="1784985"/>
+            <a:off x="6844665" y="4220845"/>
+            <a:ext cx="4183380" cy="2061845"/>
           </a:xfrm>
           <a:prstGeom prst="rect"/>
           <a:noFill/>
@@ -10113,7 +9997,7 @@
       </p:sp>
       <p:pic>
         <p:nvPicPr>
-          <p:cNvPr id="1165" name="Picture " descr="C:/Users/Admin1/AppData/Roaming/PolarisOffice/ETemp/21372_12698968/fImage45714593811.png"/>
+          <p:cNvPr id="1165" name="Picture " descr="C:/Users/Admin1/AppData/Roaming/PolarisOffice/ETemp/9880_20815312/fImage45714593811.png"/>
           <p:cNvPicPr>
             <a:picLocks noChangeAspect="1"/>
           </p:cNvPicPr>
@@ -10134,17 +10018,15 @@
         <p:spPr>
           <a:xfrm rot="0">
             <a:off x="6838950" y="1485900"/>
-            <a:ext cx="4344035" cy="2610485"/>
-          </a:xfrm>
-          <a:prstGeom prst="roundRect"/>
-          <a:solidFill>
-            <a:srgbClr val="EDEDED"/>
-          </a:solidFill>
+            <a:ext cx="4180205" cy="2631440"/>
+          </a:xfrm>
+          <a:prstGeom prst="rect"/>
+          <a:noFill/>
         </p:spPr>
       </p:pic>
       <p:pic>
         <p:nvPicPr>
-          <p:cNvPr id="1168" name="그림 205" descr="C:/Users/Admin1/AppData/Roaming/PolarisOffice/ETemp/21372_12698968/fImage16105485333.png"/>
+          <p:cNvPr id="1168" name="그림 205" descr="C:/Users/Admin1/AppData/Roaming/PolarisOffice/ETemp/9880_20815312/fImage16105485333.png"/>
           <p:cNvPicPr>
             <a:picLocks noChangeAspect="1"/>
           </p:cNvPicPr>
@@ -10165,7 +10047,7 @@
         <p:spPr>
           <a:xfrm rot="0">
             <a:off x="1123950" y="1476375"/>
-            <a:ext cx="4249420" cy="2458085"/>
+            <a:ext cx="4250055" cy="2640965"/>
           </a:xfrm>
           <a:prstGeom prst="roundRect"/>
           <a:solidFill>
@@ -10183,8 +10065,8 @@
         </p:nvSpPr>
         <p:spPr>
           <a:xfrm rot="0">
-            <a:off x="1125855" y="4000500"/>
-            <a:ext cx="4247515" cy="2062480"/>
+            <a:off x="1125855" y="4225290"/>
+            <a:ext cx="4248150" cy="2063115"/>
           </a:xfrm>
           <a:prstGeom prst="rect"/>
           <a:noFill/>
@@ -10679,8 +10561,8 @@
         </p:nvSpPr>
         <p:spPr>
           <a:xfrm rot="0">
-            <a:off x="1216025" y="4970145"/>
-            <a:ext cx="4166235" cy="954405"/>
+            <a:off x="6815455" y="4755515"/>
+            <a:ext cx="3996055" cy="1231265"/>
           </a:xfrm>
           <a:prstGeom prst="rect"/>
           <a:noFill/>
@@ -10775,7 +10657,7 @@
       </p:sp>
       <p:pic>
         <p:nvPicPr>
-          <p:cNvPr id="1134" name="그림 217" descr="C:/Users/Admin1/AppData/Roaming/PolarisOffice/ETemp/21372_12698968/fImage191385015141.png"/>
+          <p:cNvPr id="1134" name="그림 217" descr="C:/Users/Admin1/AppData/Roaming/PolarisOffice/ETemp/9880_20815312/fImage191385015141.png"/>
           <p:cNvPicPr>
             <a:picLocks noChangeAspect="1"/>
           </p:cNvPicPr>
@@ -10795,8 +10677,8 @@
         </p:blipFill>
         <p:spPr>
           <a:xfrm rot="0">
-            <a:off x="1219200" y="1438275"/>
-            <a:ext cx="2724785" cy="3391535"/>
+            <a:off x="6823710" y="1490345"/>
+            <a:ext cx="2734310" cy="3129915"/>
           </a:xfrm>
           <a:prstGeom prst="roundRect"/>
           <a:solidFill>
@@ -10806,7 +10688,7 @@
       </p:pic>
       <p:pic>
         <p:nvPicPr>
-          <p:cNvPr id="1135" name="그림 218" descr="C:/Users/Admin1/AppData/Roaming/PolarisOffice/ETemp/21372_12698968/fImage77175027711.png"/>
+          <p:cNvPr id="1135" name="그림 218" descr="C:/Users/Admin1/AppData/Roaming/PolarisOffice/ETemp/9880_20815312/fImage77175027711.png"/>
           <p:cNvPicPr>
             <a:picLocks noChangeAspect="1"/>
           </p:cNvPicPr>
@@ -10826,8 +10708,8 @@
         </p:blipFill>
         <p:spPr>
           <a:xfrm rot="0">
-            <a:off x="4157345" y="2171700"/>
-            <a:ext cx="1224915" cy="2038985"/>
+            <a:off x="9667875" y="2033270"/>
+            <a:ext cx="1143635" cy="2039620"/>
           </a:xfrm>
           <a:prstGeom prst="roundRect"/>
           <a:solidFill>
@@ -10835,150 +10717,6 @@
           </a:solidFill>
         </p:spPr>
       </p:pic>
-      <p:pic>
-        <p:nvPicPr>
-          <p:cNvPr id="1136" name="그림 49" descr="C:/Users/Admin1/AppData/Roaming/PolarisOffice/ETemp/21372_12698968/fImage123044601478.png"/>
-          <p:cNvPicPr>
-            <a:picLocks noChangeAspect="1"/>
-          </p:cNvPicPr>
-          <p:nvPr/>
-        </p:nvPicPr>
-        <p:blipFill rotWithShape="1">
-          <a:blip r:embed="rId7" cstate="print">
-            <a:extLst>
-              <a:ext uri="{28A0092B-C50C-407E-A947-70E740481C1C}">
-                <a14:useLocalDpi xmlns:a14="http://schemas.microsoft.com/office/drawing/2010/main" val="0"/>
-              </a:ext>
-            </a:extLst>
-          </a:blip>
-          <a:stretch>
-            <a:fillRect/>
-          </a:stretch>
-        </p:blipFill>
-        <p:spPr>
-          <a:xfrm rot="0">
-            <a:off x="6810375" y="1438275"/>
-            <a:ext cx="4086860" cy="1753235"/>
-          </a:xfrm>
-          <a:prstGeom prst="roundRect"/>
-          <a:solidFill>
-            <a:srgbClr val="EDEDED"/>
-          </a:solidFill>
-        </p:spPr>
-      </p:pic>
-      <p:pic>
-        <p:nvPicPr>
-          <p:cNvPr id="1137" name="그림 52" descr="C:/Users/Admin1/AppData/Roaming/PolarisOffice/ETemp/21372_12698968/fImage125814619358.png"/>
-          <p:cNvPicPr>
-            <a:picLocks noChangeAspect="1"/>
-          </p:cNvPicPr>
-          <p:nvPr/>
-        </p:nvPicPr>
-        <p:blipFill rotWithShape="1">
-          <a:blip r:embed="rId8" cstate="print">
-            <a:extLst>
-              <a:ext uri="{28A0092B-C50C-407E-A947-70E740481C1C}">
-                <a14:useLocalDpi xmlns:a14="http://schemas.microsoft.com/office/drawing/2010/main" val="0"/>
-              </a:ext>
-            </a:extLst>
-          </a:blip>
-          <a:stretch>
-            <a:fillRect/>
-          </a:stretch>
-        </p:blipFill>
-        <p:spPr>
-          <a:xfrm rot="0">
-            <a:off x="6819900" y="3409950"/>
-            <a:ext cx="4086860" cy="1753235"/>
-          </a:xfrm>
-          <a:prstGeom prst="roundRect"/>
-          <a:solidFill>
-            <a:srgbClr val="EDEDED"/>
-          </a:solidFill>
-        </p:spPr>
-      </p:pic>
-      <p:sp>
-        <p:nvSpPr>
-          <p:cNvPr id="1138" name="텍스트 상자 56"/>
-          <p:cNvSpPr txBox="1">
-            <a:spLocks/>
-          </p:cNvSpPr>
-          <p:nvPr/>
-        </p:nvSpPr>
-        <p:spPr>
-          <a:xfrm rot="0">
-            <a:off x="6810375" y="5243830"/>
-            <a:ext cx="4105910" cy="677545"/>
-          </a:xfrm>
-          <a:prstGeom prst="rect"/>
-          <a:noFill/>
-          <a:ln w="0">
-            <a:noFill/>
-            <a:prstDash/>
-          </a:ln>
-        </p:spPr>
-        <p:txBody>
-          <a:bodyPr wrap="square" lIns="89535" tIns="46355" rIns="89535" bIns="46355" numCol="1" vert="horz" anchor="t">
-            <a:spAutoFit/>
-          </a:bodyPr>
-          <a:lstStyle/>
-          <a:p>
-            <a:pPr marL="0" indent="0" algn="l" latinLnBrk="0" hangingPunct="1">
-              <a:buFontTx/>
-              <a:buNone/>
-            </a:pPr>
-            <a:r>
-              <a:rPr lang="ko-KR" sz="2000" b="1">
-                <a:solidFill>
-                  <a:srgbClr val="0611F2"/>
-                </a:solidFill>
-                <a:latin typeface="맑은 고딕" charset="0"/>
-                <a:ea typeface="맑은 고딕" charset="0"/>
-              </a:rPr>
-              <a:t>28. </a:t>
-            </a:r>
-            <a:r>
-              <a:rPr lang="ko-KR" sz="1800">
-                <a:latin typeface="맑은 고딕" charset="0"/>
-                <a:ea typeface="맑은 고딕" charset="0"/>
-              </a:rPr>
-              <a:t>그리고 </a:t>
-            </a:r>
-            <a:r>
-              <a:rPr lang="ko-KR" sz="1800">
-                <a:latin typeface="맑은 고딕" charset="0"/>
-                <a:ea typeface="맑은 고딕" charset="0"/>
-              </a:rPr>
-              <a:t>Kick Button과 Running Button의</a:t>
-            </a:r>
-            <a:r>
-              <a:rPr lang="ko-KR" sz="1800">
-                <a:latin typeface="맑은 고딕" charset="0"/>
-                <a:ea typeface="맑은 고딕" charset="0"/>
-              </a:rPr>
-              <a:t> 앵커</a:t>
-            </a:r>
-            <a:r>
-              <a:rPr lang="ko-KR" sz="1800">
-                <a:latin typeface="맑은 고딕" charset="0"/>
-                <a:ea typeface="맑은 고딕" charset="0"/>
-              </a:rPr>
-              <a:t>와</a:t>
-            </a:r>
-            <a:r>
-              <a:rPr lang="ko-KR" sz="1800">
-                <a:latin typeface="맑은 고딕" charset="0"/>
-                <a:ea typeface="맑은 고딕" charset="0"/>
-              </a:rPr>
-              <a:t> 위치를 설정합니다.</a:t>
-            </a:r>
-            <a:endParaRPr lang="ko-KR" altLang="en-US" sz="1800">
-              <a:latin typeface="맑은 고딕" charset="0"/>
-              <a:ea typeface="맑은 고딕" charset="0"/>
-            </a:endParaRPr>
-          </a:p>
-        </p:txBody>
-      </p:sp>
     </p:spTree>
   </p:cSld>
   <p:clrMapOvr>
@@ -11029,8 +10767,8 @@
         </p:nvSpPr>
         <p:spPr>
           <a:xfrm rot="0">
-            <a:off x="6934200" y="3855720"/>
-            <a:ext cx="4301490" cy="1784985"/>
+            <a:off x="6951980" y="4037330"/>
+            <a:ext cx="4128135" cy="2061845"/>
           </a:xfrm>
           <a:prstGeom prst="rect"/>
           <a:noFill/>
@@ -11064,7 +10802,21 @@
                 <a:latin typeface="맑은 고딕" charset="0"/>
                 <a:ea typeface="맑은 고딕" charset="0"/>
               </a:rPr>
-              <a:t>여기서 각각의 버튼 이벤트 함수에 AnimationAction 오브젝트를 넣어줍니다.</a:t>
+              <a:t>여기서 </a:t>
+            </a:r>
+            <a:r>
+              <a:rPr lang="ko-KR" sz="1800">
+                <a:latin typeface="맑은 고딕" charset="0"/>
+                <a:ea typeface="맑은 고딕" charset="0"/>
+              </a:rPr>
+              <a:t>kick Button과 Running Button의</a:t>
+            </a:r>
+            <a:r>
+              <a:rPr lang="ko-KR" sz="1800">
+                <a:latin typeface="맑은 고딕" charset="0"/>
+                <a:ea typeface="맑은 고딕" charset="0"/>
+              </a:rPr>
+              <a:t> 이벤트 함수에 AnimationAction 오브젝트를 넣어줍니다.</a:t>
             </a:r>
             <a:endParaRPr lang="ko-KR" altLang="en-US" sz="1800">
               <a:latin typeface="맑은 고딕" charset="0"/>
@@ -11152,17 +10904,17 @@
       </p:sp>
       <p:pic>
         <p:nvPicPr>
-          <p:cNvPr id="1138" name="그림 223"/>
+          <p:cNvPr id="1138" name="그림 223" descr="C:/Users/Admin1/AppData/Roaming/PolarisOffice/ETemp/9880_20815312/fImage51935165547.png"/>
           <p:cNvPicPr>
             <a:picLocks noChangeAspect="1"/>
           </p:cNvPicPr>
           <p:nvPr/>
         </p:nvPicPr>
         <p:blipFill rotWithShape="1">
-          <a:blip r:embed="rId4" cstate="print">
+          <a:blip r:embed="rId4" cstate="hqprint">
             <a:extLst>
               <a:ext uri="{28A0092B-C50C-407E-A947-70E740481C1C}">
-                <a14:useLocalDpi xmlns:a14="http://schemas.microsoft.com/office/drawing/2010/main" val="0"/>
+                <a14:useLocalDpi xmlns:a14="http://schemas.microsoft.com/office/drawing/2010/main"/>
               </a:ext>
             </a:extLst>
           </a:blip>
@@ -11172,26 +10924,28 @@
         </p:blipFill>
         <p:spPr>
           <a:xfrm rot="0">
-            <a:off x="8448675" y="2614295"/>
-            <a:ext cx="2791460" cy="1057910"/>
-          </a:xfrm>
-          <a:prstGeom prst="rect"/>
-          <a:noFill/>
+            <a:off x="6944995" y="2767965"/>
+            <a:ext cx="4135120" cy="1056005"/>
+          </a:xfrm>
+          <a:prstGeom prst="roundRect"/>
+          <a:solidFill>
+            <a:srgbClr val="EDEDED"/>
+          </a:solidFill>
         </p:spPr>
       </p:pic>
       <p:pic>
         <p:nvPicPr>
-          <p:cNvPr id="1139" name="그림 224"/>
+          <p:cNvPr id="1139" name="그림 224" descr="C:/Users/Admin1/AppData/Roaming/PolarisOffice/ETemp/9880_20815312/fImage51055177644.png"/>
           <p:cNvPicPr>
             <a:picLocks noChangeAspect="1"/>
           </p:cNvPicPr>
           <p:nvPr/>
         </p:nvPicPr>
         <p:blipFill rotWithShape="1">
-          <a:blip r:embed="rId5" cstate="print">
+          <a:blip r:embed="rId5" cstate="hqprint">
             <a:extLst>
               <a:ext uri="{28A0092B-C50C-407E-A947-70E740481C1C}">
-                <a14:useLocalDpi xmlns:a14="http://schemas.microsoft.com/office/drawing/2010/main" val="0"/>
+                <a14:useLocalDpi xmlns:a14="http://schemas.microsoft.com/office/drawing/2010/main"/>
               </a:ext>
             </a:extLst>
           </a:blip>
@@ -11201,26 +10955,28 @@
         </p:blipFill>
         <p:spPr>
           <a:xfrm rot="0">
-            <a:off x="8458200" y="1452245"/>
-            <a:ext cx="2772410" cy="1000760"/>
-          </a:xfrm>
-          <a:prstGeom prst="rect"/>
-          <a:noFill/>
+            <a:off x="6944995" y="1452880"/>
+            <a:ext cx="4143375" cy="1056005"/>
+          </a:xfrm>
+          <a:prstGeom prst="roundRect"/>
+          <a:solidFill>
+            <a:srgbClr val="EDEDED"/>
+          </a:solidFill>
         </p:spPr>
       </p:pic>
       <p:pic>
         <p:nvPicPr>
-          <p:cNvPr id="1140" name="그림 225"/>
+          <p:cNvPr id="1141" name="그림 9" descr="C:/Users/Admin1/AppData/Roaming/PolarisOffice/ETemp/9880_20815312/fImage123044601478.png"/>
           <p:cNvPicPr>
             <a:picLocks noChangeAspect="1"/>
           </p:cNvPicPr>
           <p:nvPr/>
         </p:nvPicPr>
         <p:blipFill rotWithShape="1">
-          <a:blip r:embed="rId6" cstate="print">
+          <a:blip r:embed="rId8" cstate="hqprint">
             <a:extLst>
               <a:ext uri="{28A0092B-C50C-407E-A947-70E740481C1C}">
-                <a14:useLocalDpi xmlns:a14="http://schemas.microsoft.com/office/drawing/2010/main" val="0"/>
+                <a14:useLocalDpi xmlns:a14="http://schemas.microsoft.com/office/drawing/2010/main"/>
               </a:ext>
             </a:extLst>
           </a:blip>
@@ -11230,8 +10986,8 @@
         </p:blipFill>
         <p:spPr>
           <a:xfrm rot="0">
-            <a:off x="6934200" y="1876425"/>
-            <a:ext cx="1286510" cy="1305560"/>
+            <a:off x="1335405" y="1455420"/>
+            <a:ext cx="4062095" cy="1753870"/>
           </a:xfrm>
           <a:prstGeom prst="roundRect"/>
           <a:solidFill>
@@ -11239,6 +10995,91 @@
           </a:solidFill>
         </p:spPr>
       </p:pic>
+      <p:pic>
+        <p:nvPicPr>
+          <p:cNvPr id="1142" name="그림 10" descr="C:/Users/Admin1/AppData/Roaming/PolarisOffice/ETemp/9880_20815312/fImage125814619358.png"/>
+          <p:cNvPicPr>
+            <a:picLocks noChangeAspect="1"/>
+          </p:cNvPicPr>
+          <p:nvPr/>
+        </p:nvPicPr>
+        <p:blipFill rotWithShape="1">
+          <a:blip r:embed="rId9" cstate="hqprint">
+            <a:extLst>
+              <a:ext uri="{28A0092B-C50C-407E-A947-70E740481C1C}">
+                <a14:useLocalDpi xmlns:a14="http://schemas.microsoft.com/office/drawing/2010/main"/>
+              </a:ext>
+            </a:extLst>
+          </a:blip>
+          <a:stretch>
+            <a:fillRect/>
+          </a:stretch>
+        </p:blipFill>
+        <p:spPr>
+          <a:xfrm rot="0">
+            <a:off x="1344930" y="3427095"/>
+            <a:ext cx="4062095" cy="1753870"/>
+          </a:xfrm>
+          <a:prstGeom prst="roundRect"/>
+          <a:solidFill>
+            <a:srgbClr val="EDEDED"/>
+          </a:solidFill>
+        </p:spPr>
+      </p:pic>
+      <p:sp>
+        <p:nvSpPr>
+          <p:cNvPr id="1143" name="텍스트 상자 11"/>
+          <p:cNvSpPr txBox="1">
+            <a:spLocks/>
+          </p:cNvSpPr>
+          <p:nvPr/>
+        </p:nvSpPr>
+        <p:spPr>
+          <a:xfrm rot="0">
+            <a:off x="1335405" y="5416550"/>
+            <a:ext cx="4080510" cy="677545"/>
+          </a:xfrm>
+          <a:prstGeom prst="rect"/>
+          <a:noFill/>
+          <a:ln w="0">
+            <a:noFill/>
+            <a:prstDash/>
+          </a:ln>
+        </p:spPr>
+        <p:txBody>
+          <a:bodyPr wrap="square" lIns="89535" tIns="46355" rIns="89535" bIns="46355" numCol="1" vert="horz" anchor="t">
+            <a:spAutoFit/>
+          </a:bodyPr>
+          <a:lstStyle/>
+          <a:p>
+            <a:pPr marL="0" indent="0" algn="l" latinLnBrk="0" hangingPunct="1">
+              <a:buFontTx/>
+              <a:buNone/>
+            </a:pPr>
+            <a:r>
+              <a:rPr lang="ko-KR" sz="2000" b="1">
+                <a:solidFill>
+                  <a:srgbClr val="0611F2"/>
+                </a:solidFill>
+                <a:latin typeface="맑은 고딕" charset="0"/>
+                <a:ea typeface="맑은 고딕" charset="0"/>
+              </a:rPr>
+              <a:t>28. </a:t>
+            </a:r>
+            <a:r>
+              <a:rPr lang="ko-KR" sz="1800">
+                <a:latin typeface="맑은 고딕" charset="0"/>
+                <a:ea typeface="맑은 고딕" charset="0"/>
+              </a:rPr>
+              <a:t>그리고 Kick Button과 Running Button의 앵커와 위치를 설정합니다.</a:t>
+            </a:r>
+            <a:endParaRPr lang="ko-KR" altLang="en-US" sz="1800">
+              <a:latin typeface="맑은 고딕" charset="0"/>
+              <a:ea typeface="맑은 고딕" charset="0"/>
+            </a:endParaRPr>
+          </a:p>
+        </p:txBody>
+      </p:sp>
     </p:spTree>
   </p:cSld>
   <p:clrMapOvr>
@@ -17164,7 +17005,7 @@
       </p:sp>
       <p:pic>
         <p:nvPicPr>
-          <p:cNvPr id="1160" name="그림 99" descr="C:/Users/Admin1/AppData/Roaming/PolarisOffice/ETemp/21372_12698968/fImage29523219961.png"/>
+          <p:cNvPr id="1160" name="그림 99"/>
           <p:cNvPicPr>
             <a:picLocks noChangeAspect="1"/>
           </p:cNvPicPr>
@@ -17230,7 +17071,7 @@
       </p:cxnSp>
       <p:pic>
         <p:nvPicPr>
-          <p:cNvPr id="1167" name="그림 28" descr="C:/Users/Admin1/AppData/Roaming/PolarisOffice/ETemp/21372_12698968/fImage50043163281.png"/>
+          <p:cNvPr id="1167" name="그림 28"/>
           <p:cNvPicPr>
             <a:picLocks noChangeAspect="1"/>
           </p:cNvPicPr>
@@ -17261,7 +17102,7 @@
       </p:pic>
       <p:pic>
         <p:nvPicPr>
-          <p:cNvPr id="1168" name="그림 29" descr="C:/Users/Admin1/AppData/Roaming/PolarisOffice/ETemp/21372_12698968/fImage85063176827.png"/>
+          <p:cNvPr id="1168" name="그림 29"/>
           <p:cNvPicPr>
             <a:picLocks noChangeAspect="1"/>
           </p:cNvPicPr>
@@ -17468,7 +17309,7 @@
       </p:sp>
       <p:pic>
         <p:nvPicPr>
-          <p:cNvPr id="1171" name="그림 15" descr="C:/Users/Admin1/AppData/Roaming/PolarisOffice/ETemp/21372_12698968/fImage3349343452995.png"/>
+          <p:cNvPr id="1171" name="그림 15" descr="C:/Users/Admin1/AppData/Roaming/PolarisOffice/ETemp/9880_20815312/fImage3349343452995.png"/>
           <p:cNvPicPr>
             <a:picLocks noChangeAspect="1"/>
           </p:cNvPicPr>
@@ -17489,7 +17330,7 @@
         <p:spPr>
           <a:xfrm rot="0">
             <a:off x="6823710" y="1471930"/>
-            <a:ext cx="4168140" cy="3547110"/>
+            <a:ext cx="4168775" cy="3547745"/>
           </a:xfrm>
           <a:prstGeom prst="rect"/>
           <a:noFill/>
@@ -17595,8 +17436,8 @@
         </p:nvSpPr>
         <p:spPr>
           <a:xfrm rot="0">
-            <a:off x="1323975" y="4460240"/>
-            <a:ext cx="4010660" cy="1508125"/>
+            <a:off x="1323975" y="4477385"/>
+            <a:ext cx="4011295" cy="1508760"/>
           </a:xfrm>
           <a:prstGeom prst="rect"/>
           <a:noFill/>
@@ -17668,7 +17509,7 @@
       </p:sp>
       <p:pic>
         <p:nvPicPr>
-          <p:cNvPr id="1166" name="그림 108" descr="C:/Users/Admin1/AppData/Roaming/PolarisOffice/ETemp/21372_12698968/fImage113473461942.png"/>
+          <p:cNvPr id="1166" name="그림 108"/>
           <p:cNvPicPr>
             <a:picLocks noChangeAspect="1"/>
           </p:cNvPicPr>
@@ -17699,7 +17540,7 @@
       </p:pic>
       <p:pic>
         <p:nvPicPr>
-          <p:cNvPr id="1167" name="그림 109" descr="C:/Users/Admin1/AppData/Roaming/PolarisOffice/ETemp/21372_12698968/fImage115223474827.png"/>
+          <p:cNvPr id="1167" name="그림 109"/>
           <p:cNvPicPr>
             <a:picLocks noChangeAspect="1"/>
           </p:cNvPicPr>
@@ -17784,7 +17625,7 @@
       </p:sp>
       <p:pic>
         <p:nvPicPr>
-          <p:cNvPr id="1174" name="그림 18" descr="C:/Users/Admin1/AppData/Roaming/PolarisOffice/ETemp/21372_12698968/fImage61383636334.png"/>
+          <p:cNvPr id="1174" name="그림 18"/>
           <p:cNvPicPr>
             <a:picLocks noChangeAspect="1"/>
           </p:cNvPicPr>
@@ -17815,7 +17656,7 @@
       </p:pic>
       <p:pic>
         <p:nvPicPr>
-          <p:cNvPr id="1175" name="그림 22" descr="C:/Users/Admin1/AppData/Roaming/PolarisOffice/ETemp/21372_12698968/fImage1989133656500.png"/>
+          <p:cNvPr id="1175" name="그림 22"/>
           <p:cNvPicPr>
             <a:picLocks noChangeAspect="1"/>
           </p:cNvPicPr>
@@ -17844,7 +17685,7 @@
       </p:pic>
       <p:pic>
         <p:nvPicPr>
-          <p:cNvPr id="1176" name="그림 23" descr="C:/Users/Admin1/AppData/Roaming/PolarisOffice/ETemp/21372_12698968/fImage10263376153.png"/>
+          <p:cNvPr id="1176" name="그림 23"/>
           <p:cNvPicPr>
             <a:picLocks noChangeAspect="1"/>
           </p:cNvPicPr>
@@ -17883,8 +17724,8 @@
         </p:nvSpPr>
         <p:spPr>
           <a:xfrm rot="0">
-            <a:off x="6806565" y="5292090"/>
-            <a:ext cx="4199890" cy="677545"/>
+            <a:off x="6806565" y="5309235"/>
+            <a:ext cx="4200525" cy="678180"/>
           </a:xfrm>
           <a:prstGeom prst="rect"/>
           <a:noFill/>
@@ -17918,14 +17759,7 @@
                 <a:latin typeface="맑은 고딕" charset="0"/>
                 <a:ea typeface="맑은 고딕" charset="0"/>
               </a:rPr>
-              <a:t>이제</a:t>
-            </a:r>
-            <a:r>
-              <a:rPr lang="ko-KR" sz="1800">
-                <a:latin typeface="맑은 고딕" charset="0"/>
-                <a:ea typeface="맑은 고딕" charset="0"/>
-              </a:rPr>
-              <a:t> 애니메이터 컨트롤러를 선택하여 Base Layer에 들어옵니다. </a:t>
+              <a:t>이제 애니메이터 컨트롤러를 선택하여 Base Layer에 들어옵니다. </a:t>
             </a:r>
             <a:endParaRPr lang="ko-KR" altLang="en-US" sz="1800">
               <a:latin typeface="맑은 고딕" charset="0"/>
@@ -18938,7 +18772,7 @@
         <p:spPr>
           <a:xfrm rot="0">
             <a:off x="6837045" y="4319905"/>
-            <a:ext cx="4150995" cy="1785620"/>
+            <a:ext cx="4363720" cy="1784985"/>
           </a:xfrm>
           <a:prstGeom prst="rect"/>
           <a:noFill/>
@@ -19010,7 +18844,7 @@
       </p:sp>
       <p:pic>
         <p:nvPicPr>
-          <p:cNvPr id="1168" name="그림 162" descr="C:/Users/Admin1/AppData/Roaming/PolarisOffice/ETemp/21372_12698968/fImage2468734327421.png"/>
+          <p:cNvPr id="1168" name="그림 162"/>
           <p:cNvPicPr>
             <a:picLocks noChangeAspect="1"/>
           </p:cNvPicPr>
@@ -19041,7 +18875,7 @@
       </p:pic>
       <p:pic>
         <p:nvPicPr>
-          <p:cNvPr id="1169" name="그림 163" descr="C:/Users/Admin1/AppData/Roaming/PolarisOffice/ETemp/21372_12698968/fImage2366184338716.png"/>
+          <p:cNvPr id="1169" name="그림 163"/>
           <p:cNvPicPr>
             <a:picLocks noChangeAspect="1"/>
           </p:cNvPicPr>
@@ -19126,7 +18960,7 @@
       </p:sp>
       <p:pic>
         <p:nvPicPr>
-          <p:cNvPr id="1172" name="그림 170" descr="C:/Users/Admin1/AppData/Roaming/PolarisOffice/ETemp/21372_12698968/fImage1290804479718.png"/>
+          <p:cNvPr id="1172" name="그림 170" descr="C:/Users/Admin1/AppData/Roaming/PolarisOffice/ETemp/9880_20815312/fImage1290804479718.png"/>
           <p:cNvPicPr>
             <a:picLocks noChangeAspect="1"/>
           </p:cNvPicPr>
@@ -19147,7 +18981,7 @@
         <p:spPr>
           <a:xfrm rot="0">
             <a:off x="6817995" y="1409065"/>
-            <a:ext cx="1962150" cy="2773045"/>
+            <a:ext cx="2099310" cy="2773680"/>
           </a:xfrm>
           <a:prstGeom prst="rect"/>
           <a:noFill/>
@@ -19155,7 +18989,7 @@
       </p:pic>
       <p:pic>
         <p:nvPicPr>
-          <p:cNvPr id="1173" name="그림 172" descr="C:/Users/Admin1/AppData/Roaming/PolarisOffice/ETemp/21372_12698968/fImage1268824489895.png"/>
+          <p:cNvPr id="1173" name="그림 172" descr="C:/Users/Admin1/AppData/Roaming/PolarisOffice/ETemp/9880_20815312/fImage1268824489895.png"/>
           <p:cNvPicPr>
             <a:picLocks noChangeAspect="1"/>
           </p:cNvPicPr>
@@ -19175,8 +19009,8 @@
         </p:blipFill>
         <p:spPr>
           <a:xfrm rot="0">
-            <a:off x="9072245" y="1409700"/>
-            <a:ext cx="1897380" cy="2762885"/>
+            <a:off x="9115425" y="1401445"/>
+            <a:ext cx="2094230" cy="2763520"/>
           </a:xfrm>
           <a:prstGeom prst="rect"/>
           <a:noFill/>

--- a/Assets/Class/Animator & Blend Tree/PPT Data/Animation Example.pptx
+++ b/Assets/Class/Animator & Blend Tree/PPT Data/Animation Example.pptx
@@ -2,7 +2,7 @@
 <file path=ppt/presentation.xml><?xml version="1.0" encoding="utf-8"?>
 <p:presentation xmlns:a="http://schemas.openxmlformats.org/drawingml/2006/main" xmlns:r="http://schemas.openxmlformats.org/officeDocument/2006/relationships" xmlns:p="http://schemas.openxmlformats.org/presentationml/2006/main" xmlns:p14="http://schemas.microsoft.com/office/powerpoint/2010/main" saveSubsetFonts="1" firstSlideNum="0">
   <p:sldMasterIdLst>
-    <p:sldMasterId id="2147486214" r:id="rId12"/>
+    <p:sldMasterId id="2147486221" r:id="rId12"/>
   </p:sldMasterIdLst>
   <p:notesMasterIdLst>
     <p:notesMasterId r:id="rId14"/>
@@ -13,25 +13,25 @@
     <p:sldId id="296" r:id="rId20"/>
     <p:sldId id="316" r:id="rId22"/>
     <p:sldId id="291" r:id="rId24"/>
-    <p:sldId id="297" r:id="rId25"/>
-    <p:sldId id="298" r:id="rId26"/>
-    <p:sldId id="299" r:id="rId28"/>
-    <p:sldId id="300" r:id="rId30"/>
-    <p:sldId id="301" r:id="rId31"/>
-    <p:sldId id="302" r:id="rId32"/>
-    <p:sldId id="292" r:id="rId33"/>
-    <p:sldId id="303" r:id="rId35"/>
-    <p:sldId id="304" r:id="rId36"/>
-    <p:sldId id="306" r:id="rId37"/>
-    <p:sldId id="307" r:id="rId39"/>
-    <p:sldId id="308" r:id="rId41"/>
-    <p:sldId id="309" r:id="rId43"/>
-    <p:sldId id="310" r:id="rId45"/>
-    <p:sldId id="311" r:id="rId47"/>
-    <p:sldId id="312" r:id="rId49"/>
-    <p:sldId id="313" r:id="rId51"/>
-    <p:sldId id="314" r:id="rId53"/>
-    <p:sldId id="315" r:id="rId55"/>
+    <p:sldId id="297" r:id="rId26"/>
+    <p:sldId id="298" r:id="rId27"/>
+    <p:sldId id="299" r:id="rId29"/>
+    <p:sldId id="300" r:id="rId31"/>
+    <p:sldId id="301" r:id="rId33"/>
+    <p:sldId id="302" r:id="rId35"/>
+    <p:sldId id="292" r:id="rId37"/>
+    <p:sldId id="303" r:id="rId39"/>
+    <p:sldId id="304" r:id="rId41"/>
+    <p:sldId id="306" r:id="rId43"/>
+    <p:sldId id="307" r:id="rId45"/>
+    <p:sldId id="308" r:id="rId47"/>
+    <p:sldId id="309" r:id="rId49"/>
+    <p:sldId id="310" r:id="rId51"/>
+    <p:sldId id="311" r:id="rId53"/>
+    <p:sldId id="312" r:id="rId55"/>
+    <p:sldId id="313" r:id="rId57"/>
+    <p:sldId id="314" r:id="rId59"/>
+    <p:sldId id="315" r:id="rId61"/>
   </p:sldIdLst>
   <p:sldSz cx="12192000" cy="6858000"/>
   <p:notesSz cx="6858000" cy="9144000"/>
@@ -8899,9 +8899,9 @@
           <p:nvPr/>
         </p:nvSpPr>
         <p:spPr>
-          <a:xfrm rot="0">
+          <a:xfrm>
             <a:off x="1263650" y="5208905"/>
-            <a:ext cx="4140835" cy="955040"/>
+            <a:ext cx="4141470" cy="954405"/>
           </a:xfrm>
           <a:prstGeom prst="rect"/>
           <a:noFill/>
@@ -8942,147 +8942,35 @@
                 <a:latin typeface="맑은 고딕" charset="0"/>
                 <a:ea typeface="맑은 고딕" charset="0"/>
               </a:rPr>
-              <a:t>Google에</a:t>
+              <a:t>첫 번째로 </a:t>
             </a:r>
             <a:r>
               <a:rPr lang="ko-KR" sz="2000">
                 <a:latin typeface="맑은 고딕" charset="0"/>
                 <a:ea typeface="맑은 고딕" charset="0"/>
               </a:rPr>
-              <a:t> </a:t>
+              <a:t>Google에 </a:t>
             </a:r>
             <a:r>
               <a:rPr lang="ko-KR" sz="1800">
                 <a:latin typeface="맑은 고딕" charset="0"/>
                 <a:ea typeface="맑은 고딕" charset="0"/>
               </a:rPr>
-              <a:t>mixamo라고</a:t>
+              <a:t>mixamo라고 검색한 다음 사이트에 접속하여 Sig</a:t>
             </a:r>
             <a:r>
               <a:rPr lang="ko-KR" sz="1800">
                 <a:latin typeface="맑은 고딕" charset="0"/>
                 <a:ea typeface="맑은 고딕" charset="0"/>
               </a:rPr>
-              <a:t> </a:t>
+              <a:t>n</a:t>
             </a:r>
             <a:r>
               <a:rPr lang="ko-KR" sz="1800">
                 <a:latin typeface="맑은 고딕" charset="0"/>
                 <a:ea typeface="맑은 고딕" charset="0"/>
               </a:rPr>
-              <a:t>검색한</a:t>
-            </a:r>
-            <a:r>
-              <a:rPr lang="ko-KR" sz="1800">
-                <a:latin typeface="맑은 고딕" charset="0"/>
-                <a:ea typeface="맑은 고딕" charset="0"/>
-              </a:rPr>
-              <a:t> </a:t>
-            </a:r>
-            <a:r>
-              <a:rPr lang="ko-KR" sz="1800">
-                <a:latin typeface="맑은 고딕" charset="0"/>
-                <a:ea typeface="맑은 고딕" charset="0"/>
-              </a:rPr>
-              <a:t>다음</a:t>
-            </a:r>
-            <a:r>
-              <a:rPr lang="ko-KR" sz="1800">
-                <a:latin typeface="맑은 고딕" charset="0"/>
-                <a:ea typeface="맑은 고딕" charset="0"/>
-              </a:rPr>
-              <a:t> </a:t>
-            </a:r>
-            <a:r>
-              <a:rPr lang="ko-KR" sz="1800">
-                <a:latin typeface="맑은 고딕" charset="0"/>
-                <a:ea typeface="맑은 고딕" charset="0"/>
-              </a:rPr>
-              <a:t>사이트에</a:t>
-            </a:r>
-            <a:r>
-              <a:rPr lang="ko-KR" sz="1800">
-                <a:latin typeface="맑은 고딕" charset="0"/>
-                <a:ea typeface="맑은 고딕" charset="0"/>
-              </a:rPr>
-              <a:t> </a:t>
-            </a:r>
-            <a:r>
-              <a:rPr lang="ko-KR" sz="1800">
-                <a:latin typeface="맑은 고딕" charset="0"/>
-                <a:ea typeface="맑은 고딕" charset="0"/>
-              </a:rPr>
-              <a:t>접속하여</a:t>
-            </a:r>
-            <a:r>
-              <a:rPr lang="ko-KR" sz="1800">
-                <a:latin typeface="맑은 고딕" charset="0"/>
-                <a:ea typeface="맑은 고딕" charset="0"/>
-              </a:rPr>
-              <a:t> </a:t>
-            </a:r>
-            <a:r>
-              <a:rPr lang="ko-KR" sz="1800">
-                <a:latin typeface="맑은 고딕" charset="0"/>
-                <a:ea typeface="맑은 고딕" charset="0"/>
-              </a:rPr>
-              <a:t>Sige</a:t>
-            </a:r>
-            <a:r>
-              <a:rPr lang="ko-KR" sz="1800">
-                <a:latin typeface="맑은 고딕" charset="0"/>
-                <a:ea typeface="맑은 고딕" charset="0"/>
-              </a:rPr>
-              <a:t> </a:t>
-            </a:r>
-            <a:r>
-              <a:rPr lang="ko-KR" sz="1800">
-                <a:latin typeface="맑은 고딕" charset="0"/>
-                <a:ea typeface="맑은 고딕" charset="0"/>
-              </a:rPr>
-              <a:t>Up</a:t>
-            </a:r>
-            <a:r>
-              <a:rPr lang="ko-KR" sz="1800">
-                <a:latin typeface="맑은 고딕" charset="0"/>
-                <a:ea typeface="맑은 고딕" charset="0"/>
-              </a:rPr>
-              <a:t> </a:t>
-            </a:r>
-            <a:r>
-              <a:rPr lang="ko-KR" sz="1800">
-                <a:latin typeface="맑은 고딕" charset="0"/>
-                <a:ea typeface="맑은 고딕" charset="0"/>
-              </a:rPr>
-              <a:t>for</a:t>
-            </a:r>
-            <a:r>
-              <a:rPr lang="ko-KR" sz="1800">
-                <a:latin typeface="맑은 고딕" charset="0"/>
-                <a:ea typeface="맑은 고딕" charset="0"/>
-              </a:rPr>
-              <a:t> </a:t>
-            </a:r>
-            <a:r>
-              <a:rPr lang="ko-KR" sz="1800">
-                <a:latin typeface="맑은 고딕" charset="0"/>
-                <a:ea typeface="맑은 고딕" charset="0"/>
-              </a:rPr>
-              <a:t>Free를</a:t>
-            </a:r>
-            <a:r>
-              <a:rPr lang="ko-KR" sz="1800">
-                <a:latin typeface="맑은 고딕" charset="0"/>
-                <a:ea typeface="맑은 고딕" charset="0"/>
-              </a:rPr>
-              <a:t> </a:t>
-            </a:r>
-            <a:r>
-              <a:rPr lang="ko-KR" sz="1800">
-                <a:latin typeface="맑은 고딕" charset="0"/>
-                <a:ea typeface="맑은 고딕" charset="0"/>
-              </a:rPr>
-              <a:t>선택합니다.</a:t>
+              <a:t> Up for Free를 선택합니다.</a:t>
             </a:r>
             <a:endParaRPr lang="ko-KR" altLang="en-US" sz="1800">
               <a:latin typeface="맑은 고딕" charset="0"/>
@@ -9176,7 +9064,7 @@
       </p:pic>
       <p:pic>
         <p:nvPicPr>
-          <p:cNvPr id="1155" name="그림 52" descr="C:/Users/Admin1/AppData/Roaming/PolarisOffice/ETemp/21372_12698968/fImage211862728467.png"/>
+          <p:cNvPr id="1155" name="그림 52"/>
           <p:cNvPicPr>
             <a:picLocks noChangeAspect="1"/>
           </p:cNvPicPr>
@@ -13333,7 +13221,7 @@
         <p:spPr>
           <a:xfrm rot="0">
             <a:off x="1222375" y="5448300"/>
-            <a:ext cx="4141470" cy="678815"/>
+            <a:ext cx="4142105" cy="679450"/>
           </a:xfrm>
           <a:prstGeom prst="rect"/>
           <a:noFill/>
@@ -13439,7 +13327,7 @@
       </p:sp>
       <p:pic>
         <p:nvPicPr>
-          <p:cNvPr id="1156" name="그림 54" descr="C:/Users/Admin1/AppData/Roaming/PolarisOffice/ETemp/21372_12698968/fImage4065842826334.png"/>
+          <p:cNvPr id="1156" name="그림 54" descr="C:/Users/Admin1/AppData/Roaming/PolarisOffice/ETemp/3400_14330424/fImage4065842826334.png"/>
           <p:cNvPicPr>
             <a:picLocks noChangeAspect="1"/>
           </p:cNvPicPr>
@@ -13460,7 +13348,7 @@
         <p:spPr>
           <a:xfrm rot="0">
             <a:off x="1222375" y="1363345"/>
-            <a:ext cx="4141470" cy="3949065"/>
+            <a:ext cx="4142105" cy="3949700"/>
           </a:xfrm>
           <a:prstGeom prst="rect"/>
           <a:noFill/>
@@ -13499,7 +13387,7 @@
       </p:pic>
       <p:pic>
         <p:nvPicPr>
-          <p:cNvPr id="1158" name="그림 56"/>
+          <p:cNvPr id="1158" name="그림 56" descr="C:/Users/Admin1/AppData/Roaming/PolarisOffice/ETemp/3400_14330424/fImage106292849169.png"/>
           <p:cNvPicPr>
             <a:picLocks noChangeAspect="1"/>
           </p:cNvPicPr>
@@ -13520,7 +13408,7 @@
         <p:spPr>
           <a:xfrm rot="0">
             <a:off x="6821805" y="4274820"/>
-            <a:ext cx="744220" cy="868045"/>
+            <a:ext cx="945515" cy="1036320"/>
           </a:xfrm>
           <a:prstGeom prst="roundRect"/>
           <a:solidFill>
@@ -13538,8 +13426,8 @@
         </p:nvSpPr>
         <p:spPr>
           <a:xfrm rot="0">
-            <a:off x="6831330" y="5446395"/>
-            <a:ext cx="4250690" cy="677545"/>
+            <a:off x="6840220" y="5446395"/>
+            <a:ext cx="4251325" cy="677545"/>
           </a:xfrm>
           <a:prstGeom prst="rect"/>
           <a:noFill/>
@@ -13582,67 +13470,9 @@
           </a:p>
         </p:txBody>
       </p:sp>
-      <p:sp>
-        <p:nvSpPr>
-          <p:cNvPr id="1161" name="도형 63"/>
-          <p:cNvSpPr>
-            <a:spLocks/>
-          </p:cNvSpPr>
-          <p:nvPr/>
-        </p:nvSpPr>
-        <p:spPr>
-          <a:xfrm rot="0">
-            <a:off x="7689850" y="4545965"/>
-            <a:ext cx="334010" cy="328930"/>
-          </a:xfrm>
-          <a:prstGeom prst="notchedRightArrow"/>
-          <a:scene3d>
-            <a:camera prst="orthographicFront"/>
-            <a:lightRig rig="threePt" dir="t"/>
-          </a:scene3d>
-          <a:sp3d prstMaterial="warmMatte">
-            <a:bevelT w="76200" h="76200" prst="circle"/>
-            <a:contourClr>
-              <a:srgbClr val="000000"/>
-            </a:contourClr>
-          </a:sp3d>
-        </p:spPr>
-        <p:style>
-          <a:lnRef idx="2">
-            <a:schemeClr val="accent1">
-              <a:shade val="50000"/>
-            </a:schemeClr>
-          </a:lnRef>
-          <a:fillRef idx="1">
-            <a:schemeClr val="accent1"/>
-          </a:fillRef>
-          <a:effectRef idx="0">
-            <a:schemeClr val="accent1"/>
-          </a:effectRef>
-          <a:fontRef idx="minor">
-            <a:schemeClr val="lt1"/>
-          </a:fontRef>
-        </p:style>
-        <p:txBody>
-          <a:bodyPr wrap="square" lIns="91440" tIns="45720" rIns="91440" bIns="45720" numCol="1" vert="horz" anchor="ctr">
-            <a:noAutofit/>
-          </a:bodyPr>
-          <a:lstStyle/>
-          <a:p>
-            <a:pPr marL="0" indent="0" algn="ctr" latinLnBrk="0" hangingPunct="1">
-              <a:buFontTx/>
-              <a:buNone/>
-            </a:pPr>
-            <a:endParaRPr lang="ko-KR" altLang="en-US" sz="1800">
-              <a:latin typeface="맑은 고딕" charset="0"/>
-              <a:ea typeface="맑은 고딕" charset="0"/>
-            </a:endParaRPr>
-          </a:p>
-        </p:txBody>
-      </p:sp>
       <p:pic>
         <p:nvPicPr>
-          <p:cNvPr id="1162" name="그림 66"/>
+          <p:cNvPr id="1162" name="그림 66" descr="C:/Users/Admin1/AppData/Roaming/PolarisOffice/ETemp/3400_14330424/fImage75242895724.png"/>
           <p:cNvPicPr>
             <a:picLocks noChangeAspect="1"/>
           </p:cNvPicPr>
@@ -13662,13 +13492,42 @@
         </p:blipFill>
         <p:spPr>
           <a:xfrm rot="0">
-            <a:off x="8204200" y="4272280"/>
-            <a:ext cx="2880360" cy="874395"/>
+            <a:off x="8545195" y="4272280"/>
+            <a:ext cx="2540000" cy="1038860"/>
           </a:xfrm>
           <a:prstGeom prst="roundRect"/>
           <a:solidFill>
             <a:srgbClr val="EDEDED"/>
           </a:solidFill>
+        </p:spPr>
+      </p:pic>
+      <p:pic>
+        <p:nvPicPr>
+          <p:cNvPr id="1163" name="그림 4" descr="C:/Users/Admin1/AppData/Roaming/PolarisOffice/ETemp/3400_14330424/fImage22421734441.png"/>
+          <p:cNvPicPr>
+            <a:picLocks noChangeAspect="1"/>
+          </p:cNvPicPr>
+          <p:nvPr/>
+        </p:nvPicPr>
+        <p:blipFill rotWithShape="1">
+          <a:blip r:embed="rId7" cstate="print">
+            <a:extLst>
+              <a:ext uri="{28A0092B-C50C-407E-A947-70E740481C1C}">
+                <a14:useLocalDpi xmlns:a14="http://schemas.microsoft.com/office/drawing/2010/main" val="0"/>
+              </a:ext>
+            </a:extLst>
+          </a:blip>
+          <a:stretch>
+            <a:fillRect/>
+          </a:stretch>
+        </p:blipFill>
+        <p:spPr>
+          <a:xfrm rot="0">
+            <a:off x="7914005" y="4592320"/>
+            <a:ext cx="528955" cy="424180"/>
+          </a:xfrm>
+          <a:prstGeom prst="rect"/>
+          <a:noFill/>
         </p:spPr>
       </p:pic>
     </p:spTree>
@@ -15911,8 +15770,8 @@
         </p:nvSpPr>
         <p:spPr>
           <a:xfrm rot="0">
-            <a:off x="1222375" y="5438775"/>
-            <a:ext cx="4173855" cy="678180"/>
+            <a:off x="1222375" y="5534025"/>
+            <a:ext cx="4174490" cy="678815"/>
           </a:xfrm>
           <a:prstGeom prst="rect"/>
           <a:noFill/>
@@ -16026,8 +15885,8 @@
         </p:nvSpPr>
         <p:spPr>
           <a:xfrm rot="0">
-            <a:off x="6831965" y="5466080"/>
-            <a:ext cx="4257675" cy="647065"/>
+            <a:off x="6823075" y="5561330"/>
+            <a:ext cx="4258310" cy="647700"/>
           </a:xfrm>
           <a:prstGeom prst="rect"/>
           <a:noFill/>
@@ -16058,14 +15917,7 @@
                 <a:latin typeface="맑은 고딕" charset="0"/>
                 <a:ea typeface="맑은 고딕" charset="0"/>
               </a:rPr>
-              <a:t>게임 오브젝트의 애니메이션을 제어하는 컴포넌트</a:t>
-            </a:r>
-            <a:r>
-              <a:rPr lang="ko-KR" altLang="en-US" sz="1800">
-                <a:latin typeface="맑은 고딕" charset="0"/>
-                <a:ea typeface="맑은 고딕" charset="0"/>
-              </a:rPr>
-              <a:t>입니다.</a:t>
+              <a:t>게임 오브젝트의 애니메이션을 제어하는 컴포넌트입니다.</a:t>
             </a:r>
             <a:endParaRPr lang="ko-KR" altLang="en-US" sz="1800">
               <a:latin typeface="맑은 고딕" charset="0"/>
@@ -16401,17 +16253,17 @@
       </p:sp>
       <p:pic>
         <p:nvPicPr>
-          <p:cNvPr id="1171" name="그림 14"/>
+          <p:cNvPr id="1171" name="그림 14" descr="C:/Users/Admin1/AppData/Roaming/PolarisOffice/ETemp/3400_14330424/fImage2446744741.png"/>
           <p:cNvPicPr>
             <a:picLocks noChangeAspect="1"/>
           </p:cNvPicPr>
           <p:nvPr/>
         </p:nvPicPr>
         <p:blipFill rotWithShape="1">
-          <a:blip r:embed="rId10" cstate="print">
+          <a:blip r:embed="rId10" cstate="hqprint">
             <a:extLst>
               <a:ext uri="{28A0092B-C50C-407E-A947-70E740481C1C}">
-                <a14:useLocalDpi xmlns:a14="http://schemas.microsoft.com/office/drawing/2010/main" val="0"/>
+                <a14:useLocalDpi xmlns:a14="http://schemas.microsoft.com/office/drawing/2010/main"/>
               </a:ext>
             </a:extLst>
           </a:blip>
@@ -16421,8 +16273,8 @@
         </p:blipFill>
         <p:spPr>
           <a:xfrm rot="0">
-            <a:off x="6838950" y="3295650"/>
-            <a:ext cx="4239260" cy="1972310"/>
+            <a:off x="6815455" y="3235325"/>
+            <a:ext cx="4263390" cy="2136775"/>
           </a:xfrm>
           <a:prstGeom prst="roundRect"/>
           <a:solidFill>
@@ -16550,8 +16402,8 @@
         </p:nvSpPr>
         <p:spPr>
           <a:xfrm rot="0">
-            <a:off x="1336040" y="5247005"/>
-            <a:ext cx="4055745" cy="677545"/>
+            <a:off x="1379220" y="5168900"/>
+            <a:ext cx="4056380" cy="954405"/>
           </a:xfrm>
           <a:prstGeom prst="rect"/>
           <a:noFill/>
@@ -16585,7 +16437,14 @@
                 <a:latin typeface="맑은 고딕" charset="0"/>
                 <a:ea typeface="맑은 고딕" charset="0"/>
               </a:rPr>
-              <a:t>그다음으로 Animator Controller를 생성합니다.</a:t>
+              <a:t>그다음으로 </a:t>
+            </a:r>
+            <a:r>
+              <a:rPr sz="1800">
+                <a:latin typeface="맑은 고딕" charset="0"/>
+                <a:ea typeface="맑은 고딕" charset="0"/>
+              </a:rPr>
+              <a:t>Project 폴더에 있는 Animator 폴더에 Animator Controller를 생성합니다.</a:t>
             </a:r>
             <a:endParaRPr lang="ko-KR" altLang="en-US" sz="1800">
               <a:latin typeface="맑은 고딕" charset="0"/>
@@ -16596,7 +16455,7 @@
       </p:sp>
       <p:pic>
         <p:nvPicPr>
-          <p:cNvPr id="1171" name="Picture " descr="C:/Users/Admin1/AppData/Roaming/PolarisOffice/ETemp/21372_12698968/fImage415713108145.png"/>
+          <p:cNvPr id="1171" name="Picture " descr="C:/Users/Admin1/AppData/Roaming/PolarisOffice/ETemp/3400_14330424/fImage415713108145.png"/>
           <p:cNvPicPr>
             <a:picLocks noChangeAspect="1"/>
           </p:cNvPicPr>
@@ -16617,7 +16476,7 @@
         <p:spPr>
           <a:xfrm rot="0">
             <a:off x="1329055" y="1361440"/>
-            <a:ext cx="4053840" cy="3818255"/>
+            <a:ext cx="4054475" cy="3681095"/>
           </a:xfrm>
           <a:prstGeom prst="roundRect"/>
           <a:solidFill>
@@ -16635,8 +16494,8 @@
         </p:nvSpPr>
         <p:spPr>
           <a:xfrm rot="0">
-            <a:off x="6821170" y="2397760"/>
-            <a:ext cx="4152900" cy="954405"/>
+            <a:off x="6821170" y="2570480"/>
+            <a:ext cx="4153535" cy="955040"/>
           </a:xfrm>
           <a:prstGeom prst="rect"/>
           <a:noFill/>
@@ -16670,21 +16529,7 @@
                 <a:latin typeface="맑은 고딕" charset="0"/>
                 <a:ea typeface="맑은 고딕" charset="0"/>
               </a:rPr>
-              <a:t>그리고 </a:t>
-            </a:r>
-            <a:r>
-              <a:rPr lang="ko-KR" sz="1800">
-                <a:latin typeface="맑은 고딕" charset="0"/>
-                <a:ea typeface="맑은 고딕" charset="0"/>
-              </a:rPr>
-              <a:t>Dreyar By M.Aure 오브젝트</a:t>
-            </a:r>
-            <a:r>
-              <a:rPr lang="ko-KR" sz="1800">
-                <a:latin typeface="맑은 고딕" charset="0"/>
-                <a:ea typeface="맑은 고딕" charset="0"/>
-              </a:rPr>
-              <a:t>에 방금 생성한 Animator Controller를 넣어줍니다.</a:t>
+              <a:t>그리고 Dreyar By M.Aure 오브젝트에 방금 생성한 Animator Controller를 넣어줍니다.</a:t>
             </a:r>
             <a:endParaRPr lang="ko-KR" altLang="en-US" sz="1800">
               <a:latin typeface="맑은 고딕" charset="0"/>
@@ -16695,17 +16540,17 @@
       </p:sp>
       <p:pic>
         <p:nvPicPr>
-          <p:cNvPr id="1177" name="그림 5" descr="C:/Users/Admin1/AppData/Roaming/PolarisOffice/ETemp/21372_12698968/fImage455135641.png"/>
+          <p:cNvPr id="1177" name="그림 5" descr="C:/Users/Admin1/AppData/Roaming/PolarisOffice/ETemp/3400_14330424/fImage455135641.png"/>
           <p:cNvPicPr>
             <a:picLocks noChangeAspect="1"/>
           </p:cNvPicPr>
           <p:nvPr/>
         </p:nvPicPr>
         <p:blipFill rotWithShape="1">
-          <a:blip r:embed="rId5" cstate="print">
+          <a:blip r:embed="rId5" cstate="hqprint">
             <a:extLst>
               <a:ext uri="{28A0092B-C50C-407E-A947-70E740481C1C}">
-                <a14:useLocalDpi xmlns:a14="http://schemas.microsoft.com/office/drawing/2010/main" val="0"/>
+                <a14:useLocalDpi xmlns:a14="http://schemas.microsoft.com/office/drawing/2010/main"/>
               </a:ext>
             </a:extLst>
           </a:blip>
@@ -16716,7 +16561,7 @@
         <p:spPr>
           <a:xfrm rot="0">
             <a:off x="8221345" y="1364615"/>
-            <a:ext cx="2751455" cy="922020"/>
+            <a:ext cx="2752090" cy="1118235"/>
           </a:xfrm>
           <a:prstGeom prst="roundRect"/>
           <a:solidFill>
@@ -16726,7 +16571,7 @@
       </p:pic>
       <p:pic>
         <p:nvPicPr>
-          <p:cNvPr id="1178" name="그림 8" descr="C:/Users/Admin1/AppData/Roaming/PolarisOffice/ETemp/21372_12698968/fImage42973039358.png"/>
+          <p:cNvPr id="1178" name="그림 8" descr="C:/Users/Admin1/AppData/Roaming/PolarisOffice/ETemp/3400_14330424/fImage42973039358.png"/>
           <p:cNvPicPr>
             <a:picLocks noChangeAspect="1"/>
           </p:cNvPicPr>
@@ -16747,7 +16592,7 @@
         <p:spPr>
           <a:xfrm rot="0">
             <a:off x="6822440" y="1371600"/>
-            <a:ext cx="1183640" cy="915035"/>
+            <a:ext cx="1184275" cy="1109345"/>
           </a:xfrm>
           <a:prstGeom prst="roundRect"/>
           <a:solidFill>
@@ -16763,13 +16608,12 @@
         </p:nvCxnSpPr>
         <p:spPr>
           <a:xfrm rot="0" flipH="1">
-            <a:off x="7947025" y="2103120"/>
-            <a:ext cx="349885" cy="635"/>
+            <a:off x="7955915" y="2241550"/>
+            <a:ext cx="350520" cy="1270"/>
           </a:xfrm>
           <a:prstGeom prst="straightConnector1"/>
           <a:ln w="6350" cap="flat" cmpd="sng">
             <a:prstDash/>
-            <a:headEnd type="none" w="med" len="med"/>
             <a:tailEnd type="triangle" w="med" len="med"/>
           </a:ln>
         </p:spPr>
@@ -16790,17 +16634,17 @@
       </p:cxnSp>
       <p:pic>
         <p:nvPicPr>
-          <p:cNvPr id="1180" name="그림 10" descr="C:/Users/Admin1/AppData/Roaming/PolarisOffice/ETemp/21372_12698968/fImage127933598467.png"/>
+          <p:cNvPr id="1180" name="그림 10" descr="C:/Users/Admin1/AppData/Roaming/PolarisOffice/ETemp/3400_14330424/fImage127933598467.png"/>
           <p:cNvPicPr>
             <a:picLocks noChangeAspect="1"/>
           </p:cNvPicPr>
           <p:nvPr/>
         </p:nvPicPr>
         <p:blipFill rotWithShape="1">
-          <a:blip r:embed="rId7" cstate="print">
+          <a:blip r:embed="rId7" cstate="hqprint">
             <a:extLst>
               <a:ext uri="{28A0092B-C50C-407E-A947-70E740481C1C}">
-                <a14:useLocalDpi xmlns:a14="http://schemas.microsoft.com/office/drawing/2010/main" val="0"/>
+                <a14:useLocalDpi xmlns:a14="http://schemas.microsoft.com/office/drawing/2010/main"/>
               </a:ext>
             </a:extLst>
           </a:blip>
@@ -16810,8 +16654,8 @@
         </p:blipFill>
         <p:spPr>
           <a:xfrm rot="0">
-            <a:off x="6824980" y="3481070"/>
-            <a:ext cx="4146550" cy="1636395"/>
+            <a:off x="6824980" y="3670935"/>
+            <a:ext cx="4147185" cy="1637030"/>
           </a:xfrm>
           <a:prstGeom prst="roundRect"/>
           <a:solidFill>
@@ -16829,8 +16673,8 @@
         </p:nvSpPr>
         <p:spPr>
           <a:xfrm rot="0">
-            <a:off x="6825615" y="5248275"/>
-            <a:ext cx="4152900" cy="677545"/>
+            <a:off x="6834505" y="5447030"/>
+            <a:ext cx="4153535" cy="678180"/>
           </a:xfrm>
           <a:prstGeom prst="rect"/>
           <a:noFill/>
@@ -16857,27 +16701,7 @@
                 <a:latin typeface="맑은 고딕" charset="0"/>
                 <a:ea typeface="맑은 고딕" charset="0"/>
               </a:rPr>
-              <a:t>1</a:t>
-            </a:r>
-            <a:r>
-              <a:rPr lang="ko-KR" sz="2000" b="1">
-                <a:solidFill>
-                  <a:srgbClr val="0611F2"/>
-                </a:solidFill>
-                <a:latin typeface="맑은 고딕" charset="0"/>
-                <a:ea typeface="맑은 고딕" charset="0"/>
-              </a:rPr>
-              <a:t>1</a:t>
-            </a:r>
-            <a:r>
-              <a:rPr lang="ko-KR" sz="2000" b="1">
-                <a:solidFill>
-                  <a:srgbClr val="0611F2"/>
-                </a:solidFill>
-                <a:latin typeface="맑은 고딕" charset="0"/>
-                <a:ea typeface="맑은 고딕" charset="0"/>
-              </a:rPr>
-              <a:t>. </a:t>
+              <a:t>11. </a:t>
             </a:r>
             <a:r>
               <a:rPr lang="ko-KR" sz="1800">
@@ -17509,7 +17333,7 @@
       </p:sp>
       <p:pic>
         <p:nvPicPr>
-          <p:cNvPr id="1166" name="그림 108"/>
+          <p:cNvPr id="1166" name="그림 108" descr="C:/Users/Admin1/AppData/Roaming/PolarisOffice/ETemp/10512_21871896/fImage113473461942.png"/>
           <p:cNvPicPr>
             <a:picLocks noChangeAspect="1"/>
           </p:cNvPicPr>
@@ -17530,12 +17354,10 @@
         <p:spPr>
           <a:xfrm rot="0">
             <a:off x="1336040" y="1409065"/>
-            <a:ext cx="3999865" cy="2990215"/>
-          </a:xfrm>
-          <a:prstGeom prst="roundRect"/>
-          <a:solidFill>
-            <a:srgbClr val="EDEDED"/>
-          </a:solidFill>
+            <a:ext cx="4000500" cy="2990850"/>
+          </a:xfrm>
+          <a:prstGeom prst="rect"/>
+          <a:noFill/>
         </p:spPr>
       </p:pic>
       <p:pic>

--- a/Assets/Class/Animator & Blend Tree/PPT Data/Animation Example.pptx
+++ b/Assets/Class/Animator & Blend Tree/PPT Data/Animation Example.pptx
@@ -2,7 +2,7 @@
 <file path=ppt/presentation.xml><?xml version="1.0" encoding="utf-8"?>
 <p:presentation xmlns:a="http://schemas.openxmlformats.org/drawingml/2006/main" xmlns:r="http://schemas.openxmlformats.org/officeDocument/2006/relationships" xmlns:p="http://schemas.openxmlformats.org/presentationml/2006/main" xmlns:p14="http://schemas.microsoft.com/office/powerpoint/2010/main" saveSubsetFonts="1" firstSlideNum="0">
   <p:sldMasterIdLst>
-    <p:sldMasterId id="2147486221" r:id="rId12"/>
+    <p:sldMasterId id="2147486223" r:id="rId12"/>
   </p:sldMasterIdLst>
   <p:notesMasterIdLst>
     <p:notesMasterId r:id="rId14"/>
@@ -15,23 +15,23 @@
     <p:sldId id="291" r:id="rId24"/>
     <p:sldId id="297" r:id="rId26"/>
     <p:sldId id="298" r:id="rId27"/>
-    <p:sldId id="299" r:id="rId29"/>
-    <p:sldId id="300" r:id="rId31"/>
-    <p:sldId id="301" r:id="rId33"/>
-    <p:sldId id="302" r:id="rId35"/>
-    <p:sldId id="292" r:id="rId37"/>
-    <p:sldId id="303" r:id="rId39"/>
-    <p:sldId id="304" r:id="rId41"/>
-    <p:sldId id="306" r:id="rId43"/>
-    <p:sldId id="307" r:id="rId45"/>
-    <p:sldId id="308" r:id="rId47"/>
-    <p:sldId id="309" r:id="rId49"/>
-    <p:sldId id="310" r:id="rId51"/>
-    <p:sldId id="311" r:id="rId53"/>
-    <p:sldId id="312" r:id="rId55"/>
-    <p:sldId id="313" r:id="rId57"/>
-    <p:sldId id="314" r:id="rId59"/>
-    <p:sldId id="315" r:id="rId61"/>
+    <p:sldId id="299" r:id="rId28"/>
+    <p:sldId id="300" r:id="rId30"/>
+    <p:sldId id="301" r:id="rId32"/>
+    <p:sldId id="302" r:id="rId34"/>
+    <p:sldId id="292" r:id="rId36"/>
+    <p:sldId id="303" r:id="rId38"/>
+    <p:sldId id="304" r:id="rId40"/>
+    <p:sldId id="306" r:id="rId42"/>
+    <p:sldId id="307" r:id="rId44"/>
+    <p:sldId id="308" r:id="rId46"/>
+    <p:sldId id="309" r:id="rId48"/>
+    <p:sldId id="310" r:id="rId50"/>
+    <p:sldId id="311" r:id="rId52"/>
+    <p:sldId id="312" r:id="rId54"/>
+    <p:sldId id="313" r:id="rId56"/>
+    <p:sldId id="314" r:id="rId58"/>
+    <p:sldId id="315" r:id="rId60"/>
   </p:sldIdLst>
   <p:sldSz cx="12192000" cy="6858000"/>
   <p:notesSz cx="6858000" cy="9144000"/>
@@ -17333,7 +17333,7 @@
       </p:sp>
       <p:pic>
         <p:nvPicPr>
-          <p:cNvPr id="1166" name="그림 108" descr="C:/Users/Admin1/AppData/Roaming/PolarisOffice/ETemp/10512_21871896/fImage113473461942.png"/>
+          <p:cNvPr id="1166" name="그림 108" descr="C:/Users/Admin1/AppData/Roaming/PolarisOffice/ETemp/12272_8304848/fImage113473461942.png"/>
           <p:cNvPicPr>
             <a:picLocks noChangeAspect="1"/>
           </p:cNvPicPr>
@@ -17354,10 +17354,12 @@
         <p:spPr>
           <a:xfrm rot="0">
             <a:off x="1336040" y="1409065"/>
-            <a:ext cx="4000500" cy="2990850"/>
-          </a:xfrm>
-          <a:prstGeom prst="rect"/>
-          <a:noFill/>
+            <a:ext cx="4001135" cy="2991485"/>
+          </a:xfrm>
+          <a:prstGeom prst="roundRect"/>
+          <a:solidFill>
+            <a:srgbClr val="EDEDED"/>
+          </a:solidFill>
         </p:spPr>
       </p:pic>
       <p:pic>
@@ -17852,17 +17854,17 @@
       </p:pic>
       <p:pic>
         <p:nvPicPr>
-          <p:cNvPr id="1175" name="그림 123"/>
+          <p:cNvPr id="1175" name="그림 123" descr="C:/Users/Admin1/AppData/Roaming/PolarisOffice/ETemp/12272_8304848/fImage30643713902.png"/>
           <p:cNvPicPr>
             <a:picLocks noChangeAspect="1"/>
           </p:cNvPicPr>
           <p:nvPr/>
         </p:nvPicPr>
         <p:blipFill rotWithShape="1">
-          <a:blip r:embed="rId4" cstate="print">
+          <a:blip r:embed="rId4" cstate="hqprint">
             <a:extLst>
               <a:ext uri="{28A0092B-C50C-407E-A947-70E740481C1C}">
-                <a14:useLocalDpi xmlns:a14="http://schemas.microsoft.com/office/drawing/2010/main" val="0"/>
+                <a14:useLocalDpi xmlns:a14="http://schemas.microsoft.com/office/drawing/2010/main"/>
               </a:ext>
             </a:extLst>
           </a:blip>
@@ -17872,8 +17874,8 @@
         </p:blipFill>
         <p:spPr>
           <a:xfrm rot="0">
-            <a:off x="8811895" y="1720850"/>
-            <a:ext cx="2087245" cy="1172845"/>
+            <a:off x="8233410" y="1720850"/>
+            <a:ext cx="2666365" cy="1173480"/>
           </a:xfrm>
           <a:prstGeom prst="roundRect"/>
           <a:solidFill>
@@ -17996,7 +17998,7 @@
       </p:sp>
       <p:pic>
         <p:nvPicPr>
-          <p:cNvPr id="1181" name="그림 27" descr="C:/Users/Admin1/AppData/Roaming/PolarisOffice/ETemp/21372_12698968/fImage259543689169.png"/>
+          <p:cNvPr id="1181" name="그림 27"/>
           <p:cNvPicPr>
             <a:picLocks noChangeAspect="1"/>
           </p:cNvPicPr>
